--- a/docs/img/PublicResults/LocalPublicResults.pptx
+++ b/docs/img/PublicResults/LocalPublicResults.pptx
@@ -301,7 +301,7 @@
               <a:pPr>
                 <a:defRPr/>
               </a:pPr>
-              <a:t>2020-07-11</a:t>
+              <a:t>2020-07-12</a:t>
             </a:fld>
             <a:endParaRPr lang="fr-CA"/>
           </a:p>
@@ -516,7 +516,7 @@
               <a:pPr>
                 <a:defRPr/>
               </a:pPr>
-              <a:t>2020-07-11</a:t>
+              <a:t>2020-07-12</a:t>
             </a:fld>
             <a:endParaRPr lang="fr-CA"/>
           </a:p>
@@ -741,7 +741,7 @@
               <a:pPr>
                 <a:defRPr/>
               </a:pPr>
-              <a:t>2020-07-11</a:t>
+              <a:t>2020-07-12</a:t>
             </a:fld>
             <a:endParaRPr lang="fr-CA"/>
           </a:p>
@@ -956,7 +956,7 @@
               <a:pPr>
                 <a:defRPr/>
               </a:pPr>
-              <a:t>2020-07-11</a:t>
+              <a:t>2020-07-12</a:t>
             </a:fld>
             <a:endParaRPr lang="fr-CA"/>
           </a:p>
@@ -1247,7 +1247,7 @@
               <a:pPr>
                 <a:defRPr/>
               </a:pPr>
-              <a:t>2020-07-11</a:t>
+              <a:t>2020-07-12</a:t>
             </a:fld>
             <a:endParaRPr lang="fr-CA"/>
           </a:p>
@@ -1524,7 +1524,7 @@
               <a:pPr>
                 <a:defRPr/>
               </a:pPr>
-              <a:t>2020-07-11</a:t>
+              <a:t>2020-07-12</a:t>
             </a:fld>
             <a:endParaRPr lang="fr-CA"/>
           </a:p>
@@ -1936,7 +1936,7 @@
               <a:pPr>
                 <a:defRPr/>
               </a:pPr>
-              <a:t>2020-07-11</a:t>
+              <a:t>2020-07-12</a:t>
             </a:fld>
             <a:endParaRPr lang="fr-CA"/>
           </a:p>
@@ -2099,7 +2099,7 @@
               <a:pPr>
                 <a:defRPr/>
               </a:pPr>
-              <a:t>2020-07-11</a:t>
+              <a:t>2020-07-12</a:t>
             </a:fld>
             <a:endParaRPr lang="fr-CA"/>
           </a:p>
@@ -2239,7 +2239,7 @@
               <a:pPr>
                 <a:defRPr/>
               </a:pPr>
-              <a:t>2020-07-11</a:t>
+              <a:t>2020-07-12</a:t>
             </a:fld>
             <a:endParaRPr lang="fr-CA"/>
           </a:p>
@@ -2561,7 +2561,7 @@
               <a:pPr>
                 <a:defRPr/>
               </a:pPr>
-              <a:t>2020-07-11</a:t>
+              <a:t>2020-07-12</a:t>
             </a:fld>
             <a:endParaRPr lang="fr-CA"/>
           </a:p>
@@ -2862,7 +2862,7 @@
               <a:pPr>
                 <a:defRPr/>
               </a:pPr>
-              <a:t>2020-07-11</a:t>
+              <a:t>2020-07-12</a:t>
             </a:fld>
             <a:endParaRPr lang="fr-CA"/>
           </a:p>
@@ -3189,7 +3189,7 @@
               <a:pPr>
                 <a:defRPr/>
               </a:pPr>
-              <a:t>2020-07-11</a:t>
+              <a:t>2020-07-12</a:t>
             </a:fld>
             <a:endParaRPr lang="fr-CA"/>
           </a:p>
@@ -8034,6 +8034,7 @@
             </a:avLst>
           </a:prstGeom>
           <a:ln w="76200">
+            <a:headEnd type="triangle"/>
             <a:tailEnd type="triangle"/>
           </a:ln>
         </p:spPr>

--- a/docs/img/PublicResults/LocalPublicResults.pptx
+++ b/docs/img/PublicResults/LocalPublicResults.pptx
@@ -301,7 +301,7 @@
               <a:pPr>
                 <a:defRPr/>
               </a:pPr>
-              <a:t>2020-07-12</a:t>
+              <a:t>2020-08-05</a:t>
             </a:fld>
             <a:endParaRPr lang="fr-CA"/>
           </a:p>
@@ -516,7 +516,7 @@
               <a:pPr>
                 <a:defRPr/>
               </a:pPr>
-              <a:t>2020-07-12</a:t>
+              <a:t>2020-08-05</a:t>
             </a:fld>
             <a:endParaRPr lang="fr-CA"/>
           </a:p>
@@ -741,7 +741,7 @@
               <a:pPr>
                 <a:defRPr/>
               </a:pPr>
-              <a:t>2020-07-12</a:t>
+              <a:t>2020-08-05</a:t>
             </a:fld>
             <a:endParaRPr lang="fr-CA"/>
           </a:p>
@@ -956,7 +956,7 @@
               <a:pPr>
                 <a:defRPr/>
               </a:pPr>
-              <a:t>2020-07-12</a:t>
+              <a:t>2020-08-05</a:t>
             </a:fld>
             <a:endParaRPr lang="fr-CA"/>
           </a:p>
@@ -1247,7 +1247,7 @@
               <a:pPr>
                 <a:defRPr/>
               </a:pPr>
-              <a:t>2020-07-12</a:t>
+              <a:t>2020-08-05</a:t>
             </a:fld>
             <a:endParaRPr lang="fr-CA"/>
           </a:p>
@@ -1524,7 +1524,7 @@
               <a:pPr>
                 <a:defRPr/>
               </a:pPr>
-              <a:t>2020-07-12</a:t>
+              <a:t>2020-08-05</a:t>
             </a:fld>
             <a:endParaRPr lang="fr-CA"/>
           </a:p>
@@ -1936,7 +1936,7 @@
               <a:pPr>
                 <a:defRPr/>
               </a:pPr>
-              <a:t>2020-07-12</a:t>
+              <a:t>2020-08-05</a:t>
             </a:fld>
             <a:endParaRPr lang="fr-CA"/>
           </a:p>
@@ -2099,7 +2099,7 @@
               <a:pPr>
                 <a:defRPr/>
               </a:pPr>
-              <a:t>2020-07-12</a:t>
+              <a:t>2020-08-05</a:t>
             </a:fld>
             <a:endParaRPr lang="fr-CA"/>
           </a:p>
@@ -2239,7 +2239,7 @@
               <a:pPr>
                 <a:defRPr/>
               </a:pPr>
-              <a:t>2020-07-12</a:t>
+              <a:t>2020-08-05</a:t>
             </a:fld>
             <a:endParaRPr lang="fr-CA"/>
           </a:p>
@@ -2561,7 +2561,7 @@
               <a:pPr>
                 <a:defRPr/>
               </a:pPr>
-              <a:t>2020-07-12</a:t>
+              <a:t>2020-08-05</a:t>
             </a:fld>
             <a:endParaRPr lang="fr-CA"/>
           </a:p>
@@ -2862,7 +2862,7 @@
               <a:pPr>
                 <a:defRPr/>
               </a:pPr>
-              <a:t>2020-07-12</a:t>
+              <a:t>2020-08-05</a:t>
             </a:fld>
             <a:endParaRPr lang="fr-CA"/>
           </a:p>
@@ -3189,7 +3189,7 @@
               <a:pPr>
                 <a:defRPr/>
               </a:pPr>
-              <a:t>2020-07-12</a:t>
+              <a:t>2020-08-05</a:t>
             </a:fld>
             <a:endParaRPr lang="fr-CA"/>
           </a:p>
@@ -7412,8 +7412,8 @@
         </p:nvSpPr>
         <p:spPr bwMode="auto">
           <a:xfrm>
-            <a:off x="8118475" y="1922463"/>
-            <a:ext cx="2832100" cy="369887"/>
+            <a:off x="8377029" y="1922463"/>
+            <a:ext cx="2314994" cy="369332"/>
           </a:xfrm>
           <a:prstGeom prst="rect">
             <a:avLst/>
@@ -7616,8 +7616,12 @@
               <a:buNone/>
             </a:pPr>
             <a:r>
-              <a:rPr lang="fr-CA" altLang="fr-FR" sz="1800"/>
-              <a:t>Coaches/Public Scoreboards</a:t>
+              <a:rPr lang="fr-CA" altLang="fr-FR" sz="1800" dirty="0" err="1"/>
+              <a:t>Individual</a:t>
+            </a:r>
+            <a:r>
+              <a:rPr lang="fr-CA" altLang="fr-FR" sz="1800" dirty="0"/>
+              <a:t> Scoreboards</a:t>
             </a:r>
           </a:p>
         </p:txBody>
@@ -7798,7 +7802,7 @@
         <p:spPr bwMode="auto">
           <a:xfrm>
             <a:off x="9798050" y="487363"/>
-            <a:ext cx="1673225" cy="307975"/>
+            <a:ext cx="1680973" cy="307777"/>
           </a:xfrm>
           <a:prstGeom prst="rect">
             <a:avLst/>
@@ -8001,8 +8005,8 @@
               <a:buNone/>
             </a:pPr>
             <a:r>
-              <a:rPr lang="fr-CA" altLang="fr-FR" sz="1400" i="1"/>
-              <a:t>Attendence Network</a:t>
+              <a:rPr lang="fr-CA" altLang="fr-FR" sz="1400" i="1" dirty="0"/>
+              <a:t>Attendance Network</a:t>
             </a:r>
           </a:p>
         </p:txBody>
@@ -11804,8 +11808,8 @@
         </p:nvSpPr>
         <p:spPr bwMode="auto">
           <a:xfrm>
-            <a:off x="8085138" y="1922463"/>
-            <a:ext cx="3340100" cy="369887"/>
+            <a:off x="8597693" y="1922463"/>
+            <a:ext cx="2314994" cy="369332"/>
           </a:xfrm>
           <a:prstGeom prst="rect">
             <a:avLst/>
@@ -12008,9 +12012,14 @@
               <a:buNone/>
             </a:pPr>
             <a:r>
+              <a:rPr lang="fr-CA" altLang="fr-FR" sz="1800" dirty="0" err="1"/>
+              <a:t>Individual</a:t>
+            </a:r>
+            <a:r>
               <a:rPr lang="fr-CA" altLang="fr-FR" sz="1800"/>
-              <a:t>Coaches/Attendance Scoreboards</a:t>
+              <a:t> Scoreboards</a:t>
             </a:r>
+            <a:endParaRPr lang="fr-CA" altLang="fr-FR" sz="1800" dirty="0"/>
           </a:p>
         </p:txBody>
       </p:sp>

--- a/docs/img/PublicResults/LocalPublicResults.pptx
+++ b/docs/img/PublicResults/LocalPublicResults.pptx
@@ -6,7 +6,6 @@
   </p:sldMasterIdLst>
   <p:sldIdLst>
     <p:sldId id="257" r:id="rId2"/>
-    <p:sldId id="262" r:id="rId3"/>
   </p:sldIdLst>
   <p:sldSz cx="12192000" cy="6858000"/>
   <p:notesSz cx="6858000" cy="9144000"/>
@@ -301,7 +300,7 @@
               <a:pPr>
                 <a:defRPr/>
               </a:pPr>
-              <a:t>2020-08-05</a:t>
+              <a:t>2020-08-07</a:t>
             </a:fld>
             <a:endParaRPr lang="fr-CA"/>
           </a:p>
@@ -516,7 +515,7 @@
               <a:pPr>
                 <a:defRPr/>
               </a:pPr>
-              <a:t>2020-08-05</a:t>
+              <a:t>2020-08-07</a:t>
             </a:fld>
             <a:endParaRPr lang="fr-CA"/>
           </a:p>
@@ -741,7 +740,7 @@
               <a:pPr>
                 <a:defRPr/>
               </a:pPr>
-              <a:t>2020-08-05</a:t>
+              <a:t>2020-08-07</a:t>
             </a:fld>
             <a:endParaRPr lang="fr-CA"/>
           </a:p>
@@ -956,7 +955,7 @@
               <a:pPr>
                 <a:defRPr/>
               </a:pPr>
-              <a:t>2020-08-05</a:t>
+              <a:t>2020-08-07</a:t>
             </a:fld>
             <a:endParaRPr lang="fr-CA"/>
           </a:p>
@@ -1247,7 +1246,7 @@
               <a:pPr>
                 <a:defRPr/>
               </a:pPr>
-              <a:t>2020-08-05</a:t>
+              <a:t>2020-08-07</a:t>
             </a:fld>
             <a:endParaRPr lang="fr-CA"/>
           </a:p>
@@ -1524,7 +1523,7 @@
               <a:pPr>
                 <a:defRPr/>
               </a:pPr>
-              <a:t>2020-08-05</a:t>
+              <a:t>2020-08-07</a:t>
             </a:fld>
             <a:endParaRPr lang="fr-CA"/>
           </a:p>
@@ -1936,7 +1935,7 @@
               <a:pPr>
                 <a:defRPr/>
               </a:pPr>
-              <a:t>2020-08-05</a:t>
+              <a:t>2020-08-07</a:t>
             </a:fld>
             <a:endParaRPr lang="fr-CA"/>
           </a:p>
@@ -2099,7 +2098,7 @@
               <a:pPr>
                 <a:defRPr/>
               </a:pPr>
-              <a:t>2020-08-05</a:t>
+              <a:t>2020-08-07</a:t>
             </a:fld>
             <a:endParaRPr lang="fr-CA"/>
           </a:p>
@@ -2239,7 +2238,7 @@
               <a:pPr>
                 <a:defRPr/>
               </a:pPr>
-              <a:t>2020-08-05</a:t>
+              <a:t>2020-08-07</a:t>
             </a:fld>
             <a:endParaRPr lang="fr-CA"/>
           </a:p>
@@ -2561,7 +2560,7 @@
               <a:pPr>
                 <a:defRPr/>
               </a:pPr>
-              <a:t>2020-08-05</a:t>
+              <a:t>2020-08-07</a:t>
             </a:fld>
             <a:endParaRPr lang="fr-CA"/>
           </a:p>
@@ -2862,7 +2861,7 @@
               <a:pPr>
                 <a:defRPr/>
               </a:pPr>
-              <a:t>2020-08-05</a:t>
+              <a:t>2020-08-07</a:t>
             </a:fld>
             <a:endParaRPr lang="fr-CA"/>
           </a:p>
@@ -3189,7 +3188,7 @@
               <a:pPr>
                 <a:defRPr/>
               </a:pPr>
-              <a:t>2020-08-05</a:t>
+              <a:t>2020-08-07</a:t>
             </a:fld>
             <a:endParaRPr lang="fr-CA"/>
           </a:p>
@@ -3806,7 +3805,7 @@
         </p:blipFill>
         <p:spPr bwMode="auto">
           <a:xfrm>
-            <a:off x="652463" y="598488"/>
+            <a:off x="652463" y="781646"/>
             <a:ext cx="914400" cy="914400"/>
           </a:xfrm>
           <a:prstGeom prst="rect">
@@ -4106,7 +4105,7 @@
         </p:blipFill>
         <p:spPr bwMode="auto">
           <a:xfrm>
-            <a:off x="1895475" y="603250"/>
+            <a:off x="1895475" y="786408"/>
             <a:ext cx="914400" cy="914400"/>
           </a:xfrm>
           <a:prstGeom prst="rect">
@@ -4321,8 +4320,8 @@
         </p:nvCxnSpPr>
         <p:spPr>
           <a:xfrm rot="16200000" flipV="1">
-            <a:off x="1961356" y="661195"/>
-            <a:ext cx="2047875" cy="3751262"/>
+            <a:off x="2052936" y="752774"/>
+            <a:ext cx="1864717" cy="3751262"/>
           </a:xfrm>
           <a:prstGeom prst="curvedConnector3">
             <a:avLst>
@@ -4366,8 +4365,8 @@
         </p:nvCxnSpPr>
         <p:spPr>
           <a:xfrm rot="16200000" flipV="1">
-            <a:off x="2585243" y="1285082"/>
-            <a:ext cx="2043113" cy="2508250"/>
+            <a:off x="2676823" y="1376661"/>
+            <a:ext cx="1859955" cy="2508250"/>
           </a:xfrm>
           <a:prstGeom prst="curvedConnector3">
             <a:avLst>
@@ -4464,7 +4463,7 @@
         </p:nvSpPr>
         <p:spPr bwMode="auto">
           <a:xfrm>
-            <a:off x="2865438" y="836613"/>
+            <a:off x="2865438" y="1019771"/>
             <a:ext cx="1344612" cy="369887"/>
           </a:xfrm>
           <a:prstGeom prst="rect">
@@ -4924,7 +4923,7 @@
         <p:spPr bwMode="auto">
           <a:xfrm>
             <a:off x="4397375" y="4232275"/>
-            <a:ext cx="895350" cy="369888"/>
+            <a:ext cx="1085554" cy="553998"/>
           </a:xfrm>
           <a:prstGeom prst="rect">
             <a:avLst/>
@@ -5116,7 +5115,7 @@
             </a:lvl9pPr>
           </a:lstStyle>
           <a:p>
-            <a:pPr eaLnBrk="1" hangingPunct="1">
+            <a:pPr algn="ctr" eaLnBrk="1" hangingPunct="1">
               <a:lnSpc>
                 <a:spcPct val="100000"/>
               </a:lnSpc>
@@ -5127,9 +5126,17 @@
               <a:buNone/>
             </a:pPr>
             <a:r>
-              <a:rPr lang="fr-CA" altLang="fr-FR" sz="1800"/>
+              <a:rPr lang="fr-CA" altLang="fr-FR" sz="1800" dirty="0"/>
               <a:t>owlcms</a:t>
             </a:r>
+            <a:br>
+              <a:rPr lang="fr-CA" altLang="fr-FR" sz="1800" dirty="0"/>
+            </a:br>
+            <a:r>
+              <a:rPr lang="fr-CA" sz="1200" dirty="0"/>
+              <a:t>192.168.1.116</a:t>
+            </a:r>
+            <a:endParaRPr lang="fr-CA" altLang="fr-FR" sz="1800" dirty="0"/>
           </a:p>
         </p:txBody>
       </p:sp>
@@ -5211,8 +5218,8 @@
         </p:nvCxnSpPr>
         <p:spPr>
           <a:xfrm flipV="1">
-            <a:off x="2178050" y="4602163"/>
-            <a:ext cx="2667000" cy="915987"/>
+            <a:off x="2178050" y="4786273"/>
+            <a:ext cx="2762102" cy="731877"/>
           </a:xfrm>
           <a:prstGeom prst="curvedConnector2">
             <a:avLst/>
@@ -5766,7 +5773,7 @@
         <p:spPr bwMode="auto">
           <a:xfrm>
             <a:off x="652463" y="438150"/>
-            <a:ext cx="1741487" cy="306388"/>
+            <a:ext cx="2744341" cy="307777"/>
           </a:xfrm>
           <a:prstGeom prst="rect">
             <a:avLst/>
@@ -5969,8 +5976,12 @@
               <a:buNone/>
             </a:pPr>
             <a:r>
-              <a:rPr lang="fr-CA" altLang="fr-FR" sz="1400" i="1"/>
-              <a:t>Competition Network</a:t>
+              <a:rPr lang="fr-CA" altLang="fr-FR" sz="1400" i="1" dirty="0" err="1"/>
+              <a:t>Competition</a:t>
+            </a:r>
+            <a:r>
+              <a:rPr lang="fr-CA" altLang="fr-FR" sz="1400" i="1" dirty="0"/>
+              <a:t> Network (192.168.1.x)</a:t>
             </a:r>
           </a:p>
         </p:txBody>
@@ -7097,8 +7108,8 @@
         </p:nvSpPr>
         <p:spPr bwMode="auto">
           <a:xfrm>
-            <a:off x="8126413" y="4203700"/>
-            <a:ext cx="1376362" cy="369888"/>
+            <a:off x="8124810" y="4203700"/>
+            <a:ext cx="1377493" cy="553998"/>
           </a:xfrm>
           <a:prstGeom prst="rect">
             <a:avLst/>
@@ -7290,7 +7301,7 @@
             </a:lvl9pPr>
           </a:lstStyle>
           <a:p>
-            <a:pPr eaLnBrk="1" hangingPunct="1">
+            <a:pPr algn="ctr" eaLnBrk="1" hangingPunct="1">
               <a:lnSpc>
                 <a:spcPct val="100000"/>
               </a:lnSpc>
@@ -7301,9 +7312,17 @@
               <a:buNone/>
             </a:pPr>
             <a:r>
-              <a:rPr lang="fr-CA" altLang="fr-FR" sz="1800"/>
+              <a:rPr lang="fr-CA" altLang="fr-FR" sz="1800" dirty="0" err="1"/>
               <a:t>publicresults</a:t>
             </a:r>
+            <a:br>
+              <a:rPr lang="fr-CA" altLang="fr-FR" sz="1800" dirty="0"/>
+            </a:br>
+            <a:r>
+              <a:rPr lang="fr-CA" sz="1200" dirty="0"/>
+              <a:t>10.0.0.234</a:t>
+            </a:r>
+            <a:endParaRPr lang="fr-CA" altLang="fr-FR" sz="1800" dirty="0"/>
           </a:p>
         </p:txBody>
       </p:sp>
@@ -7802,7 +7821,7 @@
         <p:spPr bwMode="auto">
           <a:xfrm>
             <a:off x="9798050" y="487363"/>
-            <a:ext cx="1680973" cy="307777"/>
+            <a:ext cx="1680973" cy="523220"/>
           </a:xfrm>
           <a:prstGeom prst="rect">
             <a:avLst/>
@@ -8008,6 +8027,13 @@
               <a:rPr lang="fr-CA" altLang="fr-FR" sz="1400" i="1" dirty="0"/>
               <a:t>Attendance Network</a:t>
             </a:r>
+            <a:br>
+              <a:rPr lang="fr-CA" altLang="fr-FR" sz="1400" i="1" dirty="0"/>
+            </a:br>
+            <a:r>
+              <a:rPr lang="fr-CA" altLang="fr-FR" sz="1400" i="1" dirty="0"/>
+              <a:t>(10.0.0.x)</a:t>
+            </a:r>
           </a:p>
         </p:txBody>
       </p:sp>
@@ -8022,24 +8048,24 @@
           </p:cNvPr>
           <p:cNvCxnSpPr>
             <a:cxnSpLocks/>
-            <a:stCxn id="2" idx="0"/>
-            <a:endCxn id="3" idx="0"/>
+            <a:stCxn id="2" idx="2"/>
+            <a:endCxn id="3" idx="2"/>
           </p:cNvCxnSpPr>
           <p:nvPr/>
         </p:nvCxnSpPr>
         <p:spPr>
-          <a:xfrm rot="16200000" flipH="1" flipV="1">
-            <a:off x="6706394" y="2540794"/>
-            <a:ext cx="6350" cy="1589088"/>
+          <a:xfrm rot="5400000">
+            <a:off x="6706642" y="3455310"/>
+            <a:ext cx="5290" cy="1588542"/>
           </a:xfrm>
           <a:prstGeom prst="bentConnector3">
             <a:avLst>
-              <a:gd name="adj1" fmla="val -10803403"/>
+              <a:gd name="adj1" fmla="val 7772628"/>
             </a:avLst>
           </a:prstGeom>
           <a:ln w="76200">
             <a:headEnd type="triangle"/>
-            <a:tailEnd type="triangle"/>
+            <a:tailEnd type="none"/>
           </a:ln>
         </p:spPr>
         <p:style>
@@ -8073,8 +8099,8 @@
         </p:nvSpPr>
         <p:spPr bwMode="auto">
           <a:xfrm>
-            <a:off x="5470525" y="4175125"/>
-            <a:ext cx="917575" cy="646113"/>
+            <a:off x="5338930" y="2758327"/>
+            <a:ext cx="1353640" cy="646331"/>
           </a:xfrm>
           <a:prstGeom prst="rect">
             <a:avLst/>
@@ -8277,15 +8303,15 @@
               <a:buNone/>
             </a:pPr>
             <a:r>
-              <a:rPr lang="fr-CA" altLang="fr-FR" sz="1800"/>
-              <a:t>primary</a:t>
+              <a:rPr lang="fr-CA" altLang="fr-FR" sz="1800" dirty="0" err="1"/>
+              <a:t>Competition</a:t>
             </a:r>
             <a:br>
-              <a:rPr lang="fr-CA" altLang="fr-FR" sz="1800"/>
+              <a:rPr lang="fr-CA" altLang="fr-FR" sz="1800" dirty="0"/>
             </a:br>
             <a:r>
-              <a:rPr lang="fr-CA" altLang="fr-FR" sz="1800"/>
-              <a:t>router</a:t>
+              <a:rPr lang="fr-CA" altLang="fr-FR" sz="1800" dirty="0"/>
+              <a:t>Router</a:t>
             </a:r>
           </a:p>
         </p:txBody>
@@ -8308,8 +8334,8 @@
         </p:nvCxnSpPr>
         <p:spPr>
           <a:xfrm flipV="1">
-            <a:off x="4200525" y="4602163"/>
-            <a:ext cx="644525" cy="1198562"/>
+            <a:off x="4200525" y="4786273"/>
+            <a:ext cx="739627" cy="1014452"/>
           </a:xfrm>
           <a:prstGeom prst="curvedConnector2">
             <a:avLst/>
@@ -8349,8 +8375,8 @@
         </p:nvSpPr>
         <p:spPr bwMode="auto">
           <a:xfrm>
-            <a:off x="7007225" y="4151313"/>
-            <a:ext cx="1146175" cy="647700"/>
+            <a:off x="7082895" y="2776603"/>
+            <a:ext cx="1660776" cy="646331"/>
           </a:xfrm>
           <a:prstGeom prst="rect">
             <a:avLst/>
@@ -8553,16 +8579,34 @@
               <a:buNone/>
             </a:pPr>
             <a:r>
-              <a:rPr lang="fr-CA" altLang="fr-FR" sz="1800"/>
-              <a:t>secondary</a:t>
-            </a:r>
-            <a:br>
-              <a:rPr lang="fr-CA" altLang="fr-FR" sz="1800"/>
-            </a:br>
-            <a:r>
-              <a:rPr lang="fr-CA" altLang="fr-FR" sz="1800"/>
-              <a:t>router</a:t>
-            </a:r>
+              <a:rPr lang="fr-CA" altLang="fr-FR" sz="1800" dirty="0" err="1"/>
+              <a:t>Crowd</a:t>
+            </a:r>
+            <a:r>
+              <a:rPr lang="fr-CA" altLang="fr-FR" sz="1800" dirty="0"/>
+              <a:t>/Coaches</a:t>
+            </a:r>
+          </a:p>
+          <a:p>
+            <a:pPr eaLnBrk="1" hangingPunct="1">
+              <a:lnSpc>
+                <a:spcPct val="100000"/>
+              </a:lnSpc>
+              <a:spcBef>
+                <a:spcPct val="0"/>
+              </a:spcBef>
+              <a:buFontTx/>
+              <a:buNone/>
+            </a:pPr>
+            <a:r>
+              <a:rPr lang="fr-CA" altLang="fr-FR" sz="1800" dirty="0"/>
+              <a:t>Router + </a:t>
+            </a:r>
+            <a:r>
+              <a:rPr lang="fr-CA" altLang="fr-FR" sz="1800" dirty="0" err="1"/>
+              <a:t>WiFi</a:t>
+            </a:r>
+            <a:endParaRPr lang="fr-CA" altLang="fr-FR" sz="1800" dirty="0"/>
           </a:p>
         </p:txBody>
       </p:sp>
@@ -8626,581 +8670,65 @@
           </a:extLst>
         </p:spPr>
       </p:pic>
-    </p:spTree>
-  </p:cSld>
-  <p:clrMapOvr>
-    <a:masterClrMapping/>
-  </p:clrMapOvr>
-</p:sld>
-</file>
-
-<file path=ppt/slides/slide2.xml><?xml version="1.0" encoding="utf-8"?>
-<p:sld xmlns:a="http://schemas.openxmlformats.org/drawingml/2006/main" xmlns:r="http://schemas.openxmlformats.org/officeDocument/2006/relationships" xmlns:p="http://schemas.openxmlformats.org/presentationml/2006/main">
-  <p:cSld>
-    <p:spTree>
-      <p:nvGrpSpPr>
-        <p:cNvPr id="1" name=""/>
-        <p:cNvGrpSpPr/>
-        <p:nvPr/>
-      </p:nvGrpSpPr>
-      <p:grpSpPr>
-        <a:xfrm>
-          <a:off x="0" y="0"/>
-          <a:ext cx="0" cy="0"/>
-          <a:chOff x="0" y="0"/>
-          <a:chExt cx="0" cy="0"/>
-        </a:xfrm>
-      </p:grpSpPr>
-      <p:pic>
-        <p:nvPicPr>
-          <p:cNvPr id="3074" name="Graphic 4" descr="Laptop">
+      <p:sp>
+        <p:nvSpPr>
+          <p:cNvPr id="4" name="TextBox 3">
             <a:extLst>
               <a:ext uri="{FF2B5EF4-FFF2-40B4-BE49-F238E27FC236}">
-                <a16:creationId xmlns:a16="http://schemas.microsoft.com/office/drawing/2014/main" id="{92FE1CF2-EC20-4B41-9590-7F8CB6D06635}"/>
+                <a16:creationId xmlns:a16="http://schemas.microsoft.com/office/drawing/2014/main" id="{B376C293-3F86-4363-86B4-B6939CB22B0F}"/>
               </a:ext>
             </a:extLst>
           </p:cNvPr>
-          <p:cNvPicPr>
-            <a:picLocks noChangeAspect="1" noChangeArrowheads="1"/>
-          </p:cNvPicPr>
+          <p:cNvSpPr txBox="1"/>
           <p:nvPr/>
-        </p:nvPicPr>
-        <p:blipFill>
-          <a:blip r:embed="rId2">
-            <a:extLst>
-              <a:ext uri="{28A0092B-C50C-407E-A947-70E740481C1C}">
-                <a14:useLocalDpi xmlns:a14="http://schemas.microsoft.com/office/drawing/2010/main" val="0"/>
-              </a:ext>
-            </a:extLst>
-          </a:blip>
-          <a:srcRect/>
-          <a:stretch>
-            <a:fillRect/>
-          </a:stretch>
-        </p:blipFill>
-        <p:spPr bwMode="auto">
+        </p:nvSpPr>
+        <p:spPr>
           <a:xfrm>
-            <a:off x="652463" y="598488"/>
-            <a:ext cx="914400" cy="914400"/>
+            <a:off x="5883735" y="4294452"/>
+            <a:ext cx="661528" cy="369332"/>
           </a:xfrm>
           <a:prstGeom prst="rect">
             <a:avLst/>
           </a:prstGeom>
           <a:noFill/>
-          <a:ln>
-            <a:noFill/>
-          </a:ln>
-          <a:extLst>
-            <a:ext uri="{909E8E84-426E-40DD-AFC4-6F175D3DCCD1}">
-              <a14:hiddenFill xmlns:a14="http://schemas.microsoft.com/office/drawing/2010/main">
-                <a:solidFill>
-                  <a:srgbClr val="FFFFFF"/>
-                </a:solidFill>
-              </a14:hiddenFill>
-            </a:ext>
-            <a:ext uri="{91240B29-F687-4F45-9708-019B960494DF}">
-              <a14:hiddenLine xmlns:a14="http://schemas.microsoft.com/office/drawing/2010/main" w="9525">
-                <a:solidFill>
-                  <a:srgbClr val="000000"/>
-                </a:solidFill>
-                <a:miter lim="800000"/>
-                <a:headEnd/>
-                <a:tailEnd/>
-              </a14:hiddenLine>
-            </a:ext>
-          </a:extLst>
         </p:spPr>
-      </p:pic>
-      <p:pic>
-        <p:nvPicPr>
-          <p:cNvPr id="3075" name="Graphic 14" descr="Smart Phone">
-            <a:extLst>
-              <a:ext uri="{FF2B5EF4-FFF2-40B4-BE49-F238E27FC236}">
-                <a16:creationId xmlns:a16="http://schemas.microsoft.com/office/drawing/2014/main" id="{E21711C6-E9C1-4F9B-A0AE-1F081708758D}"/>
-              </a:ext>
-            </a:extLst>
-          </p:cNvPr>
-          <p:cNvPicPr>
-            <a:picLocks noChangeAspect="1" noChangeArrowheads="1"/>
-          </p:cNvPicPr>
-          <p:nvPr/>
-        </p:nvPicPr>
-        <p:blipFill>
-          <a:blip r:embed="rId3">
-            <a:extLst>
-              <a:ext uri="{28A0092B-C50C-407E-A947-70E740481C1C}">
-                <a14:useLocalDpi xmlns:a14="http://schemas.microsoft.com/office/drawing/2010/main" val="0"/>
-              </a:ext>
-            </a:extLst>
-          </a:blip>
-          <a:srcRect/>
-          <a:stretch>
-            <a:fillRect/>
-          </a:stretch>
-        </p:blipFill>
-        <p:spPr bwMode="auto">
-          <a:xfrm>
-            <a:off x="1054100" y="2778125"/>
-            <a:ext cx="457200" cy="457200"/>
-          </a:xfrm>
-          <a:prstGeom prst="rect">
-            <a:avLst/>
-          </a:prstGeom>
-          <a:noFill/>
-          <a:ln>
-            <a:noFill/>
-          </a:ln>
-          <a:extLst>
-            <a:ext uri="{909E8E84-426E-40DD-AFC4-6F175D3DCCD1}">
-              <a14:hiddenFill xmlns:a14="http://schemas.microsoft.com/office/drawing/2010/main">
-                <a:solidFill>
-                  <a:srgbClr val="FFFFFF"/>
-                </a:solidFill>
-              </a14:hiddenFill>
-            </a:ext>
-            <a:ext uri="{91240B29-F687-4F45-9708-019B960494DF}">
-              <a14:hiddenLine xmlns:a14="http://schemas.microsoft.com/office/drawing/2010/main" w="9525">
-                <a:solidFill>
-                  <a:srgbClr val="000000"/>
-                </a:solidFill>
-                <a:miter lim="800000"/>
-                <a:headEnd/>
-                <a:tailEnd/>
-              </a14:hiddenLine>
-            </a:ext>
-          </a:extLst>
-        </p:spPr>
-      </p:pic>
-      <p:pic>
-        <p:nvPicPr>
-          <p:cNvPr id="3076" name="Graphic 17" descr="Smart Phone">
-            <a:extLst>
-              <a:ext uri="{FF2B5EF4-FFF2-40B4-BE49-F238E27FC236}">
-                <a16:creationId xmlns:a16="http://schemas.microsoft.com/office/drawing/2014/main" id="{8486972D-5F76-43D1-A631-38BE7949F746}"/>
-              </a:ext>
-            </a:extLst>
-          </p:cNvPr>
-          <p:cNvPicPr>
-            <a:picLocks noChangeAspect="1" noChangeArrowheads="1"/>
-          </p:cNvPicPr>
-          <p:nvPr/>
-        </p:nvPicPr>
-        <p:blipFill>
-          <a:blip r:embed="rId3">
-            <a:extLst>
-              <a:ext uri="{28A0092B-C50C-407E-A947-70E740481C1C}">
-                <a14:useLocalDpi xmlns:a14="http://schemas.microsoft.com/office/drawing/2010/main" val="0"/>
-              </a:ext>
-            </a:extLst>
-          </a:blip>
-          <a:srcRect/>
-          <a:stretch>
-            <a:fillRect/>
-          </a:stretch>
-        </p:blipFill>
-        <p:spPr bwMode="auto">
-          <a:xfrm>
-            <a:off x="1728788" y="2778125"/>
-            <a:ext cx="457200" cy="457200"/>
-          </a:xfrm>
-          <a:prstGeom prst="rect">
-            <a:avLst/>
-          </a:prstGeom>
-          <a:noFill/>
-          <a:ln>
-            <a:noFill/>
-          </a:ln>
-          <a:extLst>
-            <a:ext uri="{909E8E84-426E-40DD-AFC4-6F175D3DCCD1}">
-              <a14:hiddenFill xmlns:a14="http://schemas.microsoft.com/office/drawing/2010/main">
-                <a:solidFill>
-                  <a:srgbClr val="FFFFFF"/>
-                </a:solidFill>
-              </a14:hiddenFill>
-            </a:ext>
-            <a:ext uri="{91240B29-F687-4F45-9708-019B960494DF}">
-              <a14:hiddenLine xmlns:a14="http://schemas.microsoft.com/office/drawing/2010/main" w="9525">
-                <a:solidFill>
-                  <a:srgbClr val="000000"/>
-                </a:solidFill>
-                <a:miter lim="800000"/>
-                <a:headEnd/>
-                <a:tailEnd/>
-              </a14:hiddenLine>
-            </a:ext>
-          </a:extLst>
-        </p:spPr>
-      </p:pic>
-      <p:pic>
-        <p:nvPicPr>
-          <p:cNvPr id="3077" name="Graphic 18" descr="Smart Phone">
-            <a:extLst>
-              <a:ext uri="{FF2B5EF4-FFF2-40B4-BE49-F238E27FC236}">
-                <a16:creationId xmlns:a16="http://schemas.microsoft.com/office/drawing/2014/main" id="{082403F8-9CD1-4103-996C-FF05E970660E}"/>
-              </a:ext>
-            </a:extLst>
-          </p:cNvPr>
-          <p:cNvPicPr>
-            <a:picLocks noChangeAspect="1" noChangeArrowheads="1"/>
-          </p:cNvPicPr>
-          <p:nvPr/>
-        </p:nvPicPr>
-        <p:blipFill>
-          <a:blip r:embed="rId3">
-            <a:extLst>
-              <a:ext uri="{28A0092B-C50C-407E-A947-70E740481C1C}">
-                <a14:useLocalDpi xmlns:a14="http://schemas.microsoft.com/office/drawing/2010/main" val="0"/>
-              </a:ext>
-            </a:extLst>
-          </a:blip>
-          <a:srcRect/>
-          <a:stretch>
-            <a:fillRect/>
-          </a:stretch>
-        </p:blipFill>
-        <p:spPr bwMode="auto">
-          <a:xfrm>
-            <a:off x="2352675" y="2778125"/>
-            <a:ext cx="457200" cy="457200"/>
-          </a:xfrm>
-          <a:prstGeom prst="rect">
-            <a:avLst/>
-          </a:prstGeom>
-          <a:noFill/>
-          <a:ln>
-            <a:noFill/>
-          </a:ln>
-          <a:extLst>
-            <a:ext uri="{909E8E84-426E-40DD-AFC4-6F175D3DCCD1}">
-              <a14:hiddenFill xmlns:a14="http://schemas.microsoft.com/office/drawing/2010/main">
-                <a:solidFill>
-                  <a:srgbClr val="FFFFFF"/>
-                </a:solidFill>
-              </a14:hiddenFill>
-            </a:ext>
-            <a:ext uri="{91240B29-F687-4F45-9708-019B960494DF}">
-              <a14:hiddenLine xmlns:a14="http://schemas.microsoft.com/office/drawing/2010/main" w="9525">
-                <a:solidFill>
-                  <a:srgbClr val="000000"/>
-                </a:solidFill>
-                <a:miter lim="800000"/>
-                <a:headEnd/>
-                <a:tailEnd/>
-              </a14:hiddenLine>
-            </a:ext>
-          </a:extLst>
-        </p:spPr>
-      </p:pic>
-      <p:pic>
-        <p:nvPicPr>
-          <p:cNvPr id="3078" name="Graphic 20" descr="Server">
-            <a:extLst>
-              <a:ext uri="{FF2B5EF4-FFF2-40B4-BE49-F238E27FC236}">
-                <a16:creationId xmlns:a16="http://schemas.microsoft.com/office/drawing/2014/main" id="{9C9616C2-EF35-4909-B940-11E1CAB0E7A2}"/>
-              </a:ext>
-            </a:extLst>
-          </p:cNvPr>
-          <p:cNvPicPr>
-            <a:picLocks noChangeAspect="1" noChangeArrowheads="1"/>
-          </p:cNvPicPr>
-          <p:nvPr/>
-        </p:nvPicPr>
-        <p:blipFill>
-          <a:blip r:embed="rId4">
-            <a:extLst>
-              <a:ext uri="{28A0092B-C50C-407E-A947-70E740481C1C}">
-                <a14:useLocalDpi xmlns:a14="http://schemas.microsoft.com/office/drawing/2010/main" val="0"/>
-              </a:ext>
-            </a:extLst>
-          </a:blip>
-          <a:srcRect/>
-          <a:stretch>
-            <a:fillRect/>
-          </a:stretch>
-        </p:blipFill>
-        <p:spPr bwMode="auto">
-          <a:xfrm>
-            <a:off x="4667250" y="3471863"/>
-            <a:ext cx="914400" cy="914400"/>
-          </a:xfrm>
-          <a:prstGeom prst="rect">
-            <a:avLst/>
-          </a:prstGeom>
-          <a:noFill/>
-          <a:ln>
-            <a:noFill/>
-          </a:ln>
-          <a:extLst>
-            <a:ext uri="{909E8E84-426E-40DD-AFC4-6F175D3DCCD1}">
-              <a14:hiddenFill xmlns:a14="http://schemas.microsoft.com/office/drawing/2010/main">
-                <a:solidFill>
-                  <a:srgbClr val="FFFFFF"/>
-                </a:solidFill>
-              </a14:hiddenFill>
-            </a:ext>
-            <a:ext uri="{91240B29-F687-4F45-9708-019B960494DF}">
-              <a14:hiddenLine xmlns:a14="http://schemas.microsoft.com/office/drawing/2010/main" w="9525">
-                <a:solidFill>
-                  <a:srgbClr val="000000"/>
-                </a:solidFill>
-                <a:miter lim="800000"/>
-                <a:headEnd/>
-                <a:tailEnd/>
-              </a14:hiddenLine>
-            </a:ext>
-          </a:extLst>
-        </p:spPr>
-      </p:pic>
-      <p:pic>
-        <p:nvPicPr>
-          <p:cNvPr id="3079" name="Graphic 43" descr="Laptop">
-            <a:extLst>
-              <a:ext uri="{FF2B5EF4-FFF2-40B4-BE49-F238E27FC236}">
-                <a16:creationId xmlns:a16="http://schemas.microsoft.com/office/drawing/2014/main" id="{E8855A0E-E244-425E-839E-578222370531}"/>
-              </a:ext>
-            </a:extLst>
-          </p:cNvPr>
-          <p:cNvPicPr>
-            <a:picLocks noChangeAspect="1" noChangeArrowheads="1"/>
-          </p:cNvPicPr>
-          <p:nvPr/>
-        </p:nvPicPr>
-        <p:blipFill>
-          <a:blip r:embed="rId2">
-            <a:extLst>
-              <a:ext uri="{28A0092B-C50C-407E-A947-70E740481C1C}">
-                <a14:useLocalDpi xmlns:a14="http://schemas.microsoft.com/office/drawing/2010/main" val="0"/>
-              </a:ext>
-            </a:extLst>
-          </a:blip>
-          <a:srcRect/>
-          <a:stretch>
-            <a:fillRect/>
-          </a:stretch>
-        </p:blipFill>
-        <p:spPr bwMode="auto">
-          <a:xfrm>
-            <a:off x="1895475" y="603250"/>
-            <a:ext cx="914400" cy="914400"/>
-          </a:xfrm>
-          <a:prstGeom prst="rect">
-            <a:avLst/>
-          </a:prstGeom>
-          <a:noFill/>
-          <a:ln>
-            <a:noFill/>
-          </a:ln>
-          <a:extLst>
-            <a:ext uri="{909E8E84-426E-40DD-AFC4-6F175D3DCCD1}">
-              <a14:hiddenFill xmlns:a14="http://schemas.microsoft.com/office/drawing/2010/main">
-                <a:solidFill>
-                  <a:srgbClr val="FFFFFF"/>
-                </a:solidFill>
-              </a14:hiddenFill>
-            </a:ext>
-            <a:ext uri="{91240B29-F687-4F45-9708-019B960494DF}">
-              <a14:hiddenLine xmlns:a14="http://schemas.microsoft.com/office/drawing/2010/main" w="9525">
-                <a:solidFill>
-                  <a:srgbClr val="000000"/>
-                </a:solidFill>
-                <a:miter lim="800000"/>
-                <a:headEnd/>
-                <a:tailEnd/>
-              </a14:hiddenLine>
-            </a:ext>
-          </a:extLst>
-        </p:spPr>
-      </p:pic>
-      <p:sp>
-        <p:nvSpPr>
-          <p:cNvPr id="35" name="Rectangle 34">
-            <a:extLst>
-              <a:ext uri="{FF2B5EF4-FFF2-40B4-BE49-F238E27FC236}">
-                <a16:creationId xmlns:a16="http://schemas.microsoft.com/office/drawing/2014/main" id="{3605FE74-8D5C-4BCB-8BFA-105A68B2A799}"/>
-              </a:ext>
-            </a:extLst>
-          </p:cNvPr>
-          <p:cNvSpPr/>
-          <p:nvPr/>
-        </p:nvSpPr>
-        <p:spPr>
-          <a:xfrm>
-            <a:off x="4383088" y="3471863"/>
-            <a:ext cx="1500187" cy="1109662"/>
-          </a:xfrm>
-          <a:prstGeom prst="rect">
-            <a:avLst/>
-          </a:prstGeom>
-          <a:solidFill>
-            <a:srgbClr val="FFFFFF"/>
-          </a:solidFill>
-          <a:ln>
-            <a:noFill/>
-          </a:ln>
-        </p:spPr>
-        <p:style>
-          <a:lnRef idx="2">
-            <a:schemeClr val="accent1">
-              <a:shade val="50000"/>
-            </a:schemeClr>
-          </a:lnRef>
-          <a:fillRef idx="1">
-            <a:schemeClr val="accent1"/>
-          </a:fillRef>
-          <a:effectRef idx="0">
-            <a:schemeClr val="accent1"/>
-          </a:effectRef>
-          <a:fontRef idx="minor">
-            <a:schemeClr val="lt1"/>
-          </a:fontRef>
-        </p:style>
         <p:txBody>
-          <a:bodyPr anchor="ctr"/>
+          <a:bodyPr wrap="none" rtlCol="0">
+            <a:spAutoFit/>
+          </a:bodyPr>
           <a:lstStyle/>
           <a:p>
-            <a:pPr algn="ctr" eaLnBrk="1" fontAlgn="auto" hangingPunct="1">
-              <a:spcBef>
-                <a:spcPts val="0"/>
-              </a:spcBef>
-              <a:spcAft>
-                <a:spcPts val="0"/>
-              </a:spcAft>
-              <a:defRPr/>
-            </a:pPr>
-            <a:endParaRPr lang="fr-CA"/>
+            <a:r>
+              <a:rPr lang="fr-CA" dirty="0"/>
+              <a:t>WAN</a:t>
+            </a:r>
           </a:p>
         </p:txBody>
       </p:sp>
-      <p:pic>
-        <p:nvPicPr>
-          <p:cNvPr id="3081" name="Graphic 12" descr="Laptop">
-            <a:extLst>
-              <a:ext uri="{FF2B5EF4-FFF2-40B4-BE49-F238E27FC236}">
-                <a16:creationId xmlns:a16="http://schemas.microsoft.com/office/drawing/2014/main" id="{CCB522CB-041A-43A8-B3DC-4815659D76AB}"/>
-              </a:ext>
-            </a:extLst>
-          </p:cNvPr>
-          <p:cNvPicPr>
-            <a:picLocks noChangeAspect="1" noChangeArrowheads="1"/>
-          </p:cNvPicPr>
-          <p:nvPr/>
-        </p:nvPicPr>
-        <p:blipFill>
-          <a:blip r:embed="rId5">
-            <a:extLst>
-              <a:ext uri="{28A0092B-C50C-407E-A947-70E740481C1C}">
-                <a14:useLocalDpi xmlns:a14="http://schemas.microsoft.com/office/drawing/2010/main" val="0"/>
-              </a:ext>
-            </a:extLst>
-          </a:blip>
-          <a:srcRect/>
-          <a:stretch>
-            <a:fillRect/>
-          </a:stretch>
-        </p:blipFill>
-        <p:spPr bwMode="auto">
-          <a:xfrm>
-            <a:off x="4403725" y="3560763"/>
-            <a:ext cx="914400" cy="914400"/>
-          </a:xfrm>
-          <a:prstGeom prst="rect">
-            <a:avLst/>
-          </a:prstGeom>
-          <a:noFill/>
-          <a:ln>
-            <a:noFill/>
-          </a:ln>
-          <a:extLst>
-            <a:ext uri="{909E8E84-426E-40DD-AFC4-6F175D3DCCD1}">
-              <a14:hiddenFill xmlns:a14="http://schemas.microsoft.com/office/drawing/2010/main">
-                <a:solidFill>
-                  <a:srgbClr val="FFFFFF"/>
-                </a:solidFill>
-              </a14:hiddenFill>
-            </a:ext>
-            <a:ext uri="{91240B29-F687-4F45-9708-019B960494DF}">
-              <a14:hiddenLine xmlns:a14="http://schemas.microsoft.com/office/drawing/2010/main" w="9525">
-                <a:solidFill>
-                  <a:srgbClr val="000000"/>
-                </a:solidFill>
-                <a:miter lim="800000"/>
-                <a:headEnd/>
-                <a:tailEnd/>
-              </a14:hiddenLine>
-            </a:ext>
-          </a:extLst>
-        </p:spPr>
-      </p:pic>
       <p:cxnSp>
         <p:nvCxnSpPr>
-          <p:cNvPr id="71" name="Connector: Curved 70">
+          <p:cNvPr id="63" name="Connector: Curved 62">
             <a:extLst>
               <a:ext uri="{FF2B5EF4-FFF2-40B4-BE49-F238E27FC236}">
-                <a16:creationId xmlns:a16="http://schemas.microsoft.com/office/drawing/2014/main" id="{36D8EB45-D378-40C8-8BB5-5C843D0DB162}"/>
+                <a16:creationId xmlns:a16="http://schemas.microsoft.com/office/drawing/2014/main" id="{9096AD75-C927-43EF-B8CF-6CB65854051E}"/>
               </a:ext>
             </a:extLst>
           </p:cNvPr>
           <p:cNvCxnSpPr>
             <a:cxnSpLocks/>
-            <a:stCxn id="3075" idx="1"/>
-            <a:endCxn id="3095" idx="1"/>
+            <a:endCxn id="2082" idx="2"/>
           </p:cNvCxnSpPr>
           <p:nvPr/>
         </p:nvCxnSpPr>
         <p:spPr>
-          <a:xfrm rot="10800000" flipH="1" flipV="1">
-            <a:off x="1054100" y="3006725"/>
-            <a:ext cx="1200150" cy="1011238"/>
+          <a:xfrm>
+            <a:off x="5497216" y="4552970"/>
+            <a:ext cx="3316341" cy="204728"/>
           </a:xfrm>
-          <a:prstGeom prst="curvedConnector3">
+          <a:prstGeom prst="curvedConnector4">
             <a:avLst>
-              <a:gd name="adj1" fmla="val -19058"/>
-            </a:avLst>
-          </a:prstGeom>
-          <a:ln>
-            <a:headEnd type="none"/>
-            <a:tailEnd type="triangle"/>
-          </a:ln>
-        </p:spPr>
-        <p:style>
-          <a:lnRef idx="1">
-            <a:schemeClr val="accent1"/>
-          </a:lnRef>
-          <a:fillRef idx="0">
-            <a:schemeClr val="accent1"/>
-          </a:fillRef>
-          <a:effectRef idx="0">
-            <a:schemeClr val="accent1"/>
-          </a:effectRef>
-          <a:fontRef idx="minor">
-            <a:schemeClr val="tx1"/>
-          </a:fontRef>
-        </p:style>
-      </p:cxnSp>
-      <p:cxnSp>
-        <p:nvCxnSpPr>
-          <p:cNvPr id="121" name="Connector: Curved 120">
-            <a:extLst>
-              <a:ext uri="{FF2B5EF4-FFF2-40B4-BE49-F238E27FC236}">
-                <a16:creationId xmlns:a16="http://schemas.microsoft.com/office/drawing/2014/main" id="{EEB99E9B-2C54-4719-B925-6D7B7B9D96EA}"/>
-              </a:ext>
-            </a:extLst>
-          </p:cNvPr>
-          <p:cNvCxnSpPr>
-            <a:cxnSpLocks/>
-            <a:stCxn id="3081" idx="0"/>
-            <a:endCxn id="3074" idx="2"/>
-          </p:cNvCxnSpPr>
-          <p:nvPr/>
-        </p:nvCxnSpPr>
-        <p:spPr>
-          <a:xfrm rot="16200000" flipV="1">
-            <a:off x="1961356" y="661195"/>
-            <a:ext cx="2047875" cy="3751262"/>
-          </a:xfrm>
-          <a:prstGeom prst="curvedConnector3">
-            <a:avLst>
-              <a:gd name="adj1" fmla="val 50000"/>
+              <a:gd name="adj1" fmla="val 7823"/>
+              <a:gd name="adj2" fmla="val 211660"/>
             </a:avLst>
           </a:prstGeom>
           <a:ln>
@@ -9222,4788 +8750,6 @@
           </a:fontRef>
         </p:style>
       </p:cxnSp>
-      <p:cxnSp>
-        <p:nvCxnSpPr>
-          <p:cNvPr id="124" name="Connector: Curved 123">
-            <a:extLst>
-              <a:ext uri="{FF2B5EF4-FFF2-40B4-BE49-F238E27FC236}">
-                <a16:creationId xmlns:a16="http://schemas.microsoft.com/office/drawing/2014/main" id="{82E66FD8-DB3D-4080-8390-54B99E0C8E83}"/>
-              </a:ext>
-            </a:extLst>
-          </p:cNvPr>
-          <p:cNvCxnSpPr>
-            <a:cxnSpLocks/>
-            <a:stCxn id="3081" idx="0"/>
-            <a:endCxn id="3079" idx="2"/>
-          </p:cNvCxnSpPr>
-          <p:nvPr/>
-        </p:nvCxnSpPr>
-        <p:spPr>
-          <a:xfrm rot="16200000" flipV="1">
-            <a:off x="2585243" y="1285082"/>
-            <a:ext cx="2043113" cy="2508250"/>
-          </a:xfrm>
-          <a:prstGeom prst="curvedConnector3">
-            <a:avLst>
-              <a:gd name="adj1" fmla="val 50000"/>
-            </a:avLst>
-          </a:prstGeom>
-          <a:ln>
-            <a:tailEnd type="triangle"/>
-          </a:ln>
-        </p:spPr>
-        <p:style>
-          <a:lnRef idx="1">
-            <a:schemeClr val="accent1"/>
-          </a:lnRef>
-          <a:fillRef idx="0">
-            <a:schemeClr val="accent1"/>
-          </a:fillRef>
-          <a:effectRef idx="0">
-            <a:schemeClr val="accent1"/>
-          </a:effectRef>
-          <a:fontRef idx="minor">
-            <a:schemeClr val="tx1"/>
-          </a:fontRef>
-        </p:style>
-      </p:cxnSp>
-      <p:sp>
-        <p:nvSpPr>
-          <p:cNvPr id="126" name="Rectangle 125">
-            <a:extLst>
-              <a:ext uri="{FF2B5EF4-FFF2-40B4-BE49-F238E27FC236}">
-                <a16:creationId xmlns:a16="http://schemas.microsoft.com/office/drawing/2014/main" id="{90035991-7E82-4911-A532-5A0A48637859}"/>
-              </a:ext>
-            </a:extLst>
-          </p:cNvPr>
-          <p:cNvSpPr/>
-          <p:nvPr/>
-        </p:nvSpPr>
-        <p:spPr>
-          <a:xfrm>
-            <a:off x="606425" y="465138"/>
-            <a:ext cx="6008688" cy="5964237"/>
-          </a:xfrm>
-          <a:prstGeom prst="rect">
-            <a:avLst/>
-          </a:prstGeom>
-          <a:noFill/>
-        </p:spPr>
-        <p:style>
-          <a:lnRef idx="2">
-            <a:schemeClr val="accent1">
-              <a:shade val="50000"/>
-            </a:schemeClr>
-          </a:lnRef>
-          <a:fillRef idx="1">
-            <a:schemeClr val="accent1"/>
-          </a:fillRef>
-          <a:effectRef idx="0">
-            <a:schemeClr val="accent1"/>
-          </a:effectRef>
-          <a:fontRef idx="minor">
-            <a:schemeClr val="lt1"/>
-          </a:fontRef>
-        </p:style>
-        <p:txBody>
-          <a:bodyPr anchor="ctr"/>
-          <a:lstStyle/>
-          <a:p>
-            <a:pPr algn="ctr" eaLnBrk="1" fontAlgn="auto" hangingPunct="1">
-              <a:spcBef>
-                <a:spcPts val="0"/>
-              </a:spcBef>
-              <a:spcAft>
-                <a:spcPts val="0"/>
-              </a:spcAft>
-              <a:defRPr/>
-            </a:pPr>
-            <a:endParaRPr lang="fr-CA"/>
-          </a:p>
-        </p:txBody>
-      </p:sp>
-      <p:sp>
-        <p:nvSpPr>
-          <p:cNvPr id="3086" name="TextBox 126">
-            <a:extLst>
-              <a:ext uri="{FF2B5EF4-FFF2-40B4-BE49-F238E27FC236}">
-                <a16:creationId xmlns:a16="http://schemas.microsoft.com/office/drawing/2014/main" id="{F20A11C4-F8ED-4535-889D-34EB56354F03}"/>
-              </a:ext>
-            </a:extLst>
-          </p:cNvPr>
-          <p:cNvSpPr txBox="1">
-            <a:spLocks noChangeArrowheads="1"/>
-          </p:cNvSpPr>
-          <p:nvPr/>
-        </p:nvSpPr>
-        <p:spPr bwMode="auto">
-          <a:xfrm>
-            <a:off x="2865438" y="836613"/>
-            <a:ext cx="1344612" cy="369887"/>
-          </a:xfrm>
-          <a:prstGeom prst="rect">
-            <a:avLst/>
-          </a:prstGeom>
-          <a:noFill/>
-          <a:ln>
-            <a:noFill/>
-          </a:ln>
-          <a:extLst>
-            <a:ext uri="{909E8E84-426E-40DD-AFC4-6F175D3DCCD1}">
-              <a14:hiddenFill xmlns:a14="http://schemas.microsoft.com/office/drawing/2010/main">
-                <a:solidFill>
-                  <a:srgbClr val="FFFFFF"/>
-                </a:solidFill>
-              </a14:hiddenFill>
-            </a:ext>
-            <a:ext uri="{91240B29-F687-4F45-9708-019B960494DF}">
-              <a14:hiddenLine xmlns:a14="http://schemas.microsoft.com/office/drawing/2010/main" w="9525">
-                <a:solidFill>
-                  <a:srgbClr val="000000"/>
-                </a:solidFill>
-                <a:miter lim="800000"/>
-                <a:headEnd/>
-                <a:tailEnd/>
-              </a14:hiddenLine>
-            </a:ext>
-          </a:extLst>
-        </p:spPr>
-        <p:txBody>
-          <a:bodyPr wrap="none">
-            <a:spAutoFit/>
-          </a:bodyPr>
-          <a:lstStyle>
-            <a:lvl1pPr>
-              <a:lnSpc>
-                <a:spcPct val="90000"/>
-              </a:lnSpc>
-              <a:spcBef>
-                <a:spcPts val="1000"/>
-              </a:spcBef>
-              <a:buFont typeface="Arial" panose="020B0604020202020204" pitchFamily="34" charset="0"/>
-              <a:buChar char="•"/>
-              <a:defRPr sz="2800">
-                <a:solidFill>
-                  <a:schemeClr val="tx1"/>
-                </a:solidFill>
-                <a:latin typeface="Calibri" panose="020F0502020204030204" pitchFamily="34" charset="0"/>
-              </a:defRPr>
-            </a:lvl1pPr>
-            <a:lvl2pPr marL="742950" indent="-285750">
-              <a:lnSpc>
-                <a:spcPct val="90000"/>
-              </a:lnSpc>
-              <a:spcBef>
-                <a:spcPts val="500"/>
-              </a:spcBef>
-              <a:buFont typeface="Arial" panose="020B0604020202020204" pitchFamily="34" charset="0"/>
-              <a:buChar char="•"/>
-              <a:defRPr sz="2400">
-                <a:solidFill>
-                  <a:schemeClr val="tx1"/>
-                </a:solidFill>
-                <a:latin typeface="Calibri" panose="020F0502020204030204" pitchFamily="34" charset="0"/>
-              </a:defRPr>
-            </a:lvl2pPr>
-            <a:lvl3pPr marL="1143000" indent="-228600">
-              <a:lnSpc>
-                <a:spcPct val="90000"/>
-              </a:lnSpc>
-              <a:spcBef>
-                <a:spcPts val="500"/>
-              </a:spcBef>
-              <a:buFont typeface="Arial" panose="020B0604020202020204" pitchFamily="34" charset="0"/>
-              <a:buChar char="•"/>
-              <a:defRPr sz="2000">
-                <a:solidFill>
-                  <a:schemeClr val="tx1"/>
-                </a:solidFill>
-                <a:latin typeface="Calibri" panose="020F0502020204030204" pitchFamily="34" charset="0"/>
-              </a:defRPr>
-            </a:lvl3pPr>
-            <a:lvl4pPr marL="1600200" indent="-228600">
-              <a:lnSpc>
-                <a:spcPct val="90000"/>
-              </a:lnSpc>
-              <a:spcBef>
-                <a:spcPts val="500"/>
-              </a:spcBef>
-              <a:buFont typeface="Arial" panose="020B0604020202020204" pitchFamily="34" charset="0"/>
-              <a:buChar char="•"/>
-              <a:defRPr>
-                <a:solidFill>
-                  <a:schemeClr val="tx1"/>
-                </a:solidFill>
-                <a:latin typeface="Calibri" panose="020F0502020204030204" pitchFamily="34" charset="0"/>
-              </a:defRPr>
-            </a:lvl4pPr>
-            <a:lvl5pPr marL="2057400" indent="-228600">
-              <a:lnSpc>
-                <a:spcPct val="90000"/>
-              </a:lnSpc>
-              <a:spcBef>
-                <a:spcPts val="500"/>
-              </a:spcBef>
-              <a:buFont typeface="Arial" panose="020B0604020202020204" pitchFamily="34" charset="0"/>
-              <a:buChar char="•"/>
-              <a:defRPr>
-                <a:solidFill>
-                  <a:schemeClr val="tx1"/>
-                </a:solidFill>
-                <a:latin typeface="Calibri" panose="020F0502020204030204" pitchFamily="34" charset="0"/>
-              </a:defRPr>
-            </a:lvl5pPr>
-            <a:lvl6pPr marL="2514600" indent="-228600" eaLnBrk="0" fontAlgn="base" hangingPunct="0">
-              <a:lnSpc>
-                <a:spcPct val="90000"/>
-              </a:lnSpc>
-              <a:spcBef>
-                <a:spcPts val="500"/>
-              </a:spcBef>
-              <a:spcAft>
-                <a:spcPct val="0"/>
-              </a:spcAft>
-              <a:buFont typeface="Arial" panose="020B0604020202020204" pitchFamily="34" charset="0"/>
-              <a:buChar char="•"/>
-              <a:defRPr>
-                <a:solidFill>
-                  <a:schemeClr val="tx1"/>
-                </a:solidFill>
-                <a:latin typeface="Calibri" panose="020F0502020204030204" pitchFamily="34" charset="0"/>
-              </a:defRPr>
-            </a:lvl6pPr>
-            <a:lvl7pPr marL="2971800" indent="-228600" eaLnBrk="0" fontAlgn="base" hangingPunct="0">
-              <a:lnSpc>
-                <a:spcPct val="90000"/>
-              </a:lnSpc>
-              <a:spcBef>
-                <a:spcPts val="500"/>
-              </a:spcBef>
-              <a:spcAft>
-                <a:spcPct val="0"/>
-              </a:spcAft>
-              <a:buFont typeface="Arial" panose="020B0604020202020204" pitchFamily="34" charset="0"/>
-              <a:buChar char="•"/>
-              <a:defRPr>
-                <a:solidFill>
-                  <a:schemeClr val="tx1"/>
-                </a:solidFill>
-                <a:latin typeface="Calibri" panose="020F0502020204030204" pitchFamily="34" charset="0"/>
-              </a:defRPr>
-            </a:lvl7pPr>
-            <a:lvl8pPr marL="3429000" indent="-228600" eaLnBrk="0" fontAlgn="base" hangingPunct="0">
-              <a:lnSpc>
-                <a:spcPct val="90000"/>
-              </a:lnSpc>
-              <a:spcBef>
-                <a:spcPts val="500"/>
-              </a:spcBef>
-              <a:spcAft>
-                <a:spcPct val="0"/>
-              </a:spcAft>
-              <a:buFont typeface="Arial" panose="020B0604020202020204" pitchFamily="34" charset="0"/>
-              <a:buChar char="•"/>
-              <a:defRPr>
-                <a:solidFill>
-                  <a:schemeClr val="tx1"/>
-                </a:solidFill>
-                <a:latin typeface="Calibri" panose="020F0502020204030204" pitchFamily="34" charset="0"/>
-              </a:defRPr>
-            </a:lvl8pPr>
-            <a:lvl9pPr marL="3886200" indent="-228600" eaLnBrk="0" fontAlgn="base" hangingPunct="0">
-              <a:lnSpc>
-                <a:spcPct val="90000"/>
-              </a:lnSpc>
-              <a:spcBef>
-                <a:spcPts val="500"/>
-              </a:spcBef>
-              <a:spcAft>
-                <a:spcPct val="0"/>
-              </a:spcAft>
-              <a:buFont typeface="Arial" panose="020B0604020202020204" pitchFamily="34" charset="0"/>
-              <a:buChar char="•"/>
-              <a:defRPr>
-                <a:solidFill>
-                  <a:schemeClr val="tx1"/>
-                </a:solidFill>
-                <a:latin typeface="Calibri" panose="020F0502020204030204" pitchFamily="34" charset="0"/>
-              </a:defRPr>
-            </a:lvl9pPr>
-          </a:lstStyle>
-          <a:p>
-            <a:pPr eaLnBrk="1" hangingPunct="1">
-              <a:lnSpc>
-                <a:spcPct val="100000"/>
-              </a:lnSpc>
-              <a:spcBef>
-                <a:spcPct val="0"/>
-              </a:spcBef>
-              <a:buFontTx/>
-              <a:buNone/>
-            </a:pPr>
-            <a:r>
-              <a:rPr lang="fr-CA" altLang="fr-FR" sz="1800"/>
-              <a:t>Scoreboards</a:t>
-            </a:r>
-          </a:p>
-        </p:txBody>
-      </p:sp>
-      <p:sp>
-        <p:nvSpPr>
-          <p:cNvPr id="3087" name="TextBox 127">
-            <a:extLst>
-              <a:ext uri="{FF2B5EF4-FFF2-40B4-BE49-F238E27FC236}">
-                <a16:creationId xmlns:a16="http://schemas.microsoft.com/office/drawing/2014/main" id="{38A17F05-3402-4AFF-9C80-8AADBF04C4EB}"/>
-              </a:ext>
-            </a:extLst>
-          </p:cNvPr>
-          <p:cNvSpPr txBox="1">
-            <a:spLocks noChangeArrowheads="1"/>
-          </p:cNvSpPr>
-          <p:nvPr/>
-        </p:nvSpPr>
-        <p:spPr bwMode="auto">
-          <a:xfrm>
-            <a:off x="2865438" y="2684463"/>
-            <a:ext cx="1454150" cy="646112"/>
-          </a:xfrm>
-          <a:prstGeom prst="rect">
-            <a:avLst/>
-          </a:prstGeom>
-          <a:noFill/>
-          <a:ln>
-            <a:noFill/>
-          </a:ln>
-          <a:extLst>
-            <a:ext uri="{909E8E84-426E-40DD-AFC4-6F175D3DCCD1}">
-              <a14:hiddenFill xmlns:a14="http://schemas.microsoft.com/office/drawing/2010/main">
-                <a:solidFill>
-                  <a:srgbClr val="FFFFFF"/>
-                </a:solidFill>
-              </a14:hiddenFill>
-            </a:ext>
-            <a:ext uri="{91240B29-F687-4F45-9708-019B960494DF}">
-              <a14:hiddenLine xmlns:a14="http://schemas.microsoft.com/office/drawing/2010/main" w="9525">
-                <a:solidFill>
-                  <a:srgbClr val="000000"/>
-                </a:solidFill>
-                <a:miter lim="800000"/>
-                <a:headEnd/>
-                <a:tailEnd/>
-              </a14:hiddenLine>
-            </a:ext>
-          </a:extLst>
-        </p:spPr>
-        <p:txBody>
-          <a:bodyPr wrap="none">
-            <a:spAutoFit/>
-          </a:bodyPr>
-          <a:lstStyle>
-            <a:lvl1pPr>
-              <a:lnSpc>
-                <a:spcPct val="90000"/>
-              </a:lnSpc>
-              <a:spcBef>
-                <a:spcPts val="1000"/>
-              </a:spcBef>
-              <a:buFont typeface="Arial" panose="020B0604020202020204" pitchFamily="34" charset="0"/>
-              <a:buChar char="•"/>
-              <a:defRPr sz="2800">
-                <a:solidFill>
-                  <a:schemeClr val="tx1"/>
-                </a:solidFill>
-                <a:latin typeface="Calibri" panose="020F0502020204030204" pitchFamily="34" charset="0"/>
-              </a:defRPr>
-            </a:lvl1pPr>
-            <a:lvl2pPr marL="742950" indent="-285750">
-              <a:lnSpc>
-                <a:spcPct val="90000"/>
-              </a:lnSpc>
-              <a:spcBef>
-                <a:spcPts val="500"/>
-              </a:spcBef>
-              <a:buFont typeface="Arial" panose="020B0604020202020204" pitchFamily="34" charset="0"/>
-              <a:buChar char="•"/>
-              <a:defRPr sz="2400">
-                <a:solidFill>
-                  <a:schemeClr val="tx1"/>
-                </a:solidFill>
-                <a:latin typeface="Calibri" panose="020F0502020204030204" pitchFamily="34" charset="0"/>
-              </a:defRPr>
-            </a:lvl2pPr>
-            <a:lvl3pPr marL="1143000" indent="-228600">
-              <a:lnSpc>
-                <a:spcPct val="90000"/>
-              </a:lnSpc>
-              <a:spcBef>
-                <a:spcPts val="500"/>
-              </a:spcBef>
-              <a:buFont typeface="Arial" panose="020B0604020202020204" pitchFamily="34" charset="0"/>
-              <a:buChar char="•"/>
-              <a:defRPr sz="2000">
-                <a:solidFill>
-                  <a:schemeClr val="tx1"/>
-                </a:solidFill>
-                <a:latin typeface="Calibri" panose="020F0502020204030204" pitchFamily="34" charset="0"/>
-              </a:defRPr>
-            </a:lvl3pPr>
-            <a:lvl4pPr marL="1600200" indent="-228600">
-              <a:lnSpc>
-                <a:spcPct val="90000"/>
-              </a:lnSpc>
-              <a:spcBef>
-                <a:spcPts val="500"/>
-              </a:spcBef>
-              <a:buFont typeface="Arial" panose="020B0604020202020204" pitchFamily="34" charset="0"/>
-              <a:buChar char="•"/>
-              <a:defRPr>
-                <a:solidFill>
-                  <a:schemeClr val="tx1"/>
-                </a:solidFill>
-                <a:latin typeface="Calibri" panose="020F0502020204030204" pitchFamily="34" charset="0"/>
-              </a:defRPr>
-            </a:lvl4pPr>
-            <a:lvl5pPr marL="2057400" indent="-228600">
-              <a:lnSpc>
-                <a:spcPct val="90000"/>
-              </a:lnSpc>
-              <a:spcBef>
-                <a:spcPts val="500"/>
-              </a:spcBef>
-              <a:buFont typeface="Arial" panose="020B0604020202020204" pitchFamily="34" charset="0"/>
-              <a:buChar char="•"/>
-              <a:defRPr>
-                <a:solidFill>
-                  <a:schemeClr val="tx1"/>
-                </a:solidFill>
-                <a:latin typeface="Calibri" panose="020F0502020204030204" pitchFamily="34" charset="0"/>
-              </a:defRPr>
-            </a:lvl5pPr>
-            <a:lvl6pPr marL="2514600" indent="-228600" eaLnBrk="0" fontAlgn="base" hangingPunct="0">
-              <a:lnSpc>
-                <a:spcPct val="90000"/>
-              </a:lnSpc>
-              <a:spcBef>
-                <a:spcPts val="500"/>
-              </a:spcBef>
-              <a:spcAft>
-                <a:spcPct val="0"/>
-              </a:spcAft>
-              <a:buFont typeface="Arial" panose="020B0604020202020204" pitchFamily="34" charset="0"/>
-              <a:buChar char="•"/>
-              <a:defRPr>
-                <a:solidFill>
-                  <a:schemeClr val="tx1"/>
-                </a:solidFill>
-                <a:latin typeface="Calibri" panose="020F0502020204030204" pitchFamily="34" charset="0"/>
-              </a:defRPr>
-            </a:lvl6pPr>
-            <a:lvl7pPr marL="2971800" indent="-228600" eaLnBrk="0" fontAlgn="base" hangingPunct="0">
-              <a:lnSpc>
-                <a:spcPct val="90000"/>
-              </a:lnSpc>
-              <a:spcBef>
-                <a:spcPts val="500"/>
-              </a:spcBef>
-              <a:spcAft>
-                <a:spcPct val="0"/>
-              </a:spcAft>
-              <a:buFont typeface="Arial" panose="020B0604020202020204" pitchFamily="34" charset="0"/>
-              <a:buChar char="•"/>
-              <a:defRPr>
-                <a:solidFill>
-                  <a:schemeClr val="tx1"/>
-                </a:solidFill>
-                <a:latin typeface="Calibri" panose="020F0502020204030204" pitchFamily="34" charset="0"/>
-              </a:defRPr>
-            </a:lvl7pPr>
-            <a:lvl8pPr marL="3429000" indent="-228600" eaLnBrk="0" fontAlgn="base" hangingPunct="0">
-              <a:lnSpc>
-                <a:spcPct val="90000"/>
-              </a:lnSpc>
-              <a:spcBef>
-                <a:spcPts val="500"/>
-              </a:spcBef>
-              <a:spcAft>
-                <a:spcPct val="0"/>
-              </a:spcAft>
-              <a:buFont typeface="Arial" panose="020B0604020202020204" pitchFamily="34" charset="0"/>
-              <a:buChar char="•"/>
-              <a:defRPr>
-                <a:solidFill>
-                  <a:schemeClr val="tx1"/>
-                </a:solidFill>
-                <a:latin typeface="Calibri" panose="020F0502020204030204" pitchFamily="34" charset="0"/>
-              </a:defRPr>
-            </a:lvl8pPr>
-            <a:lvl9pPr marL="3886200" indent="-228600" eaLnBrk="0" fontAlgn="base" hangingPunct="0">
-              <a:lnSpc>
-                <a:spcPct val="90000"/>
-              </a:lnSpc>
-              <a:spcBef>
-                <a:spcPts val="500"/>
-              </a:spcBef>
-              <a:spcAft>
-                <a:spcPct val="0"/>
-              </a:spcAft>
-              <a:buFont typeface="Arial" panose="020B0604020202020204" pitchFamily="34" charset="0"/>
-              <a:buChar char="•"/>
-              <a:defRPr>
-                <a:solidFill>
-                  <a:schemeClr val="tx1"/>
-                </a:solidFill>
-                <a:latin typeface="Calibri" panose="020F0502020204030204" pitchFamily="34" charset="0"/>
-              </a:defRPr>
-            </a:lvl9pPr>
-          </a:lstStyle>
-          <a:p>
-            <a:pPr eaLnBrk="1" hangingPunct="1">
-              <a:lnSpc>
-                <a:spcPct val="100000"/>
-              </a:lnSpc>
-              <a:spcBef>
-                <a:spcPct val="0"/>
-              </a:spcBef>
-              <a:buFontTx/>
-              <a:buNone/>
-            </a:pPr>
-            <a:r>
-              <a:rPr lang="fr-CA" altLang="fr-FR" sz="1800"/>
-              <a:t>Referee</a:t>
-            </a:r>
-            <a:br>
-              <a:rPr lang="fr-CA" altLang="fr-FR" sz="1800"/>
-            </a:br>
-            <a:r>
-              <a:rPr lang="fr-CA" altLang="fr-FR" sz="1800"/>
-              <a:t>devices (USB)</a:t>
-            </a:r>
-          </a:p>
-        </p:txBody>
-      </p:sp>
-      <p:sp>
-        <p:nvSpPr>
-          <p:cNvPr id="3088" name="TextBox 137">
-            <a:extLst>
-              <a:ext uri="{FF2B5EF4-FFF2-40B4-BE49-F238E27FC236}">
-                <a16:creationId xmlns:a16="http://schemas.microsoft.com/office/drawing/2014/main" id="{E6365132-09D2-40CE-A2FB-ECD2DF14AEEF}"/>
-              </a:ext>
-            </a:extLst>
-          </p:cNvPr>
-          <p:cNvSpPr txBox="1">
-            <a:spLocks noChangeArrowheads="1"/>
-          </p:cNvSpPr>
-          <p:nvPr/>
-        </p:nvSpPr>
-        <p:spPr bwMode="auto">
-          <a:xfrm>
-            <a:off x="4397375" y="4232275"/>
-            <a:ext cx="895350" cy="369888"/>
-          </a:xfrm>
-          <a:prstGeom prst="rect">
-            <a:avLst/>
-          </a:prstGeom>
-          <a:noFill/>
-          <a:ln>
-            <a:noFill/>
-          </a:ln>
-          <a:extLst>
-            <a:ext uri="{909E8E84-426E-40DD-AFC4-6F175D3DCCD1}">
-              <a14:hiddenFill xmlns:a14="http://schemas.microsoft.com/office/drawing/2010/main">
-                <a:solidFill>
-                  <a:srgbClr val="FFFFFF"/>
-                </a:solidFill>
-              </a14:hiddenFill>
-            </a:ext>
-            <a:ext uri="{91240B29-F687-4F45-9708-019B960494DF}">
-              <a14:hiddenLine xmlns:a14="http://schemas.microsoft.com/office/drawing/2010/main" w="9525">
-                <a:solidFill>
-                  <a:srgbClr val="000000"/>
-                </a:solidFill>
-                <a:miter lim="800000"/>
-                <a:headEnd/>
-                <a:tailEnd/>
-              </a14:hiddenLine>
-            </a:ext>
-          </a:extLst>
-        </p:spPr>
-        <p:txBody>
-          <a:bodyPr wrap="none">
-            <a:spAutoFit/>
-          </a:bodyPr>
-          <a:lstStyle>
-            <a:lvl1pPr>
-              <a:lnSpc>
-                <a:spcPct val="90000"/>
-              </a:lnSpc>
-              <a:spcBef>
-                <a:spcPts val="1000"/>
-              </a:spcBef>
-              <a:buFont typeface="Arial" panose="020B0604020202020204" pitchFamily="34" charset="0"/>
-              <a:buChar char="•"/>
-              <a:defRPr sz="2800">
-                <a:solidFill>
-                  <a:schemeClr val="tx1"/>
-                </a:solidFill>
-                <a:latin typeface="Calibri" panose="020F0502020204030204" pitchFamily="34" charset="0"/>
-              </a:defRPr>
-            </a:lvl1pPr>
-            <a:lvl2pPr marL="742950" indent="-285750">
-              <a:lnSpc>
-                <a:spcPct val="90000"/>
-              </a:lnSpc>
-              <a:spcBef>
-                <a:spcPts val="500"/>
-              </a:spcBef>
-              <a:buFont typeface="Arial" panose="020B0604020202020204" pitchFamily="34" charset="0"/>
-              <a:buChar char="•"/>
-              <a:defRPr sz="2400">
-                <a:solidFill>
-                  <a:schemeClr val="tx1"/>
-                </a:solidFill>
-                <a:latin typeface="Calibri" panose="020F0502020204030204" pitchFamily="34" charset="0"/>
-              </a:defRPr>
-            </a:lvl2pPr>
-            <a:lvl3pPr marL="1143000" indent="-228600">
-              <a:lnSpc>
-                <a:spcPct val="90000"/>
-              </a:lnSpc>
-              <a:spcBef>
-                <a:spcPts val="500"/>
-              </a:spcBef>
-              <a:buFont typeface="Arial" panose="020B0604020202020204" pitchFamily="34" charset="0"/>
-              <a:buChar char="•"/>
-              <a:defRPr sz="2000">
-                <a:solidFill>
-                  <a:schemeClr val="tx1"/>
-                </a:solidFill>
-                <a:latin typeface="Calibri" panose="020F0502020204030204" pitchFamily="34" charset="0"/>
-              </a:defRPr>
-            </a:lvl3pPr>
-            <a:lvl4pPr marL="1600200" indent="-228600">
-              <a:lnSpc>
-                <a:spcPct val="90000"/>
-              </a:lnSpc>
-              <a:spcBef>
-                <a:spcPts val="500"/>
-              </a:spcBef>
-              <a:buFont typeface="Arial" panose="020B0604020202020204" pitchFamily="34" charset="0"/>
-              <a:buChar char="•"/>
-              <a:defRPr>
-                <a:solidFill>
-                  <a:schemeClr val="tx1"/>
-                </a:solidFill>
-                <a:latin typeface="Calibri" panose="020F0502020204030204" pitchFamily="34" charset="0"/>
-              </a:defRPr>
-            </a:lvl4pPr>
-            <a:lvl5pPr marL="2057400" indent="-228600">
-              <a:lnSpc>
-                <a:spcPct val="90000"/>
-              </a:lnSpc>
-              <a:spcBef>
-                <a:spcPts val="500"/>
-              </a:spcBef>
-              <a:buFont typeface="Arial" panose="020B0604020202020204" pitchFamily="34" charset="0"/>
-              <a:buChar char="•"/>
-              <a:defRPr>
-                <a:solidFill>
-                  <a:schemeClr val="tx1"/>
-                </a:solidFill>
-                <a:latin typeface="Calibri" panose="020F0502020204030204" pitchFamily="34" charset="0"/>
-              </a:defRPr>
-            </a:lvl5pPr>
-            <a:lvl6pPr marL="2514600" indent="-228600" eaLnBrk="0" fontAlgn="base" hangingPunct="0">
-              <a:lnSpc>
-                <a:spcPct val="90000"/>
-              </a:lnSpc>
-              <a:spcBef>
-                <a:spcPts val="500"/>
-              </a:spcBef>
-              <a:spcAft>
-                <a:spcPct val="0"/>
-              </a:spcAft>
-              <a:buFont typeface="Arial" panose="020B0604020202020204" pitchFamily="34" charset="0"/>
-              <a:buChar char="•"/>
-              <a:defRPr>
-                <a:solidFill>
-                  <a:schemeClr val="tx1"/>
-                </a:solidFill>
-                <a:latin typeface="Calibri" panose="020F0502020204030204" pitchFamily="34" charset="0"/>
-              </a:defRPr>
-            </a:lvl6pPr>
-            <a:lvl7pPr marL="2971800" indent="-228600" eaLnBrk="0" fontAlgn="base" hangingPunct="0">
-              <a:lnSpc>
-                <a:spcPct val="90000"/>
-              </a:lnSpc>
-              <a:spcBef>
-                <a:spcPts val="500"/>
-              </a:spcBef>
-              <a:spcAft>
-                <a:spcPct val="0"/>
-              </a:spcAft>
-              <a:buFont typeface="Arial" panose="020B0604020202020204" pitchFamily="34" charset="0"/>
-              <a:buChar char="•"/>
-              <a:defRPr>
-                <a:solidFill>
-                  <a:schemeClr val="tx1"/>
-                </a:solidFill>
-                <a:latin typeface="Calibri" panose="020F0502020204030204" pitchFamily="34" charset="0"/>
-              </a:defRPr>
-            </a:lvl7pPr>
-            <a:lvl8pPr marL="3429000" indent="-228600" eaLnBrk="0" fontAlgn="base" hangingPunct="0">
-              <a:lnSpc>
-                <a:spcPct val="90000"/>
-              </a:lnSpc>
-              <a:spcBef>
-                <a:spcPts val="500"/>
-              </a:spcBef>
-              <a:spcAft>
-                <a:spcPct val="0"/>
-              </a:spcAft>
-              <a:buFont typeface="Arial" panose="020B0604020202020204" pitchFamily="34" charset="0"/>
-              <a:buChar char="•"/>
-              <a:defRPr>
-                <a:solidFill>
-                  <a:schemeClr val="tx1"/>
-                </a:solidFill>
-                <a:latin typeface="Calibri" panose="020F0502020204030204" pitchFamily="34" charset="0"/>
-              </a:defRPr>
-            </a:lvl8pPr>
-            <a:lvl9pPr marL="3886200" indent="-228600" eaLnBrk="0" fontAlgn="base" hangingPunct="0">
-              <a:lnSpc>
-                <a:spcPct val="90000"/>
-              </a:lnSpc>
-              <a:spcBef>
-                <a:spcPts val="500"/>
-              </a:spcBef>
-              <a:spcAft>
-                <a:spcPct val="0"/>
-              </a:spcAft>
-              <a:buFont typeface="Arial" panose="020B0604020202020204" pitchFamily="34" charset="0"/>
-              <a:buChar char="•"/>
-              <a:defRPr>
-                <a:solidFill>
-                  <a:schemeClr val="tx1"/>
-                </a:solidFill>
-                <a:latin typeface="Calibri" panose="020F0502020204030204" pitchFamily="34" charset="0"/>
-              </a:defRPr>
-            </a:lvl9pPr>
-          </a:lstStyle>
-          <a:p>
-            <a:pPr eaLnBrk="1" hangingPunct="1">
-              <a:lnSpc>
-                <a:spcPct val="100000"/>
-              </a:lnSpc>
-              <a:spcBef>
-                <a:spcPct val="0"/>
-              </a:spcBef>
-              <a:buFontTx/>
-              <a:buNone/>
-            </a:pPr>
-            <a:r>
-              <a:rPr lang="fr-CA" altLang="fr-FR" sz="1800"/>
-              <a:t>owlcms</a:t>
-            </a:r>
-          </a:p>
-        </p:txBody>
-      </p:sp>
-      <p:pic>
-        <p:nvPicPr>
-          <p:cNvPr id="3089" name="Graphic 153" descr="Laptop">
-            <a:extLst>
-              <a:ext uri="{FF2B5EF4-FFF2-40B4-BE49-F238E27FC236}">
-                <a16:creationId xmlns:a16="http://schemas.microsoft.com/office/drawing/2014/main" id="{C474FA80-1916-487A-9D88-819956B0A8AB}"/>
-              </a:ext>
-            </a:extLst>
-          </p:cNvPr>
-          <p:cNvPicPr>
-            <a:picLocks noChangeAspect="1" noChangeArrowheads="1"/>
-          </p:cNvPicPr>
-          <p:nvPr/>
-        </p:nvPicPr>
-        <p:blipFill>
-          <a:blip r:embed="rId5">
-            <a:extLst>
-              <a:ext uri="{28A0092B-C50C-407E-A947-70E740481C1C}">
-                <a14:useLocalDpi xmlns:a14="http://schemas.microsoft.com/office/drawing/2010/main" val="0"/>
-              </a:ext>
-            </a:extLst>
-          </a:blip>
-          <a:srcRect/>
-          <a:stretch>
-            <a:fillRect/>
-          </a:stretch>
-        </p:blipFill>
-        <p:spPr bwMode="auto">
-          <a:xfrm>
-            <a:off x="1263650" y="5060950"/>
-            <a:ext cx="914400" cy="914400"/>
-          </a:xfrm>
-          <a:prstGeom prst="rect">
-            <a:avLst/>
-          </a:prstGeom>
-          <a:noFill/>
-          <a:ln>
-            <a:noFill/>
-          </a:ln>
-          <a:extLst>
-            <a:ext uri="{909E8E84-426E-40DD-AFC4-6F175D3DCCD1}">
-              <a14:hiddenFill xmlns:a14="http://schemas.microsoft.com/office/drawing/2010/main">
-                <a:solidFill>
-                  <a:srgbClr val="FFFFFF"/>
-                </a:solidFill>
-              </a14:hiddenFill>
-            </a:ext>
-            <a:ext uri="{91240B29-F687-4F45-9708-019B960494DF}">
-              <a14:hiddenLine xmlns:a14="http://schemas.microsoft.com/office/drawing/2010/main" w="9525">
-                <a:solidFill>
-                  <a:srgbClr val="000000"/>
-                </a:solidFill>
-                <a:miter lim="800000"/>
-                <a:headEnd/>
-                <a:tailEnd/>
-              </a14:hiddenLine>
-            </a:ext>
-          </a:extLst>
-        </p:spPr>
-      </p:pic>
-      <p:cxnSp>
-        <p:nvCxnSpPr>
-          <p:cNvPr id="155" name="Connector: Curved 154">
-            <a:extLst>
-              <a:ext uri="{FF2B5EF4-FFF2-40B4-BE49-F238E27FC236}">
-                <a16:creationId xmlns:a16="http://schemas.microsoft.com/office/drawing/2014/main" id="{19BC2D5F-2181-43DC-8E72-6E08B60ADC07}"/>
-              </a:ext>
-            </a:extLst>
-          </p:cNvPr>
-          <p:cNvCxnSpPr>
-            <a:cxnSpLocks/>
-            <a:stCxn id="3089" idx="3"/>
-            <a:endCxn id="3088" idx="2"/>
-          </p:cNvCxnSpPr>
-          <p:nvPr/>
-        </p:nvCxnSpPr>
-        <p:spPr>
-          <a:xfrm flipV="1">
-            <a:off x="2178050" y="4602163"/>
-            <a:ext cx="2667000" cy="915987"/>
-          </a:xfrm>
-          <a:prstGeom prst="curvedConnector2">
-            <a:avLst/>
-          </a:prstGeom>
-          <a:ln>
-            <a:headEnd type="triangle"/>
-            <a:tailEnd type="triangle"/>
-          </a:ln>
-        </p:spPr>
-        <p:style>
-          <a:lnRef idx="1">
-            <a:schemeClr val="accent1"/>
-          </a:lnRef>
-          <a:fillRef idx="0">
-            <a:schemeClr val="accent1"/>
-          </a:fillRef>
-          <a:effectRef idx="0">
-            <a:schemeClr val="accent1"/>
-          </a:effectRef>
-          <a:fontRef idx="minor">
-            <a:schemeClr val="tx1"/>
-          </a:fontRef>
-        </p:style>
-      </p:cxnSp>
-      <p:sp>
-        <p:nvSpPr>
-          <p:cNvPr id="3091" name="TextBox 155">
-            <a:extLst>
-              <a:ext uri="{FF2B5EF4-FFF2-40B4-BE49-F238E27FC236}">
-                <a16:creationId xmlns:a16="http://schemas.microsoft.com/office/drawing/2014/main" id="{5798A6B8-B23F-47E3-8C20-368D80585F93}"/>
-              </a:ext>
-            </a:extLst>
-          </p:cNvPr>
-          <p:cNvSpPr txBox="1">
-            <a:spLocks noChangeArrowheads="1"/>
-          </p:cNvSpPr>
-          <p:nvPr/>
-        </p:nvSpPr>
-        <p:spPr bwMode="auto">
-          <a:xfrm>
-            <a:off x="1257300" y="5791200"/>
-            <a:ext cx="996950" cy="368300"/>
-          </a:xfrm>
-          <a:prstGeom prst="rect">
-            <a:avLst/>
-          </a:prstGeom>
-          <a:noFill/>
-          <a:ln>
-            <a:noFill/>
-          </a:ln>
-          <a:extLst>
-            <a:ext uri="{909E8E84-426E-40DD-AFC4-6F175D3DCCD1}">
-              <a14:hiddenFill xmlns:a14="http://schemas.microsoft.com/office/drawing/2010/main">
-                <a:solidFill>
-                  <a:srgbClr val="FFFFFF"/>
-                </a:solidFill>
-              </a14:hiddenFill>
-            </a:ext>
-            <a:ext uri="{91240B29-F687-4F45-9708-019B960494DF}">
-              <a14:hiddenLine xmlns:a14="http://schemas.microsoft.com/office/drawing/2010/main" w="9525">
-                <a:solidFill>
-                  <a:srgbClr val="000000"/>
-                </a:solidFill>
-                <a:miter lim="800000"/>
-                <a:headEnd/>
-                <a:tailEnd/>
-              </a14:hiddenLine>
-            </a:ext>
-          </a:extLst>
-        </p:spPr>
-        <p:txBody>
-          <a:bodyPr wrap="none">
-            <a:spAutoFit/>
-          </a:bodyPr>
-          <a:lstStyle>
-            <a:lvl1pPr>
-              <a:lnSpc>
-                <a:spcPct val="90000"/>
-              </a:lnSpc>
-              <a:spcBef>
-                <a:spcPts val="1000"/>
-              </a:spcBef>
-              <a:buFont typeface="Arial" panose="020B0604020202020204" pitchFamily="34" charset="0"/>
-              <a:buChar char="•"/>
-              <a:defRPr sz="2800">
-                <a:solidFill>
-                  <a:schemeClr val="tx1"/>
-                </a:solidFill>
-                <a:latin typeface="Calibri" panose="020F0502020204030204" pitchFamily="34" charset="0"/>
-              </a:defRPr>
-            </a:lvl1pPr>
-            <a:lvl2pPr marL="742950" indent="-285750">
-              <a:lnSpc>
-                <a:spcPct val="90000"/>
-              </a:lnSpc>
-              <a:spcBef>
-                <a:spcPts val="500"/>
-              </a:spcBef>
-              <a:buFont typeface="Arial" panose="020B0604020202020204" pitchFamily="34" charset="0"/>
-              <a:buChar char="•"/>
-              <a:defRPr sz="2400">
-                <a:solidFill>
-                  <a:schemeClr val="tx1"/>
-                </a:solidFill>
-                <a:latin typeface="Calibri" panose="020F0502020204030204" pitchFamily="34" charset="0"/>
-              </a:defRPr>
-            </a:lvl2pPr>
-            <a:lvl3pPr marL="1143000" indent="-228600">
-              <a:lnSpc>
-                <a:spcPct val="90000"/>
-              </a:lnSpc>
-              <a:spcBef>
-                <a:spcPts val="500"/>
-              </a:spcBef>
-              <a:buFont typeface="Arial" panose="020B0604020202020204" pitchFamily="34" charset="0"/>
-              <a:buChar char="•"/>
-              <a:defRPr sz="2000">
-                <a:solidFill>
-                  <a:schemeClr val="tx1"/>
-                </a:solidFill>
-                <a:latin typeface="Calibri" panose="020F0502020204030204" pitchFamily="34" charset="0"/>
-              </a:defRPr>
-            </a:lvl3pPr>
-            <a:lvl4pPr marL="1600200" indent="-228600">
-              <a:lnSpc>
-                <a:spcPct val="90000"/>
-              </a:lnSpc>
-              <a:spcBef>
-                <a:spcPts val="500"/>
-              </a:spcBef>
-              <a:buFont typeface="Arial" panose="020B0604020202020204" pitchFamily="34" charset="0"/>
-              <a:buChar char="•"/>
-              <a:defRPr>
-                <a:solidFill>
-                  <a:schemeClr val="tx1"/>
-                </a:solidFill>
-                <a:latin typeface="Calibri" panose="020F0502020204030204" pitchFamily="34" charset="0"/>
-              </a:defRPr>
-            </a:lvl4pPr>
-            <a:lvl5pPr marL="2057400" indent="-228600">
-              <a:lnSpc>
-                <a:spcPct val="90000"/>
-              </a:lnSpc>
-              <a:spcBef>
-                <a:spcPts val="500"/>
-              </a:spcBef>
-              <a:buFont typeface="Arial" panose="020B0604020202020204" pitchFamily="34" charset="0"/>
-              <a:buChar char="•"/>
-              <a:defRPr>
-                <a:solidFill>
-                  <a:schemeClr val="tx1"/>
-                </a:solidFill>
-                <a:latin typeface="Calibri" panose="020F0502020204030204" pitchFamily="34" charset="0"/>
-              </a:defRPr>
-            </a:lvl5pPr>
-            <a:lvl6pPr marL="2514600" indent="-228600" eaLnBrk="0" fontAlgn="base" hangingPunct="0">
-              <a:lnSpc>
-                <a:spcPct val="90000"/>
-              </a:lnSpc>
-              <a:spcBef>
-                <a:spcPts val="500"/>
-              </a:spcBef>
-              <a:spcAft>
-                <a:spcPct val="0"/>
-              </a:spcAft>
-              <a:buFont typeface="Arial" panose="020B0604020202020204" pitchFamily="34" charset="0"/>
-              <a:buChar char="•"/>
-              <a:defRPr>
-                <a:solidFill>
-                  <a:schemeClr val="tx1"/>
-                </a:solidFill>
-                <a:latin typeface="Calibri" panose="020F0502020204030204" pitchFamily="34" charset="0"/>
-              </a:defRPr>
-            </a:lvl6pPr>
-            <a:lvl7pPr marL="2971800" indent="-228600" eaLnBrk="0" fontAlgn="base" hangingPunct="0">
-              <a:lnSpc>
-                <a:spcPct val="90000"/>
-              </a:lnSpc>
-              <a:spcBef>
-                <a:spcPts val="500"/>
-              </a:spcBef>
-              <a:spcAft>
-                <a:spcPct val="0"/>
-              </a:spcAft>
-              <a:buFont typeface="Arial" panose="020B0604020202020204" pitchFamily="34" charset="0"/>
-              <a:buChar char="•"/>
-              <a:defRPr>
-                <a:solidFill>
-                  <a:schemeClr val="tx1"/>
-                </a:solidFill>
-                <a:latin typeface="Calibri" panose="020F0502020204030204" pitchFamily="34" charset="0"/>
-              </a:defRPr>
-            </a:lvl7pPr>
-            <a:lvl8pPr marL="3429000" indent="-228600" eaLnBrk="0" fontAlgn="base" hangingPunct="0">
-              <a:lnSpc>
-                <a:spcPct val="90000"/>
-              </a:lnSpc>
-              <a:spcBef>
-                <a:spcPts val="500"/>
-              </a:spcBef>
-              <a:spcAft>
-                <a:spcPct val="0"/>
-              </a:spcAft>
-              <a:buFont typeface="Arial" panose="020B0604020202020204" pitchFamily="34" charset="0"/>
-              <a:buChar char="•"/>
-              <a:defRPr>
-                <a:solidFill>
-                  <a:schemeClr val="tx1"/>
-                </a:solidFill>
-                <a:latin typeface="Calibri" panose="020F0502020204030204" pitchFamily="34" charset="0"/>
-              </a:defRPr>
-            </a:lvl8pPr>
-            <a:lvl9pPr marL="3886200" indent="-228600" eaLnBrk="0" fontAlgn="base" hangingPunct="0">
-              <a:lnSpc>
-                <a:spcPct val="90000"/>
-              </a:lnSpc>
-              <a:spcBef>
-                <a:spcPts val="500"/>
-              </a:spcBef>
-              <a:spcAft>
-                <a:spcPct val="0"/>
-              </a:spcAft>
-              <a:buFont typeface="Arial" panose="020B0604020202020204" pitchFamily="34" charset="0"/>
-              <a:buChar char="•"/>
-              <a:defRPr>
-                <a:solidFill>
-                  <a:schemeClr val="tx1"/>
-                </a:solidFill>
-                <a:latin typeface="Calibri" panose="020F0502020204030204" pitchFamily="34" charset="0"/>
-              </a:defRPr>
-            </a:lvl9pPr>
-          </a:lstStyle>
-          <a:p>
-            <a:pPr eaLnBrk="1" hangingPunct="1">
-              <a:lnSpc>
-                <a:spcPct val="100000"/>
-              </a:lnSpc>
-              <a:spcBef>
-                <a:spcPct val="0"/>
-              </a:spcBef>
-              <a:buFontTx/>
-              <a:buNone/>
-            </a:pPr>
-            <a:r>
-              <a:rPr lang="fr-CA" altLang="fr-FR" sz="1800"/>
-              <a:t>Marshall</a:t>
-            </a:r>
-          </a:p>
-        </p:txBody>
-      </p:sp>
-      <p:sp>
-        <p:nvSpPr>
-          <p:cNvPr id="3092" name="TextBox 156">
-            <a:extLst>
-              <a:ext uri="{FF2B5EF4-FFF2-40B4-BE49-F238E27FC236}">
-                <a16:creationId xmlns:a16="http://schemas.microsoft.com/office/drawing/2014/main" id="{2B09906A-EF01-428F-A715-A0F8B3ACB6A8}"/>
-              </a:ext>
-            </a:extLst>
-          </p:cNvPr>
-          <p:cNvSpPr txBox="1">
-            <a:spLocks noChangeArrowheads="1"/>
-          </p:cNvSpPr>
-          <p:nvPr/>
-        </p:nvSpPr>
-        <p:spPr bwMode="auto">
-          <a:xfrm>
-            <a:off x="3160713" y="5997575"/>
-            <a:ext cx="1219200" cy="369888"/>
-          </a:xfrm>
-          <a:prstGeom prst="rect">
-            <a:avLst/>
-          </a:prstGeom>
-          <a:noFill/>
-          <a:ln>
-            <a:noFill/>
-          </a:ln>
-          <a:extLst>
-            <a:ext uri="{909E8E84-426E-40DD-AFC4-6F175D3DCCD1}">
-              <a14:hiddenFill xmlns:a14="http://schemas.microsoft.com/office/drawing/2010/main">
-                <a:solidFill>
-                  <a:srgbClr val="FFFFFF"/>
-                </a:solidFill>
-              </a14:hiddenFill>
-            </a:ext>
-            <a:ext uri="{91240B29-F687-4F45-9708-019B960494DF}">
-              <a14:hiddenLine xmlns:a14="http://schemas.microsoft.com/office/drawing/2010/main" w="9525">
-                <a:solidFill>
-                  <a:srgbClr val="000000"/>
-                </a:solidFill>
-                <a:miter lim="800000"/>
-                <a:headEnd/>
-                <a:tailEnd/>
-              </a14:hiddenLine>
-            </a:ext>
-          </a:extLst>
-        </p:spPr>
-        <p:txBody>
-          <a:bodyPr wrap="none">
-            <a:spAutoFit/>
-          </a:bodyPr>
-          <a:lstStyle>
-            <a:lvl1pPr>
-              <a:lnSpc>
-                <a:spcPct val="90000"/>
-              </a:lnSpc>
-              <a:spcBef>
-                <a:spcPts val="1000"/>
-              </a:spcBef>
-              <a:buFont typeface="Arial" panose="020B0604020202020204" pitchFamily="34" charset="0"/>
-              <a:buChar char="•"/>
-              <a:defRPr sz="2800">
-                <a:solidFill>
-                  <a:schemeClr val="tx1"/>
-                </a:solidFill>
-                <a:latin typeface="Calibri" panose="020F0502020204030204" pitchFamily="34" charset="0"/>
-              </a:defRPr>
-            </a:lvl1pPr>
-            <a:lvl2pPr marL="742950" indent="-285750">
-              <a:lnSpc>
-                <a:spcPct val="90000"/>
-              </a:lnSpc>
-              <a:spcBef>
-                <a:spcPts val="500"/>
-              </a:spcBef>
-              <a:buFont typeface="Arial" panose="020B0604020202020204" pitchFamily="34" charset="0"/>
-              <a:buChar char="•"/>
-              <a:defRPr sz="2400">
-                <a:solidFill>
-                  <a:schemeClr val="tx1"/>
-                </a:solidFill>
-                <a:latin typeface="Calibri" panose="020F0502020204030204" pitchFamily="34" charset="0"/>
-              </a:defRPr>
-            </a:lvl2pPr>
-            <a:lvl3pPr marL="1143000" indent="-228600">
-              <a:lnSpc>
-                <a:spcPct val="90000"/>
-              </a:lnSpc>
-              <a:spcBef>
-                <a:spcPts val="500"/>
-              </a:spcBef>
-              <a:buFont typeface="Arial" panose="020B0604020202020204" pitchFamily="34" charset="0"/>
-              <a:buChar char="•"/>
-              <a:defRPr sz="2000">
-                <a:solidFill>
-                  <a:schemeClr val="tx1"/>
-                </a:solidFill>
-                <a:latin typeface="Calibri" panose="020F0502020204030204" pitchFamily="34" charset="0"/>
-              </a:defRPr>
-            </a:lvl3pPr>
-            <a:lvl4pPr marL="1600200" indent="-228600">
-              <a:lnSpc>
-                <a:spcPct val="90000"/>
-              </a:lnSpc>
-              <a:spcBef>
-                <a:spcPts val="500"/>
-              </a:spcBef>
-              <a:buFont typeface="Arial" panose="020B0604020202020204" pitchFamily="34" charset="0"/>
-              <a:buChar char="•"/>
-              <a:defRPr>
-                <a:solidFill>
-                  <a:schemeClr val="tx1"/>
-                </a:solidFill>
-                <a:latin typeface="Calibri" panose="020F0502020204030204" pitchFamily="34" charset="0"/>
-              </a:defRPr>
-            </a:lvl4pPr>
-            <a:lvl5pPr marL="2057400" indent="-228600">
-              <a:lnSpc>
-                <a:spcPct val="90000"/>
-              </a:lnSpc>
-              <a:spcBef>
-                <a:spcPts val="500"/>
-              </a:spcBef>
-              <a:buFont typeface="Arial" panose="020B0604020202020204" pitchFamily="34" charset="0"/>
-              <a:buChar char="•"/>
-              <a:defRPr>
-                <a:solidFill>
-                  <a:schemeClr val="tx1"/>
-                </a:solidFill>
-                <a:latin typeface="Calibri" panose="020F0502020204030204" pitchFamily="34" charset="0"/>
-              </a:defRPr>
-            </a:lvl5pPr>
-            <a:lvl6pPr marL="2514600" indent="-228600" eaLnBrk="0" fontAlgn="base" hangingPunct="0">
-              <a:lnSpc>
-                <a:spcPct val="90000"/>
-              </a:lnSpc>
-              <a:spcBef>
-                <a:spcPts val="500"/>
-              </a:spcBef>
-              <a:spcAft>
-                <a:spcPct val="0"/>
-              </a:spcAft>
-              <a:buFont typeface="Arial" panose="020B0604020202020204" pitchFamily="34" charset="0"/>
-              <a:buChar char="•"/>
-              <a:defRPr>
-                <a:solidFill>
-                  <a:schemeClr val="tx1"/>
-                </a:solidFill>
-                <a:latin typeface="Calibri" panose="020F0502020204030204" pitchFamily="34" charset="0"/>
-              </a:defRPr>
-            </a:lvl6pPr>
-            <a:lvl7pPr marL="2971800" indent="-228600" eaLnBrk="0" fontAlgn="base" hangingPunct="0">
-              <a:lnSpc>
-                <a:spcPct val="90000"/>
-              </a:lnSpc>
-              <a:spcBef>
-                <a:spcPts val="500"/>
-              </a:spcBef>
-              <a:spcAft>
-                <a:spcPct val="0"/>
-              </a:spcAft>
-              <a:buFont typeface="Arial" panose="020B0604020202020204" pitchFamily="34" charset="0"/>
-              <a:buChar char="•"/>
-              <a:defRPr>
-                <a:solidFill>
-                  <a:schemeClr val="tx1"/>
-                </a:solidFill>
-                <a:latin typeface="Calibri" panose="020F0502020204030204" pitchFamily="34" charset="0"/>
-              </a:defRPr>
-            </a:lvl7pPr>
-            <a:lvl8pPr marL="3429000" indent="-228600" eaLnBrk="0" fontAlgn="base" hangingPunct="0">
-              <a:lnSpc>
-                <a:spcPct val="90000"/>
-              </a:lnSpc>
-              <a:spcBef>
-                <a:spcPts val="500"/>
-              </a:spcBef>
-              <a:spcAft>
-                <a:spcPct val="0"/>
-              </a:spcAft>
-              <a:buFont typeface="Arial" panose="020B0604020202020204" pitchFamily="34" charset="0"/>
-              <a:buChar char="•"/>
-              <a:defRPr>
-                <a:solidFill>
-                  <a:schemeClr val="tx1"/>
-                </a:solidFill>
-                <a:latin typeface="Calibri" panose="020F0502020204030204" pitchFamily="34" charset="0"/>
-              </a:defRPr>
-            </a:lvl8pPr>
-            <a:lvl9pPr marL="3886200" indent="-228600" eaLnBrk="0" fontAlgn="base" hangingPunct="0">
-              <a:lnSpc>
-                <a:spcPct val="90000"/>
-              </a:lnSpc>
-              <a:spcBef>
-                <a:spcPts val="500"/>
-              </a:spcBef>
-              <a:spcAft>
-                <a:spcPct val="0"/>
-              </a:spcAft>
-              <a:buFont typeface="Arial" panose="020B0604020202020204" pitchFamily="34" charset="0"/>
-              <a:buChar char="•"/>
-              <a:defRPr>
-                <a:solidFill>
-                  <a:schemeClr val="tx1"/>
-                </a:solidFill>
-                <a:latin typeface="Calibri" panose="020F0502020204030204" pitchFamily="34" charset="0"/>
-              </a:defRPr>
-            </a:lvl9pPr>
-          </a:lstStyle>
-          <a:p>
-            <a:pPr eaLnBrk="1" hangingPunct="1">
-              <a:lnSpc>
-                <a:spcPct val="100000"/>
-              </a:lnSpc>
-              <a:spcBef>
-                <a:spcPct val="0"/>
-              </a:spcBef>
-              <a:buFontTx/>
-              <a:buNone/>
-            </a:pPr>
-            <a:r>
-              <a:rPr lang="fr-CA" altLang="fr-FR" sz="1800"/>
-              <a:t>Announcer</a:t>
-            </a:r>
-          </a:p>
-        </p:txBody>
-      </p:sp>
-      <p:pic>
-        <p:nvPicPr>
-          <p:cNvPr id="3093" name="Graphic 157" descr="Laptop">
-            <a:extLst>
-              <a:ext uri="{FF2B5EF4-FFF2-40B4-BE49-F238E27FC236}">
-                <a16:creationId xmlns:a16="http://schemas.microsoft.com/office/drawing/2014/main" id="{53CA0BFB-AAC5-43B6-8512-82A4E58EA301}"/>
-              </a:ext>
-            </a:extLst>
-          </p:cNvPr>
-          <p:cNvPicPr>
-            <a:picLocks noChangeAspect="1" noChangeArrowheads="1"/>
-          </p:cNvPicPr>
-          <p:nvPr/>
-        </p:nvPicPr>
-        <p:blipFill>
-          <a:blip r:embed="rId5">
-            <a:extLst>
-              <a:ext uri="{28A0092B-C50C-407E-A947-70E740481C1C}">
-                <a14:useLocalDpi xmlns:a14="http://schemas.microsoft.com/office/drawing/2010/main" val="0"/>
-              </a:ext>
-            </a:extLst>
-          </a:blip>
-          <a:srcRect/>
-          <a:stretch>
-            <a:fillRect/>
-          </a:stretch>
-        </p:blipFill>
-        <p:spPr bwMode="auto">
-          <a:xfrm>
-            <a:off x="3286125" y="5343525"/>
-            <a:ext cx="914400" cy="914400"/>
-          </a:xfrm>
-          <a:prstGeom prst="rect">
-            <a:avLst/>
-          </a:prstGeom>
-          <a:noFill/>
-          <a:ln>
-            <a:noFill/>
-          </a:ln>
-          <a:extLst>
-            <a:ext uri="{909E8E84-426E-40DD-AFC4-6F175D3DCCD1}">
-              <a14:hiddenFill xmlns:a14="http://schemas.microsoft.com/office/drawing/2010/main">
-                <a:solidFill>
-                  <a:srgbClr val="FFFFFF"/>
-                </a:solidFill>
-              </a14:hiddenFill>
-            </a:ext>
-            <a:ext uri="{91240B29-F687-4F45-9708-019B960494DF}">
-              <a14:hiddenLine xmlns:a14="http://schemas.microsoft.com/office/drawing/2010/main" w="9525">
-                <a:solidFill>
-                  <a:srgbClr val="000000"/>
-                </a:solidFill>
-                <a:miter lim="800000"/>
-                <a:headEnd/>
-                <a:tailEnd/>
-              </a14:hiddenLine>
-            </a:ext>
-          </a:extLst>
-        </p:spPr>
-      </p:pic>
-      <p:sp>
-        <p:nvSpPr>
-          <p:cNvPr id="3094" name="TextBox 160">
-            <a:extLst>
-              <a:ext uri="{FF2B5EF4-FFF2-40B4-BE49-F238E27FC236}">
-                <a16:creationId xmlns:a16="http://schemas.microsoft.com/office/drawing/2014/main" id="{02EF600E-B149-44BA-BCB6-B96DDB2DEB33}"/>
-              </a:ext>
-            </a:extLst>
-          </p:cNvPr>
-          <p:cNvSpPr txBox="1">
-            <a:spLocks noChangeArrowheads="1"/>
-          </p:cNvSpPr>
-          <p:nvPr/>
-        </p:nvSpPr>
-        <p:spPr bwMode="auto">
-          <a:xfrm>
-            <a:off x="652463" y="438150"/>
-            <a:ext cx="1741487" cy="306388"/>
-          </a:xfrm>
-          <a:prstGeom prst="rect">
-            <a:avLst/>
-          </a:prstGeom>
-          <a:noFill/>
-          <a:ln>
-            <a:noFill/>
-          </a:ln>
-          <a:extLst>
-            <a:ext uri="{909E8E84-426E-40DD-AFC4-6F175D3DCCD1}">
-              <a14:hiddenFill xmlns:a14="http://schemas.microsoft.com/office/drawing/2010/main">
-                <a:solidFill>
-                  <a:srgbClr val="FFFFFF"/>
-                </a:solidFill>
-              </a14:hiddenFill>
-            </a:ext>
-            <a:ext uri="{91240B29-F687-4F45-9708-019B960494DF}">
-              <a14:hiddenLine xmlns:a14="http://schemas.microsoft.com/office/drawing/2010/main" w="9525">
-                <a:solidFill>
-                  <a:srgbClr val="000000"/>
-                </a:solidFill>
-                <a:miter lim="800000"/>
-                <a:headEnd/>
-                <a:tailEnd/>
-              </a14:hiddenLine>
-            </a:ext>
-          </a:extLst>
-        </p:spPr>
-        <p:txBody>
-          <a:bodyPr wrap="none">
-            <a:spAutoFit/>
-          </a:bodyPr>
-          <a:lstStyle>
-            <a:lvl1pPr>
-              <a:lnSpc>
-                <a:spcPct val="90000"/>
-              </a:lnSpc>
-              <a:spcBef>
-                <a:spcPts val="1000"/>
-              </a:spcBef>
-              <a:buFont typeface="Arial" panose="020B0604020202020204" pitchFamily="34" charset="0"/>
-              <a:buChar char="•"/>
-              <a:defRPr sz="2800">
-                <a:solidFill>
-                  <a:schemeClr val="tx1"/>
-                </a:solidFill>
-                <a:latin typeface="Calibri" panose="020F0502020204030204" pitchFamily="34" charset="0"/>
-              </a:defRPr>
-            </a:lvl1pPr>
-            <a:lvl2pPr marL="742950" indent="-285750">
-              <a:lnSpc>
-                <a:spcPct val="90000"/>
-              </a:lnSpc>
-              <a:spcBef>
-                <a:spcPts val="500"/>
-              </a:spcBef>
-              <a:buFont typeface="Arial" panose="020B0604020202020204" pitchFamily="34" charset="0"/>
-              <a:buChar char="•"/>
-              <a:defRPr sz="2400">
-                <a:solidFill>
-                  <a:schemeClr val="tx1"/>
-                </a:solidFill>
-                <a:latin typeface="Calibri" panose="020F0502020204030204" pitchFamily="34" charset="0"/>
-              </a:defRPr>
-            </a:lvl2pPr>
-            <a:lvl3pPr marL="1143000" indent="-228600">
-              <a:lnSpc>
-                <a:spcPct val="90000"/>
-              </a:lnSpc>
-              <a:spcBef>
-                <a:spcPts val="500"/>
-              </a:spcBef>
-              <a:buFont typeface="Arial" panose="020B0604020202020204" pitchFamily="34" charset="0"/>
-              <a:buChar char="•"/>
-              <a:defRPr sz="2000">
-                <a:solidFill>
-                  <a:schemeClr val="tx1"/>
-                </a:solidFill>
-                <a:latin typeface="Calibri" panose="020F0502020204030204" pitchFamily="34" charset="0"/>
-              </a:defRPr>
-            </a:lvl3pPr>
-            <a:lvl4pPr marL="1600200" indent="-228600">
-              <a:lnSpc>
-                <a:spcPct val="90000"/>
-              </a:lnSpc>
-              <a:spcBef>
-                <a:spcPts val="500"/>
-              </a:spcBef>
-              <a:buFont typeface="Arial" panose="020B0604020202020204" pitchFamily="34" charset="0"/>
-              <a:buChar char="•"/>
-              <a:defRPr>
-                <a:solidFill>
-                  <a:schemeClr val="tx1"/>
-                </a:solidFill>
-                <a:latin typeface="Calibri" panose="020F0502020204030204" pitchFamily="34" charset="0"/>
-              </a:defRPr>
-            </a:lvl4pPr>
-            <a:lvl5pPr marL="2057400" indent="-228600">
-              <a:lnSpc>
-                <a:spcPct val="90000"/>
-              </a:lnSpc>
-              <a:spcBef>
-                <a:spcPts val="500"/>
-              </a:spcBef>
-              <a:buFont typeface="Arial" panose="020B0604020202020204" pitchFamily="34" charset="0"/>
-              <a:buChar char="•"/>
-              <a:defRPr>
-                <a:solidFill>
-                  <a:schemeClr val="tx1"/>
-                </a:solidFill>
-                <a:latin typeface="Calibri" panose="020F0502020204030204" pitchFamily="34" charset="0"/>
-              </a:defRPr>
-            </a:lvl5pPr>
-            <a:lvl6pPr marL="2514600" indent="-228600" eaLnBrk="0" fontAlgn="base" hangingPunct="0">
-              <a:lnSpc>
-                <a:spcPct val="90000"/>
-              </a:lnSpc>
-              <a:spcBef>
-                <a:spcPts val="500"/>
-              </a:spcBef>
-              <a:spcAft>
-                <a:spcPct val="0"/>
-              </a:spcAft>
-              <a:buFont typeface="Arial" panose="020B0604020202020204" pitchFamily="34" charset="0"/>
-              <a:buChar char="•"/>
-              <a:defRPr>
-                <a:solidFill>
-                  <a:schemeClr val="tx1"/>
-                </a:solidFill>
-                <a:latin typeface="Calibri" panose="020F0502020204030204" pitchFamily="34" charset="0"/>
-              </a:defRPr>
-            </a:lvl6pPr>
-            <a:lvl7pPr marL="2971800" indent="-228600" eaLnBrk="0" fontAlgn="base" hangingPunct="0">
-              <a:lnSpc>
-                <a:spcPct val="90000"/>
-              </a:lnSpc>
-              <a:spcBef>
-                <a:spcPts val="500"/>
-              </a:spcBef>
-              <a:spcAft>
-                <a:spcPct val="0"/>
-              </a:spcAft>
-              <a:buFont typeface="Arial" panose="020B0604020202020204" pitchFamily="34" charset="0"/>
-              <a:buChar char="•"/>
-              <a:defRPr>
-                <a:solidFill>
-                  <a:schemeClr val="tx1"/>
-                </a:solidFill>
-                <a:latin typeface="Calibri" panose="020F0502020204030204" pitchFamily="34" charset="0"/>
-              </a:defRPr>
-            </a:lvl7pPr>
-            <a:lvl8pPr marL="3429000" indent="-228600" eaLnBrk="0" fontAlgn="base" hangingPunct="0">
-              <a:lnSpc>
-                <a:spcPct val="90000"/>
-              </a:lnSpc>
-              <a:spcBef>
-                <a:spcPts val="500"/>
-              </a:spcBef>
-              <a:spcAft>
-                <a:spcPct val="0"/>
-              </a:spcAft>
-              <a:buFont typeface="Arial" panose="020B0604020202020204" pitchFamily="34" charset="0"/>
-              <a:buChar char="•"/>
-              <a:defRPr>
-                <a:solidFill>
-                  <a:schemeClr val="tx1"/>
-                </a:solidFill>
-                <a:latin typeface="Calibri" panose="020F0502020204030204" pitchFamily="34" charset="0"/>
-              </a:defRPr>
-            </a:lvl8pPr>
-            <a:lvl9pPr marL="3886200" indent="-228600" eaLnBrk="0" fontAlgn="base" hangingPunct="0">
-              <a:lnSpc>
-                <a:spcPct val="90000"/>
-              </a:lnSpc>
-              <a:spcBef>
-                <a:spcPts val="500"/>
-              </a:spcBef>
-              <a:spcAft>
-                <a:spcPct val="0"/>
-              </a:spcAft>
-              <a:buFont typeface="Arial" panose="020B0604020202020204" pitchFamily="34" charset="0"/>
-              <a:buChar char="•"/>
-              <a:defRPr>
-                <a:solidFill>
-                  <a:schemeClr val="tx1"/>
-                </a:solidFill>
-                <a:latin typeface="Calibri" panose="020F0502020204030204" pitchFamily="34" charset="0"/>
-              </a:defRPr>
-            </a:lvl9pPr>
-          </a:lstStyle>
-          <a:p>
-            <a:pPr eaLnBrk="1" hangingPunct="1">
-              <a:lnSpc>
-                <a:spcPct val="100000"/>
-              </a:lnSpc>
-              <a:spcBef>
-                <a:spcPct val="0"/>
-              </a:spcBef>
-              <a:buFontTx/>
-              <a:buNone/>
-            </a:pPr>
-            <a:r>
-              <a:rPr lang="fr-CA" altLang="fr-FR" sz="1400" i="1"/>
-              <a:t>Competition Network</a:t>
-            </a:r>
-          </a:p>
-        </p:txBody>
-      </p:sp>
-      <p:pic>
-        <p:nvPicPr>
-          <p:cNvPr id="3095" name="Graphic 25" descr="Laptop">
-            <a:extLst>
-              <a:ext uri="{FF2B5EF4-FFF2-40B4-BE49-F238E27FC236}">
-                <a16:creationId xmlns:a16="http://schemas.microsoft.com/office/drawing/2014/main" id="{E0715AFC-8AFD-44FD-B964-48AB68E1211D}"/>
-              </a:ext>
-            </a:extLst>
-          </p:cNvPr>
-          <p:cNvPicPr>
-            <a:picLocks noChangeAspect="1" noChangeArrowheads="1"/>
-          </p:cNvPicPr>
-          <p:nvPr/>
-        </p:nvPicPr>
-        <p:blipFill>
-          <a:blip r:embed="rId5">
-            <a:extLst>
-              <a:ext uri="{28A0092B-C50C-407E-A947-70E740481C1C}">
-                <a14:useLocalDpi xmlns:a14="http://schemas.microsoft.com/office/drawing/2010/main" val="0"/>
-              </a:ext>
-            </a:extLst>
-          </a:blip>
-          <a:srcRect/>
-          <a:stretch>
-            <a:fillRect/>
-          </a:stretch>
-        </p:blipFill>
-        <p:spPr bwMode="auto">
-          <a:xfrm>
-            <a:off x="2254250" y="3560763"/>
-            <a:ext cx="914400" cy="914400"/>
-          </a:xfrm>
-          <a:prstGeom prst="rect">
-            <a:avLst/>
-          </a:prstGeom>
-          <a:noFill/>
-          <a:ln>
-            <a:noFill/>
-          </a:ln>
-          <a:extLst>
-            <a:ext uri="{909E8E84-426E-40DD-AFC4-6F175D3DCCD1}">
-              <a14:hiddenFill xmlns:a14="http://schemas.microsoft.com/office/drawing/2010/main">
-                <a:solidFill>
-                  <a:srgbClr val="FFFFFF"/>
-                </a:solidFill>
-              </a14:hiddenFill>
-            </a:ext>
-            <a:ext uri="{91240B29-F687-4F45-9708-019B960494DF}">
-              <a14:hiddenLine xmlns:a14="http://schemas.microsoft.com/office/drawing/2010/main" w="9525">
-                <a:solidFill>
-                  <a:srgbClr val="000000"/>
-                </a:solidFill>
-                <a:miter lim="800000"/>
-                <a:headEnd/>
-                <a:tailEnd/>
-              </a14:hiddenLine>
-            </a:ext>
-          </a:extLst>
-        </p:spPr>
-      </p:pic>
-      <p:cxnSp>
-        <p:nvCxnSpPr>
-          <p:cNvPr id="8" name="Connector: Curved 7">
-            <a:extLst>
-              <a:ext uri="{FF2B5EF4-FFF2-40B4-BE49-F238E27FC236}">
-                <a16:creationId xmlns:a16="http://schemas.microsoft.com/office/drawing/2014/main" id="{871A26B6-F3F2-4E1B-AA16-E83BE6A28696}"/>
-              </a:ext>
-            </a:extLst>
-          </p:cNvPr>
-          <p:cNvCxnSpPr>
-            <a:stCxn id="3076" idx="1"/>
-            <a:endCxn id="3095" idx="1"/>
-          </p:cNvCxnSpPr>
-          <p:nvPr/>
-        </p:nvCxnSpPr>
-        <p:spPr>
-          <a:xfrm rot="10800000" flipH="1" flipV="1">
-            <a:off x="1728788" y="3006725"/>
-            <a:ext cx="525462" cy="1011238"/>
-          </a:xfrm>
-          <a:prstGeom prst="curvedConnector3">
-            <a:avLst>
-              <a:gd name="adj1" fmla="val -43557"/>
-            </a:avLst>
-          </a:prstGeom>
-          <a:ln>
-            <a:tailEnd type="triangle"/>
-          </a:ln>
-        </p:spPr>
-        <p:style>
-          <a:lnRef idx="1">
-            <a:schemeClr val="accent1"/>
-          </a:lnRef>
-          <a:fillRef idx="0">
-            <a:schemeClr val="accent1"/>
-          </a:fillRef>
-          <a:effectRef idx="0">
-            <a:schemeClr val="accent1"/>
-          </a:effectRef>
-          <a:fontRef idx="minor">
-            <a:schemeClr val="tx1"/>
-          </a:fontRef>
-        </p:style>
-      </p:cxnSp>
-      <p:cxnSp>
-        <p:nvCxnSpPr>
-          <p:cNvPr id="10" name="Connector: Curved 9">
-            <a:extLst>
-              <a:ext uri="{FF2B5EF4-FFF2-40B4-BE49-F238E27FC236}">
-                <a16:creationId xmlns:a16="http://schemas.microsoft.com/office/drawing/2014/main" id="{02611698-6A12-4674-AA40-A5458AB6720D}"/>
-              </a:ext>
-            </a:extLst>
-          </p:cNvPr>
-          <p:cNvCxnSpPr>
-            <a:stCxn id="3077" idx="1"/>
-            <a:endCxn id="3095" idx="1"/>
-          </p:cNvCxnSpPr>
-          <p:nvPr/>
-        </p:nvCxnSpPr>
-        <p:spPr>
-          <a:xfrm rot="10800000" flipV="1">
-            <a:off x="2254250" y="3006725"/>
-            <a:ext cx="98425" cy="1011238"/>
-          </a:xfrm>
-          <a:prstGeom prst="curvedConnector3">
-            <a:avLst>
-              <a:gd name="adj1" fmla="val 329802"/>
-            </a:avLst>
-          </a:prstGeom>
-          <a:ln>
-            <a:tailEnd type="triangle"/>
-          </a:ln>
-        </p:spPr>
-        <p:style>
-          <a:lnRef idx="1">
-            <a:schemeClr val="accent1"/>
-          </a:lnRef>
-          <a:fillRef idx="0">
-            <a:schemeClr val="accent1"/>
-          </a:fillRef>
-          <a:effectRef idx="0">
-            <a:schemeClr val="accent1"/>
-          </a:effectRef>
-          <a:fontRef idx="minor">
-            <a:schemeClr val="tx1"/>
-          </a:fontRef>
-        </p:style>
-      </p:cxnSp>
-      <p:cxnSp>
-        <p:nvCxnSpPr>
-          <p:cNvPr id="17" name="Connector: Curved 16">
-            <a:extLst>
-              <a:ext uri="{FF2B5EF4-FFF2-40B4-BE49-F238E27FC236}">
-                <a16:creationId xmlns:a16="http://schemas.microsoft.com/office/drawing/2014/main" id="{93FD45E1-FC6A-407F-9BBE-EC31C376356B}"/>
-              </a:ext>
-            </a:extLst>
-          </p:cNvPr>
-          <p:cNvCxnSpPr>
-            <a:cxnSpLocks/>
-            <a:stCxn id="3095" idx="3"/>
-            <a:endCxn id="35" idx="1"/>
-          </p:cNvCxnSpPr>
-          <p:nvPr/>
-        </p:nvCxnSpPr>
-        <p:spPr>
-          <a:xfrm>
-            <a:off x="3168650" y="4017963"/>
-            <a:ext cx="1214438" cy="7937"/>
-          </a:xfrm>
-          <a:prstGeom prst="curvedConnector3">
-            <a:avLst>
-              <a:gd name="adj1" fmla="val 50000"/>
-            </a:avLst>
-          </a:prstGeom>
-          <a:ln>
-            <a:tailEnd type="triangle"/>
-          </a:ln>
-        </p:spPr>
-        <p:style>
-          <a:lnRef idx="1">
-            <a:schemeClr val="accent1"/>
-          </a:lnRef>
-          <a:fillRef idx="0">
-            <a:schemeClr val="accent1"/>
-          </a:fillRef>
-          <a:effectRef idx="0">
-            <a:schemeClr val="accent1"/>
-          </a:effectRef>
-          <a:fontRef idx="minor">
-            <a:schemeClr val="tx1"/>
-          </a:fontRef>
-        </p:style>
-      </p:cxnSp>
-      <p:sp>
-        <p:nvSpPr>
-          <p:cNvPr id="3099" name="TextBox 19">
-            <a:extLst>
-              <a:ext uri="{FF2B5EF4-FFF2-40B4-BE49-F238E27FC236}">
-                <a16:creationId xmlns:a16="http://schemas.microsoft.com/office/drawing/2014/main" id="{91959593-50FF-4DED-B13A-AFC4BC5C554F}"/>
-              </a:ext>
-            </a:extLst>
-          </p:cNvPr>
-          <p:cNvSpPr txBox="1">
-            <a:spLocks noChangeArrowheads="1"/>
-          </p:cNvSpPr>
-          <p:nvPr/>
-        </p:nvSpPr>
-        <p:spPr bwMode="auto">
-          <a:xfrm>
-            <a:off x="1984375" y="4232275"/>
-            <a:ext cx="1495425" cy="646113"/>
-          </a:xfrm>
-          <a:prstGeom prst="rect">
-            <a:avLst/>
-          </a:prstGeom>
-          <a:noFill/>
-          <a:ln>
-            <a:noFill/>
-          </a:ln>
-          <a:extLst>
-            <a:ext uri="{909E8E84-426E-40DD-AFC4-6F175D3DCCD1}">
-              <a14:hiddenFill xmlns:a14="http://schemas.microsoft.com/office/drawing/2010/main">
-                <a:solidFill>
-                  <a:srgbClr val="FFFFFF"/>
-                </a:solidFill>
-              </a14:hiddenFill>
-            </a:ext>
-            <a:ext uri="{91240B29-F687-4F45-9708-019B960494DF}">
-              <a14:hiddenLine xmlns:a14="http://schemas.microsoft.com/office/drawing/2010/main" w="9525">
-                <a:solidFill>
-                  <a:srgbClr val="000000"/>
-                </a:solidFill>
-                <a:miter lim="800000"/>
-                <a:headEnd/>
-                <a:tailEnd/>
-              </a14:hiddenLine>
-            </a:ext>
-          </a:extLst>
-        </p:spPr>
-        <p:txBody>
-          <a:bodyPr wrap="none">
-            <a:spAutoFit/>
-          </a:bodyPr>
-          <a:lstStyle>
-            <a:lvl1pPr>
-              <a:lnSpc>
-                <a:spcPct val="90000"/>
-              </a:lnSpc>
-              <a:spcBef>
-                <a:spcPts val="1000"/>
-              </a:spcBef>
-              <a:buFont typeface="Arial" panose="020B0604020202020204" pitchFamily="34" charset="0"/>
-              <a:buChar char="•"/>
-              <a:defRPr sz="2800">
-                <a:solidFill>
-                  <a:schemeClr val="tx1"/>
-                </a:solidFill>
-                <a:latin typeface="Calibri" panose="020F0502020204030204" pitchFamily="34" charset="0"/>
-              </a:defRPr>
-            </a:lvl1pPr>
-            <a:lvl2pPr marL="742950" indent="-285750">
-              <a:lnSpc>
-                <a:spcPct val="90000"/>
-              </a:lnSpc>
-              <a:spcBef>
-                <a:spcPts val="500"/>
-              </a:spcBef>
-              <a:buFont typeface="Arial" panose="020B0604020202020204" pitchFamily="34" charset="0"/>
-              <a:buChar char="•"/>
-              <a:defRPr sz="2400">
-                <a:solidFill>
-                  <a:schemeClr val="tx1"/>
-                </a:solidFill>
-                <a:latin typeface="Calibri" panose="020F0502020204030204" pitchFamily="34" charset="0"/>
-              </a:defRPr>
-            </a:lvl2pPr>
-            <a:lvl3pPr marL="1143000" indent="-228600">
-              <a:lnSpc>
-                <a:spcPct val="90000"/>
-              </a:lnSpc>
-              <a:spcBef>
-                <a:spcPts val="500"/>
-              </a:spcBef>
-              <a:buFont typeface="Arial" panose="020B0604020202020204" pitchFamily="34" charset="0"/>
-              <a:buChar char="•"/>
-              <a:defRPr sz="2000">
-                <a:solidFill>
-                  <a:schemeClr val="tx1"/>
-                </a:solidFill>
-                <a:latin typeface="Calibri" panose="020F0502020204030204" pitchFamily="34" charset="0"/>
-              </a:defRPr>
-            </a:lvl3pPr>
-            <a:lvl4pPr marL="1600200" indent="-228600">
-              <a:lnSpc>
-                <a:spcPct val="90000"/>
-              </a:lnSpc>
-              <a:spcBef>
-                <a:spcPts val="500"/>
-              </a:spcBef>
-              <a:buFont typeface="Arial" panose="020B0604020202020204" pitchFamily="34" charset="0"/>
-              <a:buChar char="•"/>
-              <a:defRPr>
-                <a:solidFill>
-                  <a:schemeClr val="tx1"/>
-                </a:solidFill>
-                <a:latin typeface="Calibri" panose="020F0502020204030204" pitchFamily="34" charset="0"/>
-              </a:defRPr>
-            </a:lvl4pPr>
-            <a:lvl5pPr marL="2057400" indent="-228600">
-              <a:lnSpc>
-                <a:spcPct val="90000"/>
-              </a:lnSpc>
-              <a:spcBef>
-                <a:spcPts val="500"/>
-              </a:spcBef>
-              <a:buFont typeface="Arial" panose="020B0604020202020204" pitchFamily="34" charset="0"/>
-              <a:buChar char="•"/>
-              <a:defRPr>
-                <a:solidFill>
-                  <a:schemeClr val="tx1"/>
-                </a:solidFill>
-                <a:latin typeface="Calibri" panose="020F0502020204030204" pitchFamily="34" charset="0"/>
-              </a:defRPr>
-            </a:lvl5pPr>
-            <a:lvl6pPr marL="2514600" indent="-228600" eaLnBrk="0" fontAlgn="base" hangingPunct="0">
-              <a:lnSpc>
-                <a:spcPct val="90000"/>
-              </a:lnSpc>
-              <a:spcBef>
-                <a:spcPts val="500"/>
-              </a:spcBef>
-              <a:spcAft>
-                <a:spcPct val="0"/>
-              </a:spcAft>
-              <a:buFont typeface="Arial" panose="020B0604020202020204" pitchFamily="34" charset="0"/>
-              <a:buChar char="•"/>
-              <a:defRPr>
-                <a:solidFill>
-                  <a:schemeClr val="tx1"/>
-                </a:solidFill>
-                <a:latin typeface="Calibri" panose="020F0502020204030204" pitchFamily="34" charset="0"/>
-              </a:defRPr>
-            </a:lvl6pPr>
-            <a:lvl7pPr marL="2971800" indent="-228600" eaLnBrk="0" fontAlgn="base" hangingPunct="0">
-              <a:lnSpc>
-                <a:spcPct val="90000"/>
-              </a:lnSpc>
-              <a:spcBef>
-                <a:spcPts val="500"/>
-              </a:spcBef>
-              <a:spcAft>
-                <a:spcPct val="0"/>
-              </a:spcAft>
-              <a:buFont typeface="Arial" panose="020B0604020202020204" pitchFamily="34" charset="0"/>
-              <a:buChar char="•"/>
-              <a:defRPr>
-                <a:solidFill>
-                  <a:schemeClr val="tx1"/>
-                </a:solidFill>
-                <a:latin typeface="Calibri" panose="020F0502020204030204" pitchFamily="34" charset="0"/>
-              </a:defRPr>
-            </a:lvl7pPr>
-            <a:lvl8pPr marL="3429000" indent="-228600" eaLnBrk="0" fontAlgn="base" hangingPunct="0">
-              <a:lnSpc>
-                <a:spcPct val="90000"/>
-              </a:lnSpc>
-              <a:spcBef>
-                <a:spcPts val="500"/>
-              </a:spcBef>
-              <a:spcAft>
-                <a:spcPct val="0"/>
-              </a:spcAft>
-              <a:buFont typeface="Arial" panose="020B0604020202020204" pitchFamily="34" charset="0"/>
-              <a:buChar char="•"/>
-              <a:defRPr>
-                <a:solidFill>
-                  <a:schemeClr val="tx1"/>
-                </a:solidFill>
-                <a:latin typeface="Calibri" panose="020F0502020204030204" pitchFamily="34" charset="0"/>
-              </a:defRPr>
-            </a:lvl8pPr>
-            <a:lvl9pPr marL="3886200" indent="-228600" eaLnBrk="0" fontAlgn="base" hangingPunct="0">
-              <a:lnSpc>
-                <a:spcPct val="90000"/>
-              </a:lnSpc>
-              <a:spcBef>
-                <a:spcPts val="500"/>
-              </a:spcBef>
-              <a:spcAft>
-                <a:spcPct val="0"/>
-              </a:spcAft>
-              <a:buFont typeface="Arial" panose="020B0604020202020204" pitchFamily="34" charset="0"/>
-              <a:buChar char="•"/>
-              <a:defRPr>
-                <a:solidFill>
-                  <a:schemeClr val="tx1"/>
-                </a:solidFill>
-                <a:latin typeface="Calibri" panose="020F0502020204030204" pitchFamily="34" charset="0"/>
-              </a:defRPr>
-            </a:lvl9pPr>
-          </a:lstStyle>
-          <a:p>
-            <a:pPr algn="ctr" eaLnBrk="1" hangingPunct="1">
-              <a:lnSpc>
-                <a:spcPct val="100000"/>
-              </a:lnSpc>
-              <a:spcBef>
-                <a:spcPct val="0"/>
-              </a:spcBef>
-              <a:buFontTx/>
-              <a:buNone/>
-            </a:pPr>
-            <a:r>
-              <a:rPr lang="fr-CA" altLang="fr-FR" sz="1800"/>
-              <a:t>Athlete-facing</a:t>
-            </a:r>
-            <a:br>
-              <a:rPr lang="fr-CA" altLang="fr-FR" sz="1800"/>
-            </a:br>
-            <a:r>
-              <a:rPr lang="fr-CA" altLang="fr-FR" sz="1800"/>
-              <a:t>display</a:t>
-            </a:r>
-          </a:p>
-        </p:txBody>
-      </p:sp>
-      <p:pic>
-        <p:nvPicPr>
-          <p:cNvPr id="3" name="Picture 2">
-            <a:extLst>
-              <a:ext uri="{FF2B5EF4-FFF2-40B4-BE49-F238E27FC236}">
-                <a16:creationId xmlns:a16="http://schemas.microsoft.com/office/drawing/2014/main" id="{F5D6D557-B334-41B0-867B-D9A60E44D0B6}"/>
-              </a:ext>
-            </a:extLst>
-          </p:cNvPr>
-          <p:cNvPicPr>
-            <a:picLocks noChangeAspect="1"/>
-          </p:cNvPicPr>
-          <p:nvPr/>
-        </p:nvPicPr>
-        <p:blipFill>
-          <a:blip r:embed="rId6">
-            <a:duotone>
-              <a:schemeClr val="accent1">
-                <a:shade val="45000"/>
-                <a:satMod val="135000"/>
-              </a:schemeClr>
-              <a:prstClr val="white"/>
-            </a:duotone>
-          </a:blip>
-          <a:stretch>
-            <a:fillRect/>
-          </a:stretch>
-        </p:blipFill>
-        <p:spPr>
-          <a:xfrm>
-            <a:off x="5457816" y="3337826"/>
-            <a:ext cx="914400" cy="914400"/>
-          </a:xfrm>
-          <a:prstGeom prst="rect">
-            <a:avLst/>
-          </a:prstGeom>
-          <a:solidFill>
-            <a:schemeClr val="bg1"/>
-          </a:solidFill>
-        </p:spPr>
-      </p:pic>
-      <p:pic>
-        <p:nvPicPr>
-          <p:cNvPr id="2" name="Picture 1">
-            <a:extLst>
-              <a:ext uri="{FF2B5EF4-FFF2-40B4-BE49-F238E27FC236}">
-                <a16:creationId xmlns:a16="http://schemas.microsoft.com/office/drawing/2014/main" id="{2C307367-894B-4244-A44E-8A5D7944D449}"/>
-              </a:ext>
-            </a:extLst>
-          </p:cNvPr>
-          <p:cNvPicPr>
-            <a:picLocks noChangeAspect="1"/>
-          </p:cNvPicPr>
-          <p:nvPr/>
-        </p:nvPicPr>
-        <p:blipFill>
-          <a:blip r:embed="rId6">
-            <a:duotone>
-              <a:schemeClr val="accent2">
-                <a:shade val="45000"/>
-                <a:satMod val="135000"/>
-              </a:schemeClr>
-              <a:prstClr val="white"/>
-            </a:duotone>
-          </a:blip>
-          <a:stretch>
-            <a:fillRect/>
-          </a:stretch>
-        </p:blipFill>
-        <p:spPr>
-          <a:xfrm>
-            <a:off x="7046358" y="3332536"/>
-            <a:ext cx="914400" cy="914400"/>
-          </a:xfrm>
-          <a:prstGeom prst="rect">
-            <a:avLst/>
-          </a:prstGeom>
-          <a:solidFill>
-            <a:schemeClr val="bg1"/>
-          </a:solidFill>
-        </p:spPr>
-      </p:pic>
-      <p:pic>
-        <p:nvPicPr>
-          <p:cNvPr id="3102" name="Graphic 36" descr="Laptop">
-            <a:extLst>
-              <a:ext uri="{FF2B5EF4-FFF2-40B4-BE49-F238E27FC236}">
-                <a16:creationId xmlns:a16="http://schemas.microsoft.com/office/drawing/2014/main" id="{9FFB8998-742B-49E8-8A47-7A4FE590921C}"/>
-              </a:ext>
-            </a:extLst>
-          </p:cNvPr>
-          <p:cNvPicPr>
-            <a:picLocks noChangeAspect="1" noChangeArrowheads="1"/>
-          </p:cNvPicPr>
-          <p:nvPr/>
-        </p:nvPicPr>
-        <p:blipFill>
-          <a:blip r:embed="rId7">
-            <a:extLst>
-              <a:ext uri="{28A0092B-C50C-407E-A947-70E740481C1C}">
-                <a14:useLocalDpi xmlns:a14="http://schemas.microsoft.com/office/drawing/2010/main" val="0"/>
-              </a:ext>
-            </a:extLst>
-          </a:blip>
-          <a:srcRect/>
-          <a:stretch>
-            <a:fillRect/>
-          </a:stretch>
-        </p:blipFill>
-        <p:spPr bwMode="auto">
-          <a:xfrm>
-            <a:off x="8008938" y="1177925"/>
-            <a:ext cx="914400" cy="914400"/>
-          </a:xfrm>
-          <a:prstGeom prst="rect">
-            <a:avLst/>
-          </a:prstGeom>
-          <a:noFill/>
-          <a:ln>
-            <a:noFill/>
-          </a:ln>
-          <a:extLst>
-            <a:ext uri="{909E8E84-426E-40DD-AFC4-6F175D3DCCD1}">
-              <a14:hiddenFill xmlns:a14="http://schemas.microsoft.com/office/drawing/2010/main">
-                <a:solidFill>
-                  <a:srgbClr val="FFFFFF"/>
-                </a:solidFill>
-              </a14:hiddenFill>
-            </a:ext>
-            <a:ext uri="{91240B29-F687-4F45-9708-019B960494DF}">
-              <a14:hiddenLine xmlns:a14="http://schemas.microsoft.com/office/drawing/2010/main" w="9525">
-                <a:solidFill>
-                  <a:srgbClr val="000000"/>
-                </a:solidFill>
-                <a:miter lim="800000"/>
-                <a:headEnd/>
-                <a:tailEnd/>
-              </a14:hiddenLine>
-            </a:ext>
-          </a:extLst>
-        </p:spPr>
-      </p:pic>
-      <p:pic>
-        <p:nvPicPr>
-          <p:cNvPr id="3103" name="Graphic 37" descr="Laptop">
-            <a:extLst>
-              <a:ext uri="{FF2B5EF4-FFF2-40B4-BE49-F238E27FC236}">
-                <a16:creationId xmlns:a16="http://schemas.microsoft.com/office/drawing/2014/main" id="{190E2861-94BB-4DAE-852D-1D4F8963DFDF}"/>
-              </a:ext>
-            </a:extLst>
-          </p:cNvPr>
-          <p:cNvPicPr>
-            <a:picLocks noChangeAspect="1" noChangeArrowheads="1"/>
-          </p:cNvPicPr>
-          <p:nvPr/>
-        </p:nvPicPr>
-        <p:blipFill>
-          <a:blip r:embed="rId7">
-            <a:extLst>
-              <a:ext uri="{28A0092B-C50C-407E-A947-70E740481C1C}">
-                <a14:useLocalDpi xmlns:a14="http://schemas.microsoft.com/office/drawing/2010/main" val="0"/>
-              </a:ext>
-            </a:extLst>
-          </a:blip>
-          <a:srcRect/>
-          <a:stretch>
-            <a:fillRect/>
-          </a:stretch>
-        </p:blipFill>
-        <p:spPr bwMode="auto">
-          <a:xfrm>
-            <a:off x="9055100" y="1198563"/>
-            <a:ext cx="914400" cy="914400"/>
-          </a:xfrm>
-          <a:prstGeom prst="rect">
-            <a:avLst/>
-          </a:prstGeom>
-          <a:noFill/>
-          <a:ln>
-            <a:noFill/>
-          </a:ln>
-          <a:extLst>
-            <a:ext uri="{909E8E84-426E-40DD-AFC4-6F175D3DCCD1}">
-              <a14:hiddenFill xmlns:a14="http://schemas.microsoft.com/office/drawing/2010/main">
-                <a:solidFill>
-                  <a:srgbClr val="FFFFFF"/>
-                </a:solidFill>
-              </a14:hiddenFill>
-            </a:ext>
-            <a:ext uri="{91240B29-F687-4F45-9708-019B960494DF}">
-              <a14:hiddenLine xmlns:a14="http://schemas.microsoft.com/office/drawing/2010/main" w="9525">
-                <a:solidFill>
-                  <a:srgbClr val="000000"/>
-                </a:solidFill>
-                <a:miter lim="800000"/>
-                <a:headEnd/>
-                <a:tailEnd/>
-              </a14:hiddenLine>
-            </a:ext>
-          </a:extLst>
-        </p:spPr>
-      </p:pic>
-      <p:sp>
-        <p:nvSpPr>
-          <p:cNvPr id="3104" name="TextBox 39">
-            <a:extLst>
-              <a:ext uri="{FF2B5EF4-FFF2-40B4-BE49-F238E27FC236}">
-                <a16:creationId xmlns:a16="http://schemas.microsoft.com/office/drawing/2014/main" id="{B1CB1FBF-BE57-4B98-8AC7-E3C849F7B3FF}"/>
-              </a:ext>
-            </a:extLst>
-          </p:cNvPr>
-          <p:cNvSpPr txBox="1">
-            <a:spLocks noChangeArrowheads="1"/>
-          </p:cNvSpPr>
-          <p:nvPr/>
-        </p:nvSpPr>
-        <p:spPr bwMode="auto">
-          <a:xfrm>
-            <a:off x="8126413" y="4203700"/>
-            <a:ext cx="1376362" cy="369888"/>
-          </a:xfrm>
-          <a:prstGeom prst="rect">
-            <a:avLst/>
-          </a:prstGeom>
-          <a:noFill/>
-          <a:ln>
-            <a:noFill/>
-          </a:ln>
-          <a:extLst>
-            <a:ext uri="{909E8E84-426E-40DD-AFC4-6F175D3DCCD1}">
-              <a14:hiddenFill xmlns:a14="http://schemas.microsoft.com/office/drawing/2010/main">
-                <a:solidFill>
-                  <a:srgbClr val="FFFFFF"/>
-                </a:solidFill>
-              </a14:hiddenFill>
-            </a:ext>
-            <a:ext uri="{91240B29-F687-4F45-9708-019B960494DF}">
-              <a14:hiddenLine xmlns:a14="http://schemas.microsoft.com/office/drawing/2010/main" w="9525">
-                <a:solidFill>
-                  <a:srgbClr val="000000"/>
-                </a:solidFill>
-                <a:miter lim="800000"/>
-                <a:headEnd/>
-                <a:tailEnd/>
-              </a14:hiddenLine>
-            </a:ext>
-          </a:extLst>
-        </p:spPr>
-        <p:txBody>
-          <a:bodyPr wrap="none">
-            <a:spAutoFit/>
-          </a:bodyPr>
-          <a:lstStyle>
-            <a:lvl1pPr>
-              <a:lnSpc>
-                <a:spcPct val="90000"/>
-              </a:lnSpc>
-              <a:spcBef>
-                <a:spcPts val="1000"/>
-              </a:spcBef>
-              <a:buFont typeface="Arial" panose="020B0604020202020204" pitchFamily="34" charset="0"/>
-              <a:buChar char="•"/>
-              <a:defRPr sz="2800">
-                <a:solidFill>
-                  <a:schemeClr val="tx1"/>
-                </a:solidFill>
-                <a:latin typeface="Calibri" panose="020F0502020204030204" pitchFamily="34" charset="0"/>
-              </a:defRPr>
-            </a:lvl1pPr>
-            <a:lvl2pPr marL="742950" indent="-285750">
-              <a:lnSpc>
-                <a:spcPct val="90000"/>
-              </a:lnSpc>
-              <a:spcBef>
-                <a:spcPts val="500"/>
-              </a:spcBef>
-              <a:buFont typeface="Arial" panose="020B0604020202020204" pitchFamily="34" charset="0"/>
-              <a:buChar char="•"/>
-              <a:defRPr sz="2400">
-                <a:solidFill>
-                  <a:schemeClr val="tx1"/>
-                </a:solidFill>
-                <a:latin typeface="Calibri" panose="020F0502020204030204" pitchFamily="34" charset="0"/>
-              </a:defRPr>
-            </a:lvl2pPr>
-            <a:lvl3pPr marL="1143000" indent="-228600">
-              <a:lnSpc>
-                <a:spcPct val="90000"/>
-              </a:lnSpc>
-              <a:spcBef>
-                <a:spcPts val="500"/>
-              </a:spcBef>
-              <a:buFont typeface="Arial" panose="020B0604020202020204" pitchFamily="34" charset="0"/>
-              <a:buChar char="•"/>
-              <a:defRPr sz="2000">
-                <a:solidFill>
-                  <a:schemeClr val="tx1"/>
-                </a:solidFill>
-                <a:latin typeface="Calibri" panose="020F0502020204030204" pitchFamily="34" charset="0"/>
-              </a:defRPr>
-            </a:lvl3pPr>
-            <a:lvl4pPr marL="1600200" indent="-228600">
-              <a:lnSpc>
-                <a:spcPct val="90000"/>
-              </a:lnSpc>
-              <a:spcBef>
-                <a:spcPts val="500"/>
-              </a:spcBef>
-              <a:buFont typeface="Arial" panose="020B0604020202020204" pitchFamily="34" charset="0"/>
-              <a:buChar char="•"/>
-              <a:defRPr>
-                <a:solidFill>
-                  <a:schemeClr val="tx1"/>
-                </a:solidFill>
-                <a:latin typeface="Calibri" panose="020F0502020204030204" pitchFamily="34" charset="0"/>
-              </a:defRPr>
-            </a:lvl4pPr>
-            <a:lvl5pPr marL="2057400" indent="-228600">
-              <a:lnSpc>
-                <a:spcPct val="90000"/>
-              </a:lnSpc>
-              <a:spcBef>
-                <a:spcPts val="500"/>
-              </a:spcBef>
-              <a:buFont typeface="Arial" panose="020B0604020202020204" pitchFamily="34" charset="0"/>
-              <a:buChar char="•"/>
-              <a:defRPr>
-                <a:solidFill>
-                  <a:schemeClr val="tx1"/>
-                </a:solidFill>
-                <a:latin typeface="Calibri" panose="020F0502020204030204" pitchFamily="34" charset="0"/>
-              </a:defRPr>
-            </a:lvl5pPr>
-            <a:lvl6pPr marL="2514600" indent="-228600" eaLnBrk="0" fontAlgn="base" hangingPunct="0">
-              <a:lnSpc>
-                <a:spcPct val="90000"/>
-              </a:lnSpc>
-              <a:spcBef>
-                <a:spcPts val="500"/>
-              </a:spcBef>
-              <a:spcAft>
-                <a:spcPct val="0"/>
-              </a:spcAft>
-              <a:buFont typeface="Arial" panose="020B0604020202020204" pitchFamily="34" charset="0"/>
-              <a:buChar char="•"/>
-              <a:defRPr>
-                <a:solidFill>
-                  <a:schemeClr val="tx1"/>
-                </a:solidFill>
-                <a:latin typeface="Calibri" panose="020F0502020204030204" pitchFamily="34" charset="0"/>
-              </a:defRPr>
-            </a:lvl6pPr>
-            <a:lvl7pPr marL="2971800" indent="-228600" eaLnBrk="0" fontAlgn="base" hangingPunct="0">
-              <a:lnSpc>
-                <a:spcPct val="90000"/>
-              </a:lnSpc>
-              <a:spcBef>
-                <a:spcPts val="500"/>
-              </a:spcBef>
-              <a:spcAft>
-                <a:spcPct val="0"/>
-              </a:spcAft>
-              <a:buFont typeface="Arial" panose="020B0604020202020204" pitchFamily="34" charset="0"/>
-              <a:buChar char="•"/>
-              <a:defRPr>
-                <a:solidFill>
-                  <a:schemeClr val="tx1"/>
-                </a:solidFill>
-                <a:latin typeface="Calibri" panose="020F0502020204030204" pitchFamily="34" charset="0"/>
-              </a:defRPr>
-            </a:lvl7pPr>
-            <a:lvl8pPr marL="3429000" indent="-228600" eaLnBrk="0" fontAlgn="base" hangingPunct="0">
-              <a:lnSpc>
-                <a:spcPct val="90000"/>
-              </a:lnSpc>
-              <a:spcBef>
-                <a:spcPts val="500"/>
-              </a:spcBef>
-              <a:spcAft>
-                <a:spcPct val="0"/>
-              </a:spcAft>
-              <a:buFont typeface="Arial" panose="020B0604020202020204" pitchFamily="34" charset="0"/>
-              <a:buChar char="•"/>
-              <a:defRPr>
-                <a:solidFill>
-                  <a:schemeClr val="tx1"/>
-                </a:solidFill>
-                <a:latin typeface="Calibri" panose="020F0502020204030204" pitchFamily="34" charset="0"/>
-              </a:defRPr>
-            </a:lvl8pPr>
-            <a:lvl9pPr marL="3886200" indent="-228600" eaLnBrk="0" fontAlgn="base" hangingPunct="0">
-              <a:lnSpc>
-                <a:spcPct val="90000"/>
-              </a:lnSpc>
-              <a:spcBef>
-                <a:spcPts val="500"/>
-              </a:spcBef>
-              <a:spcAft>
-                <a:spcPct val="0"/>
-              </a:spcAft>
-              <a:buFont typeface="Arial" panose="020B0604020202020204" pitchFamily="34" charset="0"/>
-              <a:buChar char="•"/>
-              <a:defRPr>
-                <a:solidFill>
-                  <a:schemeClr val="tx1"/>
-                </a:solidFill>
-                <a:latin typeface="Calibri" panose="020F0502020204030204" pitchFamily="34" charset="0"/>
-              </a:defRPr>
-            </a:lvl9pPr>
-          </a:lstStyle>
-          <a:p>
-            <a:pPr eaLnBrk="1" hangingPunct="1">
-              <a:lnSpc>
-                <a:spcPct val="100000"/>
-              </a:lnSpc>
-              <a:spcBef>
-                <a:spcPct val="0"/>
-              </a:spcBef>
-              <a:buFontTx/>
-              <a:buNone/>
-            </a:pPr>
-            <a:r>
-              <a:rPr lang="fr-CA" altLang="fr-FR" sz="1800"/>
-              <a:t>publicresults</a:t>
-            </a:r>
-          </a:p>
-        </p:txBody>
-      </p:sp>
-      <p:cxnSp>
-        <p:nvCxnSpPr>
-          <p:cNvPr id="41" name="Connector: Curved 40">
-            <a:extLst>
-              <a:ext uri="{FF2B5EF4-FFF2-40B4-BE49-F238E27FC236}">
-                <a16:creationId xmlns:a16="http://schemas.microsoft.com/office/drawing/2014/main" id="{FC1FC558-DB38-49CE-8B47-F459486C9E80}"/>
-              </a:ext>
-            </a:extLst>
-          </p:cNvPr>
-          <p:cNvCxnSpPr>
-            <a:cxnSpLocks/>
-            <a:stCxn id="3108" idx="3"/>
-            <a:endCxn id="3102" idx="3"/>
-          </p:cNvCxnSpPr>
-          <p:nvPr/>
-        </p:nvCxnSpPr>
-        <p:spPr>
-          <a:xfrm flipH="1" flipV="1">
-            <a:off x="8923338" y="1635125"/>
-            <a:ext cx="279400" cy="2347913"/>
-          </a:xfrm>
-          <a:prstGeom prst="curvedConnector3">
-            <a:avLst>
-              <a:gd name="adj1" fmla="val -81882"/>
-            </a:avLst>
-          </a:prstGeom>
-          <a:ln>
-            <a:tailEnd type="triangle"/>
-          </a:ln>
-        </p:spPr>
-        <p:style>
-          <a:lnRef idx="1">
-            <a:schemeClr val="accent1"/>
-          </a:lnRef>
-          <a:fillRef idx="0">
-            <a:schemeClr val="accent1"/>
-          </a:fillRef>
-          <a:effectRef idx="0">
-            <a:schemeClr val="accent1"/>
-          </a:effectRef>
-          <a:fontRef idx="minor">
-            <a:schemeClr val="tx1"/>
-          </a:fontRef>
-        </p:style>
-      </p:cxnSp>
-      <p:cxnSp>
-        <p:nvCxnSpPr>
-          <p:cNvPr id="43" name="Connector: Curved 42">
-            <a:extLst>
-              <a:ext uri="{FF2B5EF4-FFF2-40B4-BE49-F238E27FC236}">
-                <a16:creationId xmlns:a16="http://schemas.microsoft.com/office/drawing/2014/main" id="{464BECD0-B4C3-4B5B-90AC-02EEE49B0EB4}"/>
-              </a:ext>
-            </a:extLst>
-          </p:cNvPr>
-          <p:cNvCxnSpPr>
-            <a:cxnSpLocks/>
-            <a:stCxn id="3108" idx="3"/>
-          </p:cNvCxnSpPr>
-          <p:nvPr/>
-        </p:nvCxnSpPr>
-        <p:spPr>
-          <a:xfrm flipV="1">
-            <a:off x="9202738" y="1635125"/>
-            <a:ext cx="1778000" cy="2347913"/>
-          </a:xfrm>
-          <a:prstGeom prst="curvedConnector3">
-            <a:avLst>
-              <a:gd name="adj1" fmla="val 112852"/>
-            </a:avLst>
-          </a:prstGeom>
-          <a:ln>
-            <a:tailEnd type="triangle"/>
-          </a:ln>
-        </p:spPr>
-        <p:style>
-          <a:lnRef idx="1">
-            <a:schemeClr val="accent1"/>
-          </a:lnRef>
-          <a:fillRef idx="0">
-            <a:schemeClr val="accent1"/>
-          </a:fillRef>
-          <a:effectRef idx="0">
-            <a:schemeClr val="accent1"/>
-          </a:effectRef>
-          <a:fontRef idx="minor">
-            <a:schemeClr val="tx1"/>
-          </a:fontRef>
-        </p:style>
-      </p:cxnSp>
-      <p:sp>
-        <p:nvSpPr>
-          <p:cNvPr id="3107" name="TextBox 47">
-            <a:extLst>
-              <a:ext uri="{FF2B5EF4-FFF2-40B4-BE49-F238E27FC236}">
-                <a16:creationId xmlns:a16="http://schemas.microsoft.com/office/drawing/2014/main" id="{1846407C-E1BC-43E5-9D4F-84A8608A37B6}"/>
-              </a:ext>
-            </a:extLst>
-          </p:cNvPr>
-          <p:cNvSpPr txBox="1">
-            <a:spLocks noChangeArrowheads="1"/>
-          </p:cNvSpPr>
-          <p:nvPr/>
-        </p:nvSpPr>
-        <p:spPr bwMode="auto">
-          <a:xfrm>
-            <a:off x="8597693" y="1922463"/>
-            <a:ext cx="2314994" cy="369332"/>
-          </a:xfrm>
-          <a:prstGeom prst="rect">
-            <a:avLst/>
-          </a:prstGeom>
-          <a:noFill/>
-          <a:ln>
-            <a:noFill/>
-          </a:ln>
-          <a:extLst>
-            <a:ext uri="{909E8E84-426E-40DD-AFC4-6F175D3DCCD1}">
-              <a14:hiddenFill xmlns:a14="http://schemas.microsoft.com/office/drawing/2010/main">
-                <a:solidFill>
-                  <a:srgbClr val="FFFFFF"/>
-                </a:solidFill>
-              </a14:hiddenFill>
-            </a:ext>
-            <a:ext uri="{91240B29-F687-4F45-9708-019B960494DF}">
-              <a14:hiddenLine xmlns:a14="http://schemas.microsoft.com/office/drawing/2010/main" w="9525">
-                <a:solidFill>
-                  <a:srgbClr val="000000"/>
-                </a:solidFill>
-                <a:miter lim="800000"/>
-                <a:headEnd/>
-                <a:tailEnd/>
-              </a14:hiddenLine>
-            </a:ext>
-          </a:extLst>
-        </p:spPr>
-        <p:txBody>
-          <a:bodyPr wrap="none">
-            <a:spAutoFit/>
-          </a:bodyPr>
-          <a:lstStyle>
-            <a:lvl1pPr>
-              <a:lnSpc>
-                <a:spcPct val="90000"/>
-              </a:lnSpc>
-              <a:spcBef>
-                <a:spcPts val="1000"/>
-              </a:spcBef>
-              <a:buFont typeface="Arial" panose="020B0604020202020204" pitchFamily="34" charset="0"/>
-              <a:buChar char="•"/>
-              <a:defRPr sz="2800">
-                <a:solidFill>
-                  <a:schemeClr val="tx1"/>
-                </a:solidFill>
-                <a:latin typeface="Calibri" panose="020F0502020204030204" pitchFamily="34" charset="0"/>
-              </a:defRPr>
-            </a:lvl1pPr>
-            <a:lvl2pPr marL="742950" indent="-285750">
-              <a:lnSpc>
-                <a:spcPct val="90000"/>
-              </a:lnSpc>
-              <a:spcBef>
-                <a:spcPts val="500"/>
-              </a:spcBef>
-              <a:buFont typeface="Arial" panose="020B0604020202020204" pitchFamily="34" charset="0"/>
-              <a:buChar char="•"/>
-              <a:defRPr sz="2400">
-                <a:solidFill>
-                  <a:schemeClr val="tx1"/>
-                </a:solidFill>
-                <a:latin typeface="Calibri" panose="020F0502020204030204" pitchFamily="34" charset="0"/>
-              </a:defRPr>
-            </a:lvl2pPr>
-            <a:lvl3pPr marL="1143000" indent="-228600">
-              <a:lnSpc>
-                <a:spcPct val="90000"/>
-              </a:lnSpc>
-              <a:spcBef>
-                <a:spcPts val="500"/>
-              </a:spcBef>
-              <a:buFont typeface="Arial" panose="020B0604020202020204" pitchFamily="34" charset="0"/>
-              <a:buChar char="•"/>
-              <a:defRPr sz="2000">
-                <a:solidFill>
-                  <a:schemeClr val="tx1"/>
-                </a:solidFill>
-                <a:latin typeface="Calibri" panose="020F0502020204030204" pitchFamily="34" charset="0"/>
-              </a:defRPr>
-            </a:lvl3pPr>
-            <a:lvl4pPr marL="1600200" indent="-228600">
-              <a:lnSpc>
-                <a:spcPct val="90000"/>
-              </a:lnSpc>
-              <a:spcBef>
-                <a:spcPts val="500"/>
-              </a:spcBef>
-              <a:buFont typeface="Arial" panose="020B0604020202020204" pitchFamily="34" charset="0"/>
-              <a:buChar char="•"/>
-              <a:defRPr>
-                <a:solidFill>
-                  <a:schemeClr val="tx1"/>
-                </a:solidFill>
-                <a:latin typeface="Calibri" panose="020F0502020204030204" pitchFamily="34" charset="0"/>
-              </a:defRPr>
-            </a:lvl4pPr>
-            <a:lvl5pPr marL="2057400" indent="-228600">
-              <a:lnSpc>
-                <a:spcPct val="90000"/>
-              </a:lnSpc>
-              <a:spcBef>
-                <a:spcPts val="500"/>
-              </a:spcBef>
-              <a:buFont typeface="Arial" panose="020B0604020202020204" pitchFamily="34" charset="0"/>
-              <a:buChar char="•"/>
-              <a:defRPr>
-                <a:solidFill>
-                  <a:schemeClr val="tx1"/>
-                </a:solidFill>
-                <a:latin typeface="Calibri" panose="020F0502020204030204" pitchFamily="34" charset="0"/>
-              </a:defRPr>
-            </a:lvl5pPr>
-            <a:lvl6pPr marL="2514600" indent="-228600" eaLnBrk="0" fontAlgn="base" hangingPunct="0">
-              <a:lnSpc>
-                <a:spcPct val="90000"/>
-              </a:lnSpc>
-              <a:spcBef>
-                <a:spcPts val="500"/>
-              </a:spcBef>
-              <a:spcAft>
-                <a:spcPct val="0"/>
-              </a:spcAft>
-              <a:buFont typeface="Arial" panose="020B0604020202020204" pitchFamily="34" charset="0"/>
-              <a:buChar char="•"/>
-              <a:defRPr>
-                <a:solidFill>
-                  <a:schemeClr val="tx1"/>
-                </a:solidFill>
-                <a:latin typeface="Calibri" panose="020F0502020204030204" pitchFamily="34" charset="0"/>
-              </a:defRPr>
-            </a:lvl6pPr>
-            <a:lvl7pPr marL="2971800" indent="-228600" eaLnBrk="0" fontAlgn="base" hangingPunct="0">
-              <a:lnSpc>
-                <a:spcPct val="90000"/>
-              </a:lnSpc>
-              <a:spcBef>
-                <a:spcPts val="500"/>
-              </a:spcBef>
-              <a:spcAft>
-                <a:spcPct val="0"/>
-              </a:spcAft>
-              <a:buFont typeface="Arial" panose="020B0604020202020204" pitchFamily="34" charset="0"/>
-              <a:buChar char="•"/>
-              <a:defRPr>
-                <a:solidFill>
-                  <a:schemeClr val="tx1"/>
-                </a:solidFill>
-                <a:latin typeface="Calibri" panose="020F0502020204030204" pitchFamily="34" charset="0"/>
-              </a:defRPr>
-            </a:lvl7pPr>
-            <a:lvl8pPr marL="3429000" indent="-228600" eaLnBrk="0" fontAlgn="base" hangingPunct="0">
-              <a:lnSpc>
-                <a:spcPct val="90000"/>
-              </a:lnSpc>
-              <a:spcBef>
-                <a:spcPts val="500"/>
-              </a:spcBef>
-              <a:spcAft>
-                <a:spcPct val="0"/>
-              </a:spcAft>
-              <a:buFont typeface="Arial" panose="020B0604020202020204" pitchFamily="34" charset="0"/>
-              <a:buChar char="•"/>
-              <a:defRPr>
-                <a:solidFill>
-                  <a:schemeClr val="tx1"/>
-                </a:solidFill>
-                <a:latin typeface="Calibri" panose="020F0502020204030204" pitchFamily="34" charset="0"/>
-              </a:defRPr>
-            </a:lvl8pPr>
-            <a:lvl9pPr marL="3886200" indent="-228600" eaLnBrk="0" fontAlgn="base" hangingPunct="0">
-              <a:lnSpc>
-                <a:spcPct val="90000"/>
-              </a:lnSpc>
-              <a:spcBef>
-                <a:spcPts val="500"/>
-              </a:spcBef>
-              <a:spcAft>
-                <a:spcPct val="0"/>
-              </a:spcAft>
-              <a:buFont typeface="Arial" panose="020B0604020202020204" pitchFamily="34" charset="0"/>
-              <a:buChar char="•"/>
-              <a:defRPr>
-                <a:solidFill>
-                  <a:schemeClr val="tx1"/>
-                </a:solidFill>
-                <a:latin typeface="Calibri" panose="020F0502020204030204" pitchFamily="34" charset="0"/>
-              </a:defRPr>
-            </a:lvl9pPr>
-          </a:lstStyle>
-          <a:p>
-            <a:pPr algn="ctr" eaLnBrk="1" hangingPunct="1">
-              <a:lnSpc>
-                <a:spcPct val="100000"/>
-              </a:lnSpc>
-              <a:spcBef>
-                <a:spcPct val="0"/>
-              </a:spcBef>
-              <a:buFontTx/>
-              <a:buNone/>
-            </a:pPr>
-            <a:r>
-              <a:rPr lang="fr-CA" altLang="fr-FR" sz="1800" dirty="0" err="1"/>
-              <a:t>Individual</a:t>
-            </a:r>
-            <a:r>
-              <a:rPr lang="fr-CA" altLang="fr-FR" sz="1800"/>
-              <a:t> Scoreboards</a:t>
-            </a:r>
-            <a:endParaRPr lang="fr-CA" altLang="fr-FR" sz="1800" dirty="0"/>
-          </a:p>
-        </p:txBody>
-      </p:sp>
-      <p:pic>
-        <p:nvPicPr>
-          <p:cNvPr id="3108" name="Graphic 6" descr="Laptop">
-            <a:extLst>
-              <a:ext uri="{FF2B5EF4-FFF2-40B4-BE49-F238E27FC236}">
-                <a16:creationId xmlns:a16="http://schemas.microsoft.com/office/drawing/2014/main" id="{41B8FAF6-E1EC-4B25-8D6E-9B0796594C6F}"/>
-              </a:ext>
-            </a:extLst>
-          </p:cNvPr>
-          <p:cNvPicPr>
-            <a:picLocks noChangeAspect="1" noChangeArrowheads="1"/>
-          </p:cNvPicPr>
-          <p:nvPr/>
-        </p:nvPicPr>
-        <p:blipFill>
-          <a:blip r:embed="rId7">
-            <a:extLst>
-              <a:ext uri="{28A0092B-C50C-407E-A947-70E740481C1C}">
-                <a14:useLocalDpi xmlns:a14="http://schemas.microsoft.com/office/drawing/2010/main" val="0"/>
-              </a:ext>
-            </a:extLst>
-          </a:blip>
-          <a:srcRect/>
-          <a:stretch>
-            <a:fillRect/>
-          </a:stretch>
-        </p:blipFill>
-        <p:spPr bwMode="auto">
-          <a:xfrm>
-            <a:off x="8288338" y="3525838"/>
-            <a:ext cx="914400" cy="914400"/>
-          </a:xfrm>
-          <a:prstGeom prst="rect">
-            <a:avLst/>
-          </a:prstGeom>
-          <a:noFill/>
-          <a:ln>
-            <a:noFill/>
-          </a:ln>
-          <a:extLst>
-            <a:ext uri="{909E8E84-426E-40DD-AFC4-6F175D3DCCD1}">
-              <a14:hiddenFill xmlns:a14="http://schemas.microsoft.com/office/drawing/2010/main">
-                <a:solidFill>
-                  <a:srgbClr val="FFFFFF"/>
-                </a:solidFill>
-              </a14:hiddenFill>
-            </a:ext>
-            <a:ext uri="{91240B29-F687-4F45-9708-019B960494DF}">
-              <a14:hiddenLine xmlns:a14="http://schemas.microsoft.com/office/drawing/2010/main" w="9525">
-                <a:solidFill>
-                  <a:srgbClr val="000000"/>
-                </a:solidFill>
-                <a:miter lim="800000"/>
-                <a:headEnd/>
-                <a:tailEnd/>
-              </a14:hiddenLine>
-            </a:ext>
-          </a:extLst>
-        </p:spPr>
-      </p:pic>
-      <p:cxnSp>
-        <p:nvCxnSpPr>
-          <p:cNvPr id="23" name="Connector: Curved 22">
-            <a:extLst>
-              <a:ext uri="{FF2B5EF4-FFF2-40B4-BE49-F238E27FC236}">
-                <a16:creationId xmlns:a16="http://schemas.microsoft.com/office/drawing/2014/main" id="{8695AB7C-633F-42BB-AA76-2F1C2AA55FB6}"/>
-              </a:ext>
-            </a:extLst>
-          </p:cNvPr>
-          <p:cNvCxnSpPr>
-            <a:stCxn id="3108" idx="3"/>
-            <a:endCxn id="3103" idx="3"/>
-          </p:cNvCxnSpPr>
-          <p:nvPr/>
-        </p:nvCxnSpPr>
-        <p:spPr>
-          <a:xfrm flipV="1">
-            <a:off x="9202738" y="1655763"/>
-            <a:ext cx="766762" cy="2327275"/>
-          </a:xfrm>
-          <a:prstGeom prst="curvedConnector3">
-            <a:avLst>
-              <a:gd name="adj1" fmla="val 129792"/>
-            </a:avLst>
-          </a:prstGeom>
-          <a:ln>
-            <a:tailEnd type="triangle"/>
-          </a:ln>
-        </p:spPr>
-        <p:style>
-          <a:lnRef idx="1">
-            <a:schemeClr val="accent1"/>
-          </a:lnRef>
-          <a:fillRef idx="0">
-            <a:schemeClr val="accent1"/>
-          </a:fillRef>
-          <a:effectRef idx="0">
-            <a:schemeClr val="accent1"/>
-          </a:effectRef>
-          <a:fontRef idx="minor">
-            <a:schemeClr val="tx1"/>
-          </a:fontRef>
-        </p:style>
-      </p:cxnSp>
-      <p:sp>
-        <p:nvSpPr>
-          <p:cNvPr id="54" name="Rectangle 53">
-            <a:extLst>
-              <a:ext uri="{FF2B5EF4-FFF2-40B4-BE49-F238E27FC236}">
-                <a16:creationId xmlns:a16="http://schemas.microsoft.com/office/drawing/2014/main" id="{80510C38-3D0F-4273-963D-6490A369F7A0}"/>
-              </a:ext>
-            </a:extLst>
-          </p:cNvPr>
-          <p:cNvSpPr/>
-          <p:nvPr/>
-        </p:nvSpPr>
-        <p:spPr>
-          <a:xfrm>
-            <a:off x="6899275" y="836613"/>
-            <a:ext cx="4686300" cy="5592762"/>
-          </a:xfrm>
-          <a:prstGeom prst="rect">
-            <a:avLst/>
-          </a:prstGeom>
-          <a:noFill/>
-        </p:spPr>
-        <p:style>
-          <a:lnRef idx="2">
-            <a:schemeClr val="accent1">
-              <a:shade val="50000"/>
-            </a:schemeClr>
-          </a:lnRef>
-          <a:fillRef idx="1">
-            <a:schemeClr val="accent1"/>
-          </a:fillRef>
-          <a:effectRef idx="0">
-            <a:schemeClr val="accent1"/>
-          </a:effectRef>
-          <a:fontRef idx="minor">
-            <a:schemeClr val="lt1"/>
-          </a:fontRef>
-        </p:style>
-        <p:txBody>
-          <a:bodyPr anchor="ctr"/>
-          <a:lstStyle/>
-          <a:p>
-            <a:pPr algn="ctr" eaLnBrk="1" fontAlgn="auto" hangingPunct="1">
-              <a:spcBef>
-                <a:spcPts val="0"/>
-              </a:spcBef>
-              <a:spcAft>
-                <a:spcPts val="0"/>
-              </a:spcAft>
-              <a:defRPr/>
-            </a:pPr>
-            <a:endParaRPr lang="fr-CA"/>
-          </a:p>
-        </p:txBody>
-      </p:sp>
-      <p:sp>
-        <p:nvSpPr>
-          <p:cNvPr id="3111" name="TextBox 23">
-            <a:extLst>
-              <a:ext uri="{FF2B5EF4-FFF2-40B4-BE49-F238E27FC236}">
-                <a16:creationId xmlns:a16="http://schemas.microsoft.com/office/drawing/2014/main" id="{D38B1C5D-699D-48F1-8684-62BD83DA60F8}"/>
-              </a:ext>
-            </a:extLst>
-          </p:cNvPr>
-          <p:cNvSpPr txBox="1">
-            <a:spLocks noChangeArrowheads="1"/>
-          </p:cNvSpPr>
-          <p:nvPr/>
-        </p:nvSpPr>
-        <p:spPr bwMode="auto">
-          <a:xfrm>
-            <a:off x="9852025" y="855663"/>
-            <a:ext cx="1673225" cy="307975"/>
-          </a:xfrm>
-          <a:prstGeom prst="rect">
-            <a:avLst/>
-          </a:prstGeom>
-          <a:noFill/>
-          <a:ln>
-            <a:noFill/>
-          </a:ln>
-          <a:extLst>
-            <a:ext uri="{909E8E84-426E-40DD-AFC4-6F175D3DCCD1}">
-              <a14:hiddenFill xmlns:a14="http://schemas.microsoft.com/office/drawing/2010/main">
-                <a:solidFill>
-                  <a:srgbClr val="FFFFFF"/>
-                </a:solidFill>
-              </a14:hiddenFill>
-            </a:ext>
-            <a:ext uri="{91240B29-F687-4F45-9708-019B960494DF}">
-              <a14:hiddenLine xmlns:a14="http://schemas.microsoft.com/office/drawing/2010/main" w="9525">
-                <a:solidFill>
-                  <a:srgbClr val="000000"/>
-                </a:solidFill>
-                <a:miter lim="800000"/>
-                <a:headEnd/>
-                <a:tailEnd/>
-              </a14:hiddenLine>
-            </a:ext>
-          </a:extLst>
-        </p:spPr>
-        <p:txBody>
-          <a:bodyPr wrap="none">
-            <a:spAutoFit/>
-          </a:bodyPr>
-          <a:lstStyle>
-            <a:lvl1pPr>
-              <a:lnSpc>
-                <a:spcPct val="90000"/>
-              </a:lnSpc>
-              <a:spcBef>
-                <a:spcPts val="1000"/>
-              </a:spcBef>
-              <a:buFont typeface="Arial" panose="020B0604020202020204" pitchFamily="34" charset="0"/>
-              <a:buChar char="•"/>
-              <a:defRPr sz="2800">
-                <a:solidFill>
-                  <a:schemeClr val="tx1"/>
-                </a:solidFill>
-                <a:latin typeface="Calibri" panose="020F0502020204030204" pitchFamily="34" charset="0"/>
-              </a:defRPr>
-            </a:lvl1pPr>
-            <a:lvl2pPr marL="742950" indent="-285750">
-              <a:lnSpc>
-                <a:spcPct val="90000"/>
-              </a:lnSpc>
-              <a:spcBef>
-                <a:spcPts val="500"/>
-              </a:spcBef>
-              <a:buFont typeface="Arial" panose="020B0604020202020204" pitchFamily="34" charset="0"/>
-              <a:buChar char="•"/>
-              <a:defRPr sz="2400">
-                <a:solidFill>
-                  <a:schemeClr val="tx1"/>
-                </a:solidFill>
-                <a:latin typeface="Calibri" panose="020F0502020204030204" pitchFamily="34" charset="0"/>
-              </a:defRPr>
-            </a:lvl2pPr>
-            <a:lvl3pPr marL="1143000" indent="-228600">
-              <a:lnSpc>
-                <a:spcPct val="90000"/>
-              </a:lnSpc>
-              <a:spcBef>
-                <a:spcPts val="500"/>
-              </a:spcBef>
-              <a:buFont typeface="Arial" panose="020B0604020202020204" pitchFamily="34" charset="0"/>
-              <a:buChar char="•"/>
-              <a:defRPr sz="2000">
-                <a:solidFill>
-                  <a:schemeClr val="tx1"/>
-                </a:solidFill>
-                <a:latin typeface="Calibri" panose="020F0502020204030204" pitchFamily="34" charset="0"/>
-              </a:defRPr>
-            </a:lvl3pPr>
-            <a:lvl4pPr marL="1600200" indent="-228600">
-              <a:lnSpc>
-                <a:spcPct val="90000"/>
-              </a:lnSpc>
-              <a:spcBef>
-                <a:spcPts val="500"/>
-              </a:spcBef>
-              <a:buFont typeface="Arial" panose="020B0604020202020204" pitchFamily="34" charset="0"/>
-              <a:buChar char="•"/>
-              <a:defRPr>
-                <a:solidFill>
-                  <a:schemeClr val="tx1"/>
-                </a:solidFill>
-                <a:latin typeface="Calibri" panose="020F0502020204030204" pitchFamily="34" charset="0"/>
-              </a:defRPr>
-            </a:lvl4pPr>
-            <a:lvl5pPr marL="2057400" indent="-228600">
-              <a:lnSpc>
-                <a:spcPct val="90000"/>
-              </a:lnSpc>
-              <a:spcBef>
-                <a:spcPts val="500"/>
-              </a:spcBef>
-              <a:buFont typeface="Arial" panose="020B0604020202020204" pitchFamily="34" charset="0"/>
-              <a:buChar char="•"/>
-              <a:defRPr>
-                <a:solidFill>
-                  <a:schemeClr val="tx1"/>
-                </a:solidFill>
-                <a:latin typeface="Calibri" panose="020F0502020204030204" pitchFamily="34" charset="0"/>
-              </a:defRPr>
-            </a:lvl5pPr>
-            <a:lvl6pPr marL="2514600" indent="-228600" eaLnBrk="0" fontAlgn="base" hangingPunct="0">
-              <a:lnSpc>
-                <a:spcPct val="90000"/>
-              </a:lnSpc>
-              <a:spcBef>
-                <a:spcPts val="500"/>
-              </a:spcBef>
-              <a:spcAft>
-                <a:spcPct val="0"/>
-              </a:spcAft>
-              <a:buFont typeface="Arial" panose="020B0604020202020204" pitchFamily="34" charset="0"/>
-              <a:buChar char="•"/>
-              <a:defRPr>
-                <a:solidFill>
-                  <a:schemeClr val="tx1"/>
-                </a:solidFill>
-                <a:latin typeface="Calibri" panose="020F0502020204030204" pitchFamily="34" charset="0"/>
-              </a:defRPr>
-            </a:lvl6pPr>
-            <a:lvl7pPr marL="2971800" indent="-228600" eaLnBrk="0" fontAlgn="base" hangingPunct="0">
-              <a:lnSpc>
-                <a:spcPct val="90000"/>
-              </a:lnSpc>
-              <a:spcBef>
-                <a:spcPts val="500"/>
-              </a:spcBef>
-              <a:spcAft>
-                <a:spcPct val="0"/>
-              </a:spcAft>
-              <a:buFont typeface="Arial" panose="020B0604020202020204" pitchFamily="34" charset="0"/>
-              <a:buChar char="•"/>
-              <a:defRPr>
-                <a:solidFill>
-                  <a:schemeClr val="tx1"/>
-                </a:solidFill>
-                <a:latin typeface="Calibri" panose="020F0502020204030204" pitchFamily="34" charset="0"/>
-              </a:defRPr>
-            </a:lvl7pPr>
-            <a:lvl8pPr marL="3429000" indent="-228600" eaLnBrk="0" fontAlgn="base" hangingPunct="0">
-              <a:lnSpc>
-                <a:spcPct val="90000"/>
-              </a:lnSpc>
-              <a:spcBef>
-                <a:spcPts val="500"/>
-              </a:spcBef>
-              <a:spcAft>
-                <a:spcPct val="0"/>
-              </a:spcAft>
-              <a:buFont typeface="Arial" panose="020B0604020202020204" pitchFamily="34" charset="0"/>
-              <a:buChar char="•"/>
-              <a:defRPr>
-                <a:solidFill>
-                  <a:schemeClr val="tx1"/>
-                </a:solidFill>
-                <a:latin typeface="Calibri" panose="020F0502020204030204" pitchFamily="34" charset="0"/>
-              </a:defRPr>
-            </a:lvl8pPr>
-            <a:lvl9pPr marL="3886200" indent="-228600" eaLnBrk="0" fontAlgn="base" hangingPunct="0">
-              <a:lnSpc>
-                <a:spcPct val="90000"/>
-              </a:lnSpc>
-              <a:spcBef>
-                <a:spcPts val="500"/>
-              </a:spcBef>
-              <a:spcAft>
-                <a:spcPct val="0"/>
-              </a:spcAft>
-              <a:buFont typeface="Arial" panose="020B0604020202020204" pitchFamily="34" charset="0"/>
-              <a:buChar char="•"/>
-              <a:defRPr>
-                <a:solidFill>
-                  <a:schemeClr val="tx1"/>
-                </a:solidFill>
-                <a:latin typeface="Calibri" panose="020F0502020204030204" pitchFamily="34" charset="0"/>
-              </a:defRPr>
-            </a:lvl9pPr>
-          </a:lstStyle>
-          <a:p>
-            <a:pPr eaLnBrk="1" hangingPunct="1">
-              <a:lnSpc>
-                <a:spcPct val="100000"/>
-              </a:lnSpc>
-              <a:spcBef>
-                <a:spcPct val="0"/>
-              </a:spcBef>
-              <a:buFontTx/>
-              <a:buNone/>
-            </a:pPr>
-            <a:r>
-              <a:rPr lang="fr-CA" altLang="fr-FR" sz="1400" i="1"/>
-              <a:t>Attendence Network</a:t>
-            </a:r>
-          </a:p>
-        </p:txBody>
-      </p:sp>
-      <p:cxnSp>
-        <p:nvCxnSpPr>
-          <p:cNvPr id="50" name="Connector: Elbow 49">
-            <a:extLst>
-              <a:ext uri="{FF2B5EF4-FFF2-40B4-BE49-F238E27FC236}">
-                <a16:creationId xmlns:a16="http://schemas.microsoft.com/office/drawing/2014/main" id="{99BFCC92-B899-4275-B9F8-8E6CA8FD1DB1}"/>
-              </a:ext>
-            </a:extLst>
-          </p:cNvPr>
-          <p:cNvCxnSpPr>
-            <a:cxnSpLocks/>
-            <a:stCxn id="2" idx="0"/>
-            <a:endCxn id="3" idx="0"/>
-          </p:cNvCxnSpPr>
-          <p:nvPr/>
-        </p:nvCxnSpPr>
-        <p:spPr>
-          <a:xfrm rot="16200000" flipH="1" flipV="1">
-            <a:off x="6706394" y="2540794"/>
-            <a:ext cx="6350" cy="1589088"/>
-          </a:xfrm>
-          <a:prstGeom prst="bentConnector3">
-            <a:avLst>
-              <a:gd name="adj1" fmla="val -10803403"/>
-            </a:avLst>
-          </a:prstGeom>
-          <a:ln w="76200">
-            <a:tailEnd type="triangle"/>
-          </a:ln>
-        </p:spPr>
-        <p:style>
-          <a:lnRef idx="1">
-            <a:schemeClr val="accent1"/>
-          </a:lnRef>
-          <a:fillRef idx="0">
-            <a:schemeClr val="accent1"/>
-          </a:fillRef>
-          <a:effectRef idx="0">
-            <a:schemeClr val="accent1"/>
-          </a:effectRef>
-          <a:fontRef idx="minor">
-            <a:schemeClr val="tx1"/>
-          </a:fontRef>
-        </p:style>
-      </p:cxnSp>
-      <p:sp>
-        <p:nvSpPr>
-          <p:cNvPr id="3113" name="TextBox 58">
-            <a:extLst>
-              <a:ext uri="{FF2B5EF4-FFF2-40B4-BE49-F238E27FC236}">
-                <a16:creationId xmlns:a16="http://schemas.microsoft.com/office/drawing/2014/main" id="{6F32CD4B-75D0-47DC-922E-9C42C55FB6D7}"/>
-              </a:ext>
-            </a:extLst>
-          </p:cNvPr>
-          <p:cNvSpPr txBox="1">
-            <a:spLocks noChangeArrowheads="1"/>
-          </p:cNvSpPr>
-          <p:nvPr/>
-        </p:nvSpPr>
-        <p:spPr bwMode="auto">
-          <a:xfrm>
-            <a:off x="5470525" y="4175125"/>
-            <a:ext cx="917575" cy="646113"/>
-          </a:xfrm>
-          <a:prstGeom prst="rect">
-            <a:avLst/>
-          </a:prstGeom>
-          <a:noFill/>
-          <a:ln>
-            <a:noFill/>
-          </a:ln>
-          <a:extLst>
-            <a:ext uri="{909E8E84-426E-40DD-AFC4-6F175D3DCCD1}">
-              <a14:hiddenFill xmlns:a14="http://schemas.microsoft.com/office/drawing/2010/main">
-                <a:solidFill>
-                  <a:srgbClr val="FFFFFF"/>
-                </a:solidFill>
-              </a14:hiddenFill>
-            </a:ext>
-            <a:ext uri="{91240B29-F687-4F45-9708-019B960494DF}">
-              <a14:hiddenLine xmlns:a14="http://schemas.microsoft.com/office/drawing/2010/main" w="9525">
-                <a:solidFill>
-                  <a:srgbClr val="000000"/>
-                </a:solidFill>
-                <a:miter lim="800000"/>
-                <a:headEnd/>
-                <a:tailEnd/>
-              </a14:hiddenLine>
-            </a:ext>
-          </a:extLst>
-        </p:spPr>
-        <p:txBody>
-          <a:bodyPr wrap="none">
-            <a:spAutoFit/>
-          </a:bodyPr>
-          <a:lstStyle>
-            <a:lvl1pPr>
-              <a:lnSpc>
-                <a:spcPct val="90000"/>
-              </a:lnSpc>
-              <a:spcBef>
-                <a:spcPts val="1000"/>
-              </a:spcBef>
-              <a:buFont typeface="Arial" panose="020B0604020202020204" pitchFamily="34" charset="0"/>
-              <a:buChar char="•"/>
-              <a:defRPr sz="2800">
-                <a:solidFill>
-                  <a:schemeClr val="tx1"/>
-                </a:solidFill>
-                <a:latin typeface="Calibri" panose="020F0502020204030204" pitchFamily="34" charset="0"/>
-              </a:defRPr>
-            </a:lvl1pPr>
-            <a:lvl2pPr marL="742950" indent="-285750">
-              <a:lnSpc>
-                <a:spcPct val="90000"/>
-              </a:lnSpc>
-              <a:spcBef>
-                <a:spcPts val="500"/>
-              </a:spcBef>
-              <a:buFont typeface="Arial" panose="020B0604020202020204" pitchFamily="34" charset="0"/>
-              <a:buChar char="•"/>
-              <a:defRPr sz="2400">
-                <a:solidFill>
-                  <a:schemeClr val="tx1"/>
-                </a:solidFill>
-                <a:latin typeface="Calibri" panose="020F0502020204030204" pitchFamily="34" charset="0"/>
-              </a:defRPr>
-            </a:lvl2pPr>
-            <a:lvl3pPr marL="1143000" indent="-228600">
-              <a:lnSpc>
-                <a:spcPct val="90000"/>
-              </a:lnSpc>
-              <a:spcBef>
-                <a:spcPts val="500"/>
-              </a:spcBef>
-              <a:buFont typeface="Arial" panose="020B0604020202020204" pitchFamily="34" charset="0"/>
-              <a:buChar char="•"/>
-              <a:defRPr sz="2000">
-                <a:solidFill>
-                  <a:schemeClr val="tx1"/>
-                </a:solidFill>
-                <a:latin typeface="Calibri" panose="020F0502020204030204" pitchFamily="34" charset="0"/>
-              </a:defRPr>
-            </a:lvl3pPr>
-            <a:lvl4pPr marL="1600200" indent="-228600">
-              <a:lnSpc>
-                <a:spcPct val="90000"/>
-              </a:lnSpc>
-              <a:spcBef>
-                <a:spcPts val="500"/>
-              </a:spcBef>
-              <a:buFont typeface="Arial" panose="020B0604020202020204" pitchFamily="34" charset="0"/>
-              <a:buChar char="•"/>
-              <a:defRPr>
-                <a:solidFill>
-                  <a:schemeClr val="tx1"/>
-                </a:solidFill>
-                <a:latin typeface="Calibri" panose="020F0502020204030204" pitchFamily="34" charset="0"/>
-              </a:defRPr>
-            </a:lvl4pPr>
-            <a:lvl5pPr marL="2057400" indent="-228600">
-              <a:lnSpc>
-                <a:spcPct val="90000"/>
-              </a:lnSpc>
-              <a:spcBef>
-                <a:spcPts val="500"/>
-              </a:spcBef>
-              <a:buFont typeface="Arial" panose="020B0604020202020204" pitchFamily="34" charset="0"/>
-              <a:buChar char="•"/>
-              <a:defRPr>
-                <a:solidFill>
-                  <a:schemeClr val="tx1"/>
-                </a:solidFill>
-                <a:latin typeface="Calibri" panose="020F0502020204030204" pitchFamily="34" charset="0"/>
-              </a:defRPr>
-            </a:lvl5pPr>
-            <a:lvl6pPr marL="2514600" indent="-228600" eaLnBrk="0" fontAlgn="base" hangingPunct="0">
-              <a:lnSpc>
-                <a:spcPct val="90000"/>
-              </a:lnSpc>
-              <a:spcBef>
-                <a:spcPts val="500"/>
-              </a:spcBef>
-              <a:spcAft>
-                <a:spcPct val="0"/>
-              </a:spcAft>
-              <a:buFont typeface="Arial" panose="020B0604020202020204" pitchFamily="34" charset="0"/>
-              <a:buChar char="•"/>
-              <a:defRPr>
-                <a:solidFill>
-                  <a:schemeClr val="tx1"/>
-                </a:solidFill>
-                <a:latin typeface="Calibri" panose="020F0502020204030204" pitchFamily="34" charset="0"/>
-              </a:defRPr>
-            </a:lvl6pPr>
-            <a:lvl7pPr marL="2971800" indent="-228600" eaLnBrk="0" fontAlgn="base" hangingPunct="0">
-              <a:lnSpc>
-                <a:spcPct val="90000"/>
-              </a:lnSpc>
-              <a:spcBef>
-                <a:spcPts val="500"/>
-              </a:spcBef>
-              <a:spcAft>
-                <a:spcPct val="0"/>
-              </a:spcAft>
-              <a:buFont typeface="Arial" panose="020B0604020202020204" pitchFamily="34" charset="0"/>
-              <a:buChar char="•"/>
-              <a:defRPr>
-                <a:solidFill>
-                  <a:schemeClr val="tx1"/>
-                </a:solidFill>
-                <a:latin typeface="Calibri" panose="020F0502020204030204" pitchFamily="34" charset="0"/>
-              </a:defRPr>
-            </a:lvl7pPr>
-            <a:lvl8pPr marL="3429000" indent="-228600" eaLnBrk="0" fontAlgn="base" hangingPunct="0">
-              <a:lnSpc>
-                <a:spcPct val="90000"/>
-              </a:lnSpc>
-              <a:spcBef>
-                <a:spcPts val="500"/>
-              </a:spcBef>
-              <a:spcAft>
-                <a:spcPct val="0"/>
-              </a:spcAft>
-              <a:buFont typeface="Arial" panose="020B0604020202020204" pitchFamily="34" charset="0"/>
-              <a:buChar char="•"/>
-              <a:defRPr>
-                <a:solidFill>
-                  <a:schemeClr val="tx1"/>
-                </a:solidFill>
-                <a:latin typeface="Calibri" panose="020F0502020204030204" pitchFamily="34" charset="0"/>
-              </a:defRPr>
-            </a:lvl8pPr>
-            <a:lvl9pPr marL="3886200" indent="-228600" eaLnBrk="0" fontAlgn="base" hangingPunct="0">
-              <a:lnSpc>
-                <a:spcPct val="90000"/>
-              </a:lnSpc>
-              <a:spcBef>
-                <a:spcPts val="500"/>
-              </a:spcBef>
-              <a:spcAft>
-                <a:spcPct val="0"/>
-              </a:spcAft>
-              <a:buFont typeface="Arial" panose="020B0604020202020204" pitchFamily="34" charset="0"/>
-              <a:buChar char="•"/>
-              <a:defRPr>
-                <a:solidFill>
-                  <a:schemeClr val="tx1"/>
-                </a:solidFill>
-                <a:latin typeface="Calibri" panose="020F0502020204030204" pitchFamily="34" charset="0"/>
-              </a:defRPr>
-            </a:lvl9pPr>
-          </a:lstStyle>
-          <a:p>
-            <a:pPr eaLnBrk="1" hangingPunct="1">
-              <a:lnSpc>
-                <a:spcPct val="100000"/>
-              </a:lnSpc>
-              <a:spcBef>
-                <a:spcPct val="0"/>
-              </a:spcBef>
-              <a:buFontTx/>
-              <a:buNone/>
-            </a:pPr>
-            <a:r>
-              <a:rPr lang="fr-CA" altLang="fr-FR" sz="1800"/>
-              <a:t>primary</a:t>
-            </a:r>
-            <a:br>
-              <a:rPr lang="fr-CA" altLang="fr-FR" sz="1800"/>
-            </a:br>
-            <a:r>
-              <a:rPr lang="fr-CA" altLang="fr-FR" sz="1800"/>
-              <a:t>router</a:t>
-            </a:r>
-          </a:p>
-        </p:txBody>
-      </p:sp>
-      <p:cxnSp>
-        <p:nvCxnSpPr>
-          <p:cNvPr id="62" name="Connector: Curved 61">
-            <a:extLst>
-              <a:ext uri="{FF2B5EF4-FFF2-40B4-BE49-F238E27FC236}">
-                <a16:creationId xmlns:a16="http://schemas.microsoft.com/office/drawing/2014/main" id="{D886070C-1934-479F-9FEA-F937DDA019AF}"/>
-              </a:ext>
-            </a:extLst>
-          </p:cNvPr>
-          <p:cNvCxnSpPr>
-            <a:cxnSpLocks/>
-            <a:stCxn id="3093" idx="3"/>
-            <a:endCxn id="3088" idx="2"/>
-          </p:cNvCxnSpPr>
-          <p:nvPr/>
-        </p:nvCxnSpPr>
-        <p:spPr>
-          <a:xfrm flipV="1">
-            <a:off x="4200525" y="4602163"/>
-            <a:ext cx="644525" cy="1198562"/>
-          </a:xfrm>
-          <a:prstGeom prst="curvedConnector2">
-            <a:avLst/>
-          </a:prstGeom>
-          <a:ln>
-            <a:tailEnd type="triangle"/>
-          </a:ln>
-        </p:spPr>
-        <p:style>
-          <a:lnRef idx="1">
-            <a:schemeClr val="accent1"/>
-          </a:lnRef>
-          <a:fillRef idx="0">
-            <a:schemeClr val="accent1"/>
-          </a:fillRef>
-          <a:effectRef idx="0">
-            <a:schemeClr val="accent1"/>
-          </a:effectRef>
-          <a:fontRef idx="minor">
-            <a:schemeClr val="tx1"/>
-          </a:fontRef>
-        </p:style>
-      </p:cxnSp>
-      <p:sp>
-        <p:nvSpPr>
-          <p:cNvPr id="3115" name="TextBox 66">
-            <a:extLst>
-              <a:ext uri="{FF2B5EF4-FFF2-40B4-BE49-F238E27FC236}">
-                <a16:creationId xmlns:a16="http://schemas.microsoft.com/office/drawing/2014/main" id="{6B60166C-D6BE-418B-9E98-781A9F1DA120}"/>
-              </a:ext>
-            </a:extLst>
-          </p:cNvPr>
-          <p:cNvSpPr txBox="1">
-            <a:spLocks noChangeArrowheads="1"/>
-          </p:cNvSpPr>
-          <p:nvPr/>
-        </p:nvSpPr>
-        <p:spPr bwMode="auto">
-          <a:xfrm>
-            <a:off x="7007225" y="4151313"/>
-            <a:ext cx="1146175" cy="647700"/>
-          </a:xfrm>
-          <a:prstGeom prst="rect">
-            <a:avLst/>
-          </a:prstGeom>
-          <a:noFill/>
-          <a:ln>
-            <a:noFill/>
-          </a:ln>
-          <a:extLst>
-            <a:ext uri="{909E8E84-426E-40DD-AFC4-6F175D3DCCD1}">
-              <a14:hiddenFill xmlns:a14="http://schemas.microsoft.com/office/drawing/2010/main">
-                <a:solidFill>
-                  <a:srgbClr val="FFFFFF"/>
-                </a:solidFill>
-              </a14:hiddenFill>
-            </a:ext>
-            <a:ext uri="{91240B29-F687-4F45-9708-019B960494DF}">
-              <a14:hiddenLine xmlns:a14="http://schemas.microsoft.com/office/drawing/2010/main" w="9525">
-                <a:solidFill>
-                  <a:srgbClr val="000000"/>
-                </a:solidFill>
-                <a:miter lim="800000"/>
-                <a:headEnd/>
-                <a:tailEnd/>
-              </a14:hiddenLine>
-            </a:ext>
-          </a:extLst>
-        </p:spPr>
-        <p:txBody>
-          <a:bodyPr wrap="none">
-            <a:spAutoFit/>
-          </a:bodyPr>
-          <a:lstStyle>
-            <a:lvl1pPr>
-              <a:lnSpc>
-                <a:spcPct val="90000"/>
-              </a:lnSpc>
-              <a:spcBef>
-                <a:spcPts val="1000"/>
-              </a:spcBef>
-              <a:buFont typeface="Arial" panose="020B0604020202020204" pitchFamily="34" charset="0"/>
-              <a:buChar char="•"/>
-              <a:defRPr sz="2800">
-                <a:solidFill>
-                  <a:schemeClr val="tx1"/>
-                </a:solidFill>
-                <a:latin typeface="Calibri" panose="020F0502020204030204" pitchFamily="34" charset="0"/>
-              </a:defRPr>
-            </a:lvl1pPr>
-            <a:lvl2pPr marL="742950" indent="-285750">
-              <a:lnSpc>
-                <a:spcPct val="90000"/>
-              </a:lnSpc>
-              <a:spcBef>
-                <a:spcPts val="500"/>
-              </a:spcBef>
-              <a:buFont typeface="Arial" panose="020B0604020202020204" pitchFamily="34" charset="0"/>
-              <a:buChar char="•"/>
-              <a:defRPr sz="2400">
-                <a:solidFill>
-                  <a:schemeClr val="tx1"/>
-                </a:solidFill>
-                <a:latin typeface="Calibri" panose="020F0502020204030204" pitchFamily="34" charset="0"/>
-              </a:defRPr>
-            </a:lvl2pPr>
-            <a:lvl3pPr marL="1143000" indent="-228600">
-              <a:lnSpc>
-                <a:spcPct val="90000"/>
-              </a:lnSpc>
-              <a:spcBef>
-                <a:spcPts val="500"/>
-              </a:spcBef>
-              <a:buFont typeface="Arial" panose="020B0604020202020204" pitchFamily="34" charset="0"/>
-              <a:buChar char="•"/>
-              <a:defRPr sz="2000">
-                <a:solidFill>
-                  <a:schemeClr val="tx1"/>
-                </a:solidFill>
-                <a:latin typeface="Calibri" panose="020F0502020204030204" pitchFamily="34" charset="0"/>
-              </a:defRPr>
-            </a:lvl3pPr>
-            <a:lvl4pPr marL="1600200" indent="-228600">
-              <a:lnSpc>
-                <a:spcPct val="90000"/>
-              </a:lnSpc>
-              <a:spcBef>
-                <a:spcPts val="500"/>
-              </a:spcBef>
-              <a:buFont typeface="Arial" panose="020B0604020202020204" pitchFamily="34" charset="0"/>
-              <a:buChar char="•"/>
-              <a:defRPr>
-                <a:solidFill>
-                  <a:schemeClr val="tx1"/>
-                </a:solidFill>
-                <a:latin typeface="Calibri" panose="020F0502020204030204" pitchFamily="34" charset="0"/>
-              </a:defRPr>
-            </a:lvl4pPr>
-            <a:lvl5pPr marL="2057400" indent="-228600">
-              <a:lnSpc>
-                <a:spcPct val="90000"/>
-              </a:lnSpc>
-              <a:spcBef>
-                <a:spcPts val="500"/>
-              </a:spcBef>
-              <a:buFont typeface="Arial" panose="020B0604020202020204" pitchFamily="34" charset="0"/>
-              <a:buChar char="•"/>
-              <a:defRPr>
-                <a:solidFill>
-                  <a:schemeClr val="tx1"/>
-                </a:solidFill>
-                <a:latin typeface="Calibri" panose="020F0502020204030204" pitchFamily="34" charset="0"/>
-              </a:defRPr>
-            </a:lvl5pPr>
-            <a:lvl6pPr marL="2514600" indent="-228600" eaLnBrk="0" fontAlgn="base" hangingPunct="0">
-              <a:lnSpc>
-                <a:spcPct val="90000"/>
-              </a:lnSpc>
-              <a:spcBef>
-                <a:spcPts val="500"/>
-              </a:spcBef>
-              <a:spcAft>
-                <a:spcPct val="0"/>
-              </a:spcAft>
-              <a:buFont typeface="Arial" panose="020B0604020202020204" pitchFamily="34" charset="0"/>
-              <a:buChar char="•"/>
-              <a:defRPr>
-                <a:solidFill>
-                  <a:schemeClr val="tx1"/>
-                </a:solidFill>
-                <a:latin typeface="Calibri" panose="020F0502020204030204" pitchFamily="34" charset="0"/>
-              </a:defRPr>
-            </a:lvl6pPr>
-            <a:lvl7pPr marL="2971800" indent="-228600" eaLnBrk="0" fontAlgn="base" hangingPunct="0">
-              <a:lnSpc>
-                <a:spcPct val="90000"/>
-              </a:lnSpc>
-              <a:spcBef>
-                <a:spcPts val="500"/>
-              </a:spcBef>
-              <a:spcAft>
-                <a:spcPct val="0"/>
-              </a:spcAft>
-              <a:buFont typeface="Arial" panose="020B0604020202020204" pitchFamily="34" charset="0"/>
-              <a:buChar char="•"/>
-              <a:defRPr>
-                <a:solidFill>
-                  <a:schemeClr val="tx1"/>
-                </a:solidFill>
-                <a:latin typeface="Calibri" panose="020F0502020204030204" pitchFamily="34" charset="0"/>
-              </a:defRPr>
-            </a:lvl7pPr>
-            <a:lvl8pPr marL="3429000" indent="-228600" eaLnBrk="0" fontAlgn="base" hangingPunct="0">
-              <a:lnSpc>
-                <a:spcPct val="90000"/>
-              </a:lnSpc>
-              <a:spcBef>
-                <a:spcPts val="500"/>
-              </a:spcBef>
-              <a:spcAft>
-                <a:spcPct val="0"/>
-              </a:spcAft>
-              <a:buFont typeface="Arial" panose="020B0604020202020204" pitchFamily="34" charset="0"/>
-              <a:buChar char="•"/>
-              <a:defRPr>
-                <a:solidFill>
-                  <a:schemeClr val="tx1"/>
-                </a:solidFill>
-                <a:latin typeface="Calibri" panose="020F0502020204030204" pitchFamily="34" charset="0"/>
-              </a:defRPr>
-            </a:lvl8pPr>
-            <a:lvl9pPr marL="3886200" indent="-228600" eaLnBrk="0" fontAlgn="base" hangingPunct="0">
-              <a:lnSpc>
-                <a:spcPct val="90000"/>
-              </a:lnSpc>
-              <a:spcBef>
-                <a:spcPts val="500"/>
-              </a:spcBef>
-              <a:spcAft>
-                <a:spcPct val="0"/>
-              </a:spcAft>
-              <a:buFont typeface="Arial" panose="020B0604020202020204" pitchFamily="34" charset="0"/>
-              <a:buChar char="•"/>
-              <a:defRPr>
-                <a:solidFill>
-                  <a:schemeClr val="tx1"/>
-                </a:solidFill>
-                <a:latin typeface="Calibri" panose="020F0502020204030204" pitchFamily="34" charset="0"/>
-              </a:defRPr>
-            </a:lvl9pPr>
-          </a:lstStyle>
-          <a:p>
-            <a:pPr eaLnBrk="1" hangingPunct="1">
-              <a:lnSpc>
-                <a:spcPct val="100000"/>
-              </a:lnSpc>
-              <a:spcBef>
-                <a:spcPct val="0"/>
-              </a:spcBef>
-              <a:buFontTx/>
-              <a:buNone/>
-            </a:pPr>
-            <a:r>
-              <a:rPr lang="fr-CA" altLang="fr-FR" sz="1800"/>
-              <a:t>secondary</a:t>
-            </a:r>
-            <a:br>
-              <a:rPr lang="fr-CA" altLang="fr-FR" sz="1800"/>
-            </a:br>
-            <a:r>
-              <a:rPr lang="fr-CA" altLang="fr-FR" sz="1800"/>
-              <a:t>router</a:t>
-            </a:r>
-          </a:p>
-        </p:txBody>
-      </p:sp>
-      <p:pic>
-        <p:nvPicPr>
-          <p:cNvPr id="3116" name="Graphic 85" descr="Smart Phone">
-            <a:extLst>
-              <a:ext uri="{FF2B5EF4-FFF2-40B4-BE49-F238E27FC236}">
-                <a16:creationId xmlns:a16="http://schemas.microsoft.com/office/drawing/2014/main" id="{E5BA9FCC-11AE-4D5B-916F-2DD361F68B49}"/>
-              </a:ext>
-            </a:extLst>
-          </p:cNvPr>
-          <p:cNvPicPr>
-            <a:picLocks noChangeAspect="1" noChangeArrowheads="1"/>
-          </p:cNvPicPr>
-          <p:nvPr/>
-        </p:nvPicPr>
-        <p:blipFill>
-          <a:blip r:embed="rId8">
-            <a:extLst>
-              <a:ext uri="{28A0092B-C50C-407E-A947-70E740481C1C}">
-                <a14:useLocalDpi xmlns:a14="http://schemas.microsoft.com/office/drawing/2010/main" val="0"/>
-              </a:ext>
-            </a:extLst>
-          </a:blip>
-          <a:srcRect/>
-          <a:stretch>
-            <a:fillRect/>
-          </a:stretch>
-        </p:blipFill>
-        <p:spPr bwMode="auto">
-          <a:xfrm>
-            <a:off x="10306050" y="1312863"/>
-            <a:ext cx="685800" cy="685800"/>
-          </a:xfrm>
-          <a:prstGeom prst="rect">
-            <a:avLst/>
-          </a:prstGeom>
-          <a:noFill/>
-          <a:ln>
-            <a:noFill/>
-          </a:ln>
-          <a:extLst>
-            <a:ext uri="{909E8E84-426E-40DD-AFC4-6F175D3DCCD1}">
-              <a14:hiddenFill xmlns:a14="http://schemas.microsoft.com/office/drawing/2010/main">
-                <a:solidFill>
-                  <a:srgbClr val="FFFFFF"/>
-                </a:solidFill>
-              </a14:hiddenFill>
-            </a:ext>
-            <a:ext uri="{91240B29-F687-4F45-9708-019B960494DF}">
-              <a14:hiddenLine xmlns:a14="http://schemas.microsoft.com/office/drawing/2010/main" w="9525">
-                <a:solidFill>
-                  <a:srgbClr val="000000"/>
-                </a:solidFill>
-                <a:miter lim="800000"/>
-                <a:headEnd/>
-                <a:tailEnd/>
-              </a14:hiddenLine>
-            </a:ext>
-          </a:extLst>
-        </p:spPr>
-      </p:pic>
-      <p:sp>
-        <p:nvSpPr>
-          <p:cNvPr id="3117" name="Graphic 45" descr="Cloud">
-            <a:extLst>
-              <a:ext uri="{FF2B5EF4-FFF2-40B4-BE49-F238E27FC236}">
-                <a16:creationId xmlns:a16="http://schemas.microsoft.com/office/drawing/2014/main" id="{48FFE5BD-CF9B-41D2-AEB9-1270DE45D88F}"/>
-              </a:ext>
-            </a:extLst>
-          </p:cNvPr>
-          <p:cNvSpPr>
-            <a:spLocks noChangeAspect="1"/>
-          </p:cNvSpPr>
-          <p:nvPr/>
-        </p:nvSpPr>
-        <p:spPr bwMode="auto">
-          <a:xfrm>
-            <a:off x="6651625" y="2962275"/>
-            <a:ext cx="3200400" cy="1822450"/>
-          </a:xfrm>
-          <a:custGeom>
-            <a:avLst/>
-            <a:gdLst>
-              <a:gd name="T0" fmla="*/ 345210 w 4015594"/>
-              <a:gd name="T1" fmla="*/ 1156247 h 2285550"/>
-              <a:gd name="T2" fmla="*/ 440712 w 4015594"/>
-              <a:gd name="T3" fmla="*/ 1158177 h 2285550"/>
-              <a:gd name="T4" fmla="*/ 1743664 w 4015594"/>
-              <a:gd name="T5" fmla="*/ 1158177 h 2285550"/>
-              <a:gd name="T6" fmla="*/ 2032886 w 4015594"/>
-              <a:gd name="T7" fmla="*/ 866373 h 2285550"/>
-              <a:gd name="T8" fmla="*/ 1746074 w 4015594"/>
-              <a:gd name="T9" fmla="*/ 576889 h 2285550"/>
-              <a:gd name="T10" fmla="*/ 1721964 w 4015594"/>
-              <a:gd name="T11" fmla="*/ 576889 h 2285550"/>
-              <a:gd name="T12" fmla="*/ 1570071 w 4015594"/>
-              <a:gd name="T13" fmla="*/ 282374 h 2285550"/>
-              <a:gd name="T14" fmla="*/ 1239746 w 4015594"/>
-              <a:gd name="T15" fmla="*/ 236521 h 2285550"/>
-              <a:gd name="T16" fmla="*/ 656157 w 4015594"/>
-              <a:gd name="T17" fmla="*/ 47708 h 2285550"/>
-              <a:gd name="T18" fmla="*/ 419963 w 4015594"/>
-              <a:gd name="T19" fmla="*/ 432050 h 2285550"/>
-              <a:gd name="T20" fmla="*/ 419963 w 4015594"/>
-              <a:gd name="T21" fmla="*/ 436877 h 2285550"/>
-              <a:gd name="T22" fmla="*/ 362744 w 4015594"/>
-              <a:gd name="T23" fmla="*/ 432212 h 2285550"/>
-              <a:gd name="T24" fmla="*/ 0 w 4015594"/>
-              <a:gd name="T25" fmla="*/ 794465 h 2285550"/>
-              <a:gd name="T26" fmla="*/ 34176 w 4015594"/>
-              <a:gd name="T27" fmla="*/ 948648 h 2285550"/>
-              <a:gd name="T28" fmla="*/ 345210 w 4015594"/>
-              <a:gd name="T29" fmla="*/ 1156247 h 2285550"/>
-              <a:gd name="T30" fmla="*/ 111287 w 4015594"/>
-              <a:gd name="T31" fmla="*/ 605912 h 2285550"/>
-              <a:gd name="T32" fmla="*/ 362731 w 4015594"/>
-              <a:gd name="T33" fmla="*/ 480474 h 2285550"/>
-              <a:gd name="T34" fmla="*/ 412155 w 4015594"/>
-              <a:gd name="T35" fmla="*/ 484502 h 2285550"/>
-              <a:gd name="T36" fmla="*/ 468166 w 4015594"/>
-              <a:gd name="T37" fmla="*/ 493673 h 2285550"/>
-              <a:gd name="T38" fmla="*/ 468166 w 4015594"/>
-              <a:gd name="T39" fmla="*/ 432041 h 2285550"/>
-              <a:gd name="T40" fmla="*/ 856051 w 4015594"/>
-              <a:gd name="T41" fmla="*/ 48529 h 2285550"/>
-              <a:gd name="T42" fmla="*/ 1196839 w 4015594"/>
-              <a:gd name="T43" fmla="*/ 258557 h 2285550"/>
-              <a:gd name="T44" fmla="*/ 1215987 w 4015594"/>
-              <a:gd name="T45" fmla="*/ 295889 h 2285550"/>
-              <a:gd name="T46" fmla="*/ 1255581 w 4015594"/>
-              <a:gd name="T47" fmla="*/ 282102 h 2285550"/>
-              <a:gd name="T48" fmla="*/ 1655480 w 4015594"/>
-              <a:gd name="T49" fmla="*/ 471545 h 2285550"/>
-              <a:gd name="T50" fmla="*/ 1673742 w 4015594"/>
-              <a:gd name="T51" fmla="*/ 576889 h 2285550"/>
-              <a:gd name="T52" fmla="*/ 1673742 w 4015594"/>
-              <a:gd name="T53" fmla="*/ 625156 h 2285550"/>
-              <a:gd name="T54" fmla="*/ 1746072 w 4015594"/>
-              <a:gd name="T55" fmla="*/ 625156 h 2285550"/>
-              <a:gd name="T56" fmla="*/ 1984641 w 4015594"/>
-              <a:gd name="T57" fmla="*/ 871087 h 2285550"/>
-              <a:gd name="T58" fmla="*/ 1743664 w 4015594"/>
-              <a:gd name="T59" fmla="*/ 1109910 h 2285550"/>
-              <a:gd name="T60" fmla="*/ 390797 w 4015594"/>
-              <a:gd name="T61" fmla="*/ 1109910 h 2285550"/>
-              <a:gd name="T62" fmla="*/ 347828 w 4015594"/>
-              <a:gd name="T63" fmla="*/ 1108050 h 2285550"/>
-              <a:gd name="T64" fmla="*/ 48362 w 4015594"/>
-              <a:gd name="T65" fmla="*/ 781281 h 2285550"/>
-              <a:gd name="T66" fmla="*/ 111279 w 4015594"/>
-              <a:gd name="T67" fmla="*/ 605912 h 2285550"/>
-              <a:gd name="T68" fmla="*/ 0 60000 65536"/>
-              <a:gd name="T69" fmla="*/ 0 60000 65536"/>
-              <a:gd name="T70" fmla="*/ 0 60000 65536"/>
-              <a:gd name="T71" fmla="*/ 0 60000 65536"/>
-              <a:gd name="T72" fmla="*/ 0 60000 65536"/>
-              <a:gd name="T73" fmla="*/ 0 60000 65536"/>
-              <a:gd name="T74" fmla="*/ 0 60000 65536"/>
-              <a:gd name="T75" fmla="*/ 0 60000 65536"/>
-              <a:gd name="T76" fmla="*/ 0 60000 65536"/>
-              <a:gd name="T77" fmla="*/ 0 60000 65536"/>
-              <a:gd name="T78" fmla="*/ 0 60000 65536"/>
-              <a:gd name="T79" fmla="*/ 0 60000 65536"/>
-              <a:gd name="T80" fmla="*/ 0 60000 65536"/>
-              <a:gd name="T81" fmla="*/ 0 60000 65536"/>
-              <a:gd name="T82" fmla="*/ 0 60000 65536"/>
-              <a:gd name="T83" fmla="*/ 0 60000 65536"/>
-              <a:gd name="T84" fmla="*/ 0 60000 65536"/>
-              <a:gd name="T85" fmla="*/ 0 60000 65536"/>
-              <a:gd name="T86" fmla="*/ 0 60000 65536"/>
-              <a:gd name="T87" fmla="*/ 0 60000 65536"/>
-              <a:gd name="T88" fmla="*/ 0 60000 65536"/>
-              <a:gd name="T89" fmla="*/ 0 60000 65536"/>
-              <a:gd name="T90" fmla="*/ 0 60000 65536"/>
-              <a:gd name="T91" fmla="*/ 0 60000 65536"/>
-              <a:gd name="T92" fmla="*/ 0 60000 65536"/>
-              <a:gd name="T93" fmla="*/ 0 60000 65536"/>
-              <a:gd name="T94" fmla="*/ 0 60000 65536"/>
-              <a:gd name="T95" fmla="*/ 0 60000 65536"/>
-              <a:gd name="T96" fmla="*/ 0 60000 65536"/>
-              <a:gd name="T97" fmla="*/ 0 60000 65536"/>
-              <a:gd name="T98" fmla="*/ 0 60000 65536"/>
-              <a:gd name="T99" fmla="*/ 0 60000 65536"/>
-              <a:gd name="T100" fmla="*/ 0 60000 65536"/>
-              <a:gd name="T101" fmla="*/ 0 60000 65536"/>
-            </a:gdLst>
-            <a:ahLst/>
-            <a:cxnLst>
-              <a:cxn ang="T68">
-                <a:pos x="T0" y="T1"/>
-              </a:cxn>
-              <a:cxn ang="T69">
-                <a:pos x="T2" y="T3"/>
-              </a:cxn>
-              <a:cxn ang="T70">
-                <a:pos x="T4" y="T5"/>
-              </a:cxn>
-              <a:cxn ang="T71">
-                <a:pos x="T6" y="T7"/>
-              </a:cxn>
-              <a:cxn ang="T72">
-                <a:pos x="T8" y="T9"/>
-              </a:cxn>
-              <a:cxn ang="T73">
-                <a:pos x="T10" y="T11"/>
-              </a:cxn>
-              <a:cxn ang="T74">
-                <a:pos x="T12" y="T13"/>
-              </a:cxn>
-              <a:cxn ang="T75">
-                <a:pos x="T14" y="T15"/>
-              </a:cxn>
-              <a:cxn ang="T76">
-                <a:pos x="T16" y="T17"/>
-              </a:cxn>
-              <a:cxn ang="T77">
-                <a:pos x="T18" y="T19"/>
-              </a:cxn>
-              <a:cxn ang="T78">
-                <a:pos x="T20" y="T21"/>
-              </a:cxn>
-              <a:cxn ang="T79">
-                <a:pos x="T22" y="T23"/>
-              </a:cxn>
-              <a:cxn ang="T80">
-                <a:pos x="T24" y="T25"/>
-              </a:cxn>
-              <a:cxn ang="T81">
-                <a:pos x="T26" y="T27"/>
-              </a:cxn>
-              <a:cxn ang="T82">
-                <a:pos x="T28" y="T29"/>
-              </a:cxn>
-              <a:cxn ang="T83">
-                <a:pos x="T30" y="T31"/>
-              </a:cxn>
-              <a:cxn ang="T84">
-                <a:pos x="T32" y="T33"/>
-              </a:cxn>
-              <a:cxn ang="T85">
-                <a:pos x="T34" y="T35"/>
-              </a:cxn>
-              <a:cxn ang="T86">
-                <a:pos x="T36" y="T37"/>
-              </a:cxn>
-              <a:cxn ang="T87">
-                <a:pos x="T38" y="T39"/>
-              </a:cxn>
-              <a:cxn ang="T88">
-                <a:pos x="T40" y="T41"/>
-              </a:cxn>
-              <a:cxn ang="T89">
-                <a:pos x="T42" y="T43"/>
-              </a:cxn>
-              <a:cxn ang="T90">
-                <a:pos x="T44" y="T45"/>
-              </a:cxn>
-              <a:cxn ang="T91">
-                <a:pos x="T46" y="T47"/>
-              </a:cxn>
-              <a:cxn ang="T92">
-                <a:pos x="T48" y="T49"/>
-              </a:cxn>
-              <a:cxn ang="T93">
-                <a:pos x="T50" y="T51"/>
-              </a:cxn>
-              <a:cxn ang="T94">
-                <a:pos x="T52" y="T53"/>
-              </a:cxn>
-              <a:cxn ang="T95">
-                <a:pos x="T54" y="T55"/>
-              </a:cxn>
-              <a:cxn ang="T96">
-                <a:pos x="T56" y="T57"/>
-              </a:cxn>
-              <a:cxn ang="T97">
-                <a:pos x="T58" y="T59"/>
-              </a:cxn>
-              <a:cxn ang="T98">
-                <a:pos x="T60" y="T61"/>
-              </a:cxn>
-              <a:cxn ang="T99">
-                <a:pos x="T62" y="T63"/>
-              </a:cxn>
-              <a:cxn ang="T100">
-                <a:pos x="T64" y="T65"/>
-              </a:cxn>
-              <a:cxn ang="T101">
-                <a:pos x="T66" y="T67"/>
-              </a:cxn>
-            </a:cxnLst>
-            <a:rect l="0" t="0" r="r" b="b"/>
-            <a:pathLst>
-              <a:path w="4015594" h="2285550">
-                <a:moveTo>
-                  <a:pt x="681898" y="2281741"/>
-                </a:moveTo>
-                <a:cubicBezTo>
-                  <a:pt x="730051" y="2284365"/>
-                  <a:pt x="870545" y="2285551"/>
-                  <a:pt x="870545" y="2285551"/>
-                </a:cubicBezTo>
-                <a:lnTo>
-                  <a:pt x="3444286" y="2285551"/>
-                </a:lnTo>
-                <a:cubicBezTo>
-                  <a:pt x="3761064" y="2284298"/>
-                  <a:pt x="4016848" y="2026480"/>
-                  <a:pt x="4015591" y="1709703"/>
-                </a:cubicBezTo>
-                <a:cubicBezTo>
-                  <a:pt x="4014352" y="1396554"/>
-                  <a:pt x="3762178" y="1142275"/>
-                  <a:pt x="3449048" y="1138436"/>
-                </a:cubicBezTo>
-                <a:lnTo>
-                  <a:pt x="3401423" y="1138436"/>
-                </a:lnTo>
-                <a:cubicBezTo>
-                  <a:pt x="3400980" y="907655"/>
-                  <a:pt x="3289266" y="691256"/>
-                  <a:pt x="3101386" y="557239"/>
-                </a:cubicBezTo>
-                <a:cubicBezTo>
-                  <a:pt x="2911034" y="424056"/>
-                  <a:pt x="2668303" y="390395"/>
-                  <a:pt x="2448890" y="466752"/>
-                </a:cubicBezTo>
-                <a:cubicBezTo>
-                  <a:pt x="2233454" y="45533"/>
-                  <a:pt x="1717337" y="-121288"/>
-                  <a:pt x="1296117" y="94148"/>
-                </a:cubicBezTo>
-                <a:cubicBezTo>
-                  <a:pt x="1011091" y="239928"/>
-                  <a:pt x="831140" y="532470"/>
-                  <a:pt x="829559" y="852610"/>
-                </a:cubicBezTo>
-                <a:lnTo>
-                  <a:pt x="829559" y="862135"/>
-                </a:lnTo>
-                <a:cubicBezTo>
-                  <a:pt x="792192" y="856020"/>
-                  <a:pt x="754397" y="852943"/>
-                  <a:pt x="716535" y="852929"/>
-                </a:cubicBezTo>
-                <a:cubicBezTo>
-                  <a:pt x="321262" y="852472"/>
-                  <a:pt x="460" y="1172531"/>
-                  <a:pt x="0" y="1567799"/>
-                </a:cubicBezTo>
-                <a:cubicBezTo>
-                  <a:pt x="-121" y="1672950"/>
-                  <a:pt x="22927" y="1776835"/>
-                  <a:pt x="67507" y="1872066"/>
-                </a:cubicBezTo>
-                <a:cubicBezTo>
-                  <a:pt x="183202" y="2109633"/>
-                  <a:pt x="418107" y="2266272"/>
-                  <a:pt x="681898" y="2281741"/>
-                </a:cubicBezTo>
-                <a:close/>
-                <a:moveTo>
-                  <a:pt x="219826" y="1195710"/>
-                </a:moveTo>
-                <a:cubicBezTo>
-                  <a:pt x="338650" y="1041376"/>
-                  <a:pt x="521740" y="950122"/>
-                  <a:pt x="716507" y="948169"/>
-                </a:cubicBezTo>
-                <a:cubicBezTo>
-                  <a:pt x="749211" y="948198"/>
-                  <a:pt x="781858" y="950855"/>
-                  <a:pt x="814138" y="956118"/>
-                </a:cubicBezTo>
-                <a:lnTo>
-                  <a:pt x="924776" y="974215"/>
-                </a:lnTo>
-                <a:lnTo>
-                  <a:pt x="924776" y="852591"/>
-                </a:lnTo>
-                <a:cubicBezTo>
-                  <a:pt x="927362" y="432019"/>
-                  <a:pt x="1270400" y="93181"/>
-                  <a:pt x="1690971" y="95767"/>
-                </a:cubicBezTo>
-                <a:cubicBezTo>
-                  <a:pt x="1975112" y="97515"/>
-                  <a:pt x="2234644" y="257311"/>
-                  <a:pt x="2364137" y="510238"/>
-                </a:cubicBezTo>
-                <a:lnTo>
-                  <a:pt x="2401960" y="583909"/>
-                </a:lnTo>
-                <a:lnTo>
-                  <a:pt x="2480170" y="556701"/>
-                </a:lnTo>
-                <a:cubicBezTo>
-                  <a:pt x="2801539" y="441806"/>
-                  <a:pt x="3155197" y="609179"/>
-                  <a:pt x="3270097" y="930548"/>
-                </a:cubicBezTo>
-                <a:cubicBezTo>
-                  <a:pt x="3293948" y="997261"/>
-                  <a:pt x="3306149" y="1067584"/>
-                  <a:pt x="3306169" y="1138436"/>
-                </a:cubicBezTo>
-                <a:lnTo>
-                  <a:pt x="3306169" y="1233686"/>
-                </a:lnTo>
-                <a:lnTo>
-                  <a:pt x="3449044" y="1233686"/>
-                </a:lnTo>
-                <a:cubicBezTo>
-                  <a:pt x="3713191" y="1237572"/>
-                  <a:pt x="3924179" y="1454856"/>
-                  <a:pt x="3920293" y="1719004"/>
-                </a:cubicBezTo>
-                <a:cubicBezTo>
-                  <a:pt x="3916459" y="1979527"/>
-                  <a:pt x="3704833" y="2189062"/>
-                  <a:pt x="3444286" y="2190301"/>
-                </a:cubicBezTo>
-                <a:lnTo>
-                  <a:pt x="771947" y="2190301"/>
-                </a:lnTo>
-                <a:lnTo>
-                  <a:pt x="687070" y="2186629"/>
-                </a:lnTo>
-                <a:cubicBezTo>
-                  <a:pt x="345651" y="2171908"/>
-                  <a:pt x="80810" y="1883200"/>
-                  <a:pt x="95530" y="1541782"/>
-                </a:cubicBezTo>
-                <a:cubicBezTo>
-                  <a:pt x="100932" y="1416495"/>
-                  <a:pt x="144273" y="1295808"/>
-                  <a:pt x="219811" y="1195710"/>
-                </a:cubicBezTo>
-                <a:lnTo>
-                  <a:pt x="219826" y="1195710"/>
-                </a:lnTo>
-                <a:close/>
-              </a:path>
-            </a:pathLst>
-          </a:custGeom>
-          <a:noFill/>
-          <a:ln w="6350" cap="flat">
-            <a:solidFill>
-              <a:schemeClr val="accent1"/>
-            </a:solidFill>
-            <a:prstDash val="solid"/>
-            <a:miter lim="800000"/>
-            <a:headEnd/>
-            <a:tailEnd/>
-          </a:ln>
-          <a:extLst>
-            <a:ext uri="{909E8E84-426E-40DD-AFC4-6F175D3DCCD1}">
-              <a14:hiddenFill xmlns:a14="http://schemas.microsoft.com/office/drawing/2010/main">
-                <a:solidFill>
-                  <a:srgbClr val="FFFFFF"/>
-                </a:solidFill>
-              </a14:hiddenFill>
-            </a:ext>
-          </a:extLst>
-        </p:spPr>
-        <p:txBody>
-          <a:bodyPr anchor="ctr"/>
-          <a:lstStyle/>
-          <a:p>
-            <a:endParaRPr lang="fr-CA"/>
-          </a:p>
-        </p:txBody>
-      </p:sp>
-      <p:sp>
-        <p:nvSpPr>
-          <p:cNvPr id="3118" name="TextBox 51">
-            <a:extLst>
-              <a:ext uri="{FF2B5EF4-FFF2-40B4-BE49-F238E27FC236}">
-                <a16:creationId xmlns:a16="http://schemas.microsoft.com/office/drawing/2014/main" id="{C2585B27-7347-4A00-BC68-2B1B1F5D09C1}"/>
-              </a:ext>
-            </a:extLst>
-          </p:cNvPr>
-          <p:cNvSpPr txBox="1">
-            <a:spLocks noChangeArrowheads="1"/>
-          </p:cNvSpPr>
-          <p:nvPr/>
-        </p:nvSpPr>
-        <p:spPr bwMode="auto">
-          <a:xfrm>
-            <a:off x="7483475" y="157163"/>
-            <a:ext cx="763588" cy="307975"/>
-          </a:xfrm>
-          <a:prstGeom prst="rect">
-            <a:avLst/>
-          </a:prstGeom>
-          <a:noFill/>
-          <a:ln>
-            <a:noFill/>
-          </a:ln>
-          <a:extLst>
-            <a:ext uri="{909E8E84-426E-40DD-AFC4-6F175D3DCCD1}">
-              <a14:hiddenFill xmlns:a14="http://schemas.microsoft.com/office/drawing/2010/main">
-                <a:solidFill>
-                  <a:srgbClr val="FFFFFF"/>
-                </a:solidFill>
-              </a14:hiddenFill>
-            </a:ext>
-            <a:ext uri="{91240B29-F687-4F45-9708-019B960494DF}">
-              <a14:hiddenLine xmlns:a14="http://schemas.microsoft.com/office/drawing/2010/main" w="9525">
-                <a:solidFill>
-                  <a:srgbClr val="000000"/>
-                </a:solidFill>
-                <a:miter lim="800000"/>
-                <a:headEnd/>
-                <a:tailEnd/>
-              </a14:hiddenLine>
-            </a:ext>
-          </a:extLst>
-        </p:spPr>
-        <p:txBody>
-          <a:bodyPr wrap="none">
-            <a:spAutoFit/>
-          </a:bodyPr>
-          <a:lstStyle>
-            <a:lvl1pPr>
-              <a:lnSpc>
-                <a:spcPct val="90000"/>
-              </a:lnSpc>
-              <a:spcBef>
-                <a:spcPts val="1000"/>
-              </a:spcBef>
-              <a:buFont typeface="Arial" panose="020B0604020202020204" pitchFamily="34" charset="0"/>
-              <a:buChar char="•"/>
-              <a:defRPr sz="2800">
-                <a:solidFill>
-                  <a:schemeClr val="tx1"/>
-                </a:solidFill>
-                <a:latin typeface="Calibri" panose="020F0502020204030204" pitchFamily="34" charset="0"/>
-              </a:defRPr>
-            </a:lvl1pPr>
-            <a:lvl2pPr marL="742950" indent="-285750">
-              <a:lnSpc>
-                <a:spcPct val="90000"/>
-              </a:lnSpc>
-              <a:spcBef>
-                <a:spcPts val="500"/>
-              </a:spcBef>
-              <a:buFont typeface="Arial" panose="020B0604020202020204" pitchFamily="34" charset="0"/>
-              <a:buChar char="•"/>
-              <a:defRPr sz="2400">
-                <a:solidFill>
-                  <a:schemeClr val="tx1"/>
-                </a:solidFill>
-                <a:latin typeface="Calibri" panose="020F0502020204030204" pitchFamily="34" charset="0"/>
-              </a:defRPr>
-            </a:lvl2pPr>
-            <a:lvl3pPr marL="1143000" indent="-228600">
-              <a:lnSpc>
-                <a:spcPct val="90000"/>
-              </a:lnSpc>
-              <a:spcBef>
-                <a:spcPts val="500"/>
-              </a:spcBef>
-              <a:buFont typeface="Arial" panose="020B0604020202020204" pitchFamily="34" charset="0"/>
-              <a:buChar char="•"/>
-              <a:defRPr sz="2000">
-                <a:solidFill>
-                  <a:schemeClr val="tx1"/>
-                </a:solidFill>
-                <a:latin typeface="Calibri" panose="020F0502020204030204" pitchFamily="34" charset="0"/>
-              </a:defRPr>
-            </a:lvl3pPr>
-            <a:lvl4pPr marL="1600200" indent="-228600">
-              <a:lnSpc>
-                <a:spcPct val="90000"/>
-              </a:lnSpc>
-              <a:spcBef>
-                <a:spcPts val="500"/>
-              </a:spcBef>
-              <a:buFont typeface="Arial" panose="020B0604020202020204" pitchFamily="34" charset="0"/>
-              <a:buChar char="•"/>
-              <a:defRPr>
-                <a:solidFill>
-                  <a:schemeClr val="tx1"/>
-                </a:solidFill>
-                <a:latin typeface="Calibri" panose="020F0502020204030204" pitchFamily="34" charset="0"/>
-              </a:defRPr>
-            </a:lvl4pPr>
-            <a:lvl5pPr marL="2057400" indent="-228600">
-              <a:lnSpc>
-                <a:spcPct val="90000"/>
-              </a:lnSpc>
-              <a:spcBef>
-                <a:spcPts val="500"/>
-              </a:spcBef>
-              <a:buFont typeface="Arial" panose="020B0604020202020204" pitchFamily="34" charset="0"/>
-              <a:buChar char="•"/>
-              <a:defRPr>
-                <a:solidFill>
-                  <a:schemeClr val="tx1"/>
-                </a:solidFill>
-                <a:latin typeface="Calibri" panose="020F0502020204030204" pitchFamily="34" charset="0"/>
-              </a:defRPr>
-            </a:lvl5pPr>
-            <a:lvl6pPr marL="2514600" indent="-228600" eaLnBrk="0" fontAlgn="base" hangingPunct="0">
-              <a:lnSpc>
-                <a:spcPct val="90000"/>
-              </a:lnSpc>
-              <a:spcBef>
-                <a:spcPts val="500"/>
-              </a:spcBef>
-              <a:spcAft>
-                <a:spcPct val="0"/>
-              </a:spcAft>
-              <a:buFont typeface="Arial" panose="020B0604020202020204" pitchFamily="34" charset="0"/>
-              <a:buChar char="•"/>
-              <a:defRPr>
-                <a:solidFill>
-                  <a:schemeClr val="tx1"/>
-                </a:solidFill>
-                <a:latin typeface="Calibri" panose="020F0502020204030204" pitchFamily="34" charset="0"/>
-              </a:defRPr>
-            </a:lvl6pPr>
-            <a:lvl7pPr marL="2971800" indent="-228600" eaLnBrk="0" fontAlgn="base" hangingPunct="0">
-              <a:lnSpc>
-                <a:spcPct val="90000"/>
-              </a:lnSpc>
-              <a:spcBef>
-                <a:spcPts val="500"/>
-              </a:spcBef>
-              <a:spcAft>
-                <a:spcPct val="0"/>
-              </a:spcAft>
-              <a:buFont typeface="Arial" panose="020B0604020202020204" pitchFamily="34" charset="0"/>
-              <a:buChar char="•"/>
-              <a:defRPr>
-                <a:solidFill>
-                  <a:schemeClr val="tx1"/>
-                </a:solidFill>
-                <a:latin typeface="Calibri" panose="020F0502020204030204" pitchFamily="34" charset="0"/>
-              </a:defRPr>
-            </a:lvl7pPr>
-            <a:lvl8pPr marL="3429000" indent="-228600" eaLnBrk="0" fontAlgn="base" hangingPunct="0">
-              <a:lnSpc>
-                <a:spcPct val="90000"/>
-              </a:lnSpc>
-              <a:spcBef>
-                <a:spcPts val="500"/>
-              </a:spcBef>
-              <a:spcAft>
-                <a:spcPct val="0"/>
-              </a:spcAft>
-              <a:buFont typeface="Arial" panose="020B0604020202020204" pitchFamily="34" charset="0"/>
-              <a:buChar char="•"/>
-              <a:defRPr>
-                <a:solidFill>
-                  <a:schemeClr val="tx1"/>
-                </a:solidFill>
-                <a:latin typeface="Calibri" panose="020F0502020204030204" pitchFamily="34" charset="0"/>
-              </a:defRPr>
-            </a:lvl8pPr>
-            <a:lvl9pPr marL="3886200" indent="-228600" eaLnBrk="0" fontAlgn="base" hangingPunct="0">
-              <a:lnSpc>
-                <a:spcPct val="90000"/>
-              </a:lnSpc>
-              <a:spcBef>
-                <a:spcPts val="500"/>
-              </a:spcBef>
-              <a:spcAft>
-                <a:spcPct val="0"/>
-              </a:spcAft>
-              <a:buFont typeface="Arial" panose="020B0604020202020204" pitchFamily="34" charset="0"/>
-              <a:buChar char="•"/>
-              <a:defRPr>
-                <a:solidFill>
-                  <a:schemeClr val="tx1"/>
-                </a:solidFill>
-                <a:latin typeface="Calibri" panose="020F0502020204030204" pitchFamily="34" charset="0"/>
-              </a:defRPr>
-            </a:lvl9pPr>
-          </a:lstStyle>
-          <a:p>
-            <a:pPr eaLnBrk="1" hangingPunct="1">
-              <a:lnSpc>
-                <a:spcPct val="100000"/>
-              </a:lnSpc>
-              <a:spcBef>
-                <a:spcPct val="0"/>
-              </a:spcBef>
-              <a:buFontTx/>
-              <a:buNone/>
-            </a:pPr>
-            <a:r>
-              <a:rPr lang="fr-CA" altLang="fr-FR" sz="1400" i="1"/>
-              <a:t>Internet</a:t>
-            </a:r>
-          </a:p>
-        </p:txBody>
-      </p:sp>
-      <p:sp>
-        <p:nvSpPr>
-          <p:cNvPr id="14" name="Arrow: Left-Right 13">
-            <a:extLst>
-              <a:ext uri="{FF2B5EF4-FFF2-40B4-BE49-F238E27FC236}">
-                <a16:creationId xmlns:a16="http://schemas.microsoft.com/office/drawing/2014/main" id="{0F4C1CAF-C942-4639-B5D8-C9EB7B4E30E0}"/>
-              </a:ext>
-            </a:extLst>
-          </p:cNvPr>
-          <p:cNvSpPr/>
-          <p:nvPr/>
-        </p:nvSpPr>
-        <p:spPr>
-          <a:xfrm rot="5400000" flipV="1">
-            <a:off x="6594476" y="1604962"/>
-            <a:ext cx="2578100" cy="225425"/>
-          </a:xfrm>
-          <a:prstGeom prst="leftRightArrow">
-            <a:avLst/>
-          </a:prstGeom>
-          <a:solidFill>
-            <a:schemeClr val="bg1"/>
-          </a:solidFill>
-        </p:spPr>
-        <p:style>
-          <a:lnRef idx="2">
-            <a:schemeClr val="accent1">
-              <a:shade val="50000"/>
-            </a:schemeClr>
-          </a:lnRef>
-          <a:fillRef idx="1">
-            <a:schemeClr val="accent1"/>
-          </a:fillRef>
-          <a:effectRef idx="0">
-            <a:schemeClr val="accent1"/>
-          </a:effectRef>
-          <a:fontRef idx="minor">
-            <a:schemeClr val="lt1"/>
-          </a:fontRef>
-        </p:style>
-        <p:txBody>
-          <a:bodyPr anchor="ctr"/>
-          <a:lstStyle/>
-          <a:p>
-            <a:pPr algn="ctr" eaLnBrk="1" fontAlgn="auto" hangingPunct="1">
-              <a:spcBef>
-                <a:spcPts val="0"/>
-              </a:spcBef>
-              <a:spcAft>
-                <a:spcPts val="0"/>
-              </a:spcAft>
-              <a:defRPr/>
-            </a:pPr>
-            <a:endParaRPr lang="fr-CA" dirty="0"/>
-          </a:p>
-        </p:txBody>
-      </p:sp>
-      <p:pic>
-        <p:nvPicPr>
-          <p:cNvPr id="3120" name="Graphic 85" descr="Smart Phone">
-            <a:extLst>
-              <a:ext uri="{FF2B5EF4-FFF2-40B4-BE49-F238E27FC236}">
-                <a16:creationId xmlns:a16="http://schemas.microsoft.com/office/drawing/2014/main" id="{5211CE02-4D03-4DB4-9884-1FBA7D2633D2}"/>
-              </a:ext>
-            </a:extLst>
-          </p:cNvPr>
-          <p:cNvPicPr>
-            <a:picLocks noChangeAspect="1" noChangeArrowheads="1"/>
-          </p:cNvPicPr>
-          <p:nvPr/>
-        </p:nvPicPr>
-        <p:blipFill>
-          <a:blip r:embed="rId8">
-            <a:extLst>
-              <a:ext uri="{28A0092B-C50C-407E-A947-70E740481C1C}">
-                <a14:useLocalDpi xmlns:a14="http://schemas.microsoft.com/office/drawing/2010/main" val="0"/>
-              </a:ext>
-            </a:extLst>
-          </a:blip>
-          <a:srcRect/>
-          <a:stretch>
-            <a:fillRect/>
-          </a:stretch>
-        </p:blipFill>
-        <p:spPr bwMode="auto">
-          <a:xfrm>
-            <a:off x="8369300" y="122238"/>
-            <a:ext cx="685800" cy="685800"/>
-          </a:xfrm>
-          <a:prstGeom prst="rect">
-            <a:avLst/>
-          </a:prstGeom>
-          <a:noFill/>
-          <a:ln>
-            <a:noFill/>
-          </a:ln>
-          <a:extLst>
-            <a:ext uri="{909E8E84-426E-40DD-AFC4-6F175D3DCCD1}">
-              <a14:hiddenFill xmlns:a14="http://schemas.microsoft.com/office/drawing/2010/main">
-                <a:solidFill>
-                  <a:srgbClr val="FFFFFF"/>
-                </a:solidFill>
-              </a14:hiddenFill>
-            </a:ext>
-            <a:ext uri="{91240B29-F687-4F45-9708-019B960494DF}">
-              <a14:hiddenLine xmlns:a14="http://schemas.microsoft.com/office/drawing/2010/main" w="9525">
-                <a:solidFill>
-                  <a:srgbClr val="000000"/>
-                </a:solidFill>
-                <a:miter lim="800000"/>
-                <a:headEnd/>
-                <a:tailEnd/>
-              </a14:hiddenLine>
-            </a:ext>
-          </a:extLst>
-        </p:spPr>
-      </p:pic>
-      <p:sp>
-        <p:nvSpPr>
-          <p:cNvPr id="3121" name="TextBox 47">
-            <a:extLst>
-              <a:ext uri="{FF2B5EF4-FFF2-40B4-BE49-F238E27FC236}">
-                <a16:creationId xmlns:a16="http://schemas.microsoft.com/office/drawing/2014/main" id="{CA3408A9-1A81-45E5-BA83-BAD6DC9DFC02}"/>
-              </a:ext>
-            </a:extLst>
-          </p:cNvPr>
-          <p:cNvSpPr txBox="1">
-            <a:spLocks noChangeArrowheads="1"/>
-          </p:cNvSpPr>
-          <p:nvPr/>
-        </p:nvSpPr>
-        <p:spPr bwMode="auto">
-          <a:xfrm>
-            <a:off x="9023350" y="284163"/>
-            <a:ext cx="2128838" cy="369887"/>
-          </a:xfrm>
-          <a:prstGeom prst="rect">
-            <a:avLst/>
-          </a:prstGeom>
-          <a:noFill/>
-          <a:ln>
-            <a:noFill/>
-          </a:ln>
-          <a:extLst>
-            <a:ext uri="{909E8E84-426E-40DD-AFC4-6F175D3DCCD1}">
-              <a14:hiddenFill xmlns:a14="http://schemas.microsoft.com/office/drawing/2010/main">
-                <a:solidFill>
-                  <a:srgbClr val="FFFFFF"/>
-                </a:solidFill>
-              </a14:hiddenFill>
-            </a:ext>
-            <a:ext uri="{91240B29-F687-4F45-9708-019B960494DF}">
-              <a14:hiddenLine xmlns:a14="http://schemas.microsoft.com/office/drawing/2010/main" w="9525">
-                <a:solidFill>
-                  <a:srgbClr val="000000"/>
-                </a:solidFill>
-                <a:miter lim="800000"/>
-                <a:headEnd/>
-                <a:tailEnd/>
-              </a14:hiddenLine>
-            </a:ext>
-          </a:extLst>
-        </p:spPr>
-        <p:txBody>
-          <a:bodyPr wrap="none">
-            <a:spAutoFit/>
-          </a:bodyPr>
-          <a:lstStyle>
-            <a:lvl1pPr>
-              <a:lnSpc>
-                <a:spcPct val="90000"/>
-              </a:lnSpc>
-              <a:spcBef>
-                <a:spcPts val="1000"/>
-              </a:spcBef>
-              <a:buFont typeface="Arial" panose="020B0604020202020204" pitchFamily="34" charset="0"/>
-              <a:buChar char="•"/>
-              <a:defRPr sz="2800">
-                <a:solidFill>
-                  <a:schemeClr val="tx1"/>
-                </a:solidFill>
-                <a:latin typeface="Calibri" panose="020F0502020204030204" pitchFamily="34" charset="0"/>
-              </a:defRPr>
-            </a:lvl1pPr>
-            <a:lvl2pPr marL="742950" indent="-285750">
-              <a:lnSpc>
-                <a:spcPct val="90000"/>
-              </a:lnSpc>
-              <a:spcBef>
-                <a:spcPts val="500"/>
-              </a:spcBef>
-              <a:buFont typeface="Arial" panose="020B0604020202020204" pitchFamily="34" charset="0"/>
-              <a:buChar char="•"/>
-              <a:defRPr sz="2400">
-                <a:solidFill>
-                  <a:schemeClr val="tx1"/>
-                </a:solidFill>
-                <a:latin typeface="Calibri" panose="020F0502020204030204" pitchFamily="34" charset="0"/>
-              </a:defRPr>
-            </a:lvl2pPr>
-            <a:lvl3pPr marL="1143000" indent="-228600">
-              <a:lnSpc>
-                <a:spcPct val="90000"/>
-              </a:lnSpc>
-              <a:spcBef>
-                <a:spcPts val="500"/>
-              </a:spcBef>
-              <a:buFont typeface="Arial" panose="020B0604020202020204" pitchFamily="34" charset="0"/>
-              <a:buChar char="•"/>
-              <a:defRPr sz="2000">
-                <a:solidFill>
-                  <a:schemeClr val="tx1"/>
-                </a:solidFill>
-                <a:latin typeface="Calibri" panose="020F0502020204030204" pitchFamily="34" charset="0"/>
-              </a:defRPr>
-            </a:lvl3pPr>
-            <a:lvl4pPr marL="1600200" indent="-228600">
-              <a:lnSpc>
-                <a:spcPct val="90000"/>
-              </a:lnSpc>
-              <a:spcBef>
-                <a:spcPts val="500"/>
-              </a:spcBef>
-              <a:buFont typeface="Arial" panose="020B0604020202020204" pitchFamily="34" charset="0"/>
-              <a:buChar char="•"/>
-              <a:defRPr>
-                <a:solidFill>
-                  <a:schemeClr val="tx1"/>
-                </a:solidFill>
-                <a:latin typeface="Calibri" panose="020F0502020204030204" pitchFamily="34" charset="0"/>
-              </a:defRPr>
-            </a:lvl4pPr>
-            <a:lvl5pPr marL="2057400" indent="-228600">
-              <a:lnSpc>
-                <a:spcPct val="90000"/>
-              </a:lnSpc>
-              <a:spcBef>
-                <a:spcPts val="500"/>
-              </a:spcBef>
-              <a:buFont typeface="Arial" panose="020B0604020202020204" pitchFamily="34" charset="0"/>
-              <a:buChar char="•"/>
-              <a:defRPr>
-                <a:solidFill>
-                  <a:schemeClr val="tx1"/>
-                </a:solidFill>
-                <a:latin typeface="Calibri" panose="020F0502020204030204" pitchFamily="34" charset="0"/>
-              </a:defRPr>
-            </a:lvl5pPr>
-            <a:lvl6pPr marL="2514600" indent="-228600" eaLnBrk="0" fontAlgn="base" hangingPunct="0">
-              <a:lnSpc>
-                <a:spcPct val="90000"/>
-              </a:lnSpc>
-              <a:spcBef>
-                <a:spcPts val="500"/>
-              </a:spcBef>
-              <a:spcAft>
-                <a:spcPct val="0"/>
-              </a:spcAft>
-              <a:buFont typeface="Arial" panose="020B0604020202020204" pitchFamily="34" charset="0"/>
-              <a:buChar char="•"/>
-              <a:defRPr>
-                <a:solidFill>
-                  <a:schemeClr val="tx1"/>
-                </a:solidFill>
-                <a:latin typeface="Calibri" panose="020F0502020204030204" pitchFamily="34" charset="0"/>
-              </a:defRPr>
-            </a:lvl6pPr>
-            <a:lvl7pPr marL="2971800" indent="-228600" eaLnBrk="0" fontAlgn="base" hangingPunct="0">
-              <a:lnSpc>
-                <a:spcPct val="90000"/>
-              </a:lnSpc>
-              <a:spcBef>
-                <a:spcPts val="500"/>
-              </a:spcBef>
-              <a:spcAft>
-                <a:spcPct val="0"/>
-              </a:spcAft>
-              <a:buFont typeface="Arial" panose="020B0604020202020204" pitchFamily="34" charset="0"/>
-              <a:buChar char="•"/>
-              <a:defRPr>
-                <a:solidFill>
-                  <a:schemeClr val="tx1"/>
-                </a:solidFill>
-                <a:latin typeface="Calibri" panose="020F0502020204030204" pitchFamily="34" charset="0"/>
-              </a:defRPr>
-            </a:lvl7pPr>
-            <a:lvl8pPr marL="3429000" indent="-228600" eaLnBrk="0" fontAlgn="base" hangingPunct="0">
-              <a:lnSpc>
-                <a:spcPct val="90000"/>
-              </a:lnSpc>
-              <a:spcBef>
-                <a:spcPts val="500"/>
-              </a:spcBef>
-              <a:spcAft>
-                <a:spcPct val="0"/>
-              </a:spcAft>
-              <a:buFont typeface="Arial" panose="020B0604020202020204" pitchFamily="34" charset="0"/>
-              <a:buChar char="•"/>
-              <a:defRPr>
-                <a:solidFill>
-                  <a:schemeClr val="tx1"/>
-                </a:solidFill>
-                <a:latin typeface="Calibri" panose="020F0502020204030204" pitchFamily="34" charset="0"/>
-              </a:defRPr>
-            </a:lvl8pPr>
-            <a:lvl9pPr marL="3886200" indent="-228600" eaLnBrk="0" fontAlgn="base" hangingPunct="0">
-              <a:lnSpc>
-                <a:spcPct val="90000"/>
-              </a:lnSpc>
-              <a:spcBef>
-                <a:spcPts val="500"/>
-              </a:spcBef>
-              <a:spcAft>
-                <a:spcPct val="0"/>
-              </a:spcAft>
-              <a:buFont typeface="Arial" panose="020B0604020202020204" pitchFamily="34" charset="0"/>
-              <a:buChar char="•"/>
-              <a:defRPr>
-                <a:solidFill>
-                  <a:schemeClr val="tx1"/>
-                </a:solidFill>
-                <a:latin typeface="Calibri" panose="020F0502020204030204" pitchFamily="34" charset="0"/>
-              </a:defRPr>
-            </a:lvl9pPr>
-          </a:lstStyle>
-          <a:p>
-            <a:pPr algn="ctr" eaLnBrk="1" hangingPunct="1">
-              <a:lnSpc>
-                <a:spcPct val="100000"/>
-              </a:lnSpc>
-              <a:spcBef>
-                <a:spcPct val="0"/>
-              </a:spcBef>
-              <a:buFontTx/>
-              <a:buNone/>
-            </a:pPr>
-            <a:r>
-              <a:rPr lang="fr-CA" altLang="fr-FR" sz="1800"/>
-              <a:t>Remote Scoreboards</a:t>
-            </a:r>
-          </a:p>
-        </p:txBody>
-      </p:sp>
     </p:spTree>
   </p:cSld>
   <p:clrMapOvr>

--- a/docs/img/PublicResults/LocalPublicResults.pptx
+++ b/docs/img/PublicResults/LocalPublicResults.pptx
@@ -300,7 +300,7 @@
               <a:pPr>
                 <a:defRPr/>
               </a:pPr>
-              <a:t>2020-08-07</a:t>
+              <a:t>2020-08-08</a:t>
             </a:fld>
             <a:endParaRPr lang="fr-CA"/>
           </a:p>
@@ -515,7 +515,7 @@
               <a:pPr>
                 <a:defRPr/>
               </a:pPr>
-              <a:t>2020-08-07</a:t>
+              <a:t>2020-08-08</a:t>
             </a:fld>
             <a:endParaRPr lang="fr-CA"/>
           </a:p>
@@ -740,7 +740,7 @@
               <a:pPr>
                 <a:defRPr/>
               </a:pPr>
-              <a:t>2020-08-07</a:t>
+              <a:t>2020-08-08</a:t>
             </a:fld>
             <a:endParaRPr lang="fr-CA"/>
           </a:p>
@@ -955,7 +955,7 @@
               <a:pPr>
                 <a:defRPr/>
               </a:pPr>
-              <a:t>2020-08-07</a:t>
+              <a:t>2020-08-08</a:t>
             </a:fld>
             <a:endParaRPr lang="fr-CA"/>
           </a:p>
@@ -1246,7 +1246,7 @@
               <a:pPr>
                 <a:defRPr/>
               </a:pPr>
-              <a:t>2020-08-07</a:t>
+              <a:t>2020-08-08</a:t>
             </a:fld>
             <a:endParaRPr lang="fr-CA"/>
           </a:p>
@@ -1523,7 +1523,7 @@
               <a:pPr>
                 <a:defRPr/>
               </a:pPr>
-              <a:t>2020-08-07</a:t>
+              <a:t>2020-08-08</a:t>
             </a:fld>
             <a:endParaRPr lang="fr-CA"/>
           </a:p>
@@ -1935,7 +1935,7 @@
               <a:pPr>
                 <a:defRPr/>
               </a:pPr>
-              <a:t>2020-08-07</a:t>
+              <a:t>2020-08-08</a:t>
             </a:fld>
             <a:endParaRPr lang="fr-CA"/>
           </a:p>
@@ -2098,7 +2098,7 @@
               <a:pPr>
                 <a:defRPr/>
               </a:pPr>
-              <a:t>2020-08-07</a:t>
+              <a:t>2020-08-08</a:t>
             </a:fld>
             <a:endParaRPr lang="fr-CA"/>
           </a:p>
@@ -2238,7 +2238,7 @@
               <a:pPr>
                 <a:defRPr/>
               </a:pPr>
-              <a:t>2020-08-07</a:t>
+              <a:t>2020-08-08</a:t>
             </a:fld>
             <a:endParaRPr lang="fr-CA"/>
           </a:p>
@@ -2560,7 +2560,7 @@
               <a:pPr>
                 <a:defRPr/>
               </a:pPr>
-              <a:t>2020-08-07</a:t>
+              <a:t>2020-08-08</a:t>
             </a:fld>
             <a:endParaRPr lang="fr-CA"/>
           </a:p>
@@ -2861,7 +2861,7 @@
               <a:pPr>
                 <a:defRPr/>
               </a:pPr>
-              <a:t>2020-08-07</a:t>
+              <a:t>2020-08-08</a:t>
             </a:fld>
             <a:endParaRPr lang="fr-CA"/>
           </a:p>
@@ -3188,7 +3188,7 @@
               <a:pPr>
                 <a:defRPr/>
               </a:pPr>
-              <a:t>2020-08-07</a:t>
+              <a:t>2020-08-08</a:t>
             </a:fld>
             <a:endParaRPr lang="fr-CA"/>
           </a:p>
@@ -4922,8 +4922,8 @@
         </p:nvSpPr>
         <p:spPr bwMode="auto">
           <a:xfrm>
-            <a:off x="4397375" y="4232275"/>
-            <a:ext cx="1085554" cy="553998"/>
+            <a:off x="4320428" y="4232275"/>
+            <a:ext cx="1085555" cy="553998"/>
           </a:xfrm>
           <a:prstGeom prst="rect">
             <a:avLst/>
@@ -5134,7 +5134,7 @@
             </a:br>
             <a:r>
               <a:rPr lang="fr-CA" sz="1200" dirty="0"/>
-              <a:t>192.168.1.116</a:t>
+              <a:t>192.168.4.100</a:t>
             </a:r>
             <a:endParaRPr lang="fr-CA" altLang="fr-FR" sz="1800" dirty="0"/>
           </a:p>
@@ -5219,7 +5219,7 @@
         <p:spPr>
           <a:xfrm flipV="1">
             <a:off x="2178050" y="4786273"/>
-            <a:ext cx="2762102" cy="731877"/>
+            <a:ext cx="2685156" cy="731877"/>
           </a:xfrm>
           <a:prstGeom prst="curvedConnector2">
             <a:avLst/>
@@ -5981,7 +5981,7 @@
             </a:r>
             <a:r>
               <a:rPr lang="fr-CA" altLang="fr-FR" sz="1400" i="1" dirty="0"/>
-              <a:t> Network (192.168.1.x)</a:t>
+              <a:t> Network (192.168.4.x)</a:t>
             </a:r>
           </a:p>
         </p:txBody>
@@ -8335,7 +8335,7 @@
         <p:spPr>
           <a:xfrm flipV="1">
             <a:off x="4200525" y="4786273"/>
-            <a:ext cx="739627" cy="1014452"/>
+            <a:ext cx="662681" cy="1014452"/>
           </a:xfrm>
           <a:prstGeom prst="curvedConnector2">
             <a:avLst/>

--- a/docs/img/PublicResults/LocalPublicResults.pptx
+++ b/docs/img/PublicResults/LocalPublicResults.pptx
@@ -5,7 +5,10 @@
     <p:sldMasterId id="2147483648" r:id="rId1"/>
   </p:sldMasterIdLst>
   <p:sldIdLst>
-    <p:sldId id="257" r:id="rId2"/>
+    <p:sldId id="259" r:id="rId2"/>
+    <p:sldId id="258" r:id="rId3"/>
+    <p:sldId id="260" r:id="rId4"/>
+    <p:sldId id="257" r:id="rId5"/>
   </p:sldIdLst>
   <p:sldSz cx="12192000" cy="6858000"/>
   <p:notesSz cx="6858000" cy="9144000"/>
@@ -300,7 +303,7 @@
               <a:pPr>
                 <a:defRPr/>
               </a:pPr>
-              <a:t>2020-08-08</a:t>
+              <a:t>2021-10-20</a:t>
             </a:fld>
             <a:endParaRPr lang="fr-CA"/>
           </a:p>
@@ -515,7 +518,7 @@
               <a:pPr>
                 <a:defRPr/>
               </a:pPr>
-              <a:t>2020-08-08</a:t>
+              <a:t>2021-10-20</a:t>
             </a:fld>
             <a:endParaRPr lang="fr-CA"/>
           </a:p>
@@ -740,7 +743,7 @@
               <a:pPr>
                 <a:defRPr/>
               </a:pPr>
-              <a:t>2020-08-08</a:t>
+              <a:t>2021-10-20</a:t>
             </a:fld>
             <a:endParaRPr lang="fr-CA"/>
           </a:p>
@@ -955,7 +958,7 @@
               <a:pPr>
                 <a:defRPr/>
               </a:pPr>
-              <a:t>2020-08-08</a:t>
+              <a:t>2021-10-20</a:t>
             </a:fld>
             <a:endParaRPr lang="fr-CA"/>
           </a:p>
@@ -1246,7 +1249,7 @@
               <a:pPr>
                 <a:defRPr/>
               </a:pPr>
-              <a:t>2020-08-08</a:t>
+              <a:t>2021-10-20</a:t>
             </a:fld>
             <a:endParaRPr lang="fr-CA"/>
           </a:p>
@@ -1523,7 +1526,7 @@
               <a:pPr>
                 <a:defRPr/>
               </a:pPr>
-              <a:t>2020-08-08</a:t>
+              <a:t>2021-10-20</a:t>
             </a:fld>
             <a:endParaRPr lang="fr-CA"/>
           </a:p>
@@ -1935,7 +1938,7 @@
               <a:pPr>
                 <a:defRPr/>
               </a:pPr>
-              <a:t>2020-08-08</a:t>
+              <a:t>2021-10-20</a:t>
             </a:fld>
             <a:endParaRPr lang="fr-CA"/>
           </a:p>
@@ -2098,7 +2101,7 @@
               <a:pPr>
                 <a:defRPr/>
               </a:pPr>
-              <a:t>2020-08-08</a:t>
+              <a:t>2021-10-20</a:t>
             </a:fld>
             <a:endParaRPr lang="fr-CA"/>
           </a:p>
@@ -2238,7 +2241,7 @@
               <a:pPr>
                 <a:defRPr/>
               </a:pPr>
-              <a:t>2020-08-08</a:t>
+              <a:t>2021-10-20</a:t>
             </a:fld>
             <a:endParaRPr lang="fr-CA"/>
           </a:p>
@@ -2560,7 +2563,7 @@
               <a:pPr>
                 <a:defRPr/>
               </a:pPr>
-              <a:t>2020-08-08</a:t>
+              <a:t>2021-10-20</a:t>
             </a:fld>
             <a:endParaRPr lang="fr-CA"/>
           </a:p>
@@ -2861,7 +2864,7 @@
               <a:pPr>
                 <a:defRPr/>
               </a:pPr>
-              <a:t>2020-08-08</a:t>
+              <a:t>2021-10-20</a:t>
             </a:fld>
             <a:endParaRPr lang="fr-CA"/>
           </a:p>
@@ -3188,7 +3191,7 @@
               <a:pPr>
                 <a:defRPr/>
               </a:pPr>
-              <a:t>2020-08-08</a:t>
+              <a:t>2021-10-20</a:t>
             </a:fld>
             <a:endParaRPr lang="fr-CA"/>
           </a:p>
@@ -3776,6 +3779,6240 @@
           <a:chExt cx="0" cy="0"/>
         </a:xfrm>
       </p:grpSpPr>
+      <p:sp>
+        <p:nvSpPr>
+          <p:cNvPr id="2" name="Title 1">
+            <a:extLst>
+              <a:ext uri="{FF2B5EF4-FFF2-40B4-BE49-F238E27FC236}">
+                <a16:creationId xmlns:a16="http://schemas.microsoft.com/office/drawing/2014/main" id="{BBC5D238-BFC3-4D12-83A9-042D5011B062}"/>
+              </a:ext>
+            </a:extLst>
+          </p:cNvPr>
+          <p:cNvSpPr>
+            <a:spLocks noGrp="1"/>
+          </p:cNvSpPr>
+          <p:nvPr>
+            <p:ph type="title"/>
+          </p:nvPr>
+        </p:nvSpPr>
+        <p:spPr/>
+        <p:txBody>
+          <a:bodyPr/>
+          <a:lstStyle/>
+          <a:p>
+            <a:r>
+              <a:rPr lang="fr-CA" dirty="0"/>
+              <a:t>Local Networking </a:t>
+            </a:r>
+            <a:r>
+              <a:rPr lang="fr-CA" dirty="0" err="1"/>
+              <a:t>with</a:t>
+            </a:r>
+            <a:r>
+              <a:rPr lang="fr-CA" dirty="0"/>
+              <a:t> Distant </a:t>
+            </a:r>
+            <a:r>
+              <a:rPr lang="fr-CA" dirty="0" err="1"/>
+              <a:t>Warmup</a:t>
+            </a:r>
+            <a:endParaRPr lang="fr-CA" dirty="0"/>
+          </a:p>
+        </p:txBody>
+      </p:sp>
+      <p:sp>
+        <p:nvSpPr>
+          <p:cNvPr id="3" name="Content Placeholder 2">
+            <a:extLst>
+              <a:ext uri="{FF2B5EF4-FFF2-40B4-BE49-F238E27FC236}">
+                <a16:creationId xmlns:a16="http://schemas.microsoft.com/office/drawing/2014/main" id="{95EC40CF-4EA4-41C9-AFDE-A8F41C5D35FD}"/>
+              </a:ext>
+            </a:extLst>
+          </p:cNvPr>
+          <p:cNvSpPr>
+            <a:spLocks noGrp="1"/>
+          </p:cNvSpPr>
+          <p:nvPr>
+            <p:ph idx="1"/>
+          </p:nvPr>
+        </p:nvSpPr>
+        <p:spPr/>
+        <p:txBody>
+          <a:bodyPr/>
+          <a:lstStyle/>
+          <a:p>
+            <a:r>
+              <a:rPr lang="en-US" dirty="0"/>
+              <a:t>Often the warmup room is far</a:t>
+            </a:r>
+          </a:p>
+          <a:p>
+            <a:r>
+              <a:rPr lang="en-US" dirty="0"/>
+              <a:t>Marshall is in the warmup room</a:t>
+            </a:r>
+          </a:p>
+          <a:p>
+            <a:r>
+              <a:rPr lang="en-US" dirty="0"/>
+              <a:t>Safest solution is to connect a second router, by wire.</a:t>
+            </a:r>
+          </a:p>
+          <a:p>
+            <a:pPr lvl="1"/>
+            <a:r>
+              <a:rPr lang="en-US" dirty="0"/>
+              <a:t>WAN Port of second router goes to one of the 4 LAN ports of the main router</a:t>
+            </a:r>
+          </a:p>
+          <a:p>
+            <a:r>
+              <a:rPr lang="en-US" dirty="0"/>
+              <a:t>Note for main room:</a:t>
+            </a:r>
+          </a:p>
+          <a:p>
+            <a:pPr lvl="1"/>
+            <a:r>
+              <a:rPr lang="en-US" dirty="0"/>
+              <a:t>Owlcms is connected by wire</a:t>
+            </a:r>
+          </a:p>
+          <a:p>
+            <a:pPr lvl="1"/>
+            <a:r>
+              <a:rPr lang="en-US" dirty="0"/>
+              <a:t>Announcer and timekeeper are normally very close to router, </a:t>
+            </a:r>
+            <a:r>
+              <a:rPr lang="en-US" dirty="0" err="1"/>
+              <a:t>WiFi</a:t>
+            </a:r>
+            <a:r>
+              <a:rPr lang="en-US" dirty="0"/>
+              <a:t> is OK</a:t>
+            </a:r>
+          </a:p>
+          <a:p>
+            <a:pPr lvl="1"/>
+            <a:r>
+              <a:rPr lang="en-US" dirty="0"/>
+              <a:t>Athlete-facing is far from router, so LAN wiring is suggested.</a:t>
+            </a:r>
+          </a:p>
+          <a:p>
+            <a:pPr lvl="1"/>
+            <a:r>
+              <a:rPr lang="en-US" dirty="0"/>
+              <a:t>Scoreboards are far.  Wiring the main one is ideal, but not mandatory.</a:t>
+            </a:r>
+          </a:p>
+        </p:txBody>
+      </p:sp>
+    </p:spTree>
+    <p:extLst>
+      <p:ext uri="{BB962C8B-B14F-4D97-AF65-F5344CB8AC3E}">
+        <p14:creationId xmlns:p14="http://schemas.microsoft.com/office/powerpoint/2010/main" val="4211065475"/>
+      </p:ext>
+    </p:extLst>
+  </p:cSld>
+  <p:clrMapOvr>
+    <a:masterClrMapping/>
+  </p:clrMapOvr>
+</p:sld>
+</file>
+
+<file path=ppt/slides/slide2.xml><?xml version="1.0" encoding="utf-8"?>
+<p:sld xmlns:a="http://schemas.openxmlformats.org/drawingml/2006/main" xmlns:r="http://schemas.openxmlformats.org/officeDocument/2006/relationships" xmlns:p="http://schemas.openxmlformats.org/presentationml/2006/main">
+  <p:cSld>
+    <p:spTree>
+      <p:nvGrpSpPr>
+        <p:cNvPr id="1" name=""/>
+        <p:cNvGrpSpPr/>
+        <p:nvPr/>
+      </p:nvGrpSpPr>
+      <p:grpSpPr>
+        <a:xfrm>
+          <a:off x="0" y="0"/>
+          <a:ext cx="0" cy="0"/>
+          <a:chOff x="0" y="0"/>
+          <a:chExt cx="0" cy="0"/>
+        </a:xfrm>
+      </p:grpSpPr>
+      <p:pic>
+        <p:nvPicPr>
+          <p:cNvPr id="2050" name="Graphic 4" descr="Laptop">
+            <a:extLst>
+              <a:ext uri="{FF2B5EF4-FFF2-40B4-BE49-F238E27FC236}">
+                <a16:creationId xmlns:a16="http://schemas.microsoft.com/office/drawing/2014/main" id="{4CF2F9A1-4F18-4577-806E-AC52EFE216D1}"/>
+              </a:ext>
+            </a:extLst>
+          </p:cNvPr>
+          <p:cNvPicPr>
+            <a:picLocks noChangeAspect="1" noChangeArrowheads="1"/>
+          </p:cNvPicPr>
+          <p:nvPr/>
+        </p:nvPicPr>
+        <p:blipFill>
+          <a:blip r:embed="rId2">
+            <a:extLst>
+              <a:ext uri="{28A0092B-C50C-407E-A947-70E740481C1C}">
+                <a14:useLocalDpi xmlns:a14="http://schemas.microsoft.com/office/drawing/2010/main" val="0"/>
+              </a:ext>
+            </a:extLst>
+          </a:blip>
+          <a:srcRect/>
+          <a:stretch>
+            <a:fillRect/>
+          </a:stretch>
+        </p:blipFill>
+        <p:spPr bwMode="auto">
+          <a:xfrm>
+            <a:off x="652463" y="781646"/>
+            <a:ext cx="914400" cy="914400"/>
+          </a:xfrm>
+          <a:prstGeom prst="rect">
+            <a:avLst/>
+          </a:prstGeom>
+          <a:noFill/>
+          <a:ln>
+            <a:noFill/>
+          </a:ln>
+          <a:extLst>
+            <a:ext uri="{909E8E84-426E-40DD-AFC4-6F175D3DCCD1}">
+              <a14:hiddenFill xmlns:a14="http://schemas.microsoft.com/office/drawing/2010/main">
+                <a:solidFill>
+                  <a:srgbClr val="FFFFFF"/>
+                </a:solidFill>
+              </a14:hiddenFill>
+            </a:ext>
+            <a:ext uri="{91240B29-F687-4F45-9708-019B960494DF}">
+              <a14:hiddenLine xmlns:a14="http://schemas.microsoft.com/office/drawing/2010/main" w="9525">
+                <a:solidFill>
+                  <a:srgbClr val="000000"/>
+                </a:solidFill>
+                <a:miter lim="800000"/>
+                <a:headEnd/>
+                <a:tailEnd/>
+              </a14:hiddenLine>
+            </a:ext>
+          </a:extLst>
+        </p:spPr>
+      </p:pic>
+      <p:pic>
+        <p:nvPicPr>
+          <p:cNvPr id="2051" name="Graphic 14" descr="Smart Phone">
+            <a:extLst>
+              <a:ext uri="{FF2B5EF4-FFF2-40B4-BE49-F238E27FC236}">
+                <a16:creationId xmlns:a16="http://schemas.microsoft.com/office/drawing/2014/main" id="{DABCBB31-6253-424D-A9A0-12A32B781E40}"/>
+              </a:ext>
+            </a:extLst>
+          </p:cNvPr>
+          <p:cNvPicPr>
+            <a:picLocks noChangeAspect="1" noChangeArrowheads="1"/>
+          </p:cNvPicPr>
+          <p:nvPr/>
+        </p:nvPicPr>
+        <p:blipFill>
+          <a:blip r:embed="rId3">
+            <a:extLst>
+              <a:ext uri="{28A0092B-C50C-407E-A947-70E740481C1C}">
+                <a14:useLocalDpi xmlns:a14="http://schemas.microsoft.com/office/drawing/2010/main" val="0"/>
+              </a:ext>
+            </a:extLst>
+          </a:blip>
+          <a:srcRect/>
+          <a:stretch>
+            <a:fillRect/>
+          </a:stretch>
+        </p:blipFill>
+        <p:spPr bwMode="auto">
+          <a:xfrm>
+            <a:off x="767408" y="3020566"/>
+            <a:ext cx="457200" cy="457200"/>
+          </a:xfrm>
+          <a:prstGeom prst="rect">
+            <a:avLst/>
+          </a:prstGeom>
+          <a:noFill/>
+          <a:ln>
+            <a:noFill/>
+          </a:ln>
+          <a:extLst>
+            <a:ext uri="{909E8E84-426E-40DD-AFC4-6F175D3DCCD1}">
+              <a14:hiddenFill xmlns:a14="http://schemas.microsoft.com/office/drawing/2010/main">
+                <a:solidFill>
+                  <a:srgbClr val="FFFFFF"/>
+                </a:solidFill>
+              </a14:hiddenFill>
+            </a:ext>
+            <a:ext uri="{91240B29-F687-4F45-9708-019B960494DF}">
+              <a14:hiddenLine xmlns:a14="http://schemas.microsoft.com/office/drawing/2010/main" w="9525">
+                <a:solidFill>
+                  <a:srgbClr val="000000"/>
+                </a:solidFill>
+                <a:miter lim="800000"/>
+                <a:headEnd/>
+                <a:tailEnd/>
+              </a14:hiddenLine>
+            </a:ext>
+          </a:extLst>
+        </p:spPr>
+      </p:pic>
+      <p:pic>
+        <p:nvPicPr>
+          <p:cNvPr id="2052" name="Graphic 17" descr="Smart Phone">
+            <a:extLst>
+              <a:ext uri="{FF2B5EF4-FFF2-40B4-BE49-F238E27FC236}">
+                <a16:creationId xmlns:a16="http://schemas.microsoft.com/office/drawing/2014/main" id="{9C0C5617-17D1-4070-9DB1-37DB657919A3}"/>
+              </a:ext>
+            </a:extLst>
+          </p:cNvPr>
+          <p:cNvPicPr>
+            <a:picLocks noChangeAspect="1" noChangeArrowheads="1"/>
+          </p:cNvPicPr>
+          <p:nvPr/>
+        </p:nvPicPr>
+        <p:blipFill>
+          <a:blip r:embed="rId3">
+            <a:extLst>
+              <a:ext uri="{28A0092B-C50C-407E-A947-70E740481C1C}">
+                <a14:useLocalDpi xmlns:a14="http://schemas.microsoft.com/office/drawing/2010/main" val="0"/>
+              </a:ext>
+            </a:extLst>
+          </a:blip>
+          <a:srcRect/>
+          <a:stretch>
+            <a:fillRect/>
+          </a:stretch>
+        </p:blipFill>
+        <p:spPr bwMode="auto">
+          <a:xfrm>
+            <a:off x="1442096" y="3020566"/>
+            <a:ext cx="457200" cy="457200"/>
+          </a:xfrm>
+          <a:prstGeom prst="rect">
+            <a:avLst/>
+          </a:prstGeom>
+          <a:noFill/>
+          <a:ln>
+            <a:noFill/>
+          </a:ln>
+          <a:extLst>
+            <a:ext uri="{909E8E84-426E-40DD-AFC4-6F175D3DCCD1}">
+              <a14:hiddenFill xmlns:a14="http://schemas.microsoft.com/office/drawing/2010/main">
+                <a:solidFill>
+                  <a:srgbClr val="FFFFFF"/>
+                </a:solidFill>
+              </a14:hiddenFill>
+            </a:ext>
+            <a:ext uri="{91240B29-F687-4F45-9708-019B960494DF}">
+              <a14:hiddenLine xmlns:a14="http://schemas.microsoft.com/office/drawing/2010/main" w="9525">
+                <a:solidFill>
+                  <a:srgbClr val="000000"/>
+                </a:solidFill>
+                <a:miter lim="800000"/>
+                <a:headEnd/>
+                <a:tailEnd/>
+              </a14:hiddenLine>
+            </a:ext>
+          </a:extLst>
+        </p:spPr>
+      </p:pic>
+      <p:pic>
+        <p:nvPicPr>
+          <p:cNvPr id="2053" name="Graphic 18" descr="Smart Phone">
+            <a:extLst>
+              <a:ext uri="{FF2B5EF4-FFF2-40B4-BE49-F238E27FC236}">
+                <a16:creationId xmlns:a16="http://schemas.microsoft.com/office/drawing/2014/main" id="{81D21DB3-E14B-452C-85A9-C35487B64497}"/>
+              </a:ext>
+            </a:extLst>
+          </p:cNvPr>
+          <p:cNvPicPr>
+            <a:picLocks noChangeAspect="1" noChangeArrowheads="1"/>
+          </p:cNvPicPr>
+          <p:nvPr/>
+        </p:nvPicPr>
+        <p:blipFill>
+          <a:blip r:embed="rId3">
+            <a:extLst>
+              <a:ext uri="{28A0092B-C50C-407E-A947-70E740481C1C}">
+                <a14:useLocalDpi xmlns:a14="http://schemas.microsoft.com/office/drawing/2010/main" val="0"/>
+              </a:ext>
+            </a:extLst>
+          </a:blip>
+          <a:srcRect/>
+          <a:stretch>
+            <a:fillRect/>
+          </a:stretch>
+        </p:blipFill>
+        <p:spPr bwMode="auto">
+          <a:xfrm>
+            <a:off x="2065983" y="3020566"/>
+            <a:ext cx="457200" cy="457200"/>
+          </a:xfrm>
+          <a:prstGeom prst="rect">
+            <a:avLst/>
+          </a:prstGeom>
+          <a:noFill/>
+          <a:ln>
+            <a:noFill/>
+          </a:ln>
+          <a:extLst>
+            <a:ext uri="{909E8E84-426E-40DD-AFC4-6F175D3DCCD1}">
+              <a14:hiddenFill xmlns:a14="http://schemas.microsoft.com/office/drawing/2010/main">
+                <a:solidFill>
+                  <a:srgbClr val="FFFFFF"/>
+                </a:solidFill>
+              </a14:hiddenFill>
+            </a:ext>
+            <a:ext uri="{91240B29-F687-4F45-9708-019B960494DF}">
+              <a14:hiddenLine xmlns:a14="http://schemas.microsoft.com/office/drawing/2010/main" w="9525">
+                <a:solidFill>
+                  <a:srgbClr val="000000"/>
+                </a:solidFill>
+                <a:miter lim="800000"/>
+                <a:headEnd/>
+                <a:tailEnd/>
+              </a14:hiddenLine>
+            </a:ext>
+          </a:extLst>
+        </p:spPr>
+      </p:pic>
+      <p:pic>
+        <p:nvPicPr>
+          <p:cNvPr id="2054" name="Graphic 20" descr="Server">
+            <a:extLst>
+              <a:ext uri="{FF2B5EF4-FFF2-40B4-BE49-F238E27FC236}">
+                <a16:creationId xmlns:a16="http://schemas.microsoft.com/office/drawing/2014/main" id="{1CE4C8A9-BAF3-4160-9859-B0790119E50F}"/>
+              </a:ext>
+            </a:extLst>
+          </p:cNvPr>
+          <p:cNvPicPr>
+            <a:picLocks noChangeAspect="1" noChangeArrowheads="1"/>
+          </p:cNvPicPr>
+          <p:nvPr/>
+        </p:nvPicPr>
+        <p:blipFill>
+          <a:blip r:embed="rId4">
+            <a:extLst>
+              <a:ext uri="{28A0092B-C50C-407E-A947-70E740481C1C}">
+                <a14:useLocalDpi xmlns:a14="http://schemas.microsoft.com/office/drawing/2010/main" val="0"/>
+              </a:ext>
+            </a:extLst>
+          </a:blip>
+          <a:srcRect/>
+          <a:stretch>
+            <a:fillRect/>
+          </a:stretch>
+        </p:blipFill>
+        <p:spPr bwMode="auto">
+          <a:xfrm>
+            <a:off x="4667250" y="3471863"/>
+            <a:ext cx="914400" cy="914400"/>
+          </a:xfrm>
+          <a:prstGeom prst="rect">
+            <a:avLst/>
+          </a:prstGeom>
+          <a:noFill/>
+          <a:ln>
+            <a:noFill/>
+          </a:ln>
+          <a:extLst>
+            <a:ext uri="{909E8E84-426E-40DD-AFC4-6F175D3DCCD1}">
+              <a14:hiddenFill xmlns:a14="http://schemas.microsoft.com/office/drawing/2010/main">
+                <a:solidFill>
+                  <a:srgbClr val="FFFFFF"/>
+                </a:solidFill>
+              </a14:hiddenFill>
+            </a:ext>
+            <a:ext uri="{91240B29-F687-4F45-9708-019B960494DF}">
+              <a14:hiddenLine xmlns:a14="http://schemas.microsoft.com/office/drawing/2010/main" w="9525">
+                <a:solidFill>
+                  <a:srgbClr val="000000"/>
+                </a:solidFill>
+                <a:miter lim="800000"/>
+                <a:headEnd/>
+                <a:tailEnd/>
+              </a14:hiddenLine>
+            </a:ext>
+          </a:extLst>
+        </p:spPr>
+      </p:pic>
+      <p:pic>
+        <p:nvPicPr>
+          <p:cNvPr id="2055" name="Graphic 43" descr="Laptop">
+            <a:extLst>
+              <a:ext uri="{FF2B5EF4-FFF2-40B4-BE49-F238E27FC236}">
+                <a16:creationId xmlns:a16="http://schemas.microsoft.com/office/drawing/2014/main" id="{F4537BA7-9D72-464C-B1D5-E7DB5B87DFC9}"/>
+              </a:ext>
+            </a:extLst>
+          </p:cNvPr>
+          <p:cNvPicPr>
+            <a:picLocks noChangeAspect="1" noChangeArrowheads="1"/>
+          </p:cNvPicPr>
+          <p:nvPr/>
+        </p:nvPicPr>
+        <p:blipFill>
+          <a:blip r:embed="rId2">
+            <a:extLst>
+              <a:ext uri="{28A0092B-C50C-407E-A947-70E740481C1C}">
+                <a14:useLocalDpi xmlns:a14="http://schemas.microsoft.com/office/drawing/2010/main" val="0"/>
+              </a:ext>
+            </a:extLst>
+          </a:blip>
+          <a:srcRect/>
+          <a:stretch>
+            <a:fillRect/>
+          </a:stretch>
+        </p:blipFill>
+        <p:spPr bwMode="auto">
+          <a:xfrm>
+            <a:off x="1895475" y="786408"/>
+            <a:ext cx="914400" cy="914400"/>
+          </a:xfrm>
+          <a:prstGeom prst="rect">
+            <a:avLst/>
+          </a:prstGeom>
+          <a:noFill/>
+          <a:ln>
+            <a:noFill/>
+          </a:ln>
+          <a:extLst>
+            <a:ext uri="{909E8E84-426E-40DD-AFC4-6F175D3DCCD1}">
+              <a14:hiddenFill xmlns:a14="http://schemas.microsoft.com/office/drawing/2010/main">
+                <a:solidFill>
+                  <a:srgbClr val="FFFFFF"/>
+                </a:solidFill>
+              </a14:hiddenFill>
+            </a:ext>
+            <a:ext uri="{91240B29-F687-4F45-9708-019B960494DF}">
+              <a14:hiddenLine xmlns:a14="http://schemas.microsoft.com/office/drawing/2010/main" w="9525">
+                <a:solidFill>
+                  <a:srgbClr val="000000"/>
+                </a:solidFill>
+                <a:miter lim="800000"/>
+                <a:headEnd/>
+                <a:tailEnd/>
+              </a14:hiddenLine>
+            </a:ext>
+          </a:extLst>
+        </p:spPr>
+      </p:pic>
+      <p:sp>
+        <p:nvSpPr>
+          <p:cNvPr id="35" name="Rectangle 34">
+            <a:extLst>
+              <a:ext uri="{FF2B5EF4-FFF2-40B4-BE49-F238E27FC236}">
+                <a16:creationId xmlns:a16="http://schemas.microsoft.com/office/drawing/2014/main" id="{FCFAC687-B58D-4079-BC6D-599EAA9483C7}"/>
+              </a:ext>
+            </a:extLst>
+          </p:cNvPr>
+          <p:cNvSpPr/>
+          <p:nvPr/>
+        </p:nvSpPr>
+        <p:spPr>
+          <a:xfrm>
+            <a:off x="4383088" y="3471863"/>
+            <a:ext cx="1500187" cy="1109662"/>
+          </a:xfrm>
+          <a:prstGeom prst="rect">
+            <a:avLst/>
+          </a:prstGeom>
+          <a:solidFill>
+            <a:srgbClr val="FFFFFF"/>
+          </a:solidFill>
+          <a:ln>
+            <a:noFill/>
+          </a:ln>
+        </p:spPr>
+        <p:style>
+          <a:lnRef idx="2">
+            <a:schemeClr val="accent1">
+              <a:shade val="50000"/>
+            </a:schemeClr>
+          </a:lnRef>
+          <a:fillRef idx="1">
+            <a:schemeClr val="accent1"/>
+          </a:fillRef>
+          <a:effectRef idx="0">
+            <a:schemeClr val="accent1"/>
+          </a:effectRef>
+          <a:fontRef idx="minor">
+            <a:schemeClr val="lt1"/>
+          </a:fontRef>
+        </p:style>
+        <p:txBody>
+          <a:bodyPr anchor="ctr"/>
+          <a:lstStyle/>
+          <a:p>
+            <a:pPr algn="ctr" eaLnBrk="1" fontAlgn="auto" hangingPunct="1">
+              <a:spcBef>
+                <a:spcPts val="0"/>
+              </a:spcBef>
+              <a:spcAft>
+                <a:spcPts val="0"/>
+              </a:spcAft>
+              <a:defRPr/>
+            </a:pPr>
+            <a:endParaRPr lang="fr-CA"/>
+          </a:p>
+        </p:txBody>
+      </p:sp>
+      <p:pic>
+        <p:nvPicPr>
+          <p:cNvPr id="2057" name="Graphic 12" descr="Laptop">
+            <a:extLst>
+              <a:ext uri="{FF2B5EF4-FFF2-40B4-BE49-F238E27FC236}">
+                <a16:creationId xmlns:a16="http://schemas.microsoft.com/office/drawing/2014/main" id="{805D1863-2552-4D4B-A6AD-3273C527D5A6}"/>
+              </a:ext>
+            </a:extLst>
+          </p:cNvPr>
+          <p:cNvPicPr>
+            <a:picLocks noChangeAspect="1" noChangeArrowheads="1"/>
+          </p:cNvPicPr>
+          <p:nvPr/>
+        </p:nvPicPr>
+        <p:blipFill>
+          <a:blip r:embed="rId5">
+            <a:extLst>
+              <a:ext uri="{28A0092B-C50C-407E-A947-70E740481C1C}">
+                <a14:useLocalDpi xmlns:a14="http://schemas.microsoft.com/office/drawing/2010/main" val="0"/>
+              </a:ext>
+            </a:extLst>
+          </a:blip>
+          <a:srcRect/>
+          <a:stretch>
+            <a:fillRect/>
+          </a:stretch>
+        </p:blipFill>
+        <p:spPr bwMode="auto">
+          <a:xfrm>
+            <a:off x="5407484" y="4999568"/>
+            <a:ext cx="914400" cy="914400"/>
+          </a:xfrm>
+          <a:prstGeom prst="rect">
+            <a:avLst/>
+          </a:prstGeom>
+          <a:noFill/>
+          <a:ln>
+            <a:noFill/>
+          </a:ln>
+          <a:extLst>
+            <a:ext uri="{909E8E84-426E-40DD-AFC4-6F175D3DCCD1}">
+              <a14:hiddenFill xmlns:a14="http://schemas.microsoft.com/office/drawing/2010/main">
+                <a:solidFill>
+                  <a:srgbClr val="FFFFFF"/>
+                </a:solidFill>
+              </a14:hiddenFill>
+            </a:ext>
+            <a:ext uri="{91240B29-F687-4F45-9708-019B960494DF}">
+              <a14:hiddenLine xmlns:a14="http://schemas.microsoft.com/office/drawing/2010/main" w="9525">
+                <a:solidFill>
+                  <a:srgbClr val="000000"/>
+                </a:solidFill>
+                <a:miter lim="800000"/>
+                <a:headEnd/>
+                <a:tailEnd/>
+              </a14:hiddenLine>
+            </a:ext>
+          </a:extLst>
+        </p:spPr>
+      </p:pic>
+      <p:cxnSp>
+        <p:nvCxnSpPr>
+          <p:cNvPr id="71" name="Connector: Curved 70">
+            <a:extLst>
+              <a:ext uri="{FF2B5EF4-FFF2-40B4-BE49-F238E27FC236}">
+                <a16:creationId xmlns:a16="http://schemas.microsoft.com/office/drawing/2014/main" id="{FF6D43D4-5C89-466E-BD52-1A7A8E8D76C0}"/>
+              </a:ext>
+            </a:extLst>
+          </p:cNvPr>
+          <p:cNvCxnSpPr>
+            <a:cxnSpLocks/>
+            <a:stCxn id="2051" idx="1"/>
+            <a:endCxn id="2071" idx="1"/>
+          </p:cNvCxnSpPr>
+          <p:nvPr/>
+        </p:nvCxnSpPr>
+        <p:spPr>
+          <a:xfrm rot="10800000" flipH="1" flipV="1">
+            <a:off x="767408" y="3249165"/>
+            <a:ext cx="1486842" cy="768797"/>
+          </a:xfrm>
+          <a:prstGeom prst="curvedConnector3">
+            <a:avLst>
+              <a:gd name="adj1" fmla="val -15375"/>
+            </a:avLst>
+          </a:prstGeom>
+          <a:ln>
+            <a:headEnd type="none"/>
+            <a:tailEnd type="triangle"/>
+          </a:ln>
+        </p:spPr>
+        <p:style>
+          <a:lnRef idx="1">
+            <a:schemeClr val="accent1"/>
+          </a:lnRef>
+          <a:fillRef idx="0">
+            <a:schemeClr val="accent1"/>
+          </a:fillRef>
+          <a:effectRef idx="0">
+            <a:schemeClr val="accent1"/>
+          </a:effectRef>
+          <a:fontRef idx="minor">
+            <a:schemeClr val="tx1"/>
+          </a:fontRef>
+        </p:style>
+      </p:cxnSp>
+      <p:sp>
+        <p:nvSpPr>
+          <p:cNvPr id="126" name="Rectangle 125">
+            <a:extLst>
+              <a:ext uri="{FF2B5EF4-FFF2-40B4-BE49-F238E27FC236}">
+                <a16:creationId xmlns:a16="http://schemas.microsoft.com/office/drawing/2014/main" id="{3A551B54-1D8D-4ACC-AABD-6A6451CE9D9F}"/>
+              </a:ext>
+            </a:extLst>
+          </p:cNvPr>
+          <p:cNvSpPr/>
+          <p:nvPr/>
+        </p:nvSpPr>
+        <p:spPr>
+          <a:xfrm>
+            <a:off x="606425" y="465138"/>
+            <a:ext cx="6008688" cy="5964237"/>
+          </a:xfrm>
+          <a:prstGeom prst="rect">
+            <a:avLst/>
+          </a:prstGeom>
+          <a:noFill/>
+        </p:spPr>
+        <p:style>
+          <a:lnRef idx="2">
+            <a:schemeClr val="accent1">
+              <a:shade val="50000"/>
+            </a:schemeClr>
+          </a:lnRef>
+          <a:fillRef idx="1">
+            <a:schemeClr val="accent1"/>
+          </a:fillRef>
+          <a:effectRef idx="0">
+            <a:schemeClr val="accent1"/>
+          </a:effectRef>
+          <a:fontRef idx="minor">
+            <a:schemeClr val="lt1"/>
+          </a:fontRef>
+        </p:style>
+        <p:txBody>
+          <a:bodyPr anchor="ctr"/>
+          <a:lstStyle/>
+          <a:p>
+            <a:pPr algn="ctr" eaLnBrk="1" fontAlgn="auto" hangingPunct="1">
+              <a:spcBef>
+                <a:spcPts val="0"/>
+              </a:spcBef>
+              <a:spcAft>
+                <a:spcPts val="0"/>
+              </a:spcAft>
+              <a:defRPr/>
+            </a:pPr>
+            <a:endParaRPr lang="fr-CA"/>
+          </a:p>
+        </p:txBody>
+      </p:sp>
+      <p:sp>
+        <p:nvSpPr>
+          <p:cNvPr id="2062" name="TextBox 126">
+            <a:extLst>
+              <a:ext uri="{FF2B5EF4-FFF2-40B4-BE49-F238E27FC236}">
+                <a16:creationId xmlns:a16="http://schemas.microsoft.com/office/drawing/2014/main" id="{E09AF9BF-9FA1-47C9-AD77-30C0E5A8D72F}"/>
+              </a:ext>
+            </a:extLst>
+          </p:cNvPr>
+          <p:cNvSpPr txBox="1">
+            <a:spLocks noChangeArrowheads="1"/>
+          </p:cNvSpPr>
+          <p:nvPr/>
+        </p:nvSpPr>
+        <p:spPr bwMode="auto">
+          <a:xfrm>
+            <a:off x="2732087" y="900852"/>
+            <a:ext cx="2976563" cy="646331"/>
+          </a:xfrm>
+          <a:prstGeom prst="rect">
+            <a:avLst/>
+          </a:prstGeom>
+          <a:noFill/>
+          <a:ln>
+            <a:noFill/>
+          </a:ln>
+          <a:extLst>
+            <a:ext uri="{909E8E84-426E-40DD-AFC4-6F175D3DCCD1}">
+              <a14:hiddenFill xmlns:a14="http://schemas.microsoft.com/office/drawing/2010/main">
+                <a:solidFill>
+                  <a:srgbClr val="FFFFFF"/>
+                </a:solidFill>
+              </a14:hiddenFill>
+            </a:ext>
+            <a:ext uri="{91240B29-F687-4F45-9708-019B960494DF}">
+              <a14:hiddenLine xmlns:a14="http://schemas.microsoft.com/office/drawing/2010/main" w="9525">
+                <a:solidFill>
+                  <a:srgbClr val="000000"/>
+                </a:solidFill>
+                <a:miter lim="800000"/>
+                <a:headEnd/>
+                <a:tailEnd/>
+              </a14:hiddenLine>
+            </a:ext>
+          </a:extLst>
+        </p:spPr>
+        <p:txBody>
+          <a:bodyPr wrap="square">
+            <a:spAutoFit/>
+          </a:bodyPr>
+          <a:lstStyle>
+            <a:lvl1pPr>
+              <a:lnSpc>
+                <a:spcPct val="90000"/>
+              </a:lnSpc>
+              <a:spcBef>
+                <a:spcPts val="1000"/>
+              </a:spcBef>
+              <a:buFont typeface="Arial" panose="020B0604020202020204" pitchFamily="34" charset="0"/>
+              <a:buChar char="•"/>
+              <a:defRPr sz="2800">
+                <a:solidFill>
+                  <a:schemeClr val="tx1"/>
+                </a:solidFill>
+                <a:latin typeface="Calibri" panose="020F0502020204030204" pitchFamily="34" charset="0"/>
+              </a:defRPr>
+            </a:lvl1pPr>
+            <a:lvl2pPr marL="742950" indent="-285750">
+              <a:lnSpc>
+                <a:spcPct val="90000"/>
+              </a:lnSpc>
+              <a:spcBef>
+                <a:spcPts val="500"/>
+              </a:spcBef>
+              <a:buFont typeface="Arial" panose="020B0604020202020204" pitchFamily="34" charset="0"/>
+              <a:buChar char="•"/>
+              <a:defRPr sz="2400">
+                <a:solidFill>
+                  <a:schemeClr val="tx1"/>
+                </a:solidFill>
+                <a:latin typeface="Calibri" panose="020F0502020204030204" pitchFamily="34" charset="0"/>
+              </a:defRPr>
+            </a:lvl2pPr>
+            <a:lvl3pPr marL="1143000" indent="-228600">
+              <a:lnSpc>
+                <a:spcPct val="90000"/>
+              </a:lnSpc>
+              <a:spcBef>
+                <a:spcPts val="500"/>
+              </a:spcBef>
+              <a:buFont typeface="Arial" panose="020B0604020202020204" pitchFamily="34" charset="0"/>
+              <a:buChar char="•"/>
+              <a:defRPr sz="2000">
+                <a:solidFill>
+                  <a:schemeClr val="tx1"/>
+                </a:solidFill>
+                <a:latin typeface="Calibri" panose="020F0502020204030204" pitchFamily="34" charset="0"/>
+              </a:defRPr>
+            </a:lvl3pPr>
+            <a:lvl4pPr marL="1600200" indent="-228600">
+              <a:lnSpc>
+                <a:spcPct val="90000"/>
+              </a:lnSpc>
+              <a:spcBef>
+                <a:spcPts val="500"/>
+              </a:spcBef>
+              <a:buFont typeface="Arial" panose="020B0604020202020204" pitchFamily="34" charset="0"/>
+              <a:buChar char="•"/>
+              <a:defRPr>
+                <a:solidFill>
+                  <a:schemeClr val="tx1"/>
+                </a:solidFill>
+                <a:latin typeface="Calibri" panose="020F0502020204030204" pitchFamily="34" charset="0"/>
+              </a:defRPr>
+            </a:lvl4pPr>
+            <a:lvl5pPr marL="2057400" indent="-228600">
+              <a:lnSpc>
+                <a:spcPct val="90000"/>
+              </a:lnSpc>
+              <a:spcBef>
+                <a:spcPts val="500"/>
+              </a:spcBef>
+              <a:buFont typeface="Arial" panose="020B0604020202020204" pitchFamily="34" charset="0"/>
+              <a:buChar char="•"/>
+              <a:defRPr>
+                <a:solidFill>
+                  <a:schemeClr val="tx1"/>
+                </a:solidFill>
+                <a:latin typeface="Calibri" panose="020F0502020204030204" pitchFamily="34" charset="0"/>
+              </a:defRPr>
+            </a:lvl5pPr>
+            <a:lvl6pPr marL="2514600" indent="-228600" eaLnBrk="0" fontAlgn="base" hangingPunct="0">
+              <a:lnSpc>
+                <a:spcPct val="90000"/>
+              </a:lnSpc>
+              <a:spcBef>
+                <a:spcPts val="500"/>
+              </a:spcBef>
+              <a:spcAft>
+                <a:spcPct val="0"/>
+              </a:spcAft>
+              <a:buFont typeface="Arial" panose="020B0604020202020204" pitchFamily="34" charset="0"/>
+              <a:buChar char="•"/>
+              <a:defRPr>
+                <a:solidFill>
+                  <a:schemeClr val="tx1"/>
+                </a:solidFill>
+                <a:latin typeface="Calibri" panose="020F0502020204030204" pitchFamily="34" charset="0"/>
+              </a:defRPr>
+            </a:lvl6pPr>
+            <a:lvl7pPr marL="2971800" indent="-228600" eaLnBrk="0" fontAlgn="base" hangingPunct="0">
+              <a:lnSpc>
+                <a:spcPct val="90000"/>
+              </a:lnSpc>
+              <a:spcBef>
+                <a:spcPts val="500"/>
+              </a:spcBef>
+              <a:spcAft>
+                <a:spcPct val="0"/>
+              </a:spcAft>
+              <a:buFont typeface="Arial" panose="020B0604020202020204" pitchFamily="34" charset="0"/>
+              <a:buChar char="•"/>
+              <a:defRPr>
+                <a:solidFill>
+                  <a:schemeClr val="tx1"/>
+                </a:solidFill>
+                <a:latin typeface="Calibri" panose="020F0502020204030204" pitchFamily="34" charset="0"/>
+              </a:defRPr>
+            </a:lvl7pPr>
+            <a:lvl8pPr marL="3429000" indent="-228600" eaLnBrk="0" fontAlgn="base" hangingPunct="0">
+              <a:lnSpc>
+                <a:spcPct val="90000"/>
+              </a:lnSpc>
+              <a:spcBef>
+                <a:spcPts val="500"/>
+              </a:spcBef>
+              <a:spcAft>
+                <a:spcPct val="0"/>
+              </a:spcAft>
+              <a:buFont typeface="Arial" panose="020B0604020202020204" pitchFamily="34" charset="0"/>
+              <a:buChar char="•"/>
+              <a:defRPr>
+                <a:solidFill>
+                  <a:schemeClr val="tx1"/>
+                </a:solidFill>
+                <a:latin typeface="Calibri" panose="020F0502020204030204" pitchFamily="34" charset="0"/>
+              </a:defRPr>
+            </a:lvl8pPr>
+            <a:lvl9pPr marL="3886200" indent="-228600" eaLnBrk="0" fontAlgn="base" hangingPunct="0">
+              <a:lnSpc>
+                <a:spcPct val="90000"/>
+              </a:lnSpc>
+              <a:spcBef>
+                <a:spcPts val="500"/>
+              </a:spcBef>
+              <a:spcAft>
+                <a:spcPct val="0"/>
+              </a:spcAft>
+              <a:buFont typeface="Arial" panose="020B0604020202020204" pitchFamily="34" charset="0"/>
+              <a:buChar char="•"/>
+              <a:defRPr>
+                <a:solidFill>
+                  <a:schemeClr val="tx1"/>
+                </a:solidFill>
+                <a:latin typeface="Calibri" panose="020F0502020204030204" pitchFamily="34" charset="0"/>
+              </a:defRPr>
+            </a:lvl9pPr>
+          </a:lstStyle>
+          <a:p>
+            <a:pPr eaLnBrk="1" hangingPunct="1">
+              <a:lnSpc>
+                <a:spcPct val="100000"/>
+              </a:lnSpc>
+              <a:spcBef>
+                <a:spcPct val="0"/>
+              </a:spcBef>
+              <a:buFontTx/>
+              <a:buNone/>
+            </a:pPr>
+            <a:r>
+              <a:rPr lang="fr-CA" altLang="fr-FR" sz="1800" dirty="0" err="1"/>
+              <a:t>Attempt</a:t>
+            </a:r>
+            <a:r>
+              <a:rPr lang="fr-CA" altLang="fr-FR" sz="1800" dirty="0"/>
+              <a:t> </a:t>
+            </a:r>
+            <a:r>
+              <a:rPr lang="fr-CA" altLang="fr-FR" sz="1800" dirty="0" err="1"/>
+              <a:t>Board</a:t>
+            </a:r>
+            <a:r>
+              <a:rPr lang="fr-CA" altLang="fr-FR" sz="1800" dirty="0"/>
+              <a:t> +</a:t>
+            </a:r>
+            <a:br>
+              <a:rPr lang="fr-CA" altLang="fr-FR" sz="1800" dirty="0"/>
+            </a:br>
+            <a:r>
+              <a:rPr lang="fr-CA" altLang="fr-FR" sz="1800" dirty="0" err="1"/>
+              <a:t>Secondary</a:t>
+            </a:r>
+            <a:r>
+              <a:rPr lang="fr-CA" altLang="fr-FR" sz="1800" dirty="0"/>
+              <a:t> Scoreboards (</a:t>
+            </a:r>
+            <a:r>
+              <a:rPr lang="fr-CA" altLang="fr-FR" sz="1800" dirty="0" err="1"/>
+              <a:t>WiFi</a:t>
+            </a:r>
+            <a:r>
+              <a:rPr lang="fr-CA" altLang="fr-FR" sz="1800" dirty="0"/>
+              <a:t>)</a:t>
+            </a:r>
+          </a:p>
+        </p:txBody>
+      </p:sp>
+      <p:sp>
+        <p:nvSpPr>
+          <p:cNvPr id="2063" name="TextBox 127">
+            <a:extLst>
+              <a:ext uri="{FF2B5EF4-FFF2-40B4-BE49-F238E27FC236}">
+                <a16:creationId xmlns:a16="http://schemas.microsoft.com/office/drawing/2014/main" id="{29C99C36-593B-4006-8FA3-6E9FC5ADF19F}"/>
+              </a:ext>
+            </a:extLst>
+          </p:cNvPr>
+          <p:cNvSpPr txBox="1">
+            <a:spLocks noChangeArrowheads="1"/>
+          </p:cNvSpPr>
+          <p:nvPr/>
+        </p:nvSpPr>
+        <p:spPr bwMode="auto">
+          <a:xfrm>
+            <a:off x="2578746" y="2926904"/>
+            <a:ext cx="1454150" cy="646112"/>
+          </a:xfrm>
+          <a:prstGeom prst="rect">
+            <a:avLst/>
+          </a:prstGeom>
+          <a:noFill/>
+          <a:ln>
+            <a:noFill/>
+          </a:ln>
+          <a:extLst>
+            <a:ext uri="{909E8E84-426E-40DD-AFC4-6F175D3DCCD1}">
+              <a14:hiddenFill xmlns:a14="http://schemas.microsoft.com/office/drawing/2010/main">
+                <a:solidFill>
+                  <a:srgbClr val="FFFFFF"/>
+                </a:solidFill>
+              </a14:hiddenFill>
+            </a:ext>
+            <a:ext uri="{91240B29-F687-4F45-9708-019B960494DF}">
+              <a14:hiddenLine xmlns:a14="http://schemas.microsoft.com/office/drawing/2010/main" w="9525">
+                <a:solidFill>
+                  <a:srgbClr val="000000"/>
+                </a:solidFill>
+                <a:miter lim="800000"/>
+                <a:headEnd/>
+                <a:tailEnd/>
+              </a14:hiddenLine>
+            </a:ext>
+          </a:extLst>
+        </p:spPr>
+        <p:txBody>
+          <a:bodyPr wrap="none">
+            <a:spAutoFit/>
+          </a:bodyPr>
+          <a:lstStyle>
+            <a:lvl1pPr>
+              <a:lnSpc>
+                <a:spcPct val="90000"/>
+              </a:lnSpc>
+              <a:spcBef>
+                <a:spcPts val="1000"/>
+              </a:spcBef>
+              <a:buFont typeface="Arial" panose="020B0604020202020204" pitchFamily="34" charset="0"/>
+              <a:buChar char="•"/>
+              <a:defRPr sz="2800">
+                <a:solidFill>
+                  <a:schemeClr val="tx1"/>
+                </a:solidFill>
+                <a:latin typeface="Calibri" panose="020F0502020204030204" pitchFamily="34" charset="0"/>
+              </a:defRPr>
+            </a:lvl1pPr>
+            <a:lvl2pPr marL="742950" indent="-285750">
+              <a:lnSpc>
+                <a:spcPct val="90000"/>
+              </a:lnSpc>
+              <a:spcBef>
+                <a:spcPts val="500"/>
+              </a:spcBef>
+              <a:buFont typeface="Arial" panose="020B0604020202020204" pitchFamily="34" charset="0"/>
+              <a:buChar char="•"/>
+              <a:defRPr sz="2400">
+                <a:solidFill>
+                  <a:schemeClr val="tx1"/>
+                </a:solidFill>
+                <a:latin typeface="Calibri" panose="020F0502020204030204" pitchFamily="34" charset="0"/>
+              </a:defRPr>
+            </a:lvl2pPr>
+            <a:lvl3pPr marL="1143000" indent="-228600">
+              <a:lnSpc>
+                <a:spcPct val="90000"/>
+              </a:lnSpc>
+              <a:spcBef>
+                <a:spcPts val="500"/>
+              </a:spcBef>
+              <a:buFont typeface="Arial" panose="020B0604020202020204" pitchFamily="34" charset="0"/>
+              <a:buChar char="•"/>
+              <a:defRPr sz="2000">
+                <a:solidFill>
+                  <a:schemeClr val="tx1"/>
+                </a:solidFill>
+                <a:latin typeface="Calibri" panose="020F0502020204030204" pitchFamily="34" charset="0"/>
+              </a:defRPr>
+            </a:lvl3pPr>
+            <a:lvl4pPr marL="1600200" indent="-228600">
+              <a:lnSpc>
+                <a:spcPct val="90000"/>
+              </a:lnSpc>
+              <a:spcBef>
+                <a:spcPts val="500"/>
+              </a:spcBef>
+              <a:buFont typeface="Arial" panose="020B0604020202020204" pitchFamily="34" charset="0"/>
+              <a:buChar char="•"/>
+              <a:defRPr>
+                <a:solidFill>
+                  <a:schemeClr val="tx1"/>
+                </a:solidFill>
+                <a:latin typeface="Calibri" panose="020F0502020204030204" pitchFamily="34" charset="0"/>
+              </a:defRPr>
+            </a:lvl4pPr>
+            <a:lvl5pPr marL="2057400" indent="-228600">
+              <a:lnSpc>
+                <a:spcPct val="90000"/>
+              </a:lnSpc>
+              <a:spcBef>
+                <a:spcPts val="500"/>
+              </a:spcBef>
+              <a:buFont typeface="Arial" panose="020B0604020202020204" pitchFamily="34" charset="0"/>
+              <a:buChar char="•"/>
+              <a:defRPr>
+                <a:solidFill>
+                  <a:schemeClr val="tx1"/>
+                </a:solidFill>
+                <a:latin typeface="Calibri" panose="020F0502020204030204" pitchFamily="34" charset="0"/>
+              </a:defRPr>
+            </a:lvl5pPr>
+            <a:lvl6pPr marL="2514600" indent="-228600" eaLnBrk="0" fontAlgn="base" hangingPunct="0">
+              <a:lnSpc>
+                <a:spcPct val="90000"/>
+              </a:lnSpc>
+              <a:spcBef>
+                <a:spcPts val="500"/>
+              </a:spcBef>
+              <a:spcAft>
+                <a:spcPct val="0"/>
+              </a:spcAft>
+              <a:buFont typeface="Arial" panose="020B0604020202020204" pitchFamily="34" charset="0"/>
+              <a:buChar char="•"/>
+              <a:defRPr>
+                <a:solidFill>
+                  <a:schemeClr val="tx1"/>
+                </a:solidFill>
+                <a:latin typeface="Calibri" panose="020F0502020204030204" pitchFamily="34" charset="0"/>
+              </a:defRPr>
+            </a:lvl6pPr>
+            <a:lvl7pPr marL="2971800" indent="-228600" eaLnBrk="0" fontAlgn="base" hangingPunct="0">
+              <a:lnSpc>
+                <a:spcPct val="90000"/>
+              </a:lnSpc>
+              <a:spcBef>
+                <a:spcPts val="500"/>
+              </a:spcBef>
+              <a:spcAft>
+                <a:spcPct val="0"/>
+              </a:spcAft>
+              <a:buFont typeface="Arial" panose="020B0604020202020204" pitchFamily="34" charset="0"/>
+              <a:buChar char="•"/>
+              <a:defRPr>
+                <a:solidFill>
+                  <a:schemeClr val="tx1"/>
+                </a:solidFill>
+                <a:latin typeface="Calibri" panose="020F0502020204030204" pitchFamily="34" charset="0"/>
+              </a:defRPr>
+            </a:lvl7pPr>
+            <a:lvl8pPr marL="3429000" indent="-228600" eaLnBrk="0" fontAlgn="base" hangingPunct="0">
+              <a:lnSpc>
+                <a:spcPct val="90000"/>
+              </a:lnSpc>
+              <a:spcBef>
+                <a:spcPts val="500"/>
+              </a:spcBef>
+              <a:spcAft>
+                <a:spcPct val="0"/>
+              </a:spcAft>
+              <a:buFont typeface="Arial" panose="020B0604020202020204" pitchFamily="34" charset="0"/>
+              <a:buChar char="•"/>
+              <a:defRPr>
+                <a:solidFill>
+                  <a:schemeClr val="tx1"/>
+                </a:solidFill>
+                <a:latin typeface="Calibri" panose="020F0502020204030204" pitchFamily="34" charset="0"/>
+              </a:defRPr>
+            </a:lvl8pPr>
+            <a:lvl9pPr marL="3886200" indent="-228600" eaLnBrk="0" fontAlgn="base" hangingPunct="0">
+              <a:lnSpc>
+                <a:spcPct val="90000"/>
+              </a:lnSpc>
+              <a:spcBef>
+                <a:spcPts val="500"/>
+              </a:spcBef>
+              <a:spcAft>
+                <a:spcPct val="0"/>
+              </a:spcAft>
+              <a:buFont typeface="Arial" panose="020B0604020202020204" pitchFamily="34" charset="0"/>
+              <a:buChar char="•"/>
+              <a:defRPr>
+                <a:solidFill>
+                  <a:schemeClr val="tx1"/>
+                </a:solidFill>
+                <a:latin typeface="Calibri" panose="020F0502020204030204" pitchFamily="34" charset="0"/>
+              </a:defRPr>
+            </a:lvl9pPr>
+          </a:lstStyle>
+          <a:p>
+            <a:pPr eaLnBrk="1" hangingPunct="1">
+              <a:lnSpc>
+                <a:spcPct val="100000"/>
+              </a:lnSpc>
+              <a:spcBef>
+                <a:spcPct val="0"/>
+              </a:spcBef>
+              <a:buFontTx/>
+              <a:buNone/>
+            </a:pPr>
+            <a:r>
+              <a:rPr lang="fr-CA" altLang="fr-FR" sz="1800"/>
+              <a:t>Referee</a:t>
+            </a:r>
+            <a:br>
+              <a:rPr lang="fr-CA" altLang="fr-FR" sz="1800"/>
+            </a:br>
+            <a:r>
+              <a:rPr lang="fr-CA" altLang="fr-FR" sz="1800"/>
+              <a:t>devices (USB)</a:t>
+            </a:r>
+          </a:p>
+        </p:txBody>
+      </p:sp>
+      <p:sp>
+        <p:nvSpPr>
+          <p:cNvPr id="2064" name="TextBox 137">
+            <a:extLst>
+              <a:ext uri="{FF2B5EF4-FFF2-40B4-BE49-F238E27FC236}">
+                <a16:creationId xmlns:a16="http://schemas.microsoft.com/office/drawing/2014/main" id="{C3BBB3B1-6D3E-4B67-A4DB-8BFCDB8AC10D}"/>
+              </a:ext>
+            </a:extLst>
+          </p:cNvPr>
+          <p:cNvSpPr txBox="1">
+            <a:spLocks noChangeArrowheads="1"/>
+          </p:cNvSpPr>
+          <p:nvPr/>
+        </p:nvSpPr>
+        <p:spPr bwMode="auto">
+          <a:xfrm>
+            <a:off x="5401255" y="5742520"/>
+            <a:ext cx="926857" cy="923330"/>
+          </a:xfrm>
+          <a:prstGeom prst="rect">
+            <a:avLst/>
+          </a:prstGeom>
+          <a:noFill/>
+          <a:ln>
+            <a:noFill/>
+          </a:ln>
+          <a:extLst>
+            <a:ext uri="{909E8E84-426E-40DD-AFC4-6F175D3DCCD1}">
+              <a14:hiddenFill xmlns:a14="http://schemas.microsoft.com/office/drawing/2010/main">
+                <a:solidFill>
+                  <a:srgbClr val="FFFFFF"/>
+                </a:solidFill>
+              </a14:hiddenFill>
+            </a:ext>
+            <a:ext uri="{91240B29-F687-4F45-9708-019B960494DF}">
+              <a14:hiddenLine xmlns:a14="http://schemas.microsoft.com/office/drawing/2010/main" w="9525">
+                <a:solidFill>
+                  <a:srgbClr val="000000"/>
+                </a:solidFill>
+                <a:miter lim="800000"/>
+                <a:headEnd/>
+                <a:tailEnd/>
+              </a14:hiddenLine>
+            </a:ext>
+          </a:extLst>
+        </p:spPr>
+        <p:txBody>
+          <a:bodyPr wrap="none">
+            <a:spAutoFit/>
+          </a:bodyPr>
+          <a:lstStyle>
+            <a:lvl1pPr>
+              <a:lnSpc>
+                <a:spcPct val="90000"/>
+              </a:lnSpc>
+              <a:spcBef>
+                <a:spcPts val="1000"/>
+              </a:spcBef>
+              <a:buFont typeface="Arial" panose="020B0604020202020204" pitchFamily="34" charset="0"/>
+              <a:buChar char="•"/>
+              <a:defRPr sz="2800">
+                <a:solidFill>
+                  <a:schemeClr val="tx1"/>
+                </a:solidFill>
+                <a:latin typeface="Calibri" panose="020F0502020204030204" pitchFamily="34" charset="0"/>
+              </a:defRPr>
+            </a:lvl1pPr>
+            <a:lvl2pPr marL="742950" indent="-285750">
+              <a:lnSpc>
+                <a:spcPct val="90000"/>
+              </a:lnSpc>
+              <a:spcBef>
+                <a:spcPts val="500"/>
+              </a:spcBef>
+              <a:buFont typeface="Arial" panose="020B0604020202020204" pitchFamily="34" charset="0"/>
+              <a:buChar char="•"/>
+              <a:defRPr sz="2400">
+                <a:solidFill>
+                  <a:schemeClr val="tx1"/>
+                </a:solidFill>
+                <a:latin typeface="Calibri" panose="020F0502020204030204" pitchFamily="34" charset="0"/>
+              </a:defRPr>
+            </a:lvl2pPr>
+            <a:lvl3pPr marL="1143000" indent="-228600">
+              <a:lnSpc>
+                <a:spcPct val="90000"/>
+              </a:lnSpc>
+              <a:spcBef>
+                <a:spcPts val="500"/>
+              </a:spcBef>
+              <a:buFont typeface="Arial" panose="020B0604020202020204" pitchFamily="34" charset="0"/>
+              <a:buChar char="•"/>
+              <a:defRPr sz="2000">
+                <a:solidFill>
+                  <a:schemeClr val="tx1"/>
+                </a:solidFill>
+                <a:latin typeface="Calibri" panose="020F0502020204030204" pitchFamily="34" charset="0"/>
+              </a:defRPr>
+            </a:lvl3pPr>
+            <a:lvl4pPr marL="1600200" indent="-228600">
+              <a:lnSpc>
+                <a:spcPct val="90000"/>
+              </a:lnSpc>
+              <a:spcBef>
+                <a:spcPts val="500"/>
+              </a:spcBef>
+              <a:buFont typeface="Arial" panose="020B0604020202020204" pitchFamily="34" charset="0"/>
+              <a:buChar char="•"/>
+              <a:defRPr>
+                <a:solidFill>
+                  <a:schemeClr val="tx1"/>
+                </a:solidFill>
+                <a:latin typeface="Calibri" panose="020F0502020204030204" pitchFamily="34" charset="0"/>
+              </a:defRPr>
+            </a:lvl4pPr>
+            <a:lvl5pPr marL="2057400" indent="-228600">
+              <a:lnSpc>
+                <a:spcPct val="90000"/>
+              </a:lnSpc>
+              <a:spcBef>
+                <a:spcPts val="500"/>
+              </a:spcBef>
+              <a:buFont typeface="Arial" panose="020B0604020202020204" pitchFamily="34" charset="0"/>
+              <a:buChar char="•"/>
+              <a:defRPr>
+                <a:solidFill>
+                  <a:schemeClr val="tx1"/>
+                </a:solidFill>
+                <a:latin typeface="Calibri" panose="020F0502020204030204" pitchFamily="34" charset="0"/>
+              </a:defRPr>
+            </a:lvl5pPr>
+            <a:lvl6pPr marL="2514600" indent="-228600" eaLnBrk="0" fontAlgn="base" hangingPunct="0">
+              <a:lnSpc>
+                <a:spcPct val="90000"/>
+              </a:lnSpc>
+              <a:spcBef>
+                <a:spcPts val="500"/>
+              </a:spcBef>
+              <a:spcAft>
+                <a:spcPct val="0"/>
+              </a:spcAft>
+              <a:buFont typeface="Arial" panose="020B0604020202020204" pitchFamily="34" charset="0"/>
+              <a:buChar char="•"/>
+              <a:defRPr>
+                <a:solidFill>
+                  <a:schemeClr val="tx1"/>
+                </a:solidFill>
+                <a:latin typeface="Calibri" panose="020F0502020204030204" pitchFamily="34" charset="0"/>
+              </a:defRPr>
+            </a:lvl6pPr>
+            <a:lvl7pPr marL="2971800" indent="-228600" eaLnBrk="0" fontAlgn="base" hangingPunct="0">
+              <a:lnSpc>
+                <a:spcPct val="90000"/>
+              </a:lnSpc>
+              <a:spcBef>
+                <a:spcPts val="500"/>
+              </a:spcBef>
+              <a:spcAft>
+                <a:spcPct val="0"/>
+              </a:spcAft>
+              <a:buFont typeface="Arial" panose="020B0604020202020204" pitchFamily="34" charset="0"/>
+              <a:buChar char="•"/>
+              <a:defRPr>
+                <a:solidFill>
+                  <a:schemeClr val="tx1"/>
+                </a:solidFill>
+                <a:latin typeface="Calibri" panose="020F0502020204030204" pitchFamily="34" charset="0"/>
+              </a:defRPr>
+            </a:lvl7pPr>
+            <a:lvl8pPr marL="3429000" indent="-228600" eaLnBrk="0" fontAlgn="base" hangingPunct="0">
+              <a:lnSpc>
+                <a:spcPct val="90000"/>
+              </a:lnSpc>
+              <a:spcBef>
+                <a:spcPts val="500"/>
+              </a:spcBef>
+              <a:spcAft>
+                <a:spcPct val="0"/>
+              </a:spcAft>
+              <a:buFont typeface="Arial" panose="020B0604020202020204" pitchFamily="34" charset="0"/>
+              <a:buChar char="•"/>
+              <a:defRPr>
+                <a:solidFill>
+                  <a:schemeClr val="tx1"/>
+                </a:solidFill>
+                <a:latin typeface="Calibri" panose="020F0502020204030204" pitchFamily="34" charset="0"/>
+              </a:defRPr>
+            </a:lvl8pPr>
+            <a:lvl9pPr marL="3886200" indent="-228600" eaLnBrk="0" fontAlgn="base" hangingPunct="0">
+              <a:lnSpc>
+                <a:spcPct val="90000"/>
+              </a:lnSpc>
+              <a:spcBef>
+                <a:spcPts val="500"/>
+              </a:spcBef>
+              <a:spcAft>
+                <a:spcPct val="0"/>
+              </a:spcAft>
+              <a:buFont typeface="Arial" panose="020B0604020202020204" pitchFamily="34" charset="0"/>
+              <a:buChar char="•"/>
+              <a:defRPr>
+                <a:solidFill>
+                  <a:schemeClr val="tx1"/>
+                </a:solidFill>
+                <a:latin typeface="Calibri" panose="020F0502020204030204" pitchFamily="34" charset="0"/>
+              </a:defRPr>
+            </a:lvl9pPr>
+          </a:lstStyle>
+          <a:p>
+            <a:pPr algn="ctr" eaLnBrk="1" hangingPunct="1">
+              <a:lnSpc>
+                <a:spcPct val="100000"/>
+              </a:lnSpc>
+              <a:spcBef>
+                <a:spcPct val="0"/>
+              </a:spcBef>
+              <a:buFontTx/>
+              <a:buNone/>
+            </a:pPr>
+            <a:r>
+              <a:rPr lang="fr-CA" altLang="fr-FR" sz="1800" dirty="0"/>
+              <a:t>Owlcms</a:t>
+            </a:r>
+            <a:br>
+              <a:rPr lang="fr-CA" altLang="fr-FR" sz="1800" dirty="0"/>
+            </a:br>
+            <a:r>
+              <a:rPr lang="fr-CA" altLang="fr-FR" sz="1800" dirty="0"/>
+              <a:t>(LAN!)</a:t>
+            </a:r>
+            <a:br>
+              <a:rPr lang="fr-CA" altLang="fr-FR" sz="1800" dirty="0"/>
+            </a:br>
+            <a:endParaRPr lang="fr-CA" altLang="fr-FR" sz="1800" dirty="0"/>
+          </a:p>
+        </p:txBody>
+      </p:sp>
+      <p:pic>
+        <p:nvPicPr>
+          <p:cNvPr id="2065" name="Graphic 153" descr="Laptop">
+            <a:extLst>
+              <a:ext uri="{FF2B5EF4-FFF2-40B4-BE49-F238E27FC236}">
+                <a16:creationId xmlns:a16="http://schemas.microsoft.com/office/drawing/2014/main" id="{43A9CDCA-C43C-499D-8C15-11808D073EAB}"/>
+              </a:ext>
+            </a:extLst>
+          </p:cNvPr>
+          <p:cNvPicPr>
+            <a:picLocks noChangeAspect="1" noChangeArrowheads="1"/>
+          </p:cNvPicPr>
+          <p:nvPr/>
+        </p:nvPicPr>
+        <p:blipFill>
+          <a:blip r:embed="rId5">
+            <a:extLst>
+              <a:ext uri="{28A0092B-C50C-407E-A947-70E740481C1C}">
+                <a14:useLocalDpi xmlns:a14="http://schemas.microsoft.com/office/drawing/2010/main" val="0"/>
+              </a:ext>
+            </a:extLst>
+          </a:blip>
+          <a:srcRect/>
+          <a:stretch>
+            <a:fillRect/>
+          </a:stretch>
+        </p:blipFill>
+        <p:spPr bwMode="auto">
+          <a:xfrm>
+            <a:off x="8587903" y="5257208"/>
+            <a:ext cx="914400" cy="914400"/>
+          </a:xfrm>
+          <a:prstGeom prst="rect">
+            <a:avLst/>
+          </a:prstGeom>
+          <a:noFill/>
+          <a:ln>
+            <a:noFill/>
+          </a:ln>
+          <a:extLst>
+            <a:ext uri="{909E8E84-426E-40DD-AFC4-6F175D3DCCD1}">
+              <a14:hiddenFill xmlns:a14="http://schemas.microsoft.com/office/drawing/2010/main">
+                <a:solidFill>
+                  <a:srgbClr val="FFFFFF"/>
+                </a:solidFill>
+              </a14:hiddenFill>
+            </a:ext>
+            <a:ext uri="{91240B29-F687-4F45-9708-019B960494DF}">
+              <a14:hiddenLine xmlns:a14="http://schemas.microsoft.com/office/drawing/2010/main" w="9525">
+                <a:solidFill>
+                  <a:srgbClr val="000000"/>
+                </a:solidFill>
+                <a:miter lim="800000"/>
+                <a:headEnd/>
+                <a:tailEnd/>
+              </a14:hiddenLine>
+            </a:ext>
+          </a:extLst>
+        </p:spPr>
+      </p:pic>
+      <p:cxnSp>
+        <p:nvCxnSpPr>
+          <p:cNvPr id="155" name="Connector: Curved 154">
+            <a:extLst>
+              <a:ext uri="{FF2B5EF4-FFF2-40B4-BE49-F238E27FC236}">
+                <a16:creationId xmlns:a16="http://schemas.microsoft.com/office/drawing/2014/main" id="{AB50CE33-EC37-4940-A95B-404957B6C337}"/>
+              </a:ext>
+            </a:extLst>
+          </p:cNvPr>
+          <p:cNvCxnSpPr>
+            <a:cxnSpLocks/>
+            <a:stCxn id="3" idx="2"/>
+            <a:endCxn id="2057" idx="3"/>
+          </p:cNvCxnSpPr>
+          <p:nvPr/>
+        </p:nvCxnSpPr>
+        <p:spPr>
+          <a:xfrm rot="16200000" flipH="1">
+            <a:off x="5516179" y="4651063"/>
+            <a:ext cx="1204542" cy="406868"/>
+          </a:xfrm>
+          <a:prstGeom prst="curvedConnector4">
+            <a:avLst>
+              <a:gd name="adj1" fmla="val 31022"/>
+              <a:gd name="adj2" fmla="val 168556"/>
+            </a:avLst>
+          </a:prstGeom>
+          <a:ln w="69850">
+            <a:solidFill>
+              <a:srgbClr val="FF0000"/>
+            </a:solidFill>
+            <a:headEnd type="triangle"/>
+            <a:tailEnd type="none"/>
+          </a:ln>
+        </p:spPr>
+        <p:style>
+          <a:lnRef idx="1">
+            <a:schemeClr val="accent1"/>
+          </a:lnRef>
+          <a:fillRef idx="0">
+            <a:schemeClr val="accent1"/>
+          </a:fillRef>
+          <a:effectRef idx="0">
+            <a:schemeClr val="accent1"/>
+          </a:effectRef>
+          <a:fontRef idx="minor">
+            <a:schemeClr val="tx1"/>
+          </a:fontRef>
+        </p:style>
+      </p:cxnSp>
+      <p:sp>
+        <p:nvSpPr>
+          <p:cNvPr id="2067" name="TextBox 155">
+            <a:extLst>
+              <a:ext uri="{FF2B5EF4-FFF2-40B4-BE49-F238E27FC236}">
+                <a16:creationId xmlns:a16="http://schemas.microsoft.com/office/drawing/2014/main" id="{028034BB-1260-4370-84C0-2754268DA3E3}"/>
+              </a:ext>
+            </a:extLst>
+          </p:cNvPr>
+          <p:cNvSpPr txBox="1">
+            <a:spLocks noChangeArrowheads="1"/>
+          </p:cNvSpPr>
+          <p:nvPr/>
+        </p:nvSpPr>
+        <p:spPr bwMode="auto">
+          <a:xfrm>
+            <a:off x="8546628" y="5987256"/>
+            <a:ext cx="1722779" cy="369332"/>
+          </a:xfrm>
+          <a:prstGeom prst="rect">
+            <a:avLst/>
+          </a:prstGeom>
+          <a:noFill/>
+          <a:ln>
+            <a:noFill/>
+          </a:ln>
+          <a:extLst>
+            <a:ext uri="{909E8E84-426E-40DD-AFC4-6F175D3DCCD1}">
+              <a14:hiddenFill xmlns:a14="http://schemas.microsoft.com/office/drawing/2010/main">
+                <a:solidFill>
+                  <a:srgbClr val="FFFFFF"/>
+                </a:solidFill>
+              </a14:hiddenFill>
+            </a:ext>
+            <a:ext uri="{91240B29-F687-4F45-9708-019B960494DF}">
+              <a14:hiddenLine xmlns:a14="http://schemas.microsoft.com/office/drawing/2010/main" w="9525">
+                <a:solidFill>
+                  <a:srgbClr val="000000"/>
+                </a:solidFill>
+                <a:miter lim="800000"/>
+                <a:headEnd/>
+                <a:tailEnd/>
+              </a14:hiddenLine>
+            </a:ext>
+          </a:extLst>
+        </p:spPr>
+        <p:txBody>
+          <a:bodyPr wrap="none">
+            <a:spAutoFit/>
+          </a:bodyPr>
+          <a:lstStyle>
+            <a:lvl1pPr>
+              <a:lnSpc>
+                <a:spcPct val="90000"/>
+              </a:lnSpc>
+              <a:spcBef>
+                <a:spcPts val="1000"/>
+              </a:spcBef>
+              <a:buFont typeface="Arial" panose="020B0604020202020204" pitchFamily="34" charset="0"/>
+              <a:buChar char="•"/>
+              <a:defRPr sz="2800">
+                <a:solidFill>
+                  <a:schemeClr val="tx1"/>
+                </a:solidFill>
+                <a:latin typeface="Calibri" panose="020F0502020204030204" pitchFamily="34" charset="0"/>
+              </a:defRPr>
+            </a:lvl1pPr>
+            <a:lvl2pPr marL="742950" indent="-285750">
+              <a:lnSpc>
+                <a:spcPct val="90000"/>
+              </a:lnSpc>
+              <a:spcBef>
+                <a:spcPts val="500"/>
+              </a:spcBef>
+              <a:buFont typeface="Arial" panose="020B0604020202020204" pitchFamily="34" charset="0"/>
+              <a:buChar char="•"/>
+              <a:defRPr sz="2400">
+                <a:solidFill>
+                  <a:schemeClr val="tx1"/>
+                </a:solidFill>
+                <a:latin typeface="Calibri" panose="020F0502020204030204" pitchFamily="34" charset="0"/>
+              </a:defRPr>
+            </a:lvl2pPr>
+            <a:lvl3pPr marL="1143000" indent="-228600">
+              <a:lnSpc>
+                <a:spcPct val="90000"/>
+              </a:lnSpc>
+              <a:spcBef>
+                <a:spcPts val="500"/>
+              </a:spcBef>
+              <a:buFont typeface="Arial" panose="020B0604020202020204" pitchFamily="34" charset="0"/>
+              <a:buChar char="•"/>
+              <a:defRPr sz="2000">
+                <a:solidFill>
+                  <a:schemeClr val="tx1"/>
+                </a:solidFill>
+                <a:latin typeface="Calibri" panose="020F0502020204030204" pitchFamily="34" charset="0"/>
+              </a:defRPr>
+            </a:lvl3pPr>
+            <a:lvl4pPr marL="1600200" indent="-228600">
+              <a:lnSpc>
+                <a:spcPct val="90000"/>
+              </a:lnSpc>
+              <a:spcBef>
+                <a:spcPts val="500"/>
+              </a:spcBef>
+              <a:buFont typeface="Arial" panose="020B0604020202020204" pitchFamily="34" charset="0"/>
+              <a:buChar char="•"/>
+              <a:defRPr>
+                <a:solidFill>
+                  <a:schemeClr val="tx1"/>
+                </a:solidFill>
+                <a:latin typeface="Calibri" panose="020F0502020204030204" pitchFamily="34" charset="0"/>
+              </a:defRPr>
+            </a:lvl4pPr>
+            <a:lvl5pPr marL="2057400" indent="-228600">
+              <a:lnSpc>
+                <a:spcPct val="90000"/>
+              </a:lnSpc>
+              <a:spcBef>
+                <a:spcPts val="500"/>
+              </a:spcBef>
+              <a:buFont typeface="Arial" panose="020B0604020202020204" pitchFamily="34" charset="0"/>
+              <a:buChar char="•"/>
+              <a:defRPr>
+                <a:solidFill>
+                  <a:schemeClr val="tx1"/>
+                </a:solidFill>
+                <a:latin typeface="Calibri" panose="020F0502020204030204" pitchFamily="34" charset="0"/>
+              </a:defRPr>
+            </a:lvl5pPr>
+            <a:lvl6pPr marL="2514600" indent="-228600" eaLnBrk="0" fontAlgn="base" hangingPunct="0">
+              <a:lnSpc>
+                <a:spcPct val="90000"/>
+              </a:lnSpc>
+              <a:spcBef>
+                <a:spcPts val="500"/>
+              </a:spcBef>
+              <a:spcAft>
+                <a:spcPct val="0"/>
+              </a:spcAft>
+              <a:buFont typeface="Arial" panose="020B0604020202020204" pitchFamily="34" charset="0"/>
+              <a:buChar char="•"/>
+              <a:defRPr>
+                <a:solidFill>
+                  <a:schemeClr val="tx1"/>
+                </a:solidFill>
+                <a:latin typeface="Calibri" panose="020F0502020204030204" pitchFamily="34" charset="0"/>
+              </a:defRPr>
+            </a:lvl6pPr>
+            <a:lvl7pPr marL="2971800" indent="-228600" eaLnBrk="0" fontAlgn="base" hangingPunct="0">
+              <a:lnSpc>
+                <a:spcPct val="90000"/>
+              </a:lnSpc>
+              <a:spcBef>
+                <a:spcPts val="500"/>
+              </a:spcBef>
+              <a:spcAft>
+                <a:spcPct val="0"/>
+              </a:spcAft>
+              <a:buFont typeface="Arial" panose="020B0604020202020204" pitchFamily="34" charset="0"/>
+              <a:buChar char="•"/>
+              <a:defRPr>
+                <a:solidFill>
+                  <a:schemeClr val="tx1"/>
+                </a:solidFill>
+                <a:latin typeface="Calibri" panose="020F0502020204030204" pitchFamily="34" charset="0"/>
+              </a:defRPr>
+            </a:lvl7pPr>
+            <a:lvl8pPr marL="3429000" indent="-228600" eaLnBrk="0" fontAlgn="base" hangingPunct="0">
+              <a:lnSpc>
+                <a:spcPct val="90000"/>
+              </a:lnSpc>
+              <a:spcBef>
+                <a:spcPts val="500"/>
+              </a:spcBef>
+              <a:spcAft>
+                <a:spcPct val="0"/>
+              </a:spcAft>
+              <a:buFont typeface="Arial" panose="020B0604020202020204" pitchFamily="34" charset="0"/>
+              <a:buChar char="•"/>
+              <a:defRPr>
+                <a:solidFill>
+                  <a:schemeClr val="tx1"/>
+                </a:solidFill>
+                <a:latin typeface="Calibri" panose="020F0502020204030204" pitchFamily="34" charset="0"/>
+              </a:defRPr>
+            </a:lvl8pPr>
+            <a:lvl9pPr marL="3886200" indent="-228600" eaLnBrk="0" fontAlgn="base" hangingPunct="0">
+              <a:lnSpc>
+                <a:spcPct val="90000"/>
+              </a:lnSpc>
+              <a:spcBef>
+                <a:spcPts val="500"/>
+              </a:spcBef>
+              <a:spcAft>
+                <a:spcPct val="0"/>
+              </a:spcAft>
+              <a:buFont typeface="Arial" panose="020B0604020202020204" pitchFamily="34" charset="0"/>
+              <a:buChar char="•"/>
+              <a:defRPr>
+                <a:solidFill>
+                  <a:schemeClr val="tx1"/>
+                </a:solidFill>
+                <a:latin typeface="Calibri" panose="020F0502020204030204" pitchFamily="34" charset="0"/>
+              </a:defRPr>
+            </a:lvl9pPr>
+          </a:lstStyle>
+          <a:p>
+            <a:pPr eaLnBrk="1" hangingPunct="1">
+              <a:lnSpc>
+                <a:spcPct val="100000"/>
+              </a:lnSpc>
+              <a:spcBef>
+                <a:spcPct val="0"/>
+              </a:spcBef>
+              <a:buFontTx/>
+              <a:buNone/>
+            </a:pPr>
+            <a:r>
+              <a:rPr lang="fr-CA" altLang="fr-FR" sz="1800" dirty="0"/>
+              <a:t>Marshall (</a:t>
+            </a:r>
+            <a:r>
+              <a:rPr lang="fr-CA" altLang="fr-FR" sz="1800" dirty="0" err="1"/>
+              <a:t>WiFi</a:t>
+            </a:r>
+            <a:r>
+              <a:rPr lang="fr-CA" altLang="fr-FR" sz="1800" dirty="0"/>
+              <a:t>*)</a:t>
+            </a:r>
+          </a:p>
+        </p:txBody>
+      </p:sp>
+      <p:sp>
+        <p:nvSpPr>
+          <p:cNvPr id="2068" name="TextBox 156">
+            <a:extLst>
+              <a:ext uri="{FF2B5EF4-FFF2-40B4-BE49-F238E27FC236}">
+                <a16:creationId xmlns:a16="http://schemas.microsoft.com/office/drawing/2014/main" id="{4C1FFB65-2CC2-4604-A012-AA7702C9A5C8}"/>
+              </a:ext>
+            </a:extLst>
+          </p:cNvPr>
+          <p:cNvSpPr txBox="1">
+            <a:spLocks noChangeArrowheads="1"/>
+          </p:cNvSpPr>
+          <p:nvPr/>
+        </p:nvSpPr>
+        <p:spPr bwMode="auto">
+          <a:xfrm>
+            <a:off x="3787282" y="5721658"/>
+            <a:ext cx="1220206" cy="646331"/>
+          </a:xfrm>
+          <a:prstGeom prst="rect">
+            <a:avLst/>
+          </a:prstGeom>
+          <a:noFill/>
+          <a:ln>
+            <a:noFill/>
+          </a:ln>
+          <a:extLst>
+            <a:ext uri="{909E8E84-426E-40DD-AFC4-6F175D3DCCD1}">
+              <a14:hiddenFill xmlns:a14="http://schemas.microsoft.com/office/drawing/2010/main">
+                <a:solidFill>
+                  <a:srgbClr val="FFFFFF"/>
+                </a:solidFill>
+              </a14:hiddenFill>
+            </a:ext>
+            <a:ext uri="{91240B29-F687-4F45-9708-019B960494DF}">
+              <a14:hiddenLine xmlns:a14="http://schemas.microsoft.com/office/drawing/2010/main" w="9525">
+                <a:solidFill>
+                  <a:srgbClr val="000000"/>
+                </a:solidFill>
+                <a:miter lim="800000"/>
+                <a:headEnd/>
+                <a:tailEnd/>
+              </a14:hiddenLine>
+            </a:ext>
+          </a:extLst>
+        </p:spPr>
+        <p:txBody>
+          <a:bodyPr wrap="none">
+            <a:spAutoFit/>
+          </a:bodyPr>
+          <a:lstStyle>
+            <a:lvl1pPr>
+              <a:lnSpc>
+                <a:spcPct val="90000"/>
+              </a:lnSpc>
+              <a:spcBef>
+                <a:spcPts val="1000"/>
+              </a:spcBef>
+              <a:buFont typeface="Arial" panose="020B0604020202020204" pitchFamily="34" charset="0"/>
+              <a:buChar char="•"/>
+              <a:defRPr sz="2800">
+                <a:solidFill>
+                  <a:schemeClr val="tx1"/>
+                </a:solidFill>
+                <a:latin typeface="Calibri" panose="020F0502020204030204" pitchFamily="34" charset="0"/>
+              </a:defRPr>
+            </a:lvl1pPr>
+            <a:lvl2pPr marL="742950" indent="-285750">
+              <a:lnSpc>
+                <a:spcPct val="90000"/>
+              </a:lnSpc>
+              <a:spcBef>
+                <a:spcPts val="500"/>
+              </a:spcBef>
+              <a:buFont typeface="Arial" panose="020B0604020202020204" pitchFamily="34" charset="0"/>
+              <a:buChar char="•"/>
+              <a:defRPr sz="2400">
+                <a:solidFill>
+                  <a:schemeClr val="tx1"/>
+                </a:solidFill>
+                <a:latin typeface="Calibri" panose="020F0502020204030204" pitchFamily="34" charset="0"/>
+              </a:defRPr>
+            </a:lvl2pPr>
+            <a:lvl3pPr marL="1143000" indent="-228600">
+              <a:lnSpc>
+                <a:spcPct val="90000"/>
+              </a:lnSpc>
+              <a:spcBef>
+                <a:spcPts val="500"/>
+              </a:spcBef>
+              <a:buFont typeface="Arial" panose="020B0604020202020204" pitchFamily="34" charset="0"/>
+              <a:buChar char="•"/>
+              <a:defRPr sz="2000">
+                <a:solidFill>
+                  <a:schemeClr val="tx1"/>
+                </a:solidFill>
+                <a:latin typeface="Calibri" panose="020F0502020204030204" pitchFamily="34" charset="0"/>
+              </a:defRPr>
+            </a:lvl3pPr>
+            <a:lvl4pPr marL="1600200" indent="-228600">
+              <a:lnSpc>
+                <a:spcPct val="90000"/>
+              </a:lnSpc>
+              <a:spcBef>
+                <a:spcPts val="500"/>
+              </a:spcBef>
+              <a:buFont typeface="Arial" panose="020B0604020202020204" pitchFamily="34" charset="0"/>
+              <a:buChar char="•"/>
+              <a:defRPr>
+                <a:solidFill>
+                  <a:schemeClr val="tx1"/>
+                </a:solidFill>
+                <a:latin typeface="Calibri" panose="020F0502020204030204" pitchFamily="34" charset="0"/>
+              </a:defRPr>
+            </a:lvl4pPr>
+            <a:lvl5pPr marL="2057400" indent="-228600">
+              <a:lnSpc>
+                <a:spcPct val="90000"/>
+              </a:lnSpc>
+              <a:spcBef>
+                <a:spcPts val="500"/>
+              </a:spcBef>
+              <a:buFont typeface="Arial" panose="020B0604020202020204" pitchFamily="34" charset="0"/>
+              <a:buChar char="•"/>
+              <a:defRPr>
+                <a:solidFill>
+                  <a:schemeClr val="tx1"/>
+                </a:solidFill>
+                <a:latin typeface="Calibri" panose="020F0502020204030204" pitchFamily="34" charset="0"/>
+              </a:defRPr>
+            </a:lvl5pPr>
+            <a:lvl6pPr marL="2514600" indent="-228600" eaLnBrk="0" fontAlgn="base" hangingPunct="0">
+              <a:lnSpc>
+                <a:spcPct val="90000"/>
+              </a:lnSpc>
+              <a:spcBef>
+                <a:spcPts val="500"/>
+              </a:spcBef>
+              <a:spcAft>
+                <a:spcPct val="0"/>
+              </a:spcAft>
+              <a:buFont typeface="Arial" panose="020B0604020202020204" pitchFamily="34" charset="0"/>
+              <a:buChar char="•"/>
+              <a:defRPr>
+                <a:solidFill>
+                  <a:schemeClr val="tx1"/>
+                </a:solidFill>
+                <a:latin typeface="Calibri" panose="020F0502020204030204" pitchFamily="34" charset="0"/>
+              </a:defRPr>
+            </a:lvl6pPr>
+            <a:lvl7pPr marL="2971800" indent="-228600" eaLnBrk="0" fontAlgn="base" hangingPunct="0">
+              <a:lnSpc>
+                <a:spcPct val="90000"/>
+              </a:lnSpc>
+              <a:spcBef>
+                <a:spcPts val="500"/>
+              </a:spcBef>
+              <a:spcAft>
+                <a:spcPct val="0"/>
+              </a:spcAft>
+              <a:buFont typeface="Arial" panose="020B0604020202020204" pitchFamily="34" charset="0"/>
+              <a:buChar char="•"/>
+              <a:defRPr>
+                <a:solidFill>
+                  <a:schemeClr val="tx1"/>
+                </a:solidFill>
+                <a:latin typeface="Calibri" panose="020F0502020204030204" pitchFamily="34" charset="0"/>
+              </a:defRPr>
+            </a:lvl7pPr>
+            <a:lvl8pPr marL="3429000" indent="-228600" eaLnBrk="0" fontAlgn="base" hangingPunct="0">
+              <a:lnSpc>
+                <a:spcPct val="90000"/>
+              </a:lnSpc>
+              <a:spcBef>
+                <a:spcPts val="500"/>
+              </a:spcBef>
+              <a:spcAft>
+                <a:spcPct val="0"/>
+              </a:spcAft>
+              <a:buFont typeface="Arial" panose="020B0604020202020204" pitchFamily="34" charset="0"/>
+              <a:buChar char="•"/>
+              <a:defRPr>
+                <a:solidFill>
+                  <a:schemeClr val="tx1"/>
+                </a:solidFill>
+                <a:latin typeface="Calibri" panose="020F0502020204030204" pitchFamily="34" charset="0"/>
+              </a:defRPr>
+            </a:lvl8pPr>
+            <a:lvl9pPr marL="3886200" indent="-228600" eaLnBrk="0" fontAlgn="base" hangingPunct="0">
+              <a:lnSpc>
+                <a:spcPct val="90000"/>
+              </a:lnSpc>
+              <a:spcBef>
+                <a:spcPts val="500"/>
+              </a:spcBef>
+              <a:spcAft>
+                <a:spcPct val="0"/>
+              </a:spcAft>
+              <a:buFont typeface="Arial" panose="020B0604020202020204" pitchFamily="34" charset="0"/>
+              <a:buChar char="•"/>
+              <a:defRPr>
+                <a:solidFill>
+                  <a:schemeClr val="tx1"/>
+                </a:solidFill>
+                <a:latin typeface="Calibri" panose="020F0502020204030204" pitchFamily="34" charset="0"/>
+              </a:defRPr>
+            </a:lvl9pPr>
+          </a:lstStyle>
+          <a:p>
+            <a:pPr algn="ctr" eaLnBrk="1" hangingPunct="1">
+              <a:lnSpc>
+                <a:spcPct val="100000"/>
+              </a:lnSpc>
+              <a:spcBef>
+                <a:spcPct val="0"/>
+              </a:spcBef>
+              <a:buFontTx/>
+              <a:buNone/>
+            </a:pPr>
+            <a:r>
+              <a:rPr lang="fr-CA" altLang="fr-FR" sz="1800" dirty="0" err="1"/>
+              <a:t>Announcer</a:t>
+            </a:r>
+            <a:endParaRPr lang="fr-CA" altLang="fr-FR" sz="1800" dirty="0"/>
+          </a:p>
+          <a:p>
+            <a:pPr algn="ctr" eaLnBrk="1" hangingPunct="1">
+              <a:lnSpc>
+                <a:spcPct val="100000"/>
+              </a:lnSpc>
+              <a:spcBef>
+                <a:spcPct val="0"/>
+              </a:spcBef>
+              <a:buFontTx/>
+              <a:buNone/>
+            </a:pPr>
+            <a:r>
+              <a:rPr lang="fr-CA" altLang="fr-FR" sz="1800" dirty="0"/>
+              <a:t>(</a:t>
+            </a:r>
+            <a:r>
+              <a:rPr lang="fr-CA" altLang="fr-FR" sz="1800" dirty="0" err="1"/>
+              <a:t>WiFi</a:t>
+            </a:r>
+            <a:r>
+              <a:rPr lang="fr-CA" altLang="fr-FR" sz="1800" dirty="0"/>
+              <a:t>*)</a:t>
+            </a:r>
+          </a:p>
+        </p:txBody>
+      </p:sp>
+      <p:pic>
+        <p:nvPicPr>
+          <p:cNvPr id="2069" name="Graphic 157" descr="Laptop">
+            <a:extLst>
+              <a:ext uri="{FF2B5EF4-FFF2-40B4-BE49-F238E27FC236}">
+                <a16:creationId xmlns:a16="http://schemas.microsoft.com/office/drawing/2014/main" id="{770C31E4-2257-4B75-944B-6A7D1631DD01}"/>
+              </a:ext>
+            </a:extLst>
+          </p:cNvPr>
+          <p:cNvPicPr>
+            <a:picLocks noChangeAspect="1" noChangeArrowheads="1"/>
+          </p:cNvPicPr>
+          <p:nvPr/>
+        </p:nvPicPr>
+        <p:blipFill>
+          <a:blip r:embed="rId5">
+            <a:extLst>
+              <a:ext uri="{28A0092B-C50C-407E-A947-70E740481C1C}">
+                <a14:useLocalDpi xmlns:a14="http://schemas.microsoft.com/office/drawing/2010/main" val="0"/>
+              </a:ext>
+            </a:extLst>
+          </a:blip>
+          <a:srcRect/>
+          <a:stretch>
+            <a:fillRect/>
+          </a:stretch>
+        </p:blipFill>
+        <p:spPr bwMode="auto">
+          <a:xfrm>
+            <a:off x="3957464" y="4972965"/>
+            <a:ext cx="914400" cy="914400"/>
+          </a:xfrm>
+          <a:prstGeom prst="rect">
+            <a:avLst/>
+          </a:prstGeom>
+          <a:noFill/>
+          <a:ln>
+            <a:noFill/>
+          </a:ln>
+          <a:extLst>
+            <a:ext uri="{909E8E84-426E-40DD-AFC4-6F175D3DCCD1}">
+              <a14:hiddenFill xmlns:a14="http://schemas.microsoft.com/office/drawing/2010/main">
+                <a:solidFill>
+                  <a:srgbClr val="FFFFFF"/>
+                </a:solidFill>
+              </a14:hiddenFill>
+            </a:ext>
+            <a:ext uri="{91240B29-F687-4F45-9708-019B960494DF}">
+              <a14:hiddenLine xmlns:a14="http://schemas.microsoft.com/office/drawing/2010/main" w="9525">
+                <a:solidFill>
+                  <a:srgbClr val="000000"/>
+                </a:solidFill>
+                <a:miter lim="800000"/>
+                <a:headEnd/>
+                <a:tailEnd/>
+              </a14:hiddenLine>
+            </a:ext>
+          </a:extLst>
+        </p:spPr>
+      </p:pic>
+      <p:sp>
+        <p:nvSpPr>
+          <p:cNvPr id="2070" name="TextBox 160">
+            <a:extLst>
+              <a:ext uri="{FF2B5EF4-FFF2-40B4-BE49-F238E27FC236}">
+                <a16:creationId xmlns:a16="http://schemas.microsoft.com/office/drawing/2014/main" id="{3CE4D45A-56E5-46E8-BBFF-904E2E104126}"/>
+              </a:ext>
+            </a:extLst>
+          </p:cNvPr>
+          <p:cNvSpPr txBox="1">
+            <a:spLocks noChangeArrowheads="1"/>
+          </p:cNvSpPr>
+          <p:nvPr/>
+        </p:nvSpPr>
+        <p:spPr bwMode="auto">
+          <a:xfrm>
+            <a:off x="652463" y="438150"/>
+            <a:ext cx="2744341" cy="307777"/>
+          </a:xfrm>
+          <a:prstGeom prst="rect">
+            <a:avLst/>
+          </a:prstGeom>
+          <a:noFill/>
+          <a:ln>
+            <a:noFill/>
+          </a:ln>
+          <a:extLst>
+            <a:ext uri="{909E8E84-426E-40DD-AFC4-6F175D3DCCD1}">
+              <a14:hiddenFill xmlns:a14="http://schemas.microsoft.com/office/drawing/2010/main">
+                <a:solidFill>
+                  <a:srgbClr val="FFFFFF"/>
+                </a:solidFill>
+              </a14:hiddenFill>
+            </a:ext>
+            <a:ext uri="{91240B29-F687-4F45-9708-019B960494DF}">
+              <a14:hiddenLine xmlns:a14="http://schemas.microsoft.com/office/drawing/2010/main" w="9525">
+                <a:solidFill>
+                  <a:srgbClr val="000000"/>
+                </a:solidFill>
+                <a:miter lim="800000"/>
+                <a:headEnd/>
+                <a:tailEnd/>
+              </a14:hiddenLine>
+            </a:ext>
+          </a:extLst>
+        </p:spPr>
+        <p:txBody>
+          <a:bodyPr wrap="none">
+            <a:spAutoFit/>
+          </a:bodyPr>
+          <a:lstStyle>
+            <a:lvl1pPr>
+              <a:lnSpc>
+                <a:spcPct val="90000"/>
+              </a:lnSpc>
+              <a:spcBef>
+                <a:spcPts val="1000"/>
+              </a:spcBef>
+              <a:buFont typeface="Arial" panose="020B0604020202020204" pitchFamily="34" charset="0"/>
+              <a:buChar char="•"/>
+              <a:defRPr sz="2800">
+                <a:solidFill>
+                  <a:schemeClr val="tx1"/>
+                </a:solidFill>
+                <a:latin typeface="Calibri" panose="020F0502020204030204" pitchFamily="34" charset="0"/>
+              </a:defRPr>
+            </a:lvl1pPr>
+            <a:lvl2pPr marL="742950" indent="-285750">
+              <a:lnSpc>
+                <a:spcPct val="90000"/>
+              </a:lnSpc>
+              <a:spcBef>
+                <a:spcPts val="500"/>
+              </a:spcBef>
+              <a:buFont typeface="Arial" panose="020B0604020202020204" pitchFamily="34" charset="0"/>
+              <a:buChar char="•"/>
+              <a:defRPr sz="2400">
+                <a:solidFill>
+                  <a:schemeClr val="tx1"/>
+                </a:solidFill>
+                <a:latin typeface="Calibri" panose="020F0502020204030204" pitchFamily="34" charset="0"/>
+              </a:defRPr>
+            </a:lvl2pPr>
+            <a:lvl3pPr marL="1143000" indent="-228600">
+              <a:lnSpc>
+                <a:spcPct val="90000"/>
+              </a:lnSpc>
+              <a:spcBef>
+                <a:spcPts val="500"/>
+              </a:spcBef>
+              <a:buFont typeface="Arial" panose="020B0604020202020204" pitchFamily="34" charset="0"/>
+              <a:buChar char="•"/>
+              <a:defRPr sz="2000">
+                <a:solidFill>
+                  <a:schemeClr val="tx1"/>
+                </a:solidFill>
+                <a:latin typeface="Calibri" panose="020F0502020204030204" pitchFamily="34" charset="0"/>
+              </a:defRPr>
+            </a:lvl3pPr>
+            <a:lvl4pPr marL="1600200" indent="-228600">
+              <a:lnSpc>
+                <a:spcPct val="90000"/>
+              </a:lnSpc>
+              <a:spcBef>
+                <a:spcPts val="500"/>
+              </a:spcBef>
+              <a:buFont typeface="Arial" panose="020B0604020202020204" pitchFamily="34" charset="0"/>
+              <a:buChar char="•"/>
+              <a:defRPr>
+                <a:solidFill>
+                  <a:schemeClr val="tx1"/>
+                </a:solidFill>
+                <a:latin typeface="Calibri" panose="020F0502020204030204" pitchFamily="34" charset="0"/>
+              </a:defRPr>
+            </a:lvl4pPr>
+            <a:lvl5pPr marL="2057400" indent="-228600">
+              <a:lnSpc>
+                <a:spcPct val="90000"/>
+              </a:lnSpc>
+              <a:spcBef>
+                <a:spcPts val="500"/>
+              </a:spcBef>
+              <a:buFont typeface="Arial" panose="020B0604020202020204" pitchFamily="34" charset="0"/>
+              <a:buChar char="•"/>
+              <a:defRPr>
+                <a:solidFill>
+                  <a:schemeClr val="tx1"/>
+                </a:solidFill>
+                <a:latin typeface="Calibri" panose="020F0502020204030204" pitchFamily="34" charset="0"/>
+              </a:defRPr>
+            </a:lvl5pPr>
+            <a:lvl6pPr marL="2514600" indent="-228600" eaLnBrk="0" fontAlgn="base" hangingPunct="0">
+              <a:lnSpc>
+                <a:spcPct val="90000"/>
+              </a:lnSpc>
+              <a:spcBef>
+                <a:spcPts val="500"/>
+              </a:spcBef>
+              <a:spcAft>
+                <a:spcPct val="0"/>
+              </a:spcAft>
+              <a:buFont typeface="Arial" panose="020B0604020202020204" pitchFamily="34" charset="0"/>
+              <a:buChar char="•"/>
+              <a:defRPr>
+                <a:solidFill>
+                  <a:schemeClr val="tx1"/>
+                </a:solidFill>
+                <a:latin typeface="Calibri" panose="020F0502020204030204" pitchFamily="34" charset="0"/>
+              </a:defRPr>
+            </a:lvl6pPr>
+            <a:lvl7pPr marL="2971800" indent="-228600" eaLnBrk="0" fontAlgn="base" hangingPunct="0">
+              <a:lnSpc>
+                <a:spcPct val="90000"/>
+              </a:lnSpc>
+              <a:spcBef>
+                <a:spcPts val="500"/>
+              </a:spcBef>
+              <a:spcAft>
+                <a:spcPct val="0"/>
+              </a:spcAft>
+              <a:buFont typeface="Arial" panose="020B0604020202020204" pitchFamily="34" charset="0"/>
+              <a:buChar char="•"/>
+              <a:defRPr>
+                <a:solidFill>
+                  <a:schemeClr val="tx1"/>
+                </a:solidFill>
+                <a:latin typeface="Calibri" panose="020F0502020204030204" pitchFamily="34" charset="0"/>
+              </a:defRPr>
+            </a:lvl7pPr>
+            <a:lvl8pPr marL="3429000" indent="-228600" eaLnBrk="0" fontAlgn="base" hangingPunct="0">
+              <a:lnSpc>
+                <a:spcPct val="90000"/>
+              </a:lnSpc>
+              <a:spcBef>
+                <a:spcPts val="500"/>
+              </a:spcBef>
+              <a:spcAft>
+                <a:spcPct val="0"/>
+              </a:spcAft>
+              <a:buFont typeface="Arial" panose="020B0604020202020204" pitchFamily="34" charset="0"/>
+              <a:buChar char="•"/>
+              <a:defRPr>
+                <a:solidFill>
+                  <a:schemeClr val="tx1"/>
+                </a:solidFill>
+                <a:latin typeface="Calibri" panose="020F0502020204030204" pitchFamily="34" charset="0"/>
+              </a:defRPr>
+            </a:lvl8pPr>
+            <a:lvl9pPr marL="3886200" indent="-228600" eaLnBrk="0" fontAlgn="base" hangingPunct="0">
+              <a:lnSpc>
+                <a:spcPct val="90000"/>
+              </a:lnSpc>
+              <a:spcBef>
+                <a:spcPts val="500"/>
+              </a:spcBef>
+              <a:spcAft>
+                <a:spcPct val="0"/>
+              </a:spcAft>
+              <a:buFont typeface="Arial" panose="020B0604020202020204" pitchFamily="34" charset="0"/>
+              <a:buChar char="•"/>
+              <a:defRPr>
+                <a:solidFill>
+                  <a:schemeClr val="tx1"/>
+                </a:solidFill>
+                <a:latin typeface="Calibri" panose="020F0502020204030204" pitchFamily="34" charset="0"/>
+              </a:defRPr>
+            </a:lvl9pPr>
+          </a:lstStyle>
+          <a:p>
+            <a:pPr eaLnBrk="1" hangingPunct="1">
+              <a:lnSpc>
+                <a:spcPct val="100000"/>
+              </a:lnSpc>
+              <a:spcBef>
+                <a:spcPct val="0"/>
+              </a:spcBef>
+              <a:buFontTx/>
+              <a:buNone/>
+            </a:pPr>
+            <a:r>
+              <a:rPr lang="fr-CA" altLang="fr-FR" sz="1400" i="1" dirty="0" err="1"/>
+              <a:t>Competition</a:t>
+            </a:r>
+            <a:r>
+              <a:rPr lang="fr-CA" altLang="fr-FR" sz="1400" i="1" dirty="0"/>
+              <a:t> Network (192.168.1.x)</a:t>
+            </a:r>
+          </a:p>
+        </p:txBody>
+      </p:sp>
+      <p:pic>
+        <p:nvPicPr>
+          <p:cNvPr id="2071" name="Graphic 25" descr="Laptop">
+            <a:extLst>
+              <a:ext uri="{FF2B5EF4-FFF2-40B4-BE49-F238E27FC236}">
+                <a16:creationId xmlns:a16="http://schemas.microsoft.com/office/drawing/2014/main" id="{62AA78AB-9155-491F-8CC5-7390A7ED87C9}"/>
+              </a:ext>
+            </a:extLst>
+          </p:cNvPr>
+          <p:cNvPicPr>
+            <a:picLocks noChangeAspect="1" noChangeArrowheads="1"/>
+          </p:cNvPicPr>
+          <p:nvPr/>
+        </p:nvPicPr>
+        <p:blipFill>
+          <a:blip r:embed="rId5">
+            <a:extLst>
+              <a:ext uri="{28A0092B-C50C-407E-A947-70E740481C1C}">
+                <a14:useLocalDpi xmlns:a14="http://schemas.microsoft.com/office/drawing/2010/main" val="0"/>
+              </a:ext>
+            </a:extLst>
+          </a:blip>
+          <a:srcRect/>
+          <a:stretch>
+            <a:fillRect/>
+          </a:stretch>
+        </p:blipFill>
+        <p:spPr bwMode="auto">
+          <a:xfrm>
+            <a:off x="2254250" y="3560763"/>
+            <a:ext cx="914400" cy="914400"/>
+          </a:xfrm>
+          <a:prstGeom prst="rect">
+            <a:avLst/>
+          </a:prstGeom>
+          <a:noFill/>
+          <a:ln>
+            <a:noFill/>
+          </a:ln>
+          <a:extLst>
+            <a:ext uri="{909E8E84-426E-40DD-AFC4-6F175D3DCCD1}">
+              <a14:hiddenFill xmlns:a14="http://schemas.microsoft.com/office/drawing/2010/main">
+                <a:solidFill>
+                  <a:srgbClr val="FFFFFF"/>
+                </a:solidFill>
+              </a14:hiddenFill>
+            </a:ext>
+            <a:ext uri="{91240B29-F687-4F45-9708-019B960494DF}">
+              <a14:hiddenLine xmlns:a14="http://schemas.microsoft.com/office/drawing/2010/main" w="9525">
+                <a:solidFill>
+                  <a:srgbClr val="000000"/>
+                </a:solidFill>
+                <a:miter lim="800000"/>
+                <a:headEnd/>
+                <a:tailEnd/>
+              </a14:hiddenLine>
+            </a:ext>
+          </a:extLst>
+        </p:spPr>
+      </p:pic>
+      <p:cxnSp>
+        <p:nvCxnSpPr>
+          <p:cNvPr id="8" name="Connector: Curved 7">
+            <a:extLst>
+              <a:ext uri="{FF2B5EF4-FFF2-40B4-BE49-F238E27FC236}">
+                <a16:creationId xmlns:a16="http://schemas.microsoft.com/office/drawing/2014/main" id="{CCAC28A8-A3B7-4BE8-BEBB-E406B80D288C}"/>
+              </a:ext>
+            </a:extLst>
+          </p:cNvPr>
+          <p:cNvCxnSpPr>
+            <a:stCxn id="2052" idx="1"/>
+            <a:endCxn id="2071" idx="1"/>
+          </p:cNvCxnSpPr>
+          <p:nvPr/>
+        </p:nvCxnSpPr>
+        <p:spPr>
+          <a:xfrm rot="10800000" flipH="1" flipV="1">
+            <a:off x="1442096" y="3249165"/>
+            <a:ext cx="812154" cy="768797"/>
+          </a:xfrm>
+          <a:prstGeom prst="curvedConnector3">
+            <a:avLst>
+              <a:gd name="adj1" fmla="val -28147"/>
+            </a:avLst>
+          </a:prstGeom>
+          <a:ln>
+            <a:tailEnd type="triangle"/>
+          </a:ln>
+        </p:spPr>
+        <p:style>
+          <a:lnRef idx="1">
+            <a:schemeClr val="accent1"/>
+          </a:lnRef>
+          <a:fillRef idx="0">
+            <a:schemeClr val="accent1"/>
+          </a:fillRef>
+          <a:effectRef idx="0">
+            <a:schemeClr val="accent1"/>
+          </a:effectRef>
+          <a:fontRef idx="minor">
+            <a:schemeClr val="tx1"/>
+          </a:fontRef>
+        </p:style>
+      </p:cxnSp>
+      <p:cxnSp>
+        <p:nvCxnSpPr>
+          <p:cNvPr id="10" name="Connector: Curved 9">
+            <a:extLst>
+              <a:ext uri="{FF2B5EF4-FFF2-40B4-BE49-F238E27FC236}">
+                <a16:creationId xmlns:a16="http://schemas.microsoft.com/office/drawing/2014/main" id="{1D929224-1FC9-45B9-8A64-276C27428EFB}"/>
+              </a:ext>
+            </a:extLst>
+          </p:cNvPr>
+          <p:cNvCxnSpPr>
+            <a:cxnSpLocks/>
+            <a:stCxn id="2053" idx="1"/>
+            <a:endCxn id="2071" idx="1"/>
+          </p:cNvCxnSpPr>
+          <p:nvPr/>
+        </p:nvCxnSpPr>
+        <p:spPr>
+          <a:xfrm rot="10800000" flipH="1" flipV="1">
+            <a:off x="2065982" y="3249165"/>
+            <a:ext cx="188267" cy="768797"/>
+          </a:xfrm>
+          <a:prstGeom prst="curvedConnector3">
+            <a:avLst>
+              <a:gd name="adj1" fmla="val -121423"/>
+            </a:avLst>
+          </a:prstGeom>
+          <a:ln>
+            <a:tailEnd type="triangle"/>
+          </a:ln>
+        </p:spPr>
+        <p:style>
+          <a:lnRef idx="1">
+            <a:schemeClr val="accent1"/>
+          </a:lnRef>
+          <a:fillRef idx="0">
+            <a:schemeClr val="accent1"/>
+          </a:fillRef>
+          <a:effectRef idx="0">
+            <a:schemeClr val="accent1"/>
+          </a:effectRef>
+          <a:fontRef idx="minor">
+            <a:schemeClr val="tx1"/>
+          </a:fontRef>
+        </p:style>
+      </p:cxnSp>
+      <p:cxnSp>
+        <p:nvCxnSpPr>
+          <p:cNvPr id="17" name="Connector: Curved 16">
+            <a:extLst>
+              <a:ext uri="{FF2B5EF4-FFF2-40B4-BE49-F238E27FC236}">
+                <a16:creationId xmlns:a16="http://schemas.microsoft.com/office/drawing/2014/main" id="{0CE35E94-F47C-402A-B35F-B8EAB77EA6F4}"/>
+              </a:ext>
+            </a:extLst>
+          </p:cNvPr>
+          <p:cNvCxnSpPr>
+            <a:cxnSpLocks/>
+            <a:stCxn id="2071" idx="3"/>
+            <a:endCxn id="3" idx="2"/>
+          </p:cNvCxnSpPr>
+          <p:nvPr/>
+        </p:nvCxnSpPr>
+        <p:spPr>
+          <a:xfrm>
+            <a:off x="3168650" y="4017963"/>
+            <a:ext cx="2746366" cy="234263"/>
+          </a:xfrm>
+          <a:prstGeom prst="curvedConnector4">
+            <a:avLst>
+              <a:gd name="adj1" fmla="val 36240"/>
+              <a:gd name="adj2" fmla="val 209532"/>
+            </a:avLst>
+          </a:prstGeom>
+          <a:ln w="41275">
+            <a:tailEnd type="triangle"/>
+          </a:ln>
+        </p:spPr>
+        <p:style>
+          <a:lnRef idx="1">
+            <a:schemeClr val="accent1"/>
+          </a:lnRef>
+          <a:fillRef idx="0">
+            <a:schemeClr val="accent1"/>
+          </a:fillRef>
+          <a:effectRef idx="0">
+            <a:schemeClr val="accent1"/>
+          </a:effectRef>
+          <a:fontRef idx="minor">
+            <a:schemeClr val="tx1"/>
+          </a:fontRef>
+        </p:style>
+      </p:cxnSp>
+      <p:sp>
+        <p:nvSpPr>
+          <p:cNvPr id="2075" name="TextBox 19">
+            <a:extLst>
+              <a:ext uri="{FF2B5EF4-FFF2-40B4-BE49-F238E27FC236}">
+                <a16:creationId xmlns:a16="http://schemas.microsoft.com/office/drawing/2014/main" id="{E2E70437-B7EC-41AD-A73C-1D72AB600050}"/>
+              </a:ext>
+            </a:extLst>
+          </p:cNvPr>
+          <p:cNvSpPr txBox="1">
+            <a:spLocks noChangeArrowheads="1"/>
+          </p:cNvSpPr>
+          <p:nvPr/>
+        </p:nvSpPr>
+        <p:spPr bwMode="auto">
+          <a:xfrm>
+            <a:off x="1984375" y="4232275"/>
+            <a:ext cx="1495425" cy="646113"/>
+          </a:xfrm>
+          <a:prstGeom prst="rect">
+            <a:avLst/>
+          </a:prstGeom>
+          <a:noFill/>
+          <a:ln>
+            <a:noFill/>
+          </a:ln>
+          <a:extLst>
+            <a:ext uri="{909E8E84-426E-40DD-AFC4-6F175D3DCCD1}">
+              <a14:hiddenFill xmlns:a14="http://schemas.microsoft.com/office/drawing/2010/main">
+                <a:solidFill>
+                  <a:srgbClr val="FFFFFF"/>
+                </a:solidFill>
+              </a14:hiddenFill>
+            </a:ext>
+            <a:ext uri="{91240B29-F687-4F45-9708-019B960494DF}">
+              <a14:hiddenLine xmlns:a14="http://schemas.microsoft.com/office/drawing/2010/main" w="9525">
+                <a:solidFill>
+                  <a:srgbClr val="000000"/>
+                </a:solidFill>
+                <a:miter lim="800000"/>
+                <a:headEnd/>
+                <a:tailEnd/>
+              </a14:hiddenLine>
+            </a:ext>
+          </a:extLst>
+        </p:spPr>
+        <p:txBody>
+          <a:bodyPr wrap="none">
+            <a:spAutoFit/>
+          </a:bodyPr>
+          <a:lstStyle>
+            <a:lvl1pPr>
+              <a:lnSpc>
+                <a:spcPct val="90000"/>
+              </a:lnSpc>
+              <a:spcBef>
+                <a:spcPts val="1000"/>
+              </a:spcBef>
+              <a:buFont typeface="Arial" panose="020B0604020202020204" pitchFamily="34" charset="0"/>
+              <a:buChar char="•"/>
+              <a:defRPr sz="2800">
+                <a:solidFill>
+                  <a:schemeClr val="tx1"/>
+                </a:solidFill>
+                <a:latin typeface="Calibri" panose="020F0502020204030204" pitchFamily="34" charset="0"/>
+              </a:defRPr>
+            </a:lvl1pPr>
+            <a:lvl2pPr marL="742950" indent="-285750">
+              <a:lnSpc>
+                <a:spcPct val="90000"/>
+              </a:lnSpc>
+              <a:spcBef>
+                <a:spcPts val="500"/>
+              </a:spcBef>
+              <a:buFont typeface="Arial" panose="020B0604020202020204" pitchFamily="34" charset="0"/>
+              <a:buChar char="•"/>
+              <a:defRPr sz="2400">
+                <a:solidFill>
+                  <a:schemeClr val="tx1"/>
+                </a:solidFill>
+                <a:latin typeface="Calibri" panose="020F0502020204030204" pitchFamily="34" charset="0"/>
+              </a:defRPr>
+            </a:lvl2pPr>
+            <a:lvl3pPr marL="1143000" indent="-228600">
+              <a:lnSpc>
+                <a:spcPct val="90000"/>
+              </a:lnSpc>
+              <a:spcBef>
+                <a:spcPts val="500"/>
+              </a:spcBef>
+              <a:buFont typeface="Arial" panose="020B0604020202020204" pitchFamily="34" charset="0"/>
+              <a:buChar char="•"/>
+              <a:defRPr sz="2000">
+                <a:solidFill>
+                  <a:schemeClr val="tx1"/>
+                </a:solidFill>
+                <a:latin typeface="Calibri" panose="020F0502020204030204" pitchFamily="34" charset="0"/>
+              </a:defRPr>
+            </a:lvl3pPr>
+            <a:lvl4pPr marL="1600200" indent="-228600">
+              <a:lnSpc>
+                <a:spcPct val="90000"/>
+              </a:lnSpc>
+              <a:spcBef>
+                <a:spcPts val="500"/>
+              </a:spcBef>
+              <a:buFont typeface="Arial" panose="020B0604020202020204" pitchFamily="34" charset="0"/>
+              <a:buChar char="•"/>
+              <a:defRPr>
+                <a:solidFill>
+                  <a:schemeClr val="tx1"/>
+                </a:solidFill>
+                <a:latin typeface="Calibri" panose="020F0502020204030204" pitchFamily="34" charset="0"/>
+              </a:defRPr>
+            </a:lvl4pPr>
+            <a:lvl5pPr marL="2057400" indent="-228600">
+              <a:lnSpc>
+                <a:spcPct val="90000"/>
+              </a:lnSpc>
+              <a:spcBef>
+                <a:spcPts val="500"/>
+              </a:spcBef>
+              <a:buFont typeface="Arial" panose="020B0604020202020204" pitchFamily="34" charset="0"/>
+              <a:buChar char="•"/>
+              <a:defRPr>
+                <a:solidFill>
+                  <a:schemeClr val="tx1"/>
+                </a:solidFill>
+                <a:latin typeface="Calibri" panose="020F0502020204030204" pitchFamily="34" charset="0"/>
+              </a:defRPr>
+            </a:lvl5pPr>
+            <a:lvl6pPr marL="2514600" indent="-228600" eaLnBrk="0" fontAlgn="base" hangingPunct="0">
+              <a:lnSpc>
+                <a:spcPct val="90000"/>
+              </a:lnSpc>
+              <a:spcBef>
+                <a:spcPts val="500"/>
+              </a:spcBef>
+              <a:spcAft>
+                <a:spcPct val="0"/>
+              </a:spcAft>
+              <a:buFont typeface="Arial" panose="020B0604020202020204" pitchFamily="34" charset="0"/>
+              <a:buChar char="•"/>
+              <a:defRPr>
+                <a:solidFill>
+                  <a:schemeClr val="tx1"/>
+                </a:solidFill>
+                <a:latin typeface="Calibri" panose="020F0502020204030204" pitchFamily="34" charset="0"/>
+              </a:defRPr>
+            </a:lvl6pPr>
+            <a:lvl7pPr marL="2971800" indent="-228600" eaLnBrk="0" fontAlgn="base" hangingPunct="0">
+              <a:lnSpc>
+                <a:spcPct val="90000"/>
+              </a:lnSpc>
+              <a:spcBef>
+                <a:spcPts val="500"/>
+              </a:spcBef>
+              <a:spcAft>
+                <a:spcPct val="0"/>
+              </a:spcAft>
+              <a:buFont typeface="Arial" panose="020B0604020202020204" pitchFamily="34" charset="0"/>
+              <a:buChar char="•"/>
+              <a:defRPr>
+                <a:solidFill>
+                  <a:schemeClr val="tx1"/>
+                </a:solidFill>
+                <a:latin typeface="Calibri" panose="020F0502020204030204" pitchFamily="34" charset="0"/>
+              </a:defRPr>
+            </a:lvl7pPr>
+            <a:lvl8pPr marL="3429000" indent="-228600" eaLnBrk="0" fontAlgn="base" hangingPunct="0">
+              <a:lnSpc>
+                <a:spcPct val="90000"/>
+              </a:lnSpc>
+              <a:spcBef>
+                <a:spcPts val="500"/>
+              </a:spcBef>
+              <a:spcAft>
+                <a:spcPct val="0"/>
+              </a:spcAft>
+              <a:buFont typeface="Arial" panose="020B0604020202020204" pitchFamily="34" charset="0"/>
+              <a:buChar char="•"/>
+              <a:defRPr>
+                <a:solidFill>
+                  <a:schemeClr val="tx1"/>
+                </a:solidFill>
+                <a:latin typeface="Calibri" panose="020F0502020204030204" pitchFamily="34" charset="0"/>
+              </a:defRPr>
+            </a:lvl8pPr>
+            <a:lvl9pPr marL="3886200" indent="-228600" eaLnBrk="0" fontAlgn="base" hangingPunct="0">
+              <a:lnSpc>
+                <a:spcPct val="90000"/>
+              </a:lnSpc>
+              <a:spcBef>
+                <a:spcPts val="500"/>
+              </a:spcBef>
+              <a:spcAft>
+                <a:spcPct val="0"/>
+              </a:spcAft>
+              <a:buFont typeface="Arial" panose="020B0604020202020204" pitchFamily="34" charset="0"/>
+              <a:buChar char="•"/>
+              <a:defRPr>
+                <a:solidFill>
+                  <a:schemeClr val="tx1"/>
+                </a:solidFill>
+                <a:latin typeface="Calibri" panose="020F0502020204030204" pitchFamily="34" charset="0"/>
+              </a:defRPr>
+            </a:lvl9pPr>
+          </a:lstStyle>
+          <a:p>
+            <a:pPr algn="ctr" eaLnBrk="1" hangingPunct="1">
+              <a:lnSpc>
+                <a:spcPct val="100000"/>
+              </a:lnSpc>
+              <a:spcBef>
+                <a:spcPct val="0"/>
+              </a:spcBef>
+              <a:buFontTx/>
+              <a:buNone/>
+            </a:pPr>
+            <a:r>
+              <a:rPr lang="fr-CA" altLang="fr-FR" sz="1800" dirty="0" err="1"/>
+              <a:t>Athlete-facing</a:t>
+            </a:r>
+            <a:br>
+              <a:rPr lang="fr-CA" altLang="fr-FR" sz="1800" dirty="0"/>
+            </a:br>
+            <a:r>
+              <a:rPr lang="fr-CA" altLang="fr-FR" sz="1800" dirty="0"/>
+              <a:t>display (LAN)</a:t>
+            </a:r>
+          </a:p>
+        </p:txBody>
+      </p:sp>
+      <p:pic>
+        <p:nvPicPr>
+          <p:cNvPr id="3" name="Picture 2">
+            <a:extLst>
+              <a:ext uri="{FF2B5EF4-FFF2-40B4-BE49-F238E27FC236}">
+                <a16:creationId xmlns:a16="http://schemas.microsoft.com/office/drawing/2014/main" id="{3E3D0A4A-7B5D-40DF-8359-516EAEEF5721}"/>
+              </a:ext>
+            </a:extLst>
+          </p:cNvPr>
+          <p:cNvPicPr>
+            <a:picLocks noChangeAspect="1"/>
+          </p:cNvPicPr>
+          <p:nvPr/>
+        </p:nvPicPr>
+        <p:blipFill>
+          <a:blip r:embed="rId6">
+            <a:duotone>
+              <a:schemeClr val="accent1">
+                <a:shade val="45000"/>
+                <a:satMod val="135000"/>
+              </a:schemeClr>
+              <a:prstClr val="white"/>
+            </a:duotone>
+          </a:blip>
+          <a:stretch>
+            <a:fillRect/>
+          </a:stretch>
+        </p:blipFill>
+        <p:spPr>
+          <a:xfrm>
+            <a:off x="5457816" y="3337826"/>
+            <a:ext cx="914400" cy="914400"/>
+          </a:xfrm>
+          <a:prstGeom prst="rect">
+            <a:avLst/>
+          </a:prstGeom>
+          <a:solidFill>
+            <a:schemeClr val="bg1"/>
+          </a:solidFill>
+        </p:spPr>
+      </p:pic>
+      <p:sp>
+        <p:nvSpPr>
+          <p:cNvPr id="2077" name="TextBox 3">
+            <a:extLst>
+              <a:ext uri="{FF2B5EF4-FFF2-40B4-BE49-F238E27FC236}">
+                <a16:creationId xmlns:a16="http://schemas.microsoft.com/office/drawing/2014/main" id="{9CD063DB-7858-49CD-8A07-8DCDC07D798E}"/>
+              </a:ext>
+            </a:extLst>
+          </p:cNvPr>
+          <p:cNvSpPr txBox="1">
+            <a:spLocks noChangeArrowheads="1"/>
+          </p:cNvSpPr>
+          <p:nvPr/>
+        </p:nvSpPr>
+        <p:spPr bwMode="auto">
+          <a:xfrm>
+            <a:off x="5659438" y="8208963"/>
+            <a:ext cx="4876800" cy="42862"/>
+          </a:xfrm>
+          <a:prstGeom prst="rect">
+            <a:avLst/>
+          </a:prstGeom>
+          <a:noFill/>
+          <a:ln>
+            <a:noFill/>
+          </a:ln>
+          <a:extLst>
+            <a:ext uri="{909E8E84-426E-40DD-AFC4-6F175D3DCCD1}">
+              <a14:hiddenFill xmlns:a14="http://schemas.microsoft.com/office/drawing/2010/main">
+                <a:solidFill>
+                  <a:srgbClr val="FFFFFF"/>
+                </a:solidFill>
+              </a14:hiddenFill>
+            </a:ext>
+            <a:ext uri="{91240B29-F687-4F45-9708-019B960494DF}">
+              <a14:hiddenLine xmlns:a14="http://schemas.microsoft.com/office/drawing/2010/main" w="9525">
+                <a:solidFill>
+                  <a:srgbClr val="000000"/>
+                </a:solidFill>
+                <a:miter lim="800000"/>
+                <a:headEnd/>
+                <a:tailEnd/>
+              </a14:hiddenLine>
+            </a:ext>
+          </a:extLst>
+        </p:spPr>
+        <p:txBody>
+          <a:bodyPr>
+            <a:spAutoFit/>
+          </a:bodyPr>
+          <a:lstStyle>
+            <a:lvl1pPr>
+              <a:lnSpc>
+                <a:spcPct val="90000"/>
+              </a:lnSpc>
+              <a:spcBef>
+                <a:spcPts val="1000"/>
+              </a:spcBef>
+              <a:buFont typeface="Arial" panose="020B0604020202020204" pitchFamily="34" charset="0"/>
+              <a:buChar char="•"/>
+              <a:defRPr sz="2800">
+                <a:solidFill>
+                  <a:schemeClr val="tx1"/>
+                </a:solidFill>
+                <a:latin typeface="Calibri" panose="020F0502020204030204" pitchFamily="34" charset="0"/>
+              </a:defRPr>
+            </a:lvl1pPr>
+            <a:lvl2pPr marL="742950" indent="-285750">
+              <a:lnSpc>
+                <a:spcPct val="90000"/>
+              </a:lnSpc>
+              <a:spcBef>
+                <a:spcPts val="500"/>
+              </a:spcBef>
+              <a:buFont typeface="Arial" panose="020B0604020202020204" pitchFamily="34" charset="0"/>
+              <a:buChar char="•"/>
+              <a:defRPr sz="2400">
+                <a:solidFill>
+                  <a:schemeClr val="tx1"/>
+                </a:solidFill>
+                <a:latin typeface="Calibri" panose="020F0502020204030204" pitchFamily="34" charset="0"/>
+              </a:defRPr>
+            </a:lvl2pPr>
+            <a:lvl3pPr marL="1143000" indent="-228600">
+              <a:lnSpc>
+                <a:spcPct val="90000"/>
+              </a:lnSpc>
+              <a:spcBef>
+                <a:spcPts val="500"/>
+              </a:spcBef>
+              <a:buFont typeface="Arial" panose="020B0604020202020204" pitchFamily="34" charset="0"/>
+              <a:buChar char="•"/>
+              <a:defRPr sz="2000">
+                <a:solidFill>
+                  <a:schemeClr val="tx1"/>
+                </a:solidFill>
+                <a:latin typeface="Calibri" panose="020F0502020204030204" pitchFamily="34" charset="0"/>
+              </a:defRPr>
+            </a:lvl3pPr>
+            <a:lvl4pPr marL="1600200" indent="-228600">
+              <a:lnSpc>
+                <a:spcPct val="90000"/>
+              </a:lnSpc>
+              <a:spcBef>
+                <a:spcPts val="500"/>
+              </a:spcBef>
+              <a:buFont typeface="Arial" panose="020B0604020202020204" pitchFamily="34" charset="0"/>
+              <a:buChar char="•"/>
+              <a:defRPr>
+                <a:solidFill>
+                  <a:schemeClr val="tx1"/>
+                </a:solidFill>
+                <a:latin typeface="Calibri" panose="020F0502020204030204" pitchFamily="34" charset="0"/>
+              </a:defRPr>
+            </a:lvl4pPr>
+            <a:lvl5pPr marL="2057400" indent="-228600">
+              <a:lnSpc>
+                <a:spcPct val="90000"/>
+              </a:lnSpc>
+              <a:spcBef>
+                <a:spcPts val="500"/>
+              </a:spcBef>
+              <a:buFont typeface="Arial" panose="020B0604020202020204" pitchFamily="34" charset="0"/>
+              <a:buChar char="•"/>
+              <a:defRPr>
+                <a:solidFill>
+                  <a:schemeClr val="tx1"/>
+                </a:solidFill>
+                <a:latin typeface="Calibri" panose="020F0502020204030204" pitchFamily="34" charset="0"/>
+              </a:defRPr>
+            </a:lvl5pPr>
+            <a:lvl6pPr marL="2514600" indent="-228600" eaLnBrk="0" fontAlgn="base" hangingPunct="0">
+              <a:lnSpc>
+                <a:spcPct val="90000"/>
+              </a:lnSpc>
+              <a:spcBef>
+                <a:spcPts val="500"/>
+              </a:spcBef>
+              <a:spcAft>
+                <a:spcPct val="0"/>
+              </a:spcAft>
+              <a:buFont typeface="Arial" panose="020B0604020202020204" pitchFamily="34" charset="0"/>
+              <a:buChar char="•"/>
+              <a:defRPr>
+                <a:solidFill>
+                  <a:schemeClr val="tx1"/>
+                </a:solidFill>
+                <a:latin typeface="Calibri" panose="020F0502020204030204" pitchFamily="34" charset="0"/>
+              </a:defRPr>
+            </a:lvl6pPr>
+            <a:lvl7pPr marL="2971800" indent="-228600" eaLnBrk="0" fontAlgn="base" hangingPunct="0">
+              <a:lnSpc>
+                <a:spcPct val="90000"/>
+              </a:lnSpc>
+              <a:spcBef>
+                <a:spcPts val="500"/>
+              </a:spcBef>
+              <a:spcAft>
+                <a:spcPct val="0"/>
+              </a:spcAft>
+              <a:buFont typeface="Arial" panose="020B0604020202020204" pitchFamily="34" charset="0"/>
+              <a:buChar char="•"/>
+              <a:defRPr>
+                <a:solidFill>
+                  <a:schemeClr val="tx1"/>
+                </a:solidFill>
+                <a:latin typeface="Calibri" panose="020F0502020204030204" pitchFamily="34" charset="0"/>
+              </a:defRPr>
+            </a:lvl7pPr>
+            <a:lvl8pPr marL="3429000" indent="-228600" eaLnBrk="0" fontAlgn="base" hangingPunct="0">
+              <a:lnSpc>
+                <a:spcPct val="90000"/>
+              </a:lnSpc>
+              <a:spcBef>
+                <a:spcPts val="500"/>
+              </a:spcBef>
+              <a:spcAft>
+                <a:spcPct val="0"/>
+              </a:spcAft>
+              <a:buFont typeface="Arial" panose="020B0604020202020204" pitchFamily="34" charset="0"/>
+              <a:buChar char="•"/>
+              <a:defRPr>
+                <a:solidFill>
+                  <a:schemeClr val="tx1"/>
+                </a:solidFill>
+                <a:latin typeface="Calibri" panose="020F0502020204030204" pitchFamily="34" charset="0"/>
+              </a:defRPr>
+            </a:lvl8pPr>
+            <a:lvl9pPr marL="3886200" indent="-228600" eaLnBrk="0" fontAlgn="base" hangingPunct="0">
+              <a:lnSpc>
+                <a:spcPct val="90000"/>
+              </a:lnSpc>
+              <a:spcBef>
+                <a:spcPts val="500"/>
+              </a:spcBef>
+              <a:spcAft>
+                <a:spcPct val="0"/>
+              </a:spcAft>
+              <a:buFont typeface="Arial" panose="020B0604020202020204" pitchFamily="34" charset="0"/>
+              <a:buChar char="•"/>
+              <a:defRPr>
+                <a:solidFill>
+                  <a:schemeClr val="tx1"/>
+                </a:solidFill>
+                <a:latin typeface="Calibri" panose="020F0502020204030204" pitchFamily="34" charset="0"/>
+              </a:defRPr>
+            </a:lvl9pPr>
+          </a:lstStyle>
+          <a:p>
+            <a:pPr eaLnBrk="1" hangingPunct="1">
+              <a:lnSpc>
+                <a:spcPct val="100000"/>
+              </a:lnSpc>
+              <a:spcBef>
+                <a:spcPct val="0"/>
+              </a:spcBef>
+              <a:buFontTx/>
+              <a:buNone/>
+            </a:pPr>
+            <a:r>
+              <a:rPr lang="fr-CA" altLang="fr-FR" sz="900">
+                <a:hlinkClick r:id="rId7" tooltip="https://game-icons.net/1x1/delapouite/wifi-router.html"/>
+              </a:rPr>
+              <a:t>This Photo</a:t>
+            </a:r>
+            <a:r>
+              <a:rPr lang="fr-CA" altLang="fr-FR" sz="900"/>
+              <a:t> by Unknown Author is licensed under </a:t>
+            </a:r>
+            <a:r>
+              <a:rPr lang="fr-CA" altLang="fr-FR" sz="900">
+                <a:hlinkClick r:id="rId8" tooltip="https://creativecommons.org/licenses/by/3.0/"/>
+              </a:rPr>
+              <a:t>CC BY</a:t>
+            </a:r>
+            <a:endParaRPr lang="fr-CA" altLang="fr-FR" sz="900"/>
+          </a:p>
+        </p:txBody>
+      </p:sp>
+      <p:pic>
+        <p:nvPicPr>
+          <p:cNvPr id="2" name="Picture 1">
+            <a:extLst>
+              <a:ext uri="{FF2B5EF4-FFF2-40B4-BE49-F238E27FC236}">
+                <a16:creationId xmlns:a16="http://schemas.microsoft.com/office/drawing/2014/main" id="{675C74EC-F02A-4218-A5B8-C8324A7CB457}"/>
+              </a:ext>
+            </a:extLst>
+          </p:cNvPr>
+          <p:cNvPicPr>
+            <a:picLocks noChangeAspect="1"/>
+          </p:cNvPicPr>
+          <p:nvPr/>
+        </p:nvPicPr>
+        <p:blipFill>
+          <a:blip r:embed="rId6">
+            <a:duotone>
+              <a:schemeClr val="accent1">
+                <a:shade val="45000"/>
+                <a:satMod val="135000"/>
+              </a:schemeClr>
+              <a:prstClr val="white"/>
+            </a:duotone>
+          </a:blip>
+          <a:stretch>
+            <a:fillRect/>
+          </a:stretch>
+        </p:blipFill>
+        <p:spPr>
+          <a:xfrm>
+            <a:off x="7046358" y="3332536"/>
+            <a:ext cx="914400" cy="914400"/>
+          </a:xfrm>
+          <a:prstGeom prst="rect">
+            <a:avLst/>
+          </a:prstGeom>
+          <a:solidFill>
+            <a:schemeClr val="bg1"/>
+          </a:solidFill>
+        </p:spPr>
+      </p:pic>
+      <p:sp>
+        <p:nvSpPr>
+          <p:cNvPr id="2079" name="TextBox 5">
+            <a:extLst>
+              <a:ext uri="{FF2B5EF4-FFF2-40B4-BE49-F238E27FC236}">
+                <a16:creationId xmlns:a16="http://schemas.microsoft.com/office/drawing/2014/main" id="{1CBFA705-3476-4C31-810E-A161039DC4CD}"/>
+              </a:ext>
+            </a:extLst>
+          </p:cNvPr>
+          <p:cNvSpPr txBox="1">
+            <a:spLocks noChangeArrowheads="1"/>
+          </p:cNvSpPr>
+          <p:nvPr/>
+        </p:nvSpPr>
+        <p:spPr bwMode="auto">
+          <a:xfrm>
+            <a:off x="6802438" y="8204200"/>
+            <a:ext cx="4876800" cy="42863"/>
+          </a:xfrm>
+          <a:prstGeom prst="rect">
+            <a:avLst/>
+          </a:prstGeom>
+          <a:noFill/>
+          <a:ln>
+            <a:noFill/>
+          </a:ln>
+          <a:extLst>
+            <a:ext uri="{909E8E84-426E-40DD-AFC4-6F175D3DCCD1}">
+              <a14:hiddenFill xmlns:a14="http://schemas.microsoft.com/office/drawing/2010/main">
+                <a:solidFill>
+                  <a:srgbClr val="FFFFFF"/>
+                </a:solidFill>
+              </a14:hiddenFill>
+            </a:ext>
+            <a:ext uri="{91240B29-F687-4F45-9708-019B960494DF}">
+              <a14:hiddenLine xmlns:a14="http://schemas.microsoft.com/office/drawing/2010/main" w="9525">
+                <a:solidFill>
+                  <a:srgbClr val="000000"/>
+                </a:solidFill>
+                <a:miter lim="800000"/>
+                <a:headEnd/>
+                <a:tailEnd/>
+              </a14:hiddenLine>
+            </a:ext>
+          </a:extLst>
+        </p:spPr>
+        <p:txBody>
+          <a:bodyPr>
+            <a:spAutoFit/>
+          </a:bodyPr>
+          <a:lstStyle>
+            <a:lvl1pPr>
+              <a:lnSpc>
+                <a:spcPct val="90000"/>
+              </a:lnSpc>
+              <a:spcBef>
+                <a:spcPts val="1000"/>
+              </a:spcBef>
+              <a:buFont typeface="Arial" panose="020B0604020202020204" pitchFamily="34" charset="0"/>
+              <a:buChar char="•"/>
+              <a:defRPr sz="2800">
+                <a:solidFill>
+                  <a:schemeClr val="tx1"/>
+                </a:solidFill>
+                <a:latin typeface="Calibri" panose="020F0502020204030204" pitchFamily="34" charset="0"/>
+              </a:defRPr>
+            </a:lvl1pPr>
+            <a:lvl2pPr marL="742950" indent="-285750">
+              <a:lnSpc>
+                <a:spcPct val="90000"/>
+              </a:lnSpc>
+              <a:spcBef>
+                <a:spcPts val="500"/>
+              </a:spcBef>
+              <a:buFont typeface="Arial" panose="020B0604020202020204" pitchFamily="34" charset="0"/>
+              <a:buChar char="•"/>
+              <a:defRPr sz="2400">
+                <a:solidFill>
+                  <a:schemeClr val="tx1"/>
+                </a:solidFill>
+                <a:latin typeface="Calibri" panose="020F0502020204030204" pitchFamily="34" charset="0"/>
+              </a:defRPr>
+            </a:lvl2pPr>
+            <a:lvl3pPr marL="1143000" indent="-228600">
+              <a:lnSpc>
+                <a:spcPct val="90000"/>
+              </a:lnSpc>
+              <a:spcBef>
+                <a:spcPts val="500"/>
+              </a:spcBef>
+              <a:buFont typeface="Arial" panose="020B0604020202020204" pitchFamily="34" charset="0"/>
+              <a:buChar char="•"/>
+              <a:defRPr sz="2000">
+                <a:solidFill>
+                  <a:schemeClr val="tx1"/>
+                </a:solidFill>
+                <a:latin typeface="Calibri" panose="020F0502020204030204" pitchFamily="34" charset="0"/>
+              </a:defRPr>
+            </a:lvl3pPr>
+            <a:lvl4pPr marL="1600200" indent="-228600">
+              <a:lnSpc>
+                <a:spcPct val="90000"/>
+              </a:lnSpc>
+              <a:spcBef>
+                <a:spcPts val="500"/>
+              </a:spcBef>
+              <a:buFont typeface="Arial" panose="020B0604020202020204" pitchFamily="34" charset="0"/>
+              <a:buChar char="•"/>
+              <a:defRPr>
+                <a:solidFill>
+                  <a:schemeClr val="tx1"/>
+                </a:solidFill>
+                <a:latin typeface="Calibri" panose="020F0502020204030204" pitchFamily="34" charset="0"/>
+              </a:defRPr>
+            </a:lvl4pPr>
+            <a:lvl5pPr marL="2057400" indent="-228600">
+              <a:lnSpc>
+                <a:spcPct val="90000"/>
+              </a:lnSpc>
+              <a:spcBef>
+                <a:spcPts val="500"/>
+              </a:spcBef>
+              <a:buFont typeface="Arial" panose="020B0604020202020204" pitchFamily="34" charset="0"/>
+              <a:buChar char="•"/>
+              <a:defRPr>
+                <a:solidFill>
+                  <a:schemeClr val="tx1"/>
+                </a:solidFill>
+                <a:latin typeface="Calibri" panose="020F0502020204030204" pitchFamily="34" charset="0"/>
+              </a:defRPr>
+            </a:lvl5pPr>
+            <a:lvl6pPr marL="2514600" indent="-228600" eaLnBrk="0" fontAlgn="base" hangingPunct="0">
+              <a:lnSpc>
+                <a:spcPct val="90000"/>
+              </a:lnSpc>
+              <a:spcBef>
+                <a:spcPts val="500"/>
+              </a:spcBef>
+              <a:spcAft>
+                <a:spcPct val="0"/>
+              </a:spcAft>
+              <a:buFont typeface="Arial" panose="020B0604020202020204" pitchFamily="34" charset="0"/>
+              <a:buChar char="•"/>
+              <a:defRPr>
+                <a:solidFill>
+                  <a:schemeClr val="tx1"/>
+                </a:solidFill>
+                <a:latin typeface="Calibri" panose="020F0502020204030204" pitchFamily="34" charset="0"/>
+              </a:defRPr>
+            </a:lvl6pPr>
+            <a:lvl7pPr marL="2971800" indent="-228600" eaLnBrk="0" fontAlgn="base" hangingPunct="0">
+              <a:lnSpc>
+                <a:spcPct val="90000"/>
+              </a:lnSpc>
+              <a:spcBef>
+                <a:spcPts val="500"/>
+              </a:spcBef>
+              <a:spcAft>
+                <a:spcPct val="0"/>
+              </a:spcAft>
+              <a:buFont typeface="Arial" panose="020B0604020202020204" pitchFamily="34" charset="0"/>
+              <a:buChar char="•"/>
+              <a:defRPr>
+                <a:solidFill>
+                  <a:schemeClr val="tx1"/>
+                </a:solidFill>
+                <a:latin typeface="Calibri" panose="020F0502020204030204" pitchFamily="34" charset="0"/>
+              </a:defRPr>
+            </a:lvl7pPr>
+            <a:lvl8pPr marL="3429000" indent="-228600" eaLnBrk="0" fontAlgn="base" hangingPunct="0">
+              <a:lnSpc>
+                <a:spcPct val="90000"/>
+              </a:lnSpc>
+              <a:spcBef>
+                <a:spcPts val="500"/>
+              </a:spcBef>
+              <a:spcAft>
+                <a:spcPct val="0"/>
+              </a:spcAft>
+              <a:buFont typeface="Arial" panose="020B0604020202020204" pitchFamily="34" charset="0"/>
+              <a:buChar char="•"/>
+              <a:defRPr>
+                <a:solidFill>
+                  <a:schemeClr val="tx1"/>
+                </a:solidFill>
+                <a:latin typeface="Calibri" panose="020F0502020204030204" pitchFamily="34" charset="0"/>
+              </a:defRPr>
+            </a:lvl8pPr>
+            <a:lvl9pPr marL="3886200" indent="-228600" eaLnBrk="0" fontAlgn="base" hangingPunct="0">
+              <a:lnSpc>
+                <a:spcPct val="90000"/>
+              </a:lnSpc>
+              <a:spcBef>
+                <a:spcPts val="500"/>
+              </a:spcBef>
+              <a:spcAft>
+                <a:spcPct val="0"/>
+              </a:spcAft>
+              <a:buFont typeface="Arial" panose="020B0604020202020204" pitchFamily="34" charset="0"/>
+              <a:buChar char="•"/>
+              <a:defRPr>
+                <a:solidFill>
+                  <a:schemeClr val="tx1"/>
+                </a:solidFill>
+                <a:latin typeface="Calibri" panose="020F0502020204030204" pitchFamily="34" charset="0"/>
+              </a:defRPr>
+            </a:lvl9pPr>
+          </a:lstStyle>
+          <a:p>
+            <a:pPr eaLnBrk="1" hangingPunct="1">
+              <a:lnSpc>
+                <a:spcPct val="100000"/>
+              </a:lnSpc>
+              <a:spcBef>
+                <a:spcPct val="0"/>
+              </a:spcBef>
+              <a:buFontTx/>
+              <a:buNone/>
+            </a:pPr>
+            <a:r>
+              <a:rPr lang="fr-CA" altLang="fr-FR" sz="900">
+                <a:hlinkClick r:id="rId7" tooltip="https://game-icons.net/1x1/delapouite/wifi-router.html"/>
+              </a:rPr>
+              <a:t>This Photo</a:t>
+            </a:r>
+            <a:r>
+              <a:rPr lang="fr-CA" altLang="fr-FR" sz="900"/>
+              <a:t> by Unknown Author is licensed under </a:t>
+            </a:r>
+            <a:r>
+              <a:rPr lang="fr-CA" altLang="fr-FR" sz="900">
+                <a:hlinkClick r:id="rId8" tooltip="https://creativecommons.org/licenses/by/3.0/"/>
+              </a:rPr>
+              <a:t>CC BY</a:t>
+            </a:r>
+            <a:endParaRPr lang="fr-CA" altLang="fr-FR" sz="900"/>
+          </a:p>
+        </p:txBody>
+      </p:sp>
+      <p:sp>
+        <p:nvSpPr>
+          <p:cNvPr id="2082" name="TextBox 39">
+            <a:extLst>
+              <a:ext uri="{FF2B5EF4-FFF2-40B4-BE49-F238E27FC236}">
+                <a16:creationId xmlns:a16="http://schemas.microsoft.com/office/drawing/2014/main" id="{29503FF6-FE24-4762-A0C2-4EFBBD87A7CA}"/>
+              </a:ext>
+            </a:extLst>
+          </p:cNvPr>
+          <p:cNvSpPr txBox="1">
+            <a:spLocks noChangeArrowheads="1"/>
+          </p:cNvSpPr>
+          <p:nvPr/>
+        </p:nvSpPr>
+        <p:spPr bwMode="auto">
+          <a:xfrm>
+            <a:off x="9466437" y="2317263"/>
+            <a:ext cx="1660776" cy="646331"/>
+          </a:xfrm>
+          <a:prstGeom prst="rect">
+            <a:avLst/>
+          </a:prstGeom>
+          <a:noFill/>
+          <a:ln>
+            <a:noFill/>
+          </a:ln>
+          <a:extLst>
+            <a:ext uri="{909E8E84-426E-40DD-AFC4-6F175D3DCCD1}">
+              <a14:hiddenFill xmlns:a14="http://schemas.microsoft.com/office/drawing/2010/main">
+                <a:solidFill>
+                  <a:srgbClr val="FFFFFF"/>
+                </a:solidFill>
+              </a14:hiddenFill>
+            </a:ext>
+            <a:ext uri="{91240B29-F687-4F45-9708-019B960494DF}">
+              <a14:hiddenLine xmlns:a14="http://schemas.microsoft.com/office/drawing/2010/main" w="9525">
+                <a:solidFill>
+                  <a:srgbClr val="000000"/>
+                </a:solidFill>
+                <a:miter lim="800000"/>
+                <a:headEnd/>
+                <a:tailEnd/>
+              </a14:hiddenLine>
+            </a:ext>
+          </a:extLst>
+        </p:spPr>
+        <p:txBody>
+          <a:bodyPr wrap="square">
+            <a:spAutoFit/>
+          </a:bodyPr>
+          <a:lstStyle>
+            <a:lvl1pPr>
+              <a:lnSpc>
+                <a:spcPct val="90000"/>
+              </a:lnSpc>
+              <a:spcBef>
+                <a:spcPts val="1000"/>
+              </a:spcBef>
+              <a:buFont typeface="Arial" panose="020B0604020202020204" pitchFamily="34" charset="0"/>
+              <a:buChar char="•"/>
+              <a:defRPr sz="2800">
+                <a:solidFill>
+                  <a:schemeClr val="tx1"/>
+                </a:solidFill>
+                <a:latin typeface="Calibri" panose="020F0502020204030204" pitchFamily="34" charset="0"/>
+              </a:defRPr>
+            </a:lvl1pPr>
+            <a:lvl2pPr marL="742950" indent="-285750">
+              <a:lnSpc>
+                <a:spcPct val="90000"/>
+              </a:lnSpc>
+              <a:spcBef>
+                <a:spcPts val="500"/>
+              </a:spcBef>
+              <a:buFont typeface="Arial" panose="020B0604020202020204" pitchFamily="34" charset="0"/>
+              <a:buChar char="•"/>
+              <a:defRPr sz="2400">
+                <a:solidFill>
+                  <a:schemeClr val="tx1"/>
+                </a:solidFill>
+                <a:latin typeface="Calibri" panose="020F0502020204030204" pitchFamily="34" charset="0"/>
+              </a:defRPr>
+            </a:lvl2pPr>
+            <a:lvl3pPr marL="1143000" indent="-228600">
+              <a:lnSpc>
+                <a:spcPct val="90000"/>
+              </a:lnSpc>
+              <a:spcBef>
+                <a:spcPts val="500"/>
+              </a:spcBef>
+              <a:buFont typeface="Arial" panose="020B0604020202020204" pitchFamily="34" charset="0"/>
+              <a:buChar char="•"/>
+              <a:defRPr sz="2000">
+                <a:solidFill>
+                  <a:schemeClr val="tx1"/>
+                </a:solidFill>
+                <a:latin typeface="Calibri" panose="020F0502020204030204" pitchFamily="34" charset="0"/>
+              </a:defRPr>
+            </a:lvl3pPr>
+            <a:lvl4pPr marL="1600200" indent="-228600">
+              <a:lnSpc>
+                <a:spcPct val="90000"/>
+              </a:lnSpc>
+              <a:spcBef>
+                <a:spcPts val="500"/>
+              </a:spcBef>
+              <a:buFont typeface="Arial" panose="020B0604020202020204" pitchFamily="34" charset="0"/>
+              <a:buChar char="•"/>
+              <a:defRPr>
+                <a:solidFill>
+                  <a:schemeClr val="tx1"/>
+                </a:solidFill>
+                <a:latin typeface="Calibri" panose="020F0502020204030204" pitchFamily="34" charset="0"/>
+              </a:defRPr>
+            </a:lvl4pPr>
+            <a:lvl5pPr marL="2057400" indent="-228600">
+              <a:lnSpc>
+                <a:spcPct val="90000"/>
+              </a:lnSpc>
+              <a:spcBef>
+                <a:spcPts val="500"/>
+              </a:spcBef>
+              <a:buFont typeface="Arial" panose="020B0604020202020204" pitchFamily="34" charset="0"/>
+              <a:buChar char="•"/>
+              <a:defRPr>
+                <a:solidFill>
+                  <a:schemeClr val="tx1"/>
+                </a:solidFill>
+                <a:latin typeface="Calibri" panose="020F0502020204030204" pitchFamily="34" charset="0"/>
+              </a:defRPr>
+            </a:lvl5pPr>
+            <a:lvl6pPr marL="2514600" indent="-228600" eaLnBrk="0" fontAlgn="base" hangingPunct="0">
+              <a:lnSpc>
+                <a:spcPct val="90000"/>
+              </a:lnSpc>
+              <a:spcBef>
+                <a:spcPts val="500"/>
+              </a:spcBef>
+              <a:spcAft>
+                <a:spcPct val="0"/>
+              </a:spcAft>
+              <a:buFont typeface="Arial" panose="020B0604020202020204" pitchFamily="34" charset="0"/>
+              <a:buChar char="•"/>
+              <a:defRPr>
+                <a:solidFill>
+                  <a:schemeClr val="tx1"/>
+                </a:solidFill>
+                <a:latin typeface="Calibri" panose="020F0502020204030204" pitchFamily="34" charset="0"/>
+              </a:defRPr>
+            </a:lvl6pPr>
+            <a:lvl7pPr marL="2971800" indent="-228600" eaLnBrk="0" fontAlgn="base" hangingPunct="0">
+              <a:lnSpc>
+                <a:spcPct val="90000"/>
+              </a:lnSpc>
+              <a:spcBef>
+                <a:spcPts val="500"/>
+              </a:spcBef>
+              <a:spcAft>
+                <a:spcPct val="0"/>
+              </a:spcAft>
+              <a:buFont typeface="Arial" panose="020B0604020202020204" pitchFamily="34" charset="0"/>
+              <a:buChar char="•"/>
+              <a:defRPr>
+                <a:solidFill>
+                  <a:schemeClr val="tx1"/>
+                </a:solidFill>
+                <a:latin typeface="Calibri" panose="020F0502020204030204" pitchFamily="34" charset="0"/>
+              </a:defRPr>
+            </a:lvl7pPr>
+            <a:lvl8pPr marL="3429000" indent="-228600" eaLnBrk="0" fontAlgn="base" hangingPunct="0">
+              <a:lnSpc>
+                <a:spcPct val="90000"/>
+              </a:lnSpc>
+              <a:spcBef>
+                <a:spcPts val="500"/>
+              </a:spcBef>
+              <a:spcAft>
+                <a:spcPct val="0"/>
+              </a:spcAft>
+              <a:buFont typeface="Arial" panose="020B0604020202020204" pitchFamily="34" charset="0"/>
+              <a:buChar char="•"/>
+              <a:defRPr>
+                <a:solidFill>
+                  <a:schemeClr val="tx1"/>
+                </a:solidFill>
+                <a:latin typeface="Calibri" panose="020F0502020204030204" pitchFamily="34" charset="0"/>
+              </a:defRPr>
+            </a:lvl8pPr>
+            <a:lvl9pPr marL="3886200" indent="-228600" eaLnBrk="0" fontAlgn="base" hangingPunct="0">
+              <a:lnSpc>
+                <a:spcPct val="90000"/>
+              </a:lnSpc>
+              <a:spcBef>
+                <a:spcPts val="500"/>
+              </a:spcBef>
+              <a:spcAft>
+                <a:spcPct val="0"/>
+              </a:spcAft>
+              <a:buFont typeface="Arial" panose="020B0604020202020204" pitchFamily="34" charset="0"/>
+              <a:buChar char="•"/>
+              <a:defRPr>
+                <a:solidFill>
+                  <a:schemeClr val="tx1"/>
+                </a:solidFill>
+                <a:latin typeface="Calibri" panose="020F0502020204030204" pitchFamily="34" charset="0"/>
+              </a:defRPr>
+            </a:lvl9pPr>
+          </a:lstStyle>
+          <a:p>
+            <a:pPr algn="ctr" eaLnBrk="1" hangingPunct="1">
+              <a:lnSpc>
+                <a:spcPct val="100000"/>
+              </a:lnSpc>
+              <a:spcBef>
+                <a:spcPct val="0"/>
+              </a:spcBef>
+              <a:buFontTx/>
+              <a:buNone/>
+            </a:pPr>
+            <a:r>
+              <a:rPr lang="fr-CA" altLang="fr-FR" sz="1800" dirty="0" err="1">
+                <a:solidFill>
+                  <a:schemeClr val="bg1">
+                    <a:lumMod val="75000"/>
+                  </a:schemeClr>
+                </a:solidFill>
+              </a:rPr>
+              <a:t>publicresults</a:t>
+            </a:r>
+            <a:br>
+              <a:rPr lang="fr-CA" altLang="fr-FR" sz="1800" dirty="0">
+                <a:solidFill>
+                  <a:schemeClr val="bg1">
+                    <a:lumMod val="75000"/>
+                  </a:schemeClr>
+                </a:solidFill>
+              </a:rPr>
+            </a:br>
+            <a:endParaRPr lang="fr-CA" altLang="fr-FR" sz="1800" dirty="0">
+              <a:solidFill>
+                <a:schemeClr val="bg1">
+                  <a:lumMod val="75000"/>
+                </a:schemeClr>
+              </a:solidFill>
+            </a:endParaRPr>
+          </a:p>
+        </p:txBody>
+      </p:sp>
+      <p:sp>
+        <p:nvSpPr>
+          <p:cNvPr id="2085" name="TextBox 47">
+            <a:extLst>
+              <a:ext uri="{FF2B5EF4-FFF2-40B4-BE49-F238E27FC236}">
+                <a16:creationId xmlns:a16="http://schemas.microsoft.com/office/drawing/2014/main" id="{326EC00E-DEA1-4DD5-A0BF-D093BA5372BD}"/>
+              </a:ext>
+            </a:extLst>
+          </p:cNvPr>
+          <p:cNvSpPr txBox="1">
+            <a:spLocks noChangeArrowheads="1"/>
+          </p:cNvSpPr>
+          <p:nvPr/>
+        </p:nvSpPr>
+        <p:spPr bwMode="auto">
+          <a:xfrm>
+            <a:off x="8681828" y="1750435"/>
+            <a:ext cx="2314994" cy="369332"/>
+          </a:xfrm>
+          <a:prstGeom prst="rect">
+            <a:avLst/>
+          </a:prstGeom>
+          <a:noFill/>
+          <a:ln>
+            <a:noFill/>
+          </a:ln>
+          <a:extLst>
+            <a:ext uri="{909E8E84-426E-40DD-AFC4-6F175D3DCCD1}">
+              <a14:hiddenFill xmlns:a14="http://schemas.microsoft.com/office/drawing/2010/main">
+                <a:solidFill>
+                  <a:srgbClr val="FFFFFF"/>
+                </a:solidFill>
+              </a14:hiddenFill>
+            </a:ext>
+            <a:ext uri="{91240B29-F687-4F45-9708-019B960494DF}">
+              <a14:hiddenLine xmlns:a14="http://schemas.microsoft.com/office/drawing/2010/main" w="9525">
+                <a:solidFill>
+                  <a:srgbClr val="000000"/>
+                </a:solidFill>
+                <a:miter lim="800000"/>
+                <a:headEnd/>
+                <a:tailEnd/>
+              </a14:hiddenLine>
+            </a:ext>
+          </a:extLst>
+        </p:spPr>
+        <p:txBody>
+          <a:bodyPr wrap="none">
+            <a:spAutoFit/>
+          </a:bodyPr>
+          <a:lstStyle>
+            <a:lvl1pPr>
+              <a:lnSpc>
+                <a:spcPct val="90000"/>
+              </a:lnSpc>
+              <a:spcBef>
+                <a:spcPts val="1000"/>
+              </a:spcBef>
+              <a:buFont typeface="Arial" panose="020B0604020202020204" pitchFamily="34" charset="0"/>
+              <a:buChar char="•"/>
+              <a:defRPr sz="2800">
+                <a:solidFill>
+                  <a:schemeClr val="tx1"/>
+                </a:solidFill>
+                <a:latin typeface="Calibri" panose="020F0502020204030204" pitchFamily="34" charset="0"/>
+              </a:defRPr>
+            </a:lvl1pPr>
+            <a:lvl2pPr marL="742950" indent="-285750">
+              <a:lnSpc>
+                <a:spcPct val="90000"/>
+              </a:lnSpc>
+              <a:spcBef>
+                <a:spcPts val="500"/>
+              </a:spcBef>
+              <a:buFont typeface="Arial" panose="020B0604020202020204" pitchFamily="34" charset="0"/>
+              <a:buChar char="•"/>
+              <a:defRPr sz="2400">
+                <a:solidFill>
+                  <a:schemeClr val="tx1"/>
+                </a:solidFill>
+                <a:latin typeface="Calibri" panose="020F0502020204030204" pitchFamily="34" charset="0"/>
+              </a:defRPr>
+            </a:lvl2pPr>
+            <a:lvl3pPr marL="1143000" indent="-228600">
+              <a:lnSpc>
+                <a:spcPct val="90000"/>
+              </a:lnSpc>
+              <a:spcBef>
+                <a:spcPts val="500"/>
+              </a:spcBef>
+              <a:buFont typeface="Arial" panose="020B0604020202020204" pitchFamily="34" charset="0"/>
+              <a:buChar char="•"/>
+              <a:defRPr sz="2000">
+                <a:solidFill>
+                  <a:schemeClr val="tx1"/>
+                </a:solidFill>
+                <a:latin typeface="Calibri" panose="020F0502020204030204" pitchFamily="34" charset="0"/>
+              </a:defRPr>
+            </a:lvl3pPr>
+            <a:lvl4pPr marL="1600200" indent="-228600">
+              <a:lnSpc>
+                <a:spcPct val="90000"/>
+              </a:lnSpc>
+              <a:spcBef>
+                <a:spcPts val="500"/>
+              </a:spcBef>
+              <a:buFont typeface="Arial" panose="020B0604020202020204" pitchFamily="34" charset="0"/>
+              <a:buChar char="•"/>
+              <a:defRPr>
+                <a:solidFill>
+                  <a:schemeClr val="tx1"/>
+                </a:solidFill>
+                <a:latin typeface="Calibri" panose="020F0502020204030204" pitchFamily="34" charset="0"/>
+              </a:defRPr>
+            </a:lvl4pPr>
+            <a:lvl5pPr marL="2057400" indent="-228600">
+              <a:lnSpc>
+                <a:spcPct val="90000"/>
+              </a:lnSpc>
+              <a:spcBef>
+                <a:spcPts val="500"/>
+              </a:spcBef>
+              <a:buFont typeface="Arial" panose="020B0604020202020204" pitchFamily="34" charset="0"/>
+              <a:buChar char="•"/>
+              <a:defRPr>
+                <a:solidFill>
+                  <a:schemeClr val="tx1"/>
+                </a:solidFill>
+                <a:latin typeface="Calibri" panose="020F0502020204030204" pitchFamily="34" charset="0"/>
+              </a:defRPr>
+            </a:lvl5pPr>
+            <a:lvl6pPr marL="2514600" indent="-228600" eaLnBrk="0" fontAlgn="base" hangingPunct="0">
+              <a:lnSpc>
+                <a:spcPct val="90000"/>
+              </a:lnSpc>
+              <a:spcBef>
+                <a:spcPts val="500"/>
+              </a:spcBef>
+              <a:spcAft>
+                <a:spcPct val="0"/>
+              </a:spcAft>
+              <a:buFont typeface="Arial" panose="020B0604020202020204" pitchFamily="34" charset="0"/>
+              <a:buChar char="•"/>
+              <a:defRPr>
+                <a:solidFill>
+                  <a:schemeClr val="tx1"/>
+                </a:solidFill>
+                <a:latin typeface="Calibri" panose="020F0502020204030204" pitchFamily="34" charset="0"/>
+              </a:defRPr>
+            </a:lvl6pPr>
+            <a:lvl7pPr marL="2971800" indent="-228600" eaLnBrk="0" fontAlgn="base" hangingPunct="0">
+              <a:lnSpc>
+                <a:spcPct val="90000"/>
+              </a:lnSpc>
+              <a:spcBef>
+                <a:spcPts val="500"/>
+              </a:spcBef>
+              <a:spcAft>
+                <a:spcPct val="0"/>
+              </a:spcAft>
+              <a:buFont typeface="Arial" panose="020B0604020202020204" pitchFamily="34" charset="0"/>
+              <a:buChar char="•"/>
+              <a:defRPr>
+                <a:solidFill>
+                  <a:schemeClr val="tx1"/>
+                </a:solidFill>
+                <a:latin typeface="Calibri" panose="020F0502020204030204" pitchFamily="34" charset="0"/>
+              </a:defRPr>
+            </a:lvl7pPr>
+            <a:lvl8pPr marL="3429000" indent="-228600" eaLnBrk="0" fontAlgn="base" hangingPunct="0">
+              <a:lnSpc>
+                <a:spcPct val="90000"/>
+              </a:lnSpc>
+              <a:spcBef>
+                <a:spcPts val="500"/>
+              </a:spcBef>
+              <a:spcAft>
+                <a:spcPct val="0"/>
+              </a:spcAft>
+              <a:buFont typeface="Arial" panose="020B0604020202020204" pitchFamily="34" charset="0"/>
+              <a:buChar char="•"/>
+              <a:defRPr>
+                <a:solidFill>
+                  <a:schemeClr val="tx1"/>
+                </a:solidFill>
+                <a:latin typeface="Calibri" panose="020F0502020204030204" pitchFamily="34" charset="0"/>
+              </a:defRPr>
+            </a:lvl8pPr>
+            <a:lvl9pPr marL="3886200" indent="-228600" eaLnBrk="0" fontAlgn="base" hangingPunct="0">
+              <a:lnSpc>
+                <a:spcPct val="90000"/>
+              </a:lnSpc>
+              <a:spcBef>
+                <a:spcPts val="500"/>
+              </a:spcBef>
+              <a:spcAft>
+                <a:spcPct val="0"/>
+              </a:spcAft>
+              <a:buFont typeface="Arial" panose="020B0604020202020204" pitchFamily="34" charset="0"/>
+              <a:buChar char="•"/>
+              <a:defRPr>
+                <a:solidFill>
+                  <a:schemeClr val="tx1"/>
+                </a:solidFill>
+                <a:latin typeface="Calibri" panose="020F0502020204030204" pitchFamily="34" charset="0"/>
+              </a:defRPr>
+            </a:lvl9pPr>
+          </a:lstStyle>
+          <a:p>
+            <a:pPr algn="ctr" eaLnBrk="1" hangingPunct="1">
+              <a:lnSpc>
+                <a:spcPct val="100000"/>
+              </a:lnSpc>
+              <a:spcBef>
+                <a:spcPct val="0"/>
+              </a:spcBef>
+              <a:buFontTx/>
+              <a:buNone/>
+            </a:pPr>
+            <a:r>
+              <a:rPr lang="fr-CA" altLang="fr-FR" sz="1800" dirty="0" err="1">
+                <a:solidFill>
+                  <a:schemeClr val="bg1">
+                    <a:lumMod val="75000"/>
+                  </a:schemeClr>
+                </a:solidFill>
+              </a:rPr>
+              <a:t>Individual</a:t>
+            </a:r>
+            <a:r>
+              <a:rPr lang="fr-CA" altLang="fr-FR" sz="1800" dirty="0">
+                <a:solidFill>
+                  <a:schemeClr val="bg1">
+                    <a:lumMod val="75000"/>
+                  </a:schemeClr>
+                </a:solidFill>
+              </a:rPr>
+              <a:t> Scoreboards</a:t>
+            </a:r>
+          </a:p>
+        </p:txBody>
+      </p:sp>
+      <p:pic>
+        <p:nvPicPr>
+          <p:cNvPr id="2086" name="Graphic 6" descr="Laptop">
+            <a:extLst>
+              <a:ext uri="{FF2B5EF4-FFF2-40B4-BE49-F238E27FC236}">
+                <a16:creationId xmlns:a16="http://schemas.microsoft.com/office/drawing/2014/main" id="{7D82585F-3F01-45BE-A0F3-DBCC1BDAA3B2}"/>
+              </a:ext>
+            </a:extLst>
+          </p:cNvPr>
+          <p:cNvPicPr>
+            <a:picLocks noChangeAspect="1" noChangeArrowheads="1"/>
+          </p:cNvPicPr>
+          <p:nvPr/>
+        </p:nvPicPr>
+        <p:blipFill>
+          <a:blip r:embed="rId9">
+            <a:lum bright="70000" contrast="-70000"/>
+            <a:extLst>
+              <a:ext uri="{28A0092B-C50C-407E-A947-70E740481C1C}">
+                <a14:useLocalDpi xmlns:a14="http://schemas.microsoft.com/office/drawing/2010/main" val="0"/>
+              </a:ext>
+            </a:extLst>
+          </a:blip>
+          <a:srcRect/>
+          <a:stretch>
+            <a:fillRect/>
+          </a:stretch>
+        </p:blipFill>
+        <p:spPr bwMode="auto">
+          <a:xfrm>
+            <a:off x="8883650" y="2171280"/>
+            <a:ext cx="914400" cy="914400"/>
+          </a:xfrm>
+          <a:prstGeom prst="rect">
+            <a:avLst/>
+          </a:prstGeom>
+          <a:noFill/>
+          <a:ln>
+            <a:noFill/>
+          </a:ln>
+          <a:extLst>
+            <a:ext uri="{909E8E84-426E-40DD-AFC4-6F175D3DCCD1}">
+              <a14:hiddenFill xmlns:a14="http://schemas.microsoft.com/office/drawing/2010/main">
+                <a:solidFill>
+                  <a:srgbClr val="FFFFFF"/>
+                </a:solidFill>
+              </a14:hiddenFill>
+            </a:ext>
+            <a:ext uri="{91240B29-F687-4F45-9708-019B960494DF}">
+              <a14:hiddenLine xmlns:a14="http://schemas.microsoft.com/office/drawing/2010/main" w="9525">
+                <a:solidFill>
+                  <a:srgbClr val="000000"/>
+                </a:solidFill>
+                <a:miter lim="800000"/>
+                <a:headEnd/>
+                <a:tailEnd/>
+              </a14:hiddenLine>
+            </a:ext>
+          </a:extLst>
+        </p:spPr>
+      </p:pic>
+      <p:sp>
+        <p:nvSpPr>
+          <p:cNvPr id="54" name="Rectangle 53">
+            <a:extLst>
+              <a:ext uri="{FF2B5EF4-FFF2-40B4-BE49-F238E27FC236}">
+                <a16:creationId xmlns:a16="http://schemas.microsoft.com/office/drawing/2014/main" id="{1B85964A-1039-4906-BCA8-D7FB2AB4EDDE}"/>
+              </a:ext>
+            </a:extLst>
+          </p:cNvPr>
+          <p:cNvSpPr/>
+          <p:nvPr/>
+        </p:nvSpPr>
+        <p:spPr>
+          <a:xfrm>
+            <a:off x="6899275" y="465138"/>
+            <a:ext cx="4686300" cy="5964237"/>
+          </a:xfrm>
+          <a:prstGeom prst="rect">
+            <a:avLst/>
+          </a:prstGeom>
+          <a:noFill/>
+        </p:spPr>
+        <p:style>
+          <a:lnRef idx="2">
+            <a:schemeClr val="accent1">
+              <a:shade val="50000"/>
+            </a:schemeClr>
+          </a:lnRef>
+          <a:fillRef idx="1">
+            <a:schemeClr val="accent1"/>
+          </a:fillRef>
+          <a:effectRef idx="0">
+            <a:schemeClr val="accent1"/>
+          </a:effectRef>
+          <a:fontRef idx="minor">
+            <a:schemeClr val="lt1"/>
+          </a:fontRef>
+        </p:style>
+        <p:txBody>
+          <a:bodyPr anchor="ctr"/>
+          <a:lstStyle/>
+          <a:p>
+            <a:pPr algn="ctr" eaLnBrk="1" fontAlgn="auto" hangingPunct="1">
+              <a:spcBef>
+                <a:spcPts val="0"/>
+              </a:spcBef>
+              <a:spcAft>
+                <a:spcPts val="0"/>
+              </a:spcAft>
+              <a:defRPr/>
+            </a:pPr>
+            <a:endParaRPr lang="fr-CA"/>
+          </a:p>
+        </p:txBody>
+      </p:sp>
+      <p:sp>
+        <p:nvSpPr>
+          <p:cNvPr id="2089" name="TextBox 23">
+            <a:extLst>
+              <a:ext uri="{FF2B5EF4-FFF2-40B4-BE49-F238E27FC236}">
+                <a16:creationId xmlns:a16="http://schemas.microsoft.com/office/drawing/2014/main" id="{5470980A-FED0-4C7D-95EF-C96B9B8AFF79}"/>
+              </a:ext>
+            </a:extLst>
+          </p:cNvPr>
+          <p:cNvSpPr txBox="1">
+            <a:spLocks noChangeArrowheads="1"/>
+          </p:cNvSpPr>
+          <p:nvPr/>
+        </p:nvSpPr>
+        <p:spPr bwMode="auto">
+          <a:xfrm>
+            <a:off x="9798050" y="487363"/>
+            <a:ext cx="1483035" cy="523220"/>
+          </a:xfrm>
+          <a:prstGeom prst="rect">
+            <a:avLst/>
+          </a:prstGeom>
+          <a:noFill/>
+          <a:ln>
+            <a:noFill/>
+          </a:ln>
+          <a:extLst>
+            <a:ext uri="{909E8E84-426E-40DD-AFC4-6F175D3DCCD1}">
+              <a14:hiddenFill xmlns:a14="http://schemas.microsoft.com/office/drawing/2010/main">
+                <a:solidFill>
+                  <a:srgbClr val="FFFFFF"/>
+                </a:solidFill>
+              </a14:hiddenFill>
+            </a:ext>
+            <a:ext uri="{91240B29-F687-4F45-9708-019B960494DF}">
+              <a14:hiddenLine xmlns:a14="http://schemas.microsoft.com/office/drawing/2010/main" w="9525">
+                <a:solidFill>
+                  <a:srgbClr val="000000"/>
+                </a:solidFill>
+                <a:miter lim="800000"/>
+                <a:headEnd/>
+                <a:tailEnd/>
+              </a14:hiddenLine>
+            </a:ext>
+          </a:extLst>
+        </p:spPr>
+        <p:txBody>
+          <a:bodyPr wrap="none">
+            <a:spAutoFit/>
+          </a:bodyPr>
+          <a:lstStyle>
+            <a:lvl1pPr>
+              <a:lnSpc>
+                <a:spcPct val="90000"/>
+              </a:lnSpc>
+              <a:spcBef>
+                <a:spcPts val="1000"/>
+              </a:spcBef>
+              <a:buFont typeface="Arial" panose="020B0604020202020204" pitchFamily="34" charset="0"/>
+              <a:buChar char="•"/>
+              <a:defRPr sz="2800">
+                <a:solidFill>
+                  <a:schemeClr val="tx1"/>
+                </a:solidFill>
+                <a:latin typeface="Calibri" panose="020F0502020204030204" pitchFamily="34" charset="0"/>
+              </a:defRPr>
+            </a:lvl1pPr>
+            <a:lvl2pPr marL="742950" indent="-285750">
+              <a:lnSpc>
+                <a:spcPct val="90000"/>
+              </a:lnSpc>
+              <a:spcBef>
+                <a:spcPts val="500"/>
+              </a:spcBef>
+              <a:buFont typeface="Arial" panose="020B0604020202020204" pitchFamily="34" charset="0"/>
+              <a:buChar char="•"/>
+              <a:defRPr sz="2400">
+                <a:solidFill>
+                  <a:schemeClr val="tx1"/>
+                </a:solidFill>
+                <a:latin typeface="Calibri" panose="020F0502020204030204" pitchFamily="34" charset="0"/>
+              </a:defRPr>
+            </a:lvl2pPr>
+            <a:lvl3pPr marL="1143000" indent="-228600">
+              <a:lnSpc>
+                <a:spcPct val="90000"/>
+              </a:lnSpc>
+              <a:spcBef>
+                <a:spcPts val="500"/>
+              </a:spcBef>
+              <a:buFont typeface="Arial" panose="020B0604020202020204" pitchFamily="34" charset="0"/>
+              <a:buChar char="•"/>
+              <a:defRPr sz="2000">
+                <a:solidFill>
+                  <a:schemeClr val="tx1"/>
+                </a:solidFill>
+                <a:latin typeface="Calibri" panose="020F0502020204030204" pitchFamily="34" charset="0"/>
+              </a:defRPr>
+            </a:lvl3pPr>
+            <a:lvl4pPr marL="1600200" indent="-228600">
+              <a:lnSpc>
+                <a:spcPct val="90000"/>
+              </a:lnSpc>
+              <a:spcBef>
+                <a:spcPts val="500"/>
+              </a:spcBef>
+              <a:buFont typeface="Arial" panose="020B0604020202020204" pitchFamily="34" charset="0"/>
+              <a:buChar char="•"/>
+              <a:defRPr>
+                <a:solidFill>
+                  <a:schemeClr val="tx1"/>
+                </a:solidFill>
+                <a:latin typeface="Calibri" panose="020F0502020204030204" pitchFamily="34" charset="0"/>
+              </a:defRPr>
+            </a:lvl4pPr>
+            <a:lvl5pPr marL="2057400" indent="-228600">
+              <a:lnSpc>
+                <a:spcPct val="90000"/>
+              </a:lnSpc>
+              <a:spcBef>
+                <a:spcPts val="500"/>
+              </a:spcBef>
+              <a:buFont typeface="Arial" panose="020B0604020202020204" pitchFamily="34" charset="0"/>
+              <a:buChar char="•"/>
+              <a:defRPr>
+                <a:solidFill>
+                  <a:schemeClr val="tx1"/>
+                </a:solidFill>
+                <a:latin typeface="Calibri" panose="020F0502020204030204" pitchFamily="34" charset="0"/>
+              </a:defRPr>
+            </a:lvl5pPr>
+            <a:lvl6pPr marL="2514600" indent="-228600" eaLnBrk="0" fontAlgn="base" hangingPunct="0">
+              <a:lnSpc>
+                <a:spcPct val="90000"/>
+              </a:lnSpc>
+              <a:spcBef>
+                <a:spcPts val="500"/>
+              </a:spcBef>
+              <a:spcAft>
+                <a:spcPct val="0"/>
+              </a:spcAft>
+              <a:buFont typeface="Arial" panose="020B0604020202020204" pitchFamily="34" charset="0"/>
+              <a:buChar char="•"/>
+              <a:defRPr>
+                <a:solidFill>
+                  <a:schemeClr val="tx1"/>
+                </a:solidFill>
+                <a:latin typeface="Calibri" panose="020F0502020204030204" pitchFamily="34" charset="0"/>
+              </a:defRPr>
+            </a:lvl6pPr>
+            <a:lvl7pPr marL="2971800" indent="-228600" eaLnBrk="0" fontAlgn="base" hangingPunct="0">
+              <a:lnSpc>
+                <a:spcPct val="90000"/>
+              </a:lnSpc>
+              <a:spcBef>
+                <a:spcPts val="500"/>
+              </a:spcBef>
+              <a:spcAft>
+                <a:spcPct val="0"/>
+              </a:spcAft>
+              <a:buFont typeface="Arial" panose="020B0604020202020204" pitchFamily="34" charset="0"/>
+              <a:buChar char="•"/>
+              <a:defRPr>
+                <a:solidFill>
+                  <a:schemeClr val="tx1"/>
+                </a:solidFill>
+                <a:latin typeface="Calibri" panose="020F0502020204030204" pitchFamily="34" charset="0"/>
+              </a:defRPr>
+            </a:lvl7pPr>
+            <a:lvl8pPr marL="3429000" indent="-228600" eaLnBrk="0" fontAlgn="base" hangingPunct="0">
+              <a:lnSpc>
+                <a:spcPct val="90000"/>
+              </a:lnSpc>
+              <a:spcBef>
+                <a:spcPts val="500"/>
+              </a:spcBef>
+              <a:spcAft>
+                <a:spcPct val="0"/>
+              </a:spcAft>
+              <a:buFont typeface="Arial" panose="020B0604020202020204" pitchFamily="34" charset="0"/>
+              <a:buChar char="•"/>
+              <a:defRPr>
+                <a:solidFill>
+                  <a:schemeClr val="tx1"/>
+                </a:solidFill>
+                <a:latin typeface="Calibri" panose="020F0502020204030204" pitchFamily="34" charset="0"/>
+              </a:defRPr>
+            </a:lvl8pPr>
+            <a:lvl9pPr marL="3886200" indent="-228600" eaLnBrk="0" fontAlgn="base" hangingPunct="0">
+              <a:lnSpc>
+                <a:spcPct val="90000"/>
+              </a:lnSpc>
+              <a:spcBef>
+                <a:spcPts val="500"/>
+              </a:spcBef>
+              <a:spcAft>
+                <a:spcPct val="0"/>
+              </a:spcAft>
+              <a:buFont typeface="Arial" panose="020B0604020202020204" pitchFamily="34" charset="0"/>
+              <a:buChar char="•"/>
+              <a:defRPr>
+                <a:solidFill>
+                  <a:schemeClr val="tx1"/>
+                </a:solidFill>
+                <a:latin typeface="Calibri" panose="020F0502020204030204" pitchFamily="34" charset="0"/>
+              </a:defRPr>
+            </a:lvl9pPr>
+          </a:lstStyle>
+          <a:p>
+            <a:pPr eaLnBrk="1" hangingPunct="1">
+              <a:lnSpc>
+                <a:spcPct val="100000"/>
+              </a:lnSpc>
+              <a:spcBef>
+                <a:spcPct val="0"/>
+              </a:spcBef>
+              <a:buFontTx/>
+              <a:buNone/>
+            </a:pPr>
+            <a:r>
+              <a:rPr lang="fr-CA" altLang="fr-FR" sz="1400" i="1" dirty="0" err="1"/>
+              <a:t>Warmup</a:t>
+            </a:r>
+            <a:r>
+              <a:rPr lang="fr-CA" altLang="fr-FR" sz="1400" i="1" dirty="0"/>
+              <a:t> Network</a:t>
+            </a:r>
+            <a:br>
+              <a:rPr lang="fr-CA" altLang="fr-FR" sz="1400" i="1" dirty="0"/>
+            </a:br>
+            <a:r>
+              <a:rPr lang="fr-CA" altLang="fr-FR" sz="1400" i="1" dirty="0"/>
+              <a:t>(192.168.x.y)</a:t>
+            </a:r>
+          </a:p>
+        </p:txBody>
+      </p:sp>
+      <p:sp>
+        <p:nvSpPr>
+          <p:cNvPr id="2091" name="TextBox 58">
+            <a:extLst>
+              <a:ext uri="{FF2B5EF4-FFF2-40B4-BE49-F238E27FC236}">
+                <a16:creationId xmlns:a16="http://schemas.microsoft.com/office/drawing/2014/main" id="{6AFB50A1-F343-4C00-88C0-F8A90A5E669C}"/>
+              </a:ext>
+            </a:extLst>
+          </p:cNvPr>
+          <p:cNvSpPr txBox="1">
+            <a:spLocks noChangeArrowheads="1"/>
+          </p:cNvSpPr>
+          <p:nvPr/>
+        </p:nvSpPr>
+        <p:spPr bwMode="auto">
+          <a:xfrm>
+            <a:off x="5338930" y="2758327"/>
+            <a:ext cx="818622" cy="646331"/>
+          </a:xfrm>
+          <a:prstGeom prst="rect">
+            <a:avLst/>
+          </a:prstGeom>
+          <a:noFill/>
+          <a:ln>
+            <a:noFill/>
+          </a:ln>
+          <a:extLst>
+            <a:ext uri="{909E8E84-426E-40DD-AFC4-6F175D3DCCD1}">
+              <a14:hiddenFill xmlns:a14="http://schemas.microsoft.com/office/drawing/2010/main">
+                <a:solidFill>
+                  <a:srgbClr val="FFFFFF"/>
+                </a:solidFill>
+              </a14:hiddenFill>
+            </a:ext>
+            <a:ext uri="{91240B29-F687-4F45-9708-019B960494DF}">
+              <a14:hiddenLine xmlns:a14="http://schemas.microsoft.com/office/drawing/2010/main" w="9525">
+                <a:solidFill>
+                  <a:srgbClr val="000000"/>
+                </a:solidFill>
+                <a:miter lim="800000"/>
+                <a:headEnd/>
+                <a:tailEnd/>
+              </a14:hiddenLine>
+            </a:ext>
+          </a:extLst>
+        </p:spPr>
+        <p:txBody>
+          <a:bodyPr wrap="none">
+            <a:spAutoFit/>
+          </a:bodyPr>
+          <a:lstStyle>
+            <a:lvl1pPr>
+              <a:lnSpc>
+                <a:spcPct val="90000"/>
+              </a:lnSpc>
+              <a:spcBef>
+                <a:spcPts val="1000"/>
+              </a:spcBef>
+              <a:buFont typeface="Arial" panose="020B0604020202020204" pitchFamily="34" charset="0"/>
+              <a:buChar char="•"/>
+              <a:defRPr sz="2800">
+                <a:solidFill>
+                  <a:schemeClr val="tx1"/>
+                </a:solidFill>
+                <a:latin typeface="Calibri" panose="020F0502020204030204" pitchFamily="34" charset="0"/>
+              </a:defRPr>
+            </a:lvl1pPr>
+            <a:lvl2pPr marL="742950" indent="-285750">
+              <a:lnSpc>
+                <a:spcPct val="90000"/>
+              </a:lnSpc>
+              <a:spcBef>
+                <a:spcPts val="500"/>
+              </a:spcBef>
+              <a:buFont typeface="Arial" panose="020B0604020202020204" pitchFamily="34" charset="0"/>
+              <a:buChar char="•"/>
+              <a:defRPr sz="2400">
+                <a:solidFill>
+                  <a:schemeClr val="tx1"/>
+                </a:solidFill>
+                <a:latin typeface="Calibri" panose="020F0502020204030204" pitchFamily="34" charset="0"/>
+              </a:defRPr>
+            </a:lvl2pPr>
+            <a:lvl3pPr marL="1143000" indent="-228600">
+              <a:lnSpc>
+                <a:spcPct val="90000"/>
+              </a:lnSpc>
+              <a:spcBef>
+                <a:spcPts val="500"/>
+              </a:spcBef>
+              <a:buFont typeface="Arial" panose="020B0604020202020204" pitchFamily="34" charset="0"/>
+              <a:buChar char="•"/>
+              <a:defRPr sz="2000">
+                <a:solidFill>
+                  <a:schemeClr val="tx1"/>
+                </a:solidFill>
+                <a:latin typeface="Calibri" panose="020F0502020204030204" pitchFamily="34" charset="0"/>
+              </a:defRPr>
+            </a:lvl3pPr>
+            <a:lvl4pPr marL="1600200" indent="-228600">
+              <a:lnSpc>
+                <a:spcPct val="90000"/>
+              </a:lnSpc>
+              <a:spcBef>
+                <a:spcPts val="500"/>
+              </a:spcBef>
+              <a:buFont typeface="Arial" panose="020B0604020202020204" pitchFamily="34" charset="0"/>
+              <a:buChar char="•"/>
+              <a:defRPr>
+                <a:solidFill>
+                  <a:schemeClr val="tx1"/>
+                </a:solidFill>
+                <a:latin typeface="Calibri" panose="020F0502020204030204" pitchFamily="34" charset="0"/>
+              </a:defRPr>
+            </a:lvl4pPr>
+            <a:lvl5pPr marL="2057400" indent="-228600">
+              <a:lnSpc>
+                <a:spcPct val="90000"/>
+              </a:lnSpc>
+              <a:spcBef>
+                <a:spcPts val="500"/>
+              </a:spcBef>
+              <a:buFont typeface="Arial" panose="020B0604020202020204" pitchFamily="34" charset="0"/>
+              <a:buChar char="•"/>
+              <a:defRPr>
+                <a:solidFill>
+                  <a:schemeClr val="tx1"/>
+                </a:solidFill>
+                <a:latin typeface="Calibri" panose="020F0502020204030204" pitchFamily="34" charset="0"/>
+              </a:defRPr>
+            </a:lvl5pPr>
+            <a:lvl6pPr marL="2514600" indent="-228600" eaLnBrk="0" fontAlgn="base" hangingPunct="0">
+              <a:lnSpc>
+                <a:spcPct val="90000"/>
+              </a:lnSpc>
+              <a:spcBef>
+                <a:spcPts val="500"/>
+              </a:spcBef>
+              <a:spcAft>
+                <a:spcPct val="0"/>
+              </a:spcAft>
+              <a:buFont typeface="Arial" panose="020B0604020202020204" pitchFamily="34" charset="0"/>
+              <a:buChar char="•"/>
+              <a:defRPr>
+                <a:solidFill>
+                  <a:schemeClr val="tx1"/>
+                </a:solidFill>
+                <a:latin typeface="Calibri" panose="020F0502020204030204" pitchFamily="34" charset="0"/>
+              </a:defRPr>
+            </a:lvl6pPr>
+            <a:lvl7pPr marL="2971800" indent="-228600" eaLnBrk="0" fontAlgn="base" hangingPunct="0">
+              <a:lnSpc>
+                <a:spcPct val="90000"/>
+              </a:lnSpc>
+              <a:spcBef>
+                <a:spcPts val="500"/>
+              </a:spcBef>
+              <a:spcAft>
+                <a:spcPct val="0"/>
+              </a:spcAft>
+              <a:buFont typeface="Arial" panose="020B0604020202020204" pitchFamily="34" charset="0"/>
+              <a:buChar char="•"/>
+              <a:defRPr>
+                <a:solidFill>
+                  <a:schemeClr val="tx1"/>
+                </a:solidFill>
+                <a:latin typeface="Calibri" panose="020F0502020204030204" pitchFamily="34" charset="0"/>
+              </a:defRPr>
+            </a:lvl7pPr>
+            <a:lvl8pPr marL="3429000" indent="-228600" eaLnBrk="0" fontAlgn="base" hangingPunct="0">
+              <a:lnSpc>
+                <a:spcPct val="90000"/>
+              </a:lnSpc>
+              <a:spcBef>
+                <a:spcPts val="500"/>
+              </a:spcBef>
+              <a:spcAft>
+                <a:spcPct val="0"/>
+              </a:spcAft>
+              <a:buFont typeface="Arial" panose="020B0604020202020204" pitchFamily="34" charset="0"/>
+              <a:buChar char="•"/>
+              <a:defRPr>
+                <a:solidFill>
+                  <a:schemeClr val="tx1"/>
+                </a:solidFill>
+                <a:latin typeface="Calibri" panose="020F0502020204030204" pitchFamily="34" charset="0"/>
+              </a:defRPr>
+            </a:lvl8pPr>
+            <a:lvl9pPr marL="3886200" indent="-228600" eaLnBrk="0" fontAlgn="base" hangingPunct="0">
+              <a:lnSpc>
+                <a:spcPct val="90000"/>
+              </a:lnSpc>
+              <a:spcBef>
+                <a:spcPts val="500"/>
+              </a:spcBef>
+              <a:spcAft>
+                <a:spcPct val="0"/>
+              </a:spcAft>
+              <a:buFont typeface="Arial" panose="020B0604020202020204" pitchFamily="34" charset="0"/>
+              <a:buChar char="•"/>
+              <a:defRPr>
+                <a:solidFill>
+                  <a:schemeClr val="tx1"/>
+                </a:solidFill>
+                <a:latin typeface="Calibri" panose="020F0502020204030204" pitchFamily="34" charset="0"/>
+              </a:defRPr>
+            </a:lvl9pPr>
+          </a:lstStyle>
+          <a:p>
+            <a:pPr eaLnBrk="1" hangingPunct="1">
+              <a:lnSpc>
+                <a:spcPct val="100000"/>
+              </a:lnSpc>
+              <a:spcBef>
+                <a:spcPct val="0"/>
+              </a:spcBef>
+              <a:buFontTx/>
+              <a:buNone/>
+            </a:pPr>
+            <a:r>
+              <a:rPr lang="fr-CA" altLang="fr-FR" sz="1800" dirty="0"/>
+              <a:t>Main</a:t>
+            </a:r>
+            <a:br>
+              <a:rPr lang="fr-CA" altLang="fr-FR" sz="1800" dirty="0"/>
+            </a:br>
+            <a:r>
+              <a:rPr lang="fr-CA" altLang="fr-FR" sz="1800" dirty="0"/>
+              <a:t>Router</a:t>
+            </a:r>
+          </a:p>
+        </p:txBody>
+      </p:sp>
+      <p:cxnSp>
+        <p:nvCxnSpPr>
+          <p:cNvPr id="62" name="Connector: Curved 61">
+            <a:extLst>
+              <a:ext uri="{FF2B5EF4-FFF2-40B4-BE49-F238E27FC236}">
+                <a16:creationId xmlns:a16="http://schemas.microsoft.com/office/drawing/2014/main" id="{186FD3F3-23E9-4791-BCAE-236F22F2B00A}"/>
+              </a:ext>
+            </a:extLst>
+          </p:cNvPr>
+          <p:cNvCxnSpPr>
+            <a:cxnSpLocks/>
+            <a:endCxn id="3" idx="2"/>
+          </p:cNvCxnSpPr>
+          <p:nvPr/>
+        </p:nvCxnSpPr>
+        <p:spPr>
+          <a:xfrm>
+            <a:off x="2685902" y="2005836"/>
+            <a:ext cx="3229114" cy="2246390"/>
+          </a:xfrm>
+          <a:prstGeom prst="curvedConnector4">
+            <a:avLst>
+              <a:gd name="adj1" fmla="val 42921"/>
+              <a:gd name="adj2" fmla="val 110176"/>
+            </a:avLst>
+          </a:prstGeom>
+          <a:ln>
+            <a:tailEnd type="triangle"/>
+          </a:ln>
+        </p:spPr>
+        <p:style>
+          <a:lnRef idx="1">
+            <a:schemeClr val="accent1"/>
+          </a:lnRef>
+          <a:fillRef idx="0">
+            <a:schemeClr val="accent1"/>
+          </a:fillRef>
+          <a:effectRef idx="0">
+            <a:schemeClr val="accent1"/>
+          </a:effectRef>
+          <a:fontRef idx="minor">
+            <a:schemeClr val="tx1"/>
+          </a:fontRef>
+        </p:style>
+      </p:cxnSp>
+      <p:sp>
+        <p:nvSpPr>
+          <p:cNvPr id="2093" name="TextBox 66">
+            <a:extLst>
+              <a:ext uri="{FF2B5EF4-FFF2-40B4-BE49-F238E27FC236}">
+                <a16:creationId xmlns:a16="http://schemas.microsoft.com/office/drawing/2014/main" id="{B8B68416-BE68-4F1C-9D09-81A0B57EE2A4}"/>
+              </a:ext>
+            </a:extLst>
+          </p:cNvPr>
+          <p:cNvSpPr txBox="1">
+            <a:spLocks noChangeArrowheads="1"/>
+          </p:cNvSpPr>
+          <p:nvPr/>
+        </p:nvSpPr>
+        <p:spPr bwMode="auto">
+          <a:xfrm>
+            <a:off x="7082895" y="2776603"/>
+            <a:ext cx="1000595" cy="646331"/>
+          </a:xfrm>
+          <a:prstGeom prst="rect">
+            <a:avLst/>
+          </a:prstGeom>
+          <a:noFill/>
+          <a:ln>
+            <a:noFill/>
+          </a:ln>
+          <a:extLst>
+            <a:ext uri="{909E8E84-426E-40DD-AFC4-6F175D3DCCD1}">
+              <a14:hiddenFill xmlns:a14="http://schemas.microsoft.com/office/drawing/2010/main">
+                <a:solidFill>
+                  <a:srgbClr val="FFFFFF"/>
+                </a:solidFill>
+              </a14:hiddenFill>
+            </a:ext>
+            <a:ext uri="{91240B29-F687-4F45-9708-019B960494DF}">
+              <a14:hiddenLine xmlns:a14="http://schemas.microsoft.com/office/drawing/2010/main" w="9525">
+                <a:solidFill>
+                  <a:srgbClr val="000000"/>
+                </a:solidFill>
+                <a:miter lim="800000"/>
+                <a:headEnd/>
+                <a:tailEnd/>
+              </a14:hiddenLine>
+            </a:ext>
+          </a:extLst>
+        </p:spPr>
+        <p:txBody>
+          <a:bodyPr wrap="none">
+            <a:spAutoFit/>
+          </a:bodyPr>
+          <a:lstStyle>
+            <a:lvl1pPr>
+              <a:lnSpc>
+                <a:spcPct val="90000"/>
+              </a:lnSpc>
+              <a:spcBef>
+                <a:spcPts val="1000"/>
+              </a:spcBef>
+              <a:buFont typeface="Arial" panose="020B0604020202020204" pitchFamily="34" charset="0"/>
+              <a:buChar char="•"/>
+              <a:defRPr sz="2800">
+                <a:solidFill>
+                  <a:schemeClr val="tx1"/>
+                </a:solidFill>
+                <a:latin typeface="Calibri" panose="020F0502020204030204" pitchFamily="34" charset="0"/>
+              </a:defRPr>
+            </a:lvl1pPr>
+            <a:lvl2pPr marL="742950" indent="-285750">
+              <a:lnSpc>
+                <a:spcPct val="90000"/>
+              </a:lnSpc>
+              <a:spcBef>
+                <a:spcPts val="500"/>
+              </a:spcBef>
+              <a:buFont typeface="Arial" panose="020B0604020202020204" pitchFamily="34" charset="0"/>
+              <a:buChar char="•"/>
+              <a:defRPr sz="2400">
+                <a:solidFill>
+                  <a:schemeClr val="tx1"/>
+                </a:solidFill>
+                <a:latin typeface="Calibri" panose="020F0502020204030204" pitchFamily="34" charset="0"/>
+              </a:defRPr>
+            </a:lvl2pPr>
+            <a:lvl3pPr marL="1143000" indent="-228600">
+              <a:lnSpc>
+                <a:spcPct val="90000"/>
+              </a:lnSpc>
+              <a:spcBef>
+                <a:spcPts val="500"/>
+              </a:spcBef>
+              <a:buFont typeface="Arial" panose="020B0604020202020204" pitchFamily="34" charset="0"/>
+              <a:buChar char="•"/>
+              <a:defRPr sz="2000">
+                <a:solidFill>
+                  <a:schemeClr val="tx1"/>
+                </a:solidFill>
+                <a:latin typeface="Calibri" panose="020F0502020204030204" pitchFamily="34" charset="0"/>
+              </a:defRPr>
+            </a:lvl3pPr>
+            <a:lvl4pPr marL="1600200" indent="-228600">
+              <a:lnSpc>
+                <a:spcPct val="90000"/>
+              </a:lnSpc>
+              <a:spcBef>
+                <a:spcPts val="500"/>
+              </a:spcBef>
+              <a:buFont typeface="Arial" panose="020B0604020202020204" pitchFamily="34" charset="0"/>
+              <a:buChar char="•"/>
+              <a:defRPr>
+                <a:solidFill>
+                  <a:schemeClr val="tx1"/>
+                </a:solidFill>
+                <a:latin typeface="Calibri" panose="020F0502020204030204" pitchFamily="34" charset="0"/>
+              </a:defRPr>
+            </a:lvl4pPr>
+            <a:lvl5pPr marL="2057400" indent="-228600">
+              <a:lnSpc>
+                <a:spcPct val="90000"/>
+              </a:lnSpc>
+              <a:spcBef>
+                <a:spcPts val="500"/>
+              </a:spcBef>
+              <a:buFont typeface="Arial" panose="020B0604020202020204" pitchFamily="34" charset="0"/>
+              <a:buChar char="•"/>
+              <a:defRPr>
+                <a:solidFill>
+                  <a:schemeClr val="tx1"/>
+                </a:solidFill>
+                <a:latin typeface="Calibri" panose="020F0502020204030204" pitchFamily="34" charset="0"/>
+              </a:defRPr>
+            </a:lvl5pPr>
+            <a:lvl6pPr marL="2514600" indent="-228600" eaLnBrk="0" fontAlgn="base" hangingPunct="0">
+              <a:lnSpc>
+                <a:spcPct val="90000"/>
+              </a:lnSpc>
+              <a:spcBef>
+                <a:spcPts val="500"/>
+              </a:spcBef>
+              <a:spcAft>
+                <a:spcPct val="0"/>
+              </a:spcAft>
+              <a:buFont typeface="Arial" panose="020B0604020202020204" pitchFamily="34" charset="0"/>
+              <a:buChar char="•"/>
+              <a:defRPr>
+                <a:solidFill>
+                  <a:schemeClr val="tx1"/>
+                </a:solidFill>
+                <a:latin typeface="Calibri" panose="020F0502020204030204" pitchFamily="34" charset="0"/>
+              </a:defRPr>
+            </a:lvl6pPr>
+            <a:lvl7pPr marL="2971800" indent="-228600" eaLnBrk="0" fontAlgn="base" hangingPunct="0">
+              <a:lnSpc>
+                <a:spcPct val="90000"/>
+              </a:lnSpc>
+              <a:spcBef>
+                <a:spcPts val="500"/>
+              </a:spcBef>
+              <a:spcAft>
+                <a:spcPct val="0"/>
+              </a:spcAft>
+              <a:buFont typeface="Arial" panose="020B0604020202020204" pitchFamily="34" charset="0"/>
+              <a:buChar char="•"/>
+              <a:defRPr>
+                <a:solidFill>
+                  <a:schemeClr val="tx1"/>
+                </a:solidFill>
+                <a:latin typeface="Calibri" panose="020F0502020204030204" pitchFamily="34" charset="0"/>
+              </a:defRPr>
+            </a:lvl7pPr>
+            <a:lvl8pPr marL="3429000" indent="-228600" eaLnBrk="0" fontAlgn="base" hangingPunct="0">
+              <a:lnSpc>
+                <a:spcPct val="90000"/>
+              </a:lnSpc>
+              <a:spcBef>
+                <a:spcPts val="500"/>
+              </a:spcBef>
+              <a:spcAft>
+                <a:spcPct val="0"/>
+              </a:spcAft>
+              <a:buFont typeface="Arial" panose="020B0604020202020204" pitchFamily="34" charset="0"/>
+              <a:buChar char="•"/>
+              <a:defRPr>
+                <a:solidFill>
+                  <a:schemeClr val="tx1"/>
+                </a:solidFill>
+                <a:latin typeface="Calibri" panose="020F0502020204030204" pitchFamily="34" charset="0"/>
+              </a:defRPr>
+            </a:lvl8pPr>
+            <a:lvl9pPr marL="3886200" indent="-228600" eaLnBrk="0" fontAlgn="base" hangingPunct="0">
+              <a:lnSpc>
+                <a:spcPct val="90000"/>
+              </a:lnSpc>
+              <a:spcBef>
+                <a:spcPts val="500"/>
+              </a:spcBef>
+              <a:spcAft>
+                <a:spcPct val="0"/>
+              </a:spcAft>
+              <a:buFont typeface="Arial" panose="020B0604020202020204" pitchFamily="34" charset="0"/>
+              <a:buChar char="•"/>
+              <a:defRPr>
+                <a:solidFill>
+                  <a:schemeClr val="tx1"/>
+                </a:solidFill>
+                <a:latin typeface="Calibri" panose="020F0502020204030204" pitchFamily="34" charset="0"/>
+              </a:defRPr>
+            </a:lvl9pPr>
+          </a:lstStyle>
+          <a:p>
+            <a:pPr eaLnBrk="1" hangingPunct="1">
+              <a:lnSpc>
+                <a:spcPct val="100000"/>
+              </a:lnSpc>
+              <a:spcBef>
+                <a:spcPct val="0"/>
+              </a:spcBef>
+              <a:buFontTx/>
+              <a:buNone/>
+            </a:pPr>
+            <a:r>
+              <a:rPr lang="fr-CA" altLang="fr-FR" sz="1800" dirty="0" err="1"/>
+              <a:t>Warmup</a:t>
+            </a:r>
+            <a:endParaRPr lang="fr-CA" altLang="fr-FR" sz="1800" dirty="0"/>
+          </a:p>
+          <a:p>
+            <a:pPr eaLnBrk="1" hangingPunct="1">
+              <a:lnSpc>
+                <a:spcPct val="100000"/>
+              </a:lnSpc>
+              <a:spcBef>
+                <a:spcPct val="0"/>
+              </a:spcBef>
+              <a:buFontTx/>
+              <a:buNone/>
+            </a:pPr>
+            <a:r>
+              <a:rPr lang="fr-CA" altLang="fr-FR" sz="1800" dirty="0"/>
+              <a:t>Router</a:t>
+            </a:r>
+          </a:p>
+        </p:txBody>
+      </p:sp>
+      <p:pic>
+        <p:nvPicPr>
+          <p:cNvPr id="2094" name="Graphic 85" descr="Smart Phone">
+            <a:extLst>
+              <a:ext uri="{FF2B5EF4-FFF2-40B4-BE49-F238E27FC236}">
+                <a16:creationId xmlns:a16="http://schemas.microsoft.com/office/drawing/2014/main" id="{18188E56-D942-4693-B854-331D4885B6EB}"/>
+              </a:ext>
+            </a:extLst>
+          </p:cNvPr>
+          <p:cNvPicPr>
+            <a:picLocks noChangeAspect="1" noChangeArrowheads="1"/>
+          </p:cNvPicPr>
+          <p:nvPr/>
+        </p:nvPicPr>
+        <p:blipFill>
+          <a:blip r:embed="rId10">
+            <a:lum bright="70000" contrast="-70000"/>
+            <a:extLst>
+              <a:ext uri="{28A0092B-C50C-407E-A947-70E740481C1C}">
+                <a14:useLocalDpi xmlns:a14="http://schemas.microsoft.com/office/drawing/2010/main" val="0"/>
+              </a:ext>
+            </a:extLst>
+          </a:blip>
+          <a:srcRect/>
+          <a:stretch>
+            <a:fillRect/>
+          </a:stretch>
+        </p:blipFill>
+        <p:spPr bwMode="auto">
+          <a:xfrm>
+            <a:off x="10265240" y="1049906"/>
+            <a:ext cx="988080" cy="988080"/>
+          </a:xfrm>
+          <a:prstGeom prst="rect">
+            <a:avLst/>
+          </a:prstGeom>
+          <a:noFill/>
+          <a:ln>
+            <a:noFill/>
+          </a:ln>
+          <a:extLst>
+            <a:ext uri="{909E8E84-426E-40DD-AFC4-6F175D3DCCD1}">
+              <a14:hiddenFill xmlns:a14="http://schemas.microsoft.com/office/drawing/2010/main">
+                <a:solidFill>
+                  <a:srgbClr val="FFFFFF"/>
+                </a:solidFill>
+              </a14:hiddenFill>
+            </a:ext>
+            <a:ext uri="{91240B29-F687-4F45-9708-019B960494DF}">
+              <a14:hiddenLine xmlns:a14="http://schemas.microsoft.com/office/drawing/2010/main" w="9525">
+                <a:solidFill>
+                  <a:srgbClr val="000000"/>
+                </a:solidFill>
+                <a:miter lim="800000"/>
+                <a:headEnd/>
+                <a:tailEnd/>
+              </a14:hiddenLine>
+            </a:ext>
+          </a:extLst>
+        </p:spPr>
+      </p:pic>
+      <p:sp>
+        <p:nvSpPr>
+          <p:cNvPr id="4" name="TextBox 3">
+            <a:extLst>
+              <a:ext uri="{FF2B5EF4-FFF2-40B4-BE49-F238E27FC236}">
+                <a16:creationId xmlns:a16="http://schemas.microsoft.com/office/drawing/2014/main" id="{B376C293-3F86-4363-86B4-B6939CB22B0F}"/>
+              </a:ext>
+            </a:extLst>
+          </p:cNvPr>
+          <p:cNvSpPr txBox="1"/>
+          <p:nvPr/>
+        </p:nvSpPr>
+        <p:spPr>
+          <a:xfrm>
+            <a:off x="6626204" y="3744397"/>
+            <a:ext cx="661528" cy="369332"/>
+          </a:xfrm>
+          <a:prstGeom prst="rect">
+            <a:avLst/>
+          </a:prstGeom>
+          <a:noFill/>
+        </p:spPr>
+        <p:txBody>
+          <a:bodyPr wrap="none" rtlCol="0">
+            <a:spAutoFit/>
+          </a:bodyPr>
+          <a:lstStyle/>
+          <a:p>
+            <a:r>
+              <a:rPr lang="fr-CA" dirty="0"/>
+              <a:t>WAN</a:t>
+            </a:r>
+          </a:p>
+        </p:txBody>
+      </p:sp>
+      <p:cxnSp>
+        <p:nvCxnSpPr>
+          <p:cNvPr id="63" name="Connector: Curved 62">
+            <a:extLst>
+              <a:ext uri="{FF2B5EF4-FFF2-40B4-BE49-F238E27FC236}">
+                <a16:creationId xmlns:a16="http://schemas.microsoft.com/office/drawing/2014/main" id="{9096AD75-C927-43EF-B8CF-6CB65854051E}"/>
+              </a:ext>
+            </a:extLst>
+          </p:cNvPr>
+          <p:cNvCxnSpPr>
+            <a:cxnSpLocks/>
+            <a:stCxn id="2086" idx="1"/>
+            <a:endCxn id="2" idx="2"/>
+          </p:cNvCxnSpPr>
+          <p:nvPr/>
+        </p:nvCxnSpPr>
+        <p:spPr>
+          <a:xfrm rot="10800000" flipV="1">
+            <a:off x="7503558" y="2628480"/>
+            <a:ext cx="1380092" cy="1618456"/>
+          </a:xfrm>
+          <a:prstGeom prst="curvedConnector4">
+            <a:avLst>
+              <a:gd name="adj1" fmla="val 33436"/>
+              <a:gd name="adj2" fmla="val 108936"/>
+            </a:avLst>
+          </a:prstGeom>
+          <a:ln>
+            <a:tailEnd type="triangle"/>
+          </a:ln>
+        </p:spPr>
+        <p:style>
+          <a:lnRef idx="1">
+            <a:schemeClr val="accent1"/>
+          </a:lnRef>
+          <a:fillRef idx="0">
+            <a:schemeClr val="accent1"/>
+          </a:fillRef>
+          <a:effectRef idx="0">
+            <a:schemeClr val="accent1"/>
+          </a:effectRef>
+          <a:fontRef idx="minor">
+            <a:schemeClr val="tx1"/>
+          </a:fontRef>
+        </p:style>
+      </p:cxnSp>
+      <p:cxnSp>
+        <p:nvCxnSpPr>
+          <p:cNvPr id="74" name="Connector: Curved 73">
+            <a:extLst>
+              <a:ext uri="{FF2B5EF4-FFF2-40B4-BE49-F238E27FC236}">
+                <a16:creationId xmlns:a16="http://schemas.microsoft.com/office/drawing/2014/main" id="{5AA51742-339F-4468-9A28-58862BAE17AD}"/>
+              </a:ext>
+            </a:extLst>
+          </p:cNvPr>
+          <p:cNvCxnSpPr>
+            <a:cxnSpLocks/>
+            <a:endCxn id="3" idx="2"/>
+          </p:cNvCxnSpPr>
+          <p:nvPr/>
+        </p:nvCxnSpPr>
+        <p:spPr>
+          <a:xfrm rot="10800000" flipV="1">
+            <a:off x="5915016" y="4036238"/>
+            <a:ext cx="1156890" cy="215988"/>
+          </a:xfrm>
+          <a:prstGeom prst="curvedConnector4">
+            <a:avLst>
+              <a:gd name="adj1" fmla="val 30240"/>
+              <a:gd name="adj2" fmla="val 205839"/>
+            </a:avLst>
+          </a:prstGeom>
+          <a:ln w="63500">
+            <a:solidFill>
+              <a:srgbClr val="FF0000"/>
+            </a:solidFill>
+            <a:headEnd type="none" w="med" len="med"/>
+            <a:tailEnd type="triangle" w="med" len="med"/>
+          </a:ln>
+        </p:spPr>
+        <p:style>
+          <a:lnRef idx="1">
+            <a:schemeClr val="accent1"/>
+          </a:lnRef>
+          <a:fillRef idx="0">
+            <a:schemeClr val="accent1"/>
+          </a:fillRef>
+          <a:effectRef idx="0">
+            <a:schemeClr val="accent1"/>
+          </a:effectRef>
+          <a:fontRef idx="minor">
+            <a:schemeClr val="tx1"/>
+          </a:fontRef>
+        </p:style>
+      </p:cxnSp>
+      <p:pic>
+        <p:nvPicPr>
+          <p:cNvPr id="83" name="Graphic 85" descr="Smart Phone">
+            <a:extLst>
+              <a:ext uri="{FF2B5EF4-FFF2-40B4-BE49-F238E27FC236}">
+                <a16:creationId xmlns:a16="http://schemas.microsoft.com/office/drawing/2014/main" id="{E3C1A93E-A4D5-4333-8524-FEB987ED9ADF}"/>
+              </a:ext>
+            </a:extLst>
+          </p:cNvPr>
+          <p:cNvPicPr>
+            <a:picLocks noChangeAspect="1" noChangeArrowheads="1"/>
+          </p:cNvPicPr>
+          <p:nvPr/>
+        </p:nvPicPr>
+        <p:blipFill>
+          <a:blip r:embed="rId10">
+            <a:lum bright="70000" contrast="-70000"/>
+            <a:extLst>
+              <a:ext uri="{28A0092B-C50C-407E-A947-70E740481C1C}">
+                <a14:useLocalDpi xmlns:a14="http://schemas.microsoft.com/office/drawing/2010/main" val="0"/>
+              </a:ext>
+            </a:extLst>
+          </a:blip>
+          <a:srcRect/>
+          <a:stretch>
+            <a:fillRect/>
+          </a:stretch>
+        </p:blipFill>
+        <p:spPr bwMode="auto">
+          <a:xfrm>
+            <a:off x="9288828" y="1039713"/>
+            <a:ext cx="988080" cy="988080"/>
+          </a:xfrm>
+          <a:prstGeom prst="rect">
+            <a:avLst/>
+          </a:prstGeom>
+          <a:noFill/>
+          <a:ln>
+            <a:noFill/>
+          </a:ln>
+          <a:extLst>
+            <a:ext uri="{909E8E84-426E-40DD-AFC4-6F175D3DCCD1}">
+              <a14:hiddenFill xmlns:a14="http://schemas.microsoft.com/office/drawing/2010/main">
+                <a:solidFill>
+                  <a:srgbClr val="FFFFFF"/>
+                </a:solidFill>
+              </a14:hiddenFill>
+            </a:ext>
+            <a:ext uri="{91240B29-F687-4F45-9708-019B960494DF}">
+              <a14:hiddenLine xmlns:a14="http://schemas.microsoft.com/office/drawing/2010/main" w="9525">
+                <a:solidFill>
+                  <a:srgbClr val="000000"/>
+                </a:solidFill>
+                <a:miter lim="800000"/>
+                <a:headEnd/>
+                <a:tailEnd/>
+              </a14:hiddenLine>
+            </a:ext>
+          </a:extLst>
+        </p:spPr>
+      </p:pic>
+      <p:pic>
+        <p:nvPicPr>
+          <p:cNvPr id="84" name="Graphic 85" descr="Smart Phone">
+            <a:extLst>
+              <a:ext uri="{FF2B5EF4-FFF2-40B4-BE49-F238E27FC236}">
+                <a16:creationId xmlns:a16="http://schemas.microsoft.com/office/drawing/2014/main" id="{71973AB3-1B3E-4C0F-A86A-4BAC1579B205}"/>
+              </a:ext>
+            </a:extLst>
+          </p:cNvPr>
+          <p:cNvPicPr>
+            <a:picLocks noChangeAspect="1" noChangeArrowheads="1"/>
+          </p:cNvPicPr>
+          <p:nvPr/>
+        </p:nvPicPr>
+        <p:blipFill>
+          <a:blip r:embed="rId10">
+            <a:lum bright="70000" contrast="-70000"/>
+            <a:extLst>
+              <a:ext uri="{28A0092B-C50C-407E-A947-70E740481C1C}">
+                <a14:useLocalDpi xmlns:a14="http://schemas.microsoft.com/office/drawing/2010/main" val="0"/>
+              </a:ext>
+            </a:extLst>
+          </a:blip>
+          <a:srcRect/>
+          <a:stretch>
+            <a:fillRect/>
+          </a:stretch>
+        </p:blipFill>
+        <p:spPr bwMode="auto">
+          <a:xfrm>
+            <a:off x="8306582" y="1017756"/>
+            <a:ext cx="988080" cy="988080"/>
+          </a:xfrm>
+          <a:prstGeom prst="rect">
+            <a:avLst/>
+          </a:prstGeom>
+          <a:noFill/>
+          <a:ln>
+            <a:noFill/>
+          </a:ln>
+          <a:extLst>
+            <a:ext uri="{909E8E84-426E-40DD-AFC4-6F175D3DCCD1}">
+              <a14:hiddenFill xmlns:a14="http://schemas.microsoft.com/office/drawing/2010/main">
+                <a:solidFill>
+                  <a:srgbClr val="FFFFFF"/>
+                </a:solidFill>
+              </a14:hiddenFill>
+            </a:ext>
+            <a:ext uri="{91240B29-F687-4F45-9708-019B960494DF}">
+              <a14:hiddenLine xmlns:a14="http://schemas.microsoft.com/office/drawing/2010/main" w="9525">
+                <a:solidFill>
+                  <a:srgbClr val="000000"/>
+                </a:solidFill>
+                <a:miter lim="800000"/>
+                <a:headEnd/>
+                <a:tailEnd/>
+              </a14:hiddenLine>
+            </a:ext>
+          </a:extLst>
+        </p:spPr>
+      </p:pic>
+      <p:cxnSp>
+        <p:nvCxnSpPr>
+          <p:cNvPr id="86" name="Connector: Curved 85">
+            <a:extLst>
+              <a:ext uri="{FF2B5EF4-FFF2-40B4-BE49-F238E27FC236}">
+                <a16:creationId xmlns:a16="http://schemas.microsoft.com/office/drawing/2014/main" id="{207FE6F7-537C-4653-8177-A5C212B91F05}"/>
+              </a:ext>
+            </a:extLst>
+          </p:cNvPr>
+          <p:cNvCxnSpPr>
+            <a:cxnSpLocks/>
+            <a:stCxn id="2" idx="2"/>
+            <a:endCxn id="2065" idx="1"/>
+          </p:cNvCxnSpPr>
+          <p:nvPr/>
+        </p:nvCxnSpPr>
+        <p:spPr>
+          <a:xfrm rot="16200000" flipH="1">
+            <a:off x="7311994" y="4438499"/>
+            <a:ext cx="1467472" cy="1084345"/>
+          </a:xfrm>
+          <a:prstGeom prst="curvedConnector2">
+            <a:avLst/>
+          </a:prstGeom>
+          <a:ln>
+            <a:headEnd type="triangle"/>
+            <a:tailEnd type="none"/>
+          </a:ln>
+        </p:spPr>
+        <p:style>
+          <a:lnRef idx="1">
+            <a:schemeClr val="accent1"/>
+          </a:lnRef>
+          <a:fillRef idx="0">
+            <a:schemeClr val="accent1"/>
+          </a:fillRef>
+          <a:effectRef idx="0">
+            <a:schemeClr val="accent1"/>
+          </a:effectRef>
+          <a:fontRef idx="minor">
+            <a:schemeClr val="tx1"/>
+          </a:fontRef>
+        </p:style>
+      </p:cxnSp>
+      <p:pic>
+        <p:nvPicPr>
+          <p:cNvPr id="93" name="Graphic 43" descr="Laptop">
+            <a:extLst>
+              <a:ext uri="{FF2B5EF4-FFF2-40B4-BE49-F238E27FC236}">
+                <a16:creationId xmlns:a16="http://schemas.microsoft.com/office/drawing/2014/main" id="{003818B3-1456-4C69-8398-5A7C65B61204}"/>
+              </a:ext>
+            </a:extLst>
+          </p:cNvPr>
+          <p:cNvPicPr>
+            <a:picLocks noChangeAspect="1" noChangeArrowheads="1"/>
+          </p:cNvPicPr>
+          <p:nvPr/>
+        </p:nvPicPr>
+        <p:blipFill>
+          <a:blip r:embed="rId2">
+            <a:extLst>
+              <a:ext uri="{28A0092B-C50C-407E-A947-70E740481C1C}">
+                <a14:useLocalDpi xmlns:a14="http://schemas.microsoft.com/office/drawing/2010/main" val="0"/>
+              </a:ext>
+            </a:extLst>
+          </a:blip>
+          <a:srcRect/>
+          <a:stretch>
+            <a:fillRect/>
+          </a:stretch>
+        </p:blipFill>
+        <p:spPr bwMode="auto">
+          <a:xfrm>
+            <a:off x="1899406" y="1580786"/>
+            <a:ext cx="914400" cy="914400"/>
+          </a:xfrm>
+          <a:prstGeom prst="rect">
+            <a:avLst/>
+          </a:prstGeom>
+          <a:noFill/>
+          <a:ln>
+            <a:noFill/>
+          </a:ln>
+          <a:extLst>
+            <a:ext uri="{909E8E84-426E-40DD-AFC4-6F175D3DCCD1}">
+              <a14:hiddenFill xmlns:a14="http://schemas.microsoft.com/office/drawing/2010/main">
+                <a:solidFill>
+                  <a:srgbClr val="FFFFFF"/>
+                </a:solidFill>
+              </a14:hiddenFill>
+            </a:ext>
+            <a:ext uri="{91240B29-F687-4F45-9708-019B960494DF}">
+              <a14:hiddenLine xmlns:a14="http://schemas.microsoft.com/office/drawing/2010/main" w="9525">
+                <a:solidFill>
+                  <a:srgbClr val="000000"/>
+                </a:solidFill>
+                <a:miter lim="800000"/>
+                <a:headEnd/>
+                <a:tailEnd/>
+              </a14:hiddenLine>
+            </a:ext>
+          </a:extLst>
+        </p:spPr>
+      </p:pic>
+      <p:sp>
+        <p:nvSpPr>
+          <p:cNvPr id="95" name="TextBox 126">
+            <a:extLst>
+              <a:ext uri="{FF2B5EF4-FFF2-40B4-BE49-F238E27FC236}">
+                <a16:creationId xmlns:a16="http://schemas.microsoft.com/office/drawing/2014/main" id="{6C47F4D9-122B-4069-B1D0-486F7DC32CB5}"/>
+              </a:ext>
+            </a:extLst>
+          </p:cNvPr>
+          <p:cNvSpPr txBox="1">
+            <a:spLocks noChangeArrowheads="1"/>
+          </p:cNvSpPr>
+          <p:nvPr/>
+        </p:nvSpPr>
+        <p:spPr bwMode="auto">
+          <a:xfrm>
+            <a:off x="2728900" y="1677222"/>
+            <a:ext cx="2976563" cy="369332"/>
+          </a:xfrm>
+          <a:prstGeom prst="rect">
+            <a:avLst/>
+          </a:prstGeom>
+          <a:noFill/>
+          <a:ln>
+            <a:noFill/>
+          </a:ln>
+          <a:extLst>
+            <a:ext uri="{909E8E84-426E-40DD-AFC4-6F175D3DCCD1}">
+              <a14:hiddenFill xmlns:a14="http://schemas.microsoft.com/office/drawing/2010/main">
+                <a:solidFill>
+                  <a:srgbClr val="FFFFFF"/>
+                </a:solidFill>
+              </a14:hiddenFill>
+            </a:ext>
+            <a:ext uri="{91240B29-F687-4F45-9708-019B960494DF}">
+              <a14:hiddenLine xmlns:a14="http://schemas.microsoft.com/office/drawing/2010/main" w="9525">
+                <a:solidFill>
+                  <a:srgbClr val="000000"/>
+                </a:solidFill>
+                <a:miter lim="800000"/>
+                <a:headEnd/>
+                <a:tailEnd/>
+              </a14:hiddenLine>
+            </a:ext>
+          </a:extLst>
+        </p:spPr>
+        <p:txBody>
+          <a:bodyPr wrap="square">
+            <a:spAutoFit/>
+          </a:bodyPr>
+          <a:lstStyle>
+            <a:lvl1pPr>
+              <a:lnSpc>
+                <a:spcPct val="90000"/>
+              </a:lnSpc>
+              <a:spcBef>
+                <a:spcPts val="1000"/>
+              </a:spcBef>
+              <a:buFont typeface="Arial" panose="020B0604020202020204" pitchFamily="34" charset="0"/>
+              <a:buChar char="•"/>
+              <a:defRPr sz="2800">
+                <a:solidFill>
+                  <a:schemeClr val="tx1"/>
+                </a:solidFill>
+                <a:latin typeface="Calibri" panose="020F0502020204030204" pitchFamily="34" charset="0"/>
+              </a:defRPr>
+            </a:lvl1pPr>
+            <a:lvl2pPr marL="742950" indent="-285750">
+              <a:lnSpc>
+                <a:spcPct val="90000"/>
+              </a:lnSpc>
+              <a:spcBef>
+                <a:spcPts val="500"/>
+              </a:spcBef>
+              <a:buFont typeface="Arial" panose="020B0604020202020204" pitchFamily="34" charset="0"/>
+              <a:buChar char="•"/>
+              <a:defRPr sz="2400">
+                <a:solidFill>
+                  <a:schemeClr val="tx1"/>
+                </a:solidFill>
+                <a:latin typeface="Calibri" panose="020F0502020204030204" pitchFamily="34" charset="0"/>
+              </a:defRPr>
+            </a:lvl2pPr>
+            <a:lvl3pPr marL="1143000" indent="-228600">
+              <a:lnSpc>
+                <a:spcPct val="90000"/>
+              </a:lnSpc>
+              <a:spcBef>
+                <a:spcPts val="500"/>
+              </a:spcBef>
+              <a:buFont typeface="Arial" panose="020B0604020202020204" pitchFamily="34" charset="0"/>
+              <a:buChar char="•"/>
+              <a:defRPr sz="2000">
+                <a:solidFill>
+                  <a:schemeClr val="tx1"/>
+                </a:solidFill>
+                <a:latin typeface="Calibri" panose="020F0502020204030204" pitchFamily="34" charset="0"/>
+              </a:defRPr>
+            </a:lvl3pPr>
+            <a:lvl4pPr marL="1600200" indent="-228600">
+              <a:lnSpc>
+                <a:spcPct val="90000"/>
+              </a:lnSpc>
+              <a:spcBef>
+                <a:spcPts val="500"/>
+              </a:spcBef>
+              <a:buFont typeface="Arial" panose="020B0604020202020204" pitchFamily="34" charset="0"/>
+              <a:buChar char="•"/>
+              <a:defRPr>
+                <a:solidFill>
+                  <a:schemeClr val="tx1"/>
+                </a:solidFill>
+                <a:latin typeface="Calibri" panose="020F0502020204030204" pitchFamily="34" charset="0"/>
+              </a:defRPr>
+            </a:lvl4pPr>
+            <a:lvl5pPr marL="2057400" indent="-228600">
+              <a:lnSpc>
+                <a:spcPct val="90000"/>
+              </a:lnSpc>
+              <a:spcBef>
+                <a:spcPts val="500"/>
+              </a:spcBef>
+              <a:buFont typeface="Arial" panose="020B0604020202020204" pitchFamily="34" charset="0"/>
+              <a:buChar char="•"/>
+              <a:defRPr>
+                <a:solidFill>
+                  <a:schemeClr val="tx1"/>
+                </a:solidFill>
+                <a:latin typeface="Calibri" panose="020F0502020204030204" pitchFamily="34" charset="0"/>
+              </a:defRPr>
+            </a:lvl5pPr>
+            <a:lvl6pPr marL="2514600" indent="-228600" eaLnBrk="0" fontAlgn="base" hangingPunct="0">
+              <a:lnSpc>
+                <a:spcPct val="90000"/>
+              </a:lnSpc>
+              <a:spcBef>
+                <a:spcPts val="500"/>
+              </a:spcBef>
+              <a:spcAft>
+                <a:spcPct val="0"/>
+              </a:spcAft>
+              <a:buFont typeface="Arial" panose="020B0604020202020204" pitchFamily="34" charset="0"/>
+              <a:buChar char="•"/>
+              <a:defRPr>
+                <a:solidFill>
+                  <a:schemeClr val="tx1"/>
+                </a:solidFill>
+                <a:latin typeface="Calibri" panose="020F0502020204030204" pitchFamily="34" charset="0"/>
+              </a:defRPr>
+            </a:lvl6pPr>
+            <a:lvl7pPr marL="2971800" indent="-228600" eaLnBrk="0" fontAlgn="base" hangingPunct="0">
+              <a:lnSpc>
+                <a:spcPct val="90000"/>
+              </a:lnSpc>
+              <a:spcBef>
+                <a:spcPts val="500"/>
+              </a:spcBef>
+              <a:spcAft>
+                <a:spcPct val="0"/>
+              </a:spcAft>
+              <a:buFont typeface="Arial" panose="020B0604020202020204" pitchFamily="34" charset="0"/>
+              <a:buChar char="•"/>
+              <a:defRPr>
+                <a:solidFill>
+                  <a:schemeClr val="tx1"/>
+                </a:solidFill>
+                <a:latin typeface="Calibri" panose="020F0502020204030204" pitchFamily="34" charset="0"/>
+              </a:defRPr>
+            </a:lvl7pPr>
+            <a:lvl8pPr marL="3429000" indent="-228600" eaLnBrk="0" fontAlgn="base" hangingPunct="0">
+              <a:lnSpc>
+                <a:spcPct val="90000"/>
+              </a:lnSpc>
+              <a:spcBef>
+                <a:spcPts val="500"/>
+              </a:spcBef>
+              <a:spcAft>
+                <a:spcPct val="0"/>
+              </a:spcAft>
+              <a:buFont typeface="Arial" panose="020B0604020202020204" pitchFamily="34" charset="0"/>
+              <a:buChar char="•"/>
+              <a:defRPr>
+                <a:solidFill>
+                  <a:schemeClr val="tx1"/>
+                </a:solidFill>
+                <a:latin typeface="Calibri" panose="020F0502020204030204" pitchFamily="34" charset="0"/>
+              </a:defRPr>
+            </a:lvl8pPr>
+            <a:lvl9pPr marL="3886200" indent="-228600" eaLnBrk="0" fontAlgn="base" hangingPunct="0">
+              <a:lnSpc>
+                <a:spcPct val="90000"/>
+              </a:lnSpc>
+              <a:spcBef>
+                <a:spcPts val="500"/>
+              </a:spcBef>
+              <a:spcAft>
+                <a:spcPct val="0"/>
+              </a:spcAft>
+              <a:buFont typeface="Arial" panose="020B0604020202020204" pitchFamily="34" charset="0"/>
+              <a:buChar char="•"/>
+              <a:defRPr>
+                <a:solidFill>
+                  <a:schemeClr val="tx1"/>
+                </a:solidFill>
+                <a:latin typeface="Calibri" panose="020F0502020204030204" pitchFamily="34" charset="0"/>
+              </a:defRPr>
+            </a:lvl9pPr>
+          </a:lstStyle>
+          <a:p>
+            <a:pPr eaLnBrk="1" hangingPunct="1">
+              <a:lnSpc>
+                <a:spcPct val="100000"/>
+              </a:lnSpc>
+              <a:spcBef>
+                <a:spcPct val="0"/>
+              </a:spcBef>
+              <a:buFontTx/>
+              <a:buNone/>
+            </a:pPr>
+            <a:r>
+              <a:rPr lang="fr-CA" altLang="fr-FR" sz="1800" dirty="0"/>
+              <a:t>Main Scoreboard (LAN)</a:t>
+            </a:r>
+          </a:p>
+        </p:txBody>
+      </p:sp>
+      <p:pic>
+        <p:nvPicPr>
+          <p:cNvPr id="96" name="Graphic 43" descr="Laptop">
+            <a:extLst>
+              <a:ext uri="{FF2B5EF4-FFF2-40B4-BE49-F238E27FC236}">
+                <a16:creationId xmlns:a16="http://schemas.microsoft.com/office/drawing/2014/main" id="{03C0225A-A617-4B91-AB38-8A5517A1D581}"/>
+              </a:ext>
+            </a:extLst>
+          </p:cNvPr>
+          <p:cNvPicPr>
+            <a:picLocks noChangeAspect="1" noChangeArrowheads="1"/>
+          </p:cNvPicPr>
+          <p:nvPr/>
+        </p:nvPicPr>
+        <p:blipFill>
+          <a:blip r:embed="rId2">
+            <a:extLst>
+              <a:ext uri="{28A0092B-C50C-407E-A947-70E740481C1C}">
+                <a14:useLocalDpi xmlns:a14="http://schemas.microsoft.com/office/drawing/2010/main" val="0"/>
+              </a:ext>
+            </a:extLst>
+          </a:blip>
+          <a:srcRect/>
+          <a:stretch>
+            <a:fillRect/>
+          </a:stretch>
+        </p:blipFill>
+        <p:spPr bwMode="auto">
+          <a:xfrm>
+            <a:off x="8780386" y="4127998"/>
+            <a:ext cx="914400" cy="914400"/>
+          </a:xfrm>
+          <a:prstGeom prst="rect">
+            <a:avLst/>
+          </a:prstGeom>
+          <a:noFill/>
+          <a:ln>
+            <a:noFill/>
+          </a:ln>
+          <a:extLst>
+            <a:ext uri="{909E8E84-426E-40DD-AFC4-6F175D3DCCD1}">
+              <a14:hiddenFill xmlns:a14="http://schemas.microsoft.com/office/drawing/2010/main">
+                <a:solidFill>
+                  <a:srgbClr val="FFFFFF"/>
+                </a:solidFill>
+              </a14:hiddenFill>
+            </a:ext>
+            <a:ext uri="{91240B29-F687-4F45-9708-019B960494DF}">
+              <a14:hiddenLine xmlns:a14="http://schemas.microsoft.com/office/drawing/2010/main" w="9525">
+                <a:solidFill>
+                  <a:srgbClr val="000000"/>
+                </a:solidFill>
+                <a:miter lim="800000"/>
+                <a:headEnd/>
+                <a:tailEnd/>
+              </a14:hiddenLine>
+            </a:ext>
+          </a:extLst>
+        </p:spPr>
+      </p:pic>
+      <p:sp>
+        <p:nvSpPr>
+          <p:cNvPr id="97" name="TextBox 126">
+            <a:extLst>
+              <a:ext uri="{FF2B5EF4-FFF2-40B4-BE49-F238E27FC236}">
+                <a16:creationId xmlns:a16="http://schemas.microsoft.com/office/drawing/2014/main" id="{0BF4F19C-6C56-439C-86F6-6ABEE3473765}"/>
+              </a:ext>
+            </a:extLst>
+          </p:cNvPr>
+          <p:cNvSpPr txBox="1">
+            <a:spLocks noChangeArrowheads="1"/>
+          </p:cNvSpPr>
+          <p:nvPr/>
+        </p:nvSpPr>
+        <p:spPr bwMode="auto">
+          <a:xfrm>
+            <a:off x="9705475" y="4208165"/>
+            <a:ext cx="1860746" cy="646331"/>
+          </a:xfrm>
+          <a:prstGeom prst="rect">
+            <a:avLst/>
+          </a:prstGeom>
+          <a:noFill/>
+          <a:ln>
+            <a:noFill/>
+          </a:ln>
+          <a:extLst>
+            <a:ext uri="{909E8E84-426E-40DD-AFC4-6F175D3DCCD1}">
+              <a14:hiddenFill xmlns:a14="http://schemas.microsoft.com/office/drawing/2010/main">
+                <a:solidFill>
+                  <a:srgbClr val="FFFFFF"/>
+                </a:solidFill>
+              </a14:hiddenFill>
+            </a:ext>
+            <a:ext uri="{91240B29-F687-4F45-9708-019B960494DF}">
+              <a14:hiddenLine xmlns:a14="http://schemas.microsoft.com/office/drawing/2010/main" w="9525">
+                <a:solidFill>
+                  <a:srgbClr val="000000"/>
+                </a:solidFill>
+                <a:miter lim="800000"/>
+                <a:headEnd/>
+                <a:tailEnd/>
+              </a14:hiddenLine>
+            </a:ext>
+          </a:extLst>
+        </p:spPr>
+        <p:txBody>
+          <a:bodyPr wrap="square">
+            <a:spAutoFit/>
+          </a:bodyPr>
+          <a:lstStyle>
+            <a:lvl1pPr>
+              <a:lnSpc>
+                <a:spcPct val="90000"/>
+              </a:lnSpc>
+              <a:spcBef>
+                <a:spcPts val="1000"/>
+              </a:spcBef>
+              <a:buFont typeface="Arial" panose="020B0604020202020204" pitchFamily="34" charset="0"/>
+              <a:buChar char="•"/>
+              <a:defRPr sz="2800">
+                <a:solidFill>
+                  <a:schemeClr val="tx1"/>
+                </a:solidFill>
+                <a:latin typeface="Calibri" panose="020F0502020204030204" pitchFamily="34" charset="0"/>
+              </a:defRPr>
+            </a:lvl1pPr>
+            <a:lvl2pPr marL="742950" indent="-285750">
+              <a:lnSpc>
+                <a:spcPct val="90000"/>
+              </a:lnSpc>
+              <a:spcBef>
+                <a:spcPts val="500"/>
+              </a:spcBef>
+              <a:buFont typeface="Arial" panose="020B0604020202020204" pitchFamily="34" charset="0"/>
+              <a:buChar char="•"/>
+              <a:defRPr sz="2400">
+                <a:solidFill>
+                  <a:schemeClr val="tx1"/>
+                </a:solidFill>
+                <a:latin typeface="Calibri" panose="020F0502020204030204" pitchFamily="34" charset="0"/>
+              </a:defRPr>
+            </a:lvl2pPr>
+            <a:lvl3pPr marL="1143000" indent="-228600">
+              <a:lnSpc>
+                <a:spcPct val="90000"/>
+              </a:lnSpc>
+              <a:spcBef>
+                <a:spcPts val="500"/>
+              </a:spcBef>
+              <a:buFont typeface="Arial" panose="020B0604020202020204" pitchFamily="34" charset="0"/>
+              <a:buChar char="•"/>
+              <a:defRPr sz="2000">
+                <a:solidFill>
+                  <a:schemeClr val="tx1"/>
+                </a:solidFill>
+                <a:latin typeface="Calibri" panose="020F0502020204030204" pitchFamily="34" charset="0"/>
+              </a:defRPr>
+            </a:lvl3pPr>
+            <a:lvl4pPr marL="1600200" indent="-228600">
+              <a:lnSpc>
+                <a:spcPct val="90000"/>
+              </a:lnSpc>
+              <a:spcBef>
+                <a:spcPts val="500"/>
+              </a:spcBef>
+              <a:buFont typeface="Arial" panose="020B0604020202020204" pitchFamily="34" charset="0"/>
+              <a:buChar char="•"/>
+              <a:defRPr>
+                <a:solidFill>
+                  <a:schemeClr val="tx1"/>
+                </a:solidFill>
+                <a:latin typeface="Calibri" panose="020F0502020204030204" pitchFamily="34" charset="0"/>
+              </a:defRPr>
+            </a:lvl4pPr>
+            <a:lvl5pPr marL="2057400" indent="-228600">
+              <a:lnSpc>
+                <a:spcPct val="90000"/>
+              </a:lnSpc>
+              <a:spcBef>
+                <a:spcPts val="500"/>
+              </a:spcBef>
+              <a:buFont typeface="Arial" panose="020B0604020202020204" pitchFamily="34" charset="0"/>
+              <a:buChar char="•"/>
+              <a:defRPr>
+                <a:solidFill>
+                  <a:schemeClr val="tx1"/>
+                </a:solidFill>
+                <a:latin typeface="Calibri" panose="020F0502020204030204" pitchFamily="34" charset="0"/>
+              </a:defRPr>
+            </a:lvl5pPr>
+            <a:lvl6pPr marL="2514600" indent="-228600" eaLnBrk="0" fontAlgn="base" hangingPunct="0">
+              <a:lnSpc>
+                <a:spcPct val="90000"/>
+              </a:lnSpc>
+              <a:spcBef>
+                <a:spcPts val="500"/>
+              </a:spcBef>
+              <a:spcAft>
+                <a:spcPct val="0"/>
+              </a:spcAft>
+              <a:buFont typeface="Arial" panose="020B0604020202020204" pitchFamily="34" charset="0"/>
+              <a:buChar char="•"/>
+              <a:defRPr>
+                <a:solidFill>
+                  <a:schemeClr val="tx1"/>
+                </a:solidFill>
+                <a:latin typeface="Calibri" panose="020F0502020204030204" pitchFamily="34" charset="0"/>
+              </a:defRPr>
+            </a:lvl6pPr>
+            <a:lvl7pPr marL="2971800" indent="-228600" eaLnBrk="0" fontAlgn="base" hangingPunct="0">
+              <a:lnSpc>
+                <a:spcPct val="90000"/>
+              </a:lnSpc>
+              <a:spcBef>
+                <a:spcPts val="500"/>
+              </a:spcBef>
+              <a:spcAft>
+                <a:spcPct val="0"/>
+              </a:spcAft>
+              <a:buFont typeface="Arial" panose="020B0604020202020204" pitchFamily="34" charset="0"/>
+              <a:buChar char="•"/>
+              <a:defRPr>
+                <a:solidFill>
+                  <a:schemeClr val="tx1"/>
+                </a:solidFill>
+                <a:latin typeface="Calibri" panose="020F0502020204030204" pitchFamily="34" charset="0"/>
+              </a:defRPr>
+            </a:lvl7pPr>
+            <a:lvl8pPr marL="3429000" indent="-228600" eaLnBrk="0" fontAlgn="base" hangingPunct="0">
+              <a:lnSpc>
+                <a:spcPct val="90000"/>
+              </a:lnSpc>
+              <a:spcBef>
+                <a:spcPts val="500"/>
+              </a:spcBef>
+              <a:spcAft>
+                <a:spcPct val="0"/>
+              </a:spcAft>
+              <a:buFont typeface="Arial" panose="020B0604020202020204" pitchFamily="34" charset="0"/>
+              <a:buChar char="•"/>
+              <a:defRPr>
+                <a:solidFill>
+                  <a:schemeClr val="tx1"/>
+                </a:solidFill>
+                <a:latin typeface="Calibri" panose="020F0502020204030204" pitchFamily="34" charset="0"/>
+              </a:defRPr>
+            </a:lvl8pPr>
+            <a:lvl9pPr marL="3886200" indent="-228600" eaLnBrk="0" fontAlgn="base" hangingPunct="0">
+              <a:lnSpc>
+                <a:spcPct val="90000"/>
+              </a:lnSpc>
+              <a:spcBef>
+                <a:spcPts val="500"/>
+              </a:spcBef>
+              <a:spcAft>
+                <a:spcPct val="0"/>
+              </a:spcAft>
+              <a:buFont typeface="Arial" panose="020B0604020202020204" pitchFamily="34" charset="0"/>
+              <a:buChar char="•"/>
+              <a:defRPr>
+                <a:solidFill>
+                  <a:schemeClr val="tx1"/>
+                </a:solidFill>
+                <a:latin typeface="Calibri" panose="020F0502020204030204" pitchFamily="34" charset="0"/>
+              </a:defRPr>
+            </a:lvl9pPr>
+          </a:lstStyle>
+          <a:p>
+            <a:pPr eaLnBrk="1" hangingPunct="1">
+              <a:lnSpc>
+                <a:spcPct val="100000"/>
+              </a:lnSpc>
+              <a:spcBef>
+                <a:spcPct val="0"/>
+              </a:spcBef>
+              <a:buFontTx/>
+              <a:buNone/>
+            </a:pPr>
+            <a:r>
+              <a:rPr lang="fr-CA" altLang="fr-FR" sz="1800" dirty="0" err="1"/>
+              <a:t>Warmup</a:t>
+            </a:r>
+            <a:br>
+              <a:rPr lang="fr-CA" altLang="fr-FR" sz="1800" dirty="0"/>
+            </a:br>
+            <a:r>
+              <a:rPr lang="fr-CA" altLang="fr-FR" sz="1800" dirty="0"/>
+              <a:t>Scoreboard (LAN)</a:t>
+            </a:r>
+          </a:p>
+        </p:txBody>
+      </p:sp>
+      <p:pic>
+        <p:nvPicPr>
+          <p:cNvPr id="102" name="Graphic 157" descr="Laptop">
+            <a:extLst>
+              <a:ext uri="{FF2B5EF4-FFF2-40B4-BE49-F238E27FC236}">
+                <a16:creationId xmlns:a16="http://schemas.microsoft.com/office/drawing/2014/main" id="{F9C38CB0-D726-4D8F-BEEB-2F8163893542}"/>
+              </a:ext>
+            </a:extLst>
+          </p:cNvPr>
+          <p:cNvPicPr>
+            <a:picLocks noChangeAspect="1" noChangeArrowheads="1"/>
+          </p:cNvPicPr>
+          <p:nvPr/>
+        </p:nvPicPr>
+        <p:blipFill>
+          <a:blip r:embed="rId5">
+            <a:extLst>
+              <a:ext uri="{28A0092B-C50C-407E-A947-70E740481C1C}">
+                <a14:useLocalDpi xmlns:a14="http://schemas.microsoft.com/office/drawing/2010/main" val="0"/>
+              </a:ext>
+            </a:extLst>
+          </a:blip>
+          <a:srcRect/>
+          <a:stretch>
+            <a:fillRect/>
+          </a:stretch>
+        </p:blipFill>
+        <p:spPr bwMode="auto">
+          <a:xfrm>
+            <a:off x="2373288" y="4979355"/>
+            <a:ext cx="914400" cy="914400"/>
+          </a:xfrm>
+          <a:prstGeom prst="rect">
+            <a:avLst/>
+          </a:prstGeom>
+          <a:noFill/>
+          <a:ln>
+            <a:noFill/>
+          </a:ln>
+          <a:extLst>
+            <a:ext uri="{909E8E84-426E-40DD-AFC4-6F175D3DCCD1}">
+              <a14:hiddenFill xmlns:a14="http://schemas.microsoft.com/office/drawing/2010/main">
+                <a:solidFill>
+                  <a:srgbClr val="FFFFFF"/>
+                </a:solidFill>
+              </a14:hiddenFill>
+            </a:ext>
+            <a:ext uri="{91240B29-F687-4F45-9708-019B960494DF}">
+              <a14:hiddenLine xmlns:a14="http://schemas.microsoft.com/office/drawing/2010/main" w="9525">
+                <a:solidFill>
+                  <a:srgbClr val="000000"/>
+                </a:solidFill>
+                <a:miter lim="800000"/>
+                <a:headEnd/>
+                <a:tailEnd/>
+              </a14:hiddenLine>
+            </a:ext>
+          </a:extLst>
+        </p:spPr>
+      </p:pic>
+      <p:sp>
+        <p:nvSpPr>
+          <p:cNvPr id="103" name="TextBox 156">
+            <a:extLst>
+              <a:ext uri="{FF2B5EF4-FFF2-40B4-BE49-F238E27FC236}">
+                <a16:creationId xmlns:a16="http://schemas.microsoft.com/office/drawing/2014/main" id="{3122AE63-2B4F-4C90-B162-156D638775A9}"/>
+              </a:ext>
+            </a:extLst>
+          </p:cNvPr>
+          <p:cNvSpPr txBox="1">
+            <a:spLocks noChangeArrowheads="1"/>
+          </p:cNvSpPr>
+          <p:nvPr/>
+        </p:nvSpPr>
+        <p:spPr bwMode="auto">
+          <a:xfrm>
+            <a:off x="2209190" y="5691460"/>
+            <a:ext cx="1294522" cy="646331"/>
+          </a:xfrm>
+          <a:prstGeom prst="rect">
+            <a:avLst/>
+          </a:prstGeom>
+          <a:noFill/>
+          <a:ln>
+            <a:noFill/>
+          </a:ln>
+          <a:extLst>
+            <a:ext uri="{909E8E84-426E-40DD-AFC4-6F175D3DCCD1}">
+              <a14:hiddenFill xmlns:a14="http://schemas.microsoft.com/office/drawing/2010/main">
+                <a:solidFill>
+                  <a:srgbClr val="FFFFFF"/>
+                </a:solidFill>
+              </a14:hiddenFill>
+            </a:ext>
+            <a:ext uri="{91240B29-F687-4F45-9708-019B960494DF}">
+              <a14:hiddenLine xmlns:a14="http://schemas.microsoft.com/office/drawing/2010/main" w="9525">
+                <a:solidFill>
+                  <a:srgbClr val="000000"/>
+                </a:solidFill>
+                <a:miter lim="800000"/>
+                <a:headEnd/>
+                <a:tailEnd/>
+              </a14:hiddenLine>
+            </a:ext>
+          </a:extLst>
+        </p:spPr>
+        <p:txBody>
+          <a:bodyPr wrap="none">
+            <a:spAutoFit/>
+          </a:bodyPr>
+          <a:lstStyle>
+            <a:lvl1pPr>
+              <a:lnSpc>
+                <a:spcPct val="90000"/>
+              </a:lnSpc>
+              <a:spcBef>
+                <a:spcPts val="1000"/>
+              </a:spcBef>
+              <a:buFont typeface="Arial" panose="020B0604020202020204" pitchFamily="34" charset="0"/>
+              <a:buChar char="•"/>
+              <a:defRPr sz="2800">
+                <a:solidFill>
+                  <a:schemeClr val="tx1"/>
+                </a:solidFill>
+                <a:latin typeface="Calibri" panose="020F0502020204030204" pitchFamily="34" charset="0"/>
+              </a:defRPr>
+            </a:lvl1pPr>
+            <a:lvl2pPr marL="742950" indent="-285750">
+              <a:lnSpc>
+                <a:spcPct val="90000"/>
+              </a:lnSpc>
+              <a:spcBef>
+                <a:spcPts val="500"/>
+              </a:spcBef>
+              <a:buFont typeface="Arial" panose="020B0604020202020204" pitchFamily="34" charset="0"/>
+              <a:buChar char="•"/>
+              <a:defRPr sz="2400">
+                <a:solidFill>
+                  <a:schemeClr val="tx1"/>
+                </a:solidFill>
+                <a:latin typeface="Calibri" panose="020F0502020204030204" pitchFamily="34" charset="0"/>
+              </a:defRPr>
+            </a:lvl2pPr>
+            <a:lvl3pPr marL="1143000" indent="-228600">
+              <a:lnSpc>
+                <a:spcPct val="90000"/>
+              </a:lnSpc>
+              <a:spcBef>
+                <a:spcPts val="500"/>
+              </a:spcBef>
+              <a:buFont typeface="Arial" panose="020B0604020202020204" pitchFamily="34" charset="0"/>
+              <a:buChar char="•"/>
+              <a:defRPr sz="2000">
+                <a:solidFill>
+                  <a:schemeClr val="tx1"/>
+                </a:solidFill>
+                <a:latin typeface="Calibri" panose="020F0502020204030204" pitchFamily="34" charset="0"/>
+              </a:defRPr>
+            </a:lvl3pPr>
+            <a:lvl4pPr marL="1600200" indent="-228600">
+              <a:lnSpc>
+                <a:spcPct val="90000"/>
+              </a:lnSpc>
+              <a:spcBef>
+                <a:spcPts val="500"/>
+              </a:spcBef>
+              <a:buFont typeface="Arial" panose="020B0604020202020204" pitchFamily="34" charset="0"/>
+              <a:buChar char="•"/>
+              <a:defRPr>
+                <a:solidFill>
+                  <a:schemeClr val="tx1"/>
+                </a:solidFill>
+                <a:latin typeface="Calibri" panose="020F0502020204030204" pitchFamily="34" charset="0"/>
+              </a:defRPr>
+            </a:lvl4pPr>
+            <a:lvl5pPr marL="2057400" indent="-228600">
+              <a:lnSpc>
+                <a:spcPct val="90000"/>
+              </a:lnSpc>
+              <a:spcBef>
+                <a:spcPts val="500"/>
+              </a:spcBef>
+              <a:buFont typeface="Arial" panose="020B0604020202020204" pitchFamily="34" charset="0"/>
+              <a:buChar char="•"/>
+              <a:defRPr>
+                <a:solidFill>
+                  <a:schemeClr val="tx1"/>
+                </a:solidFill>
+                <a:latin typeface="Calibri" panose="020F0502020204030204" pitchFamily="34" charset="0"/>
+              </a:defRPr>
+            </a:lvl5pPr>
+            <a:lvl6pPr marL="2514600" indent="-228600" eaLnBrk="0" fontAlgn="base" hangingPunct="0">
+              <a:lnSpc>
+                <a:spcPct val="90000"/>
+              </a:lnSpc>
+              <a:spcBef>
+                <a:spcPts val="500"/>
+              </a:spcBef>
+              <a:spcAft>
+                <a:spcPct val="0"/>
+              </a:spcAft>
+              <a:buFont typeface="Arial" panose="020B0604020202020204" pitchFamily="34" charset="0"/>
+              <a:buChar char="•"/>
+              <a:defRPr>
+                <a:solidFill>
+                  <a:schemeClr val="tx1"/>
+                </a:solidFill>
+                <a:latin typeface="Calibri" panose="020F0502020204030204" pitchFamily="34" charset="0"/>
+              </a:defRPr>
+            </a:lvl6pPr>
+            <a:lvl7pPr marL="2971800" indent="-228600" eaLnBrk="0" fontAlgn="base" hangingPunct="0">
+              <a:lnSpc>
+                <a:spcPct val="90000"/>
+              </a:lnSpc>
+              <a:spcBef>
+                <a:spcPts val="500"/>
+              </a:spcBef>
+              <a:spcAft>
+                <a:spcPct val="0"/>
+              </a:spcAft>
+              <a:buFont typeface="Arial" panose="020B0604020202020204" pitchFamily="34" charset="0"/>
+              <a:buChar char="•"/>
+              <a:defRPr>
+                <a:solidFill>
+                  <a:schemeClr val="tx1"/>
+                </a:solidFill>
+                <a:latin typeface="Calibri" panose="020F0502020204030204" pitchFamily="34" charset="0"/>
+              </a:defRPr>
+            </a:lvl7pPr>
+            <a:lvl8pPr marL="3429000" indent="-228600" eaLnBrk="0" fontAlgn="base" hangingPunct="0">
+              <a:lnSpc>
+                <a:spcPct val="90000"/>
+              </a:lnSpc>
+              <a:spcBef>
+                <a:spcPts val="500"/>
+              </a:spcBef>
+              <a:spcAft>
+                <a:spcPct val="0"/>
+              </a:spcAft>
+              <a:buFont typeface="Arial" panose="020B0604020202020204" pitchFamily="34" charset="0"/>
+              <a:buChar char="•"/>
+              <a:defRPr>
+                <a:solidFill>
+                  <a:schemeClr val="tx1"/>
+                </a:solidFill>
+                <a:latin typeface="Calibri" panose="020F0502020204030204" pitchFamily="34" charset="0"/>
+              </a:defRPr>
+            </a:lvl8pPr>
+            <a:lvl9pPr marL="3886200" indent="-228600" eaLnBrk="0" fontAlgn="base" hangingPunct="0">
+              <a:lnSpc>
+                <a:spcPct val="90000"/>
+              </a:lnSpc>
+              <a:spcBef>
+                <a:spcPts val="500"/>
+              </a:spcBef>
+              <a:spcAft>
+                <a:spcPct val="0"/>
+              </a:spcAft>
+              <a:buFont typeface="Arial" panose="020B0604020202020204" pitchFamily="34" charset="0"/>
+              <a:buChar char="•"/>
+              <a:defRPr>
+                <a:solidFill>
+                  <a:schemeClr val="tx1"/>
+                </a:solidFill>
+                <a:latin typeface="Calibri" panose="020F0502020204030204" pitchFamily="34" charset="0"/>
+              </a:defRPr>
+            </a:lvl9pPr>
+          </a:lstStyle>
+          <a:p>
+            <a:pPr algn="ctr" eaLnBrk="1" hangingPunct="1">
+              <a:lnSpc>
+                <a:spcPct val="100000"/>
+              </a:lnSpc>
+              <a:spcBef>
+                <a:spcPct val="0"/>
+              </a:spcBef>
+              <a:buFontTx/>
+              <a:buNone/>
+            </a:pPr>
+            <a:r>
+              <a:rPr lang="fr-CA" altLang="fr-FR" sz="1800" dirty="0" err="1"/>
+              <a:t>Timekeeper</a:t>
+            </a:r>
+            <a:br>
+              <a:rPr lang="fr-CA" altLang="fr-FR" sz="1800" dirty="0"/>
+            </a:br>
+            <a:r>
+              <a:rPr lang="fr-CA" altLang="fr-FR" sz="1800" dirty="0"/>
+              <a:t>(</a:t>
+            </a:r>
+            <a:r>
+              <a:rPr lang="fr-CA" altLang="fr-FR" sz="1800" dirty="0" err="1"/>
+              <a:t>WiFi</a:t>
+            </a:r>
+            <a:r>
+              <a:rPr lang="fr-CA" altLang="fr-FR" sz="1800" dirty="0"/>
+              <a:t>)</a:t>
+            </a:r>
+          </a:p>
+        </p:txBody>
+      </p:sp>
+      <p:cxnSp>
+        <p:nvCxnSpPr>
+          <p:cNvPr id="118" name="Connector: Curved 117">
+            <a:extLst>
+              <a:ext uri="{FF2B5EF4-FFF2-40B4-BE49-F238E27FC236}">
+                <a16:creationId xmlns:a16="http://schemas.microsoft.com/office/drawing/2014/main" id="{0822B15E-E643-4D3B-906A-FC6C224E049A}"/>
+              </a:ext>
+            </a:extLst>
+          </p:cNvPr>
+          <p:cNvCxnSpPr>
+            <a:cxnSpLocks/>
+            <a:stCxn id="96" idx="1"/>
+            <a:endCxn id="2" idx="2"/>
+          </p:cNvCxnSpPr>
+          <p:nvPr/>
+        </p:nvCxnSpPr>
+        <p:spPr>
+          <a:xfrm rot="10800000">
+            <a:off x="7503558" y="4246936"/>
+            <a:ext cx="1276828" cy="338262"/>
+          </a:xfrm>
+          <a:prstGeom prst="curvedConnector2">
+            <a:avLst/>
+          </a:prstGeom>
+          <a:ln>
+            <a:tailEnd type="triangle"/>
+          </a:ln>
+        </p:spPr>
+        <p:style>
+          <a:lnRef idx="1">
+            <a:schemeClr val="accent1"/>
+          </a:lnRef>
+          <a:fillRef idx="0">
+            <a:schemeClr val="accent1"/>
+          </a:fillRef>
+          <a:effectRef idx="0">
+            <a:schemeClr val="accent1"/>
+          </a:effectRef>
+          <a:fontRef idx="minor">
+            <a:schemeClr val="tx1"/>
+          </a:fontRef>
+        </p:style>
+      </p:cxnSp>
+      <p:sp>
+        <p:nvSpPr>
+          <p:cNvPr id="129" name="TextBox 128">
+            <a:extLst>
+              <a:ext uri="{FF2B5EF4-FFF2-40B4-BE49-F238E27FC236}">
+                <a16:creationId xmlns:a16="http://schemas.microsoft.com/office/drawing/2014/main" id="{24082370-CE64-4197-B870-4FBD71BD100B}"/>
+              </a:ext>
+            </a:extLst>
+          </p:cNvPr>
+          <p:cNvSpPr txBox="1"/>
+          <p:nvPr/>
+        </p:nvSpPr>
+        <p:spPr>
+          <a:xfrm>
+            <a:off x="7498787" y="4125680"/>
+            <a:ext cx="922047" cy="369332"/>
+          </a:xfrm>
+          <a:prstGeom prst="rect">
+            <a:avLst/>
+          </a:prstGeom>
+          <a:noFill/>
+        </p:spPr>
+        <p:txBody>
+          <a:bodyPr wrap="none" rtlCol="0">
+            <a:spAutoFit/>
+          </a:bodyPr>
+          <a:lstStyle/>
+          <a:p>
+            <a:r>
+              <a:rPr lang="fr-CA" dirty="0"/>
+              <a:t>LAN 1-4</a:t>
+            </a:r>
+          </a:p>
+        </p:txBody>
+      </p:sp>
+      <p:sp>
+        <p:nvSpPr>
+          <p:cNvPr id="130" name="TextBox 129">
+            <a:extLst>
+              <a:ext uri="{FF2B5EF4-FFF2-40B4-BE49-F238E27FC236}">
+                <a16:creationId xmlns:a16="http://schemas.microsoft.com/office/drawing/2014/main" id="{C2A3489C-7580-4355-80A8-CF73B3677681}"/>
+              </a:ext>
+            </a:extLst>
+          </p:cNvPr>
+          <p:cNvSpPr txBox="1"/>
+          <p:nvPr/>
+        </p:nvSpPr>
+        <p:spPr>
+          <a:xfrm>
+            <a:off x="5438462" y="4127235"/>
+            <a:ext cx="922047" cy="369332"/>
+          </a:xfrm>
+          <a:prstGeom prst="rect">
+            <a:avLst/>
+          </a:prstGeom>
+          <a:noFill/>
+        </p:spPr>
+        <p:txBody>
+          <a:bodyPr wrap="none" rtlCol="0">
+            <a:spAutoFit/>
+          </a:bodyPr>
+          <a:lstStyle/>
+          <a:p>
+            <a:r>
+              <a:rPr lang="fr-CA" dirty="0"/>
+              <a:t>LAN 1-4</a:t>
+            </a:r>
+          </a:p>
+        </p:txBody>
+      </p:sp>
+    </p:spTree>
+    <p:extLst>
+      <p:ext uri="{BB962C8B-B14F-4D97-AF65-F5344CB8AC3E}">
+        <p14:creationId xmlns:p14="http://schemas.microsoft.com/office/powerpoint/2010/main" val="709964997"/>
+      </p:ext>
+    </p:extLst>
+  </p:cSld>
+  <p:clrMapOvr>
+    <a:masterClrMapping/>
+  </p:clrMapOvr>
+</p:sld>
+</file>
+
+<file path=ppt/slides/slide3.xml><?xml version="1.0" encoding="utf-8"?>
+<p:sld xmlns:a="http://schemas.openxmlformats.org/drawingml/2006/main" xmlns:r="http://schemas.openxmlformats.org/officeDocument/2006/relationships" xmlns:p="http://schemas.openxmlformats.org/presentationml/2006/main">
+  <p:cSld>
+    <p:spTree>
+      <p:nvGrpSpPr>
+        <p:cNvPr id="1" name=""/>
+        <p:cNvGrpSpPr/>
+        <p:nvPr/>
+      </p:nvGrpSpPr>
+      <p:grpSpPr>
+        <a:xfrm>
+          <a:off x="0" y="0"/>
+          <a:ext cx="0" cy="0"/>
+          <a:chOff x="0" y="0"/>
+          <a:chExt cx="0" cy="0"/>
+        </a:xfrm>
+      </p:grpSpPr>
+      <p:sp>
+        <p:nvSpPr>
+          <p:cNvPr id="2" name="Title 1">
+            <a:extLst>
+              <a:ext uri="{FF2B5EF4-FFF2-40B4-BE49-F238E27FC236}">
+                <a16:creationId xmlns:a16="http://schemas.microsoft.com/office/drawing/2014/main" id="{9A8BCA8C-6F0F-4E44-87DD-DC8072E22E51}"/>
+              </a:ext>
+            </a:extLst>
+          </p:cNvPr>
+          <p:cNvSpPr>
+            <a:spLocks noGrp="1"/>
+          </p:cNvSpPr>
+          <p:nvPr>
+            <p:ph type="title"/>
+          </p:nvPr>
+        </p:nvSpPr>
+        <p:spPr/>
+        <p:txBody>
+          <a:bodyPr/>
+          <a:lstStyle/>
+          <a:p>
+            <a:r>
+              <a:rPr lang="fr-CA" dirty="0" err="1"/>
+              <a:t>Isolated</a:t>
+            </a:r>
+            <a:r>
+              <a:rPr lang="fr-CA" dirty="0"/>
+              <a:t> Setup for </a:t>
+            </a:r>
+            <a:r>
+              <a:rPr lang="fr-CA" dirty="0" err="1"/>
+              <a:t>Individual</a:t>
+            </a:r>
+            <a:r>
+              <a:rPr lang="fr-CA" dirty="0"/>
+              <a:t> Scoreboards</a:t>
+            </a:r>
+          </a:p>
+        </p:txBody>
+      </p:sp>
+      <p:sp>
+        <p:nvSpPr>
+          <p:cNvPr id="3" name="Content Placeholder 2">
+            <a:extLst>
+              <a:ext uri="{FF2B5EF4-FFF2-40B4-BE49-F238E27FC236}">
+                <a16:creationId xmlns:a16="http://schemas.microsoft.com/office/drawing/2014/main" id="{C366A808-D5C2-4DE7-9D42-5CEAA83D20CB}"/>
+              </a:ext>
+            </a:extLst>
+          </p:cNvPr>
+          <p:cNvSpPr>
+            <a:spLocks noGrp="1"/>
+          </p:cNvSpPr>
+          <p:nvPr>
+            <p:ph idx="1"/>
+          </p:nvPr>
+        </p:nvSpPr>
+        <p:spPr/>
+        <p:txBody>
+          <a:bodyPr/>
+          <a:lstStyle/>
+          <a:p>
+            <a:r>
+              <a:rPr lang="en-CA" dirty="0"/>
+              <a:t>This setup reverses the role of the routers to prevent vandalism of the </a:t>
+            </a:r>
+            <a:r>
+              <a:rPr lang="en-CA"/>
+              <a:t>competition network</a:t>
+            </a:r>
+            <a:endParaRPr lang="en-CA" dirty="0"/>
+          </a:p>
+          <a:p>
+            <a:pPr lvl="1"/>
+            <a:r>
+              <a:rPr lang="en-CA" dirty="0"/>
+              <a:t>The « main » router is the one in the warmup area</a:t>
+            </a:r>
+          </a:p>
+          <a:p>
+            <a:pPr lvl="1"/>
+            <a:r>
+              <a:rPr lang="en-CA" dirty="0"/>
+              <a:t>The competition floor router is protected because the machines on the brown network cannot see the machines in the blue network</a:t>
+            </a:r>
+          </a:p>
+          <a:p>
+            <a:pPr lvl="1"/>
+            <a:r>
+              <a:rPr lang="en-CA" dirty="0"/>
+              <a:t>The setup works because owlcms initiates the connection to </a:t>
+            </a:r>
+            <a:r>
+              <a:rPr lang="en-CA" dirty="0" err="1"/>
+              <a:t>publicresults</a:t>
+            </a:r>
+            <a:endParaRPr lang="en-CA" dirty="0"/>
+          </a:p>
+          <a:p>
+            <a:r>
+              <a:rPr lang="en-CA" dirty="0"/>
+              <a:t>If you also need other machines in the attendance network that need to connect back to owlcms, then</a:t>
+            </a:r>
+          </a:p>
+          <a:p>
+            <a:pPr lvl="1"/>
+            <a:r>
+              <a:rPr lang="en-CA" dirty="0"/>
+              <a:t>The blue router must open of its ports (for example, port 8080) and redirect it to owlcms</a:t>
+            </a:r>
+          </a:p>
+          <a:p>
+            <a:pPr lvl="1"/>
+            <a:r>
+              <a:rPr lang="en-CA" dirty="0"/>
+              <a:t>The machines on the brown network will use the address of the blue router as seen on the brown network, and use that as their destination.</a:t>
+            </a:r>
+          </a:p>
+        </p:txBody>
+      </p:sp>
+    </p:spTree>
+    <p:extLst>
+      <p:ext uri="{BB962C8B-B14F-4D97-AF65-F5344CB8AC3E}">
+        <p14:creationId xmlns:p14="http://schemas.microsoft.com/office/powerpoint/2010/main" val="1305227578"/>
+      </p:ext>
+    </p:extLst>
+  </p:cSld>
+  <p:clrMapOvr>
+    <a:masterClrMapping/>
+  </p:clrMapOvr>
+</p:sld>
+</file>
+
+<file path=ppt/slides/slide4.xml><?xml version="1.0" encoding="utf-8"?>
+<p:sld xmlns:a="http://schemas.openxmlformats.org/drawingml/2006/main" xmlns:r="http://schemas.openxmlformats.org/officeDocument/2006/relationships" xmlns:p="http://schemas.openxmlformats.org/presentationml/2006/main">
+  <p:cSld>
+    <p:spTree>
+      <p:nvGrpSpPr>
+        <p:cNvPr id="1" name=""/>
+        <p:cNvGrpSpPr/>
+        <p:nvPr/>
+      </p:nvGrpSpPr>
+      <p:grpSpPr>
+        <a:xfrm>
+          <a:off x="0" y="0"/>
+          <a:ext cx="0" cy="0"/>
+          <a:chOff x="0" y="0"/>
+          <a:chExt cx="0" cy="0"/>
+        </a:xfrm>
+      </p:grpSpPr>
       <p:pic>
         <p:nvPicPr>
           <p:cNvPr id="2050" name="Graphic 4" descr="Laptop">
